--- a/CANTINHO FRATERNO.pptx
+++ b/CANTINHO FRATERNO.pptx
@@ -5,7 +5,7 @@
     <p:sldMasterId id="2147483657" r:id="rId2"/>
   </p:sldMasterIdLst>
   <p:notesMasterIdLst>
-    <p:notesMasterId r:id="rId12"/>
+    <p:notesMasterId r:id="rId23"/>
   </p:notesMasterIdLst>
   <p:sldIdLst>
     <p:sldId id="256" r:id="rId3"/>
@@ -13,10 +13,21 @@
     <p:sldId id="261" r:id="rId5"/>
     <p:sldId id="263" r:id="rId6"/>
     <p:sldId id="264" r:id="rId7"/>
-    <p:sldId id="262" r:id="rId8"/>
-    <p:sldId id="259" r:id="rId9"/>
-    <p:sldId id="260" r:id="rId10"/>
-    <p:sldId id="257" r:id="rId11"/>
+    <p:sldId id="266" r:id="rId8"/>
+    <p:sldId id="267" r:id="rId9"/>
+    <p:sldId id="270" r:id="rId10"/>
+    <p:sldId id="265" r:id="rId11"/>
+    <p:sldId id="268" r:id="rId12"/>
+    <p:sldId id="269" r:id="rId13"/>
+    <p:sldId id="262" r:id="rId14"/>
+    <p:sldId id="259" r:id="rId15"/>
+    <p:sldId id="260" r:id="rId16"/>
+    <p:sldId id="257" r:id="rId17"/>
+    <p:sldId id="275" r:id="rId18"/>
+    <p:sldId id="273" r:id="rId19"/>
+    <p:sldId id="272" r:id="rId20"/>
+    <p:sldId id="271" r:id="rId21"/>
+    <p:sldId id="274" r:id="rId22"/>
   </p:sldIdLst>
   <p:sldSz cx="9144000" cy="6858000" type="screen4x3"/>
   <p:notesSz cx="7010400" cy="9296400"/>
@@ -938,7 +949,7 @@
             <a:fld id="{90236B5E-CB02-4739-8717-3692B40A1A96}" type="slidenum">
               <a:rPr lang="pt-BR"/>
               <a:pPr/>
-              <a:t>6</a:t>
+              <a:t>12</a:t>
             </a:fld>
             <a:endParaRPr lang="pt-BR"/>
           </a:p>
@@ -981,6 +992,95 @@
     <p:extLst>
       <p:ext uri="{BB962C8B-B14F-4D97-AF65-F5344CB8AC3E}">
         <p14:creationId xmlns:p14="http://schemas.microsoft.com/office/powerpoint/2010/main" val="1045585655"/>
+      </p:ext>
+    </p:extLst>
+  </p:cSld>
+  <p:clrMapOvr>
+    <a:masterClrMapping/>
+  </p:clrMapOvr>
+</p:notes>
+</file>
+
+<file path=ppt/notesSlides/notesSlide4.xml><?xml version="1.0" encoding="utf-8"?>
+<p:notes xmlns:a="http://schemas.openxmlformats.org/drawingml/2006/main" xmlns:r="http://schemas.openxmlformats.org/officeDocument/2006/relationships" xmlns:p="http://schemas.openxmlformats.org/presentationml/2006/main">
+  <p:cSld>
+    <p:spTree>
+      <p:nvGrpSpPr>
+        <p:cNvPr id="1" name=""/>
+        <p:cNvGrpSpPr/>
+        <p:nvPr/>
+      </p:nvGrpSpPr>
+      <p:grpSpPr>
+        <a:xfrm>
+          <a:off x="0" y="0"/>
+          <a:ext cx="0" cy="0"/>
+          <a:chOff x="0" y="0"/>
+          <a:chExt cx="0" cy="0"/>
+        </a:xfrm>
+      </p:grpSpPr>
+      <p:sp>
+        <p:nvSpPr>
+          <p:cNvPr id="7" name="Rectangle 7"/>
+          <p:cNvSpPr>
+            <a:spLocks noGrp="1" noChangeArrowheads="1"/>
+          </p:cNvSpPr>
+          <p:nvPr>
+            <p:ph type="sldNum" sz="quarter" idx="5"/>
+          </p:nvPr>
+        </p:nvSpPr>
+        <p:spPr>
+          <a:ln/>
+        </p:spPr>
+        <p:txBody>
+          <a:bodyPr/>
+          <a:lstStyle/>
+          <a:p>
+            <a:fld id="{90236B5E-CB02-4739-8717-3692B40A1A96}" type="slidenum">
+              <a:rPr lang="pt-BR"/>
+              <a:pPr/>
+              <a:t>20</a:t>
+            </a:fld>
+            <a:endParaRPr lang="pt-BR"/>
+          </a:p>
+        </p:txBody>
+      </p:sp>
+      <p:sp>
+        <p:nvSpPr>
+          <p:cNvPr id="24578" name="Rectangle 2"/>
+          <p:cNvSpPr>
+            <a:spLocks noGrp="1" noRot="1" noChangeAspect="1" noChangeArrowheads="1" noTextEdit="1"/>
+          </p:cNvSpPr>
+          <p:nvPr>
+            <p:ph type="sldImg"/>
+          </p:nvPr>
+        </p:nvSpPr>
+        <p:spPr>
+          <a:ln/>
+        </p:spPr>
+      </p:sp>
+      <p:sp>
+        <p:nvSpPr>
+          <p:cNvPr id="24579" name="Rectangle 3"/>
+          <p:cNvSpPr>
+            <a:spLocks noGrp="1" noChangeArrowheads="1"/>
+          </p:cNvSpPr>
+          <p:nvPr>
+            <p:ph type="body" idx="1"/>
+          </p:nvPr>
+        </p:nvSpPr>
+        <p:spPr/>
+        <p:txBody>
+          <a:bodyPr/>
+          <a:lstStyle/>
+          <a:p>
+            <a:endParaRPr lang="pt-BR"/>
+          </a:p>
+        </p:txBody>
+      </p:sp>
+    </p:spTree>
+    <p:extLst>
+      <p:ext uri="{BB962C8B-B14F-4D97-AF65-F5344CB8AC3E}">
+        <p14:creationId xmlns:p14="http://schemas.microsoft.com/office/powerpoint/2010/main" val="2730875484"/>
       </p:ext>
     </p:extLst>
   </p:cSld>
@@ -5238,8 +5338,19 @@
           <a:p>
             <a:r>
               <a:rPr lang="pt-BR" sz="2800" dirty="0"/>
-              <a:t>SISTEMA WEB PARA O BAZAR</a:t>
-            </a:r>
+              <a:t>SISTEMA WEB PARA O </a:t>
+            </a:r>
+            <a:r>
+              <a:rPr lang="pt-BR" sz="2800" dirty="0" smtClean="0"/>
+              <a:t>BAZAR</a:t>
+            </a:r>
+          </a:p>
+          <a:p>
+            <a:r>
+              <a:rPr lang="pt-BR" sz="2800" dirty="0" smtClean="0"/>
+              <a:t>T.I. 33 - 2020</a:t>
+            </a:r>
+            <a:endParaRPr lang="pt-BR" sz="2800" dirty="0"/>
           </a:p>
         </p:txBody>
       </p:sp>
@@ -5334,10 +5445,17 @@
   <p:transition spd="med">
     <p:fade/>
   </p:transition>
+  <p:timing>
+    <p:tnLst>
+      <p:par>
+        <p:cTn id="1" dur="indefinite" restart="never" nodeType="tmRoot"/>
+      </p:par>
+    </p:tnLst>
+  </p:timing>
 </p:sld>
 </file>
 
-<file path=ppt/slides/slide2.xml><?xml version="1.0" encoding="utf-8"?>
+<file path=ppt/slides/slide10.xml><?xml version="1.0" encoding="utf-8"?>
 <p:sld xmlns:a="http://schemas.openxmlformats.org/drawingml/2006/main" xmlns:r="http://schemas.openxmlformats.org/officeDocument/2006/relationships" xmlns:p="http://schemas.openxmlformats.org/presentationml/2006/main">
   <p:cSld>
     <p:spTree>
@@ -5356,87 +5474,99 @@
       </p:grpSpPr>
       <p:sp>
         <p:nvSpPr>
-          <p:cNvPr id="18434" name="Rectangle 2"/>
-          <p:cNvSpPr>
-            <a:spLocks noGrp="1" noChangeArrowheads="1"/>
-          </p:cNvSpPr>
-          <p:nvPr>
-            <p:ph type="title"/>
-          </p:nvPr>
-        </p:nvSpPr>
-        <p:spPr/>
-        <p:txBody>
-          <a:bodyPr/>
+          <p:cNvPr id="3" name="Retângulo 2"/>
+          <p:cNvSpPr/>
+          <p:nvPr/>
+        </p:nvSpPr>
+        <p:spPr bwMode="auto">
+          <a:xfrm>
+            <a:off x="0" y="0"/>
+            <a:ext cx="251520" cy="6885384"/>
+          </a:xfrm>
+          <a:prstGeom prst="rect">
+            <a:avLst/>
+          </a:prstGeom>
+          <a:solidFill>
+            <a:schemeClr val="bg1"/>
+          </a:solidFill>
+          <a:ln w="9525" cap="flat" cmpd="sng" algn="ctr">
+            <a:solidFill>
+              <a:schemeClr val="bg1"/>
+            </a:solidFill>
+            <a:prstDash val="solid"/>
+            <a:round/>
+            <a:headEnd type="none" w="med" len="med"/>
+            <a:tailEnd type="none" w="med" len="med"/>
+          </a:ln>
+          <a:effectLst/>
+          <a:extLst/>
+        </p:spPr>
+        <p:txBody>
+          <a:bodyPr vert="horz" wrap="square" lIns="91440" tIns="45720" rIns="91440" bIns="45720" numCol="1" rtlCol="0" anchor="t" anchorCtr="0" compatLnSpc="1">
+            <a:prstTxWarp prst="textNoShape">
+              <a:avLst/>
+            </a:prstTxWarp>
+          </a:bodyPr>
           <a:lstStyle/>
           <a:p>
-            <a:r>
-              <a:rPr lang="pt-BR" dirty="0"/>
-              <a:t>SOBRE O PROJETO</a:t>
-            </a:r>
-          </a:p>
-        </p:txBody>
-      </p:sp>
-      <p:sp>
-        <p:nvSpPr>
-          <p:cNvPr id="18435" name="Rectangle 3"/>
-          <p:cNvSpPr>
-            <a:spLocks noGrp="1" noChangeArrowheads="1"/>
-          </p:cNvSpPr>
-          <p:nvPr>
-            <p:ph type="body" idx="1"/>
-          </p:nvPr>
-        </p:nvSpPr>
-        <p:spPr/>
-        <p:txBody>
-          <a:bodyPr/>
-          <a:lstStyle/>
-          <a:p>
-            <a:pPr marL="0" indent="0">
+            <a:pPr marL="0" marR="0" indent="0" algn="l" defTabSz="914400" rtl="0" eaLnBrk="0" fontAlgn="base" latinLnBrk="0" hangingPunct="0">
+              <a:lnSpc>
+                <a:spcPct val="100000"/>
+              </a:lnSpc>
+              <a:spcBef>
+                <a:spcPct val="0"/>
+              </a:spcBef>
+              <a:spcAft>
+                <a:spcPct val="0"/>
+              </a:spcAft>
+              <a:buClrTx/>
+              <a:buSzTx/>
+              <a:buFontTx/>
               <a:buNone/>
+              <a:tabLst/>
             </a:pPr>
-            <a:r>
-              <a:rPr lang="pt-BR" b="1" dirty="0"/>
-              <a:t>OBJETIVO</a:t>
-            </a:r>
-          </a:p>
-          <a:p>
-            <a:endParaRPr lang="pt-BR" dirty="0"/>
-          </a:p>
-          <a:p>
-            <a:r>
-              <a:rPr lang="pt-BR" dirty="0"/>
-              <a:t>FACILITAR E SISTEMATIZAR AS VENDAS DO BAZAR</a:t>
-            </a:r>
-          </a:p>
-          <a:p>
-            <a:endParaRPr lang="pt-BR" dirty="0"/>
-          </a:p>
-          <a:p>
-            <a:r>
-              <a:rPr lang="pt-BR" dirty="0"/>
-              <a:t>CONTABILIZAR RENDIMENTOS E ENTRADA DE DOAÇÕES</a:t>
-            </a:r>
-          </a:p>
-          <a:p>
-            <a:endParaRPr lang="pt-BR" dirty="0"/>
-          </a:p>
-          <a:p>
-            <a:r>
-              <a:rPr lang="pt-BR" dirty="0"/>
-              <a:t>INFORMAR O QUE FOI MAIS VENDIDO</a:t>
-            </a:r>
-          </a:p>
-          <a:p>
-            <a:endParaRPr lang="pt-BR" dirty="0"/>
-          </a:p>
-        </p:txBody>
-      </p:sp>
+            <a:endParaRPr kumimoji="0" lang="pt-BR" sz="1800" b="0" i="0" u="none" strike="noStrike" cap="none" normalizeH="0" baseline="0" smtClean="0">
+              <a:ln>
+                <a:noFill/>
+              </a:ln>
+              <a:solidFill>
+                <a:schemeClr val="tx1"/>
+              </a:solidFill>
+              <a:effectLst/>
+              <a:latin typeface="Arial" charset="0"/>
+            </a:endParaRPr>
+          </a:p>
+        </p:txBody>
+      </p:sp>
+      <p:pic>
+        <p:nvPicPr>
+          <p:cNvPr id="2" name="Imagem 1"/>
+          <p:cNvPicPr>
+            <a:picLocks noChangeAspect="1"/>
+          </p:cNvPicPr>
+          <p:nvPr/>
+        </p:nvPicPr>
+        <p:blipFill rotWithShape="1">
+          <a:blip r:embed="rId2"/>
+          <a:srcRect b="4640"/>
+          <a:stretch/>
+        </p:blipFill>
+        <p:spPr>
+          <a:xfrm>
+            <a:off x="0" y="0"/>
+            <a:ext cx="9144000" cy="4904810"/>
+          </a:xfrm>
+          <a:prstGeom prst="rect">
+            <a:avLst/>
+          </a:prstGeom>
+        </p:spPr>
+      </p:pic>
       <p:pic>
         <p:nvPicPr>
           <p:cNvPr id="4" name="Picture 2" descr="Resultado de imagem para SENAC LOGO PNG">
             <a:extLst>
               <a:ext uri="{FF2B5EF4-FFF2-40B4-BE49-F238E27FC236}">
-                <a16:creationId xmlns:a16="http://schemas.microsoft.com/office/drawing/2014/main" id="{BE9FCA3B-9D43-4489-BB1F-1C6D1AFAAD2E}"/>
+                <a16:creationId xmlns:a16="http://schemas.microsoft.com/office/drawing/2014/main" id="{52AB468E-34B9-4C9F-9286-D7E741189D85}"/>
               </a:ext>
             </a:extLst>
           </p:cNvPr>
@@ -5446,7 +5576,7 @@
           <p:nvPr/>
         </p:nvPicPr>
         <p:blipFill>
-          <a:blip r:embed="rId2" cstate="print">
+          <a:blip r:embed="rId3" cstate="print">
             <a:extLst>
               <a:ext uri="{28A0092B-C50C-407E-A947-70E740481C1C}">
                 <a14:useLocalDpi xmlns:a14="http://schemas.microsoft.com/office/drawing/2010/main" val="0"/>
@@ -5479,17 +5609,26 @@
         </p:spPr>
       </p:pic>
     </p:spTree>
+    <p:extLst>
+      <p:ext uri="{BB962C8B-B14F-4D97-AF65-F5344CB8AC3E}">
+        <p14:creationId xmlns:p14="http://schemas.microsoft.com/office/powerpoint/2010/main" val="3352477637"/>
+      </p:ext>
+    </p:extLst>
   </p:cSld>
   <p:clrMapOvr>
     <a:masterClrMapping/>
   </p:clrMapOvr>
-  <p:transition spd="med">
-    <p:fade/>
-  </p:transition>
+  <p:timing>
+    <p:tnLst>
+      <p:par>
+        <p:cTn id="1" dur="indefinite" restart="never" nodeType="tmRoot"/>
+      </p:par>
+    </p:tnLst>
+  </p:timing>
 </p:sld>
 </file>
 
-<file path=ppt/slides/slide3.xml><?xml version="1.0" encoding="utf-8"?>
+<file path=ppt/slides/slide11.xml><?xml version="1.0" encoding="utf-8"?>
 <p:sld xmlns:a="http://schemas.openxmlformats.org/drawingml/2006/main" xmlns:r="http://schemas.openxmlformats.org/officeDocument/2006/relationships" xmlns:p="http://schemas.openxmlformats.org/presentationml/2006/main">
   <p:cSld>
     <p:spTree>
@@ -5508,6 +5647,179 @@
       </p:grpSpPr>
       <p:sp>
         <p:nvSpPr>
+          <p:cNvPr id="3" name="Retângulo 2"/>
+          <p:cNvSpPr/>
+          <p:nvPr/>
+        </p:nvSpPr>
+        <p:spPr bwMode="auto">
+          <a:xfrm>
+            <a:off x="0" y="0"/>
+            <a:ext cx="251520" cy="6885384"/>
+          </a:xfrm>
+          <a:prstGeom prst="rect">
+            <a:avLst/>
+          </a:prstGeom>
+          <a:solidFill>
+            <a:schemeClr val="bg1"/>
+          </a:solidFill>
+          <a:ln w="9525" cap="flat" cmpd="sng" algn="ctr">
+            <a:solidFill>
+              <a:schemeClr val="bg1"/>
+            </a:solidFill>
+            <a:prstDash val="solid"/>
+            <a:round/>
+            <a:headEnd type="none" w="med" len="med"/>
+            <a:tailEnd type="none" w="med" len="med"/>
+          </a:ln>
+          <a:effectLst/>
+          <a:extLst/>
+        </p:spPr>
+        <p:txBody>
+          <a:bodyPr vert="horz" wrap="square" lIns="91440" tIns="45720" rIns="91440" bIns="45720" numCol="1" rtlCol="0" anchor="t" anchorCtr="0" compatLnSpc="1">
+            <a:prstTxWarp prst="textNoShape">
+              <a:avLst/>
+            </a:prstTxWarp>
+          </a:bodyPr>
+          <a:lstStyle/>
+          <a:p>
+            <a:pPr marL="0" marR="0" indent="0" algn="l" defTabSz="914400" rtl="0" eaLnBrk="0" fontAlgn="base" latinLnBrk="0" hangingPunct="0">
+              <a:lnSpc>
+                <a:spcPct val="100000"/>
+              </a:lnSpc>
+              <a:spcBef>
+                <a:spcPct val="0"/>
+              </a:spcBef>
+              <a:spcAft>
+                <a:spcPct val="0"/>
+              </a:spcAft>
+              <a:buClrTx/>
+              <a:buSzTx/>
+              <a:buFontTx/>
+              <a:buNone/>
+              <a:tabLst/>
+            </a:pPr>
+            <a:endParaRPr kumimoji="0" lang="pt-BR" sz="1800" b="0" i="0" u="none" strike="noStrike" cap="none" normalizeH="0" baseline="0" smtClean="0">
+              <a:ln>
+                <a:noFill/>
+              </a:ln>
+              <a:solidFill>
+                <a:schemeClr val="tx1"/>
+              </a:solidFill>
+              <a:effectLst/>
+              <a:latin typeface="Arial" charset="0"/>
+            </a:endParaRPr>
+          </a:p>
+        </p:txBody>
+      </p:sp>
+      <p:pic>
+        <p:nvPicPr>
+          <p:cNvPr id="2" name="Imagem 1"/>
+          <p:cNvPicPr>
+            <a:picLocks noChangeAspect="1"/>
+          </p:cNvPicPr>
+          <p:nvPr/>
+        </p:nvPicPr>
+        <p:blipFill rotWithShape="1">
+          <a:blip r:embed="rId2"/>
+          <a:srcRect b="4640"/>
+          <a:stretch/>
+        </p:blipFill>
+        <p:spPr>
+          <a:xfrm>
+            <a:off x="0" y="0"/>
+            <a:ext cx="9144000" cy="4904807"/>
+          </a:xfrm>
+          <a:prstGeom prst="rect">
+            <a:avLst/>
+          </a:prstGeom>
+        </p:spPr>
+      </p:pic>
+      <p:pic>
+        <p:nvPicPr>
+          <p:cNvPr id="4" name="Picture 2" descr="Resultado de imagem para SENAC LOGO PNG">
+            <a:extLst>
+              <a:ext uri="{FF2B5EF4-FFF2-40B4-BE49-F238E27FC236}">
+                <a16:creationId xmlns:a16="http://schemas.microsoft.com/office/drawing/2014/main" id="{52AB468E-34B9-4C9F-9286-D7E741189D85}"/>
+              </a:ext>
+            </a:extLst>
+          </p:cNvPr>
+          <p:cNvPicPr>
+            <a:picLocks noChangeAspect="1" noChangeArrowheads="1"/>
+          </p:cNvPicPr>
+          <p:nvPr/>
+        </p:nvPicPr>
+        <p:blipFill>
+          <a:blip r:embed="rId3" cstate="print">
+            <a:extLst>
+              <a:ext uri="{28A0092B-C50C-407E-A947-70E740481C1C}">
+                <a14:useLocalDpi xmlns:a14="http://schemas.microsoft.com/office/drawing/2010/main" val="0"/>
+              </a:ext>
+            </a:extLst>
+          </a:blip>
+          <a:srcRect/>
+          <a:stretch>
+            <a:fillRect/>
+          </a:stretch>
+        </p:blipFill>
+        <p:spPr bwMode="auto">
+          <a:xfrm>
+            <a:off x="8100392" y="6237312"/>
+            <a:ext cx="928216" cy="544038"/>
+          </a:xfrm>
+          <a:prstGeom prst="rect">
+            <a:avLst/>
+          </a:prstGeom>
+          <a:noFill/>
+          <a:extLst>
+            <a:ext uri="{909E8E84-426E-40DD-AFC4-6F175D3DCCD1}">
+              <a14:hiddenFill xmlns:a14="http://schemas.microsoft.com/office/drawing/2010/main">
+                <a:solidFill>
+                  <a:srgbClr val="FFFFFF"/>
+                </a:solidFill>
+              </a14:hiddenFill>
+            </a:ext>
+          </a:extLst>
+        </p:spPr>
+      </p:pic>
+    </p:spTree>
+    <p:extLst>
+      <p:ext uri="{BB962C8B-B14F-4D97-AF65-F5344CB8AC3E}">
+        <p14:creationId xmlns:p14="http://schemas.microsoft.com/office/powerpoint/2010/main" val="3452483612"/>
+      </p:ext>
+    </p:extLst>
+  </p:cSld>
+  <p:clrMapOvr>
+    <a:masterClrMapping/>
+  </p:clrMapOvr>
+  <p:timing>
+    <p:tnLst>
+      <p:par>
+        <p:cTn id="1" dur="indefinite" restart="never" nodeType="tmRoot"/>
+      </p:par>
+    </p:tnLst>
+  </p:timing>
+</p:sld>
+</file>
+
+<file path=ppt/slides/slide12.xml><?xml version="1.0" encoding="utf-8"?>
+<p:sld xmlns:a="http://schemas.openxmlformats.org/drawingml/2006/main" xmlns:r="http://schemas.openxmlformats.org/officeDocument/2006/relationships" xmlns:p="http://schemas.openxmlformats.org/presentationml/2006/main">
+  <p:cSld>
+    <p:spTree>
+      <p:nvGrpSpPr>
+        <p:cNvPr id="1" name=""/>
+        <p:cNvGrpSpPr/>
+        <p:nvPr/>
+      </p:nvGrpSpPr>
+      <p:grpSpPr>
+        <a:xfrm>
+          <a:off x="0" y="0"/>
+          <a:ext cx="0" cy="0"/>
+          <a:chOff x="0" y="0"/>
+          <a:chExt cx="0" cy="0"/>
+        </a:xfrm>
+      </p:grpSpPr>
+      <p:sp>
+        <p:nvSpPr>
           <p:cNvPr id="2050" name="Rectangle 2"/>
           <p:cNvSpPr>
             <a:spLocks noGrp="1" noChangeArrowheads="1"/>
@@ -5523,7 +5835,7 @@
           <a:p>
             <a:r>
               <a:rPr lang="pt-BR" dirty="0"/>
-              <a:t>TELAS DO USUÁRIO</a:t>
+              <a:t>TELAS DO ADMINISTRADOR</a:t>
             </a:r>
           </a:p>
         </p:txBody>
@@ -5578,203 +5890,6 @@
     </p:spTree>
     <p:extLst>
       <p:ext uri="{BB962C8B-B14F-4D97-AF65-F5344CB8AC3E}">
-        <p14:creationId xmlns:p14="http://schemas.microsoft.com/office/powerpoint/2010/main" val="2998186356"/>
-      </p:ext>
-    </p:extLst>
-  </p:cSld>
-  <p:clrMapOvr>
-    <a:masterClrMapping/>
-  </p:clrMapOvr>
-  <p:transition spd="med">
-    <p:fade/>
-  </p:transition>
-</p:sld>
-</file>
-
-<file path=ppt/slides/slide4.xml><?xml version="1.0" encoding="utf-8"?>
-<p:sld xmlns:a="http://schemas.openxmlformats.org/drawingml/2006/main" xmlns:r="http://schemas.openxmlformats.org/officeDocument/2006/relationships" xmlns:p="http://schemas.openxmlformats.org/presentationml/2006/main">
-  <p:cSld>
-    <p:spTree>
-      <p:nvGrpSpPr>
-        <p:cNvPr id="1" name=""/>
-        <p:cNvGrpSpPr/>
-        <p:nvPr/>
-      </p:nvGrpSpPr>
-      <p:grpSpPr>
-        <a:xfrm>
-          <a:off x="0" y="0"/>
-          <a:ext cx="0" cy="0"/>
-          <a:chOff x="0" y="0"/>
-          <a:chExt cx="0" cy="0"/>
-        </a:xfrm>
-      </p:grpSpPr>
-      <p:pic>
-        <p:nvPicPr>
-          <p:cNvPr id="9" name="Imagem 8">
-            <a:extLst>
-              <a:ext uri="{FF2B5EF4-FFF2-40B4-BE49-F238E27FC236}">
-                <a16:creationId xmlns:a16="http://schemas.microsoft.com/office/drawing/2014/main" id="{D8B093B2-F7B6-42EA-99D9-5213008E8554}"/>
-              </a:ext>
-            </a:extLst>
-          </p:cNvPr>
-          <p:cNvPicPr>
-            <a:picLocks noChangeAspect="1"/>
-          </p:cNvPicPr>
-          <p:nvPr/>
-        </p:nvPicPr>
-        <p:blipFill rotWithShape="1">
-          <a:blip r:embed="rId2">
-            <a:extLst>
-              <a:ext uri="{28A0092B-C50C-407E-A947-70E740481C1C}">
-                <a14:useLocalDpi xmlns:a14="http://schemas.microsoft.com/office/drawing/2010/main" val="0"/>
-              </a:ext>
-            </a:extLst>
-          </a:blip>
-          <a:srcRect t="1400"/>
-          <a:stretch/>
-        </p:blipFill>
-        <p:spPr>
-          <a:xfrm>
-            <a:off x="-2608091" y="-150734"/>
-            <a:ext cx="14360182" cy="7008734"/>
-          </a:xfrm>
-          <a:prstGeom prst="rect">
-            <a:avLst/>
-          </a:prstGeom>
-        </p:spPr>
-      </p:pic>
-    </p:spTree>
-    <p:extLst>
-      <p:ext uri="{BB962C8B-B14F-4D97-AF65-F5344CB8AC3E}">
-        <p14:creationId xmlns:p14="http://schemas.microsoft.com/office/powerpoint/2010/main" val="391730549"/>
-      </p:ext>
-    </p:extLst>
-  </p:cSld>
-  <p:clrMapOvr>
-    <a:masterClrMapping/>
-  </p:clrMapOvr>
-</p:sld>
-</file>
-
-<file path=ppt/slides/slide5.xml><?xml version="1.0" encoding="utf-8"?>
-<p:sld xmlns:a="http://schemas.openxmlformats.org/drawingml/2006/main" xmlns:r="http://schemas.openxmlformats.org/officeDocument/2006/relationships" xmlns:p="http://schemas.openxmlformats.org/presentationml/2006/main">
-  <p:cSld>
-    <p:spTree>
-      <p:nvGrpSpPr>
-        <p:cNvPr id="1" name=""/>
-        <p:cNvGrpSpPr/>
-        <p:nvPr/>
-      </p:nvGrpSpPr>
-      <p:grpSpPr>
-        <a:xfrm>
-          <a:off x="0" y="0"/>
-          <a:ext cx="0" cy="0"/>
-          <a:chOff x="0" y="0"/>
-          <a:chExt cx="0" cy="0"/>
-        </a:xfrm>
-      </p:grpSpPr>
-    </p:spTree>
-    <p:extLst>
-      <p:ext uri="{BB962C8B-B14F-4D97-AF65-F5344CB8AC3E}">
-        <p14:creationId xmlns:p14="http://schemas.microsoft.com/office/powerpoint/2010/main" val="1103876547"/>
-      </p:ext>
-    </p:extLst>
-  </p:cSld>
-  <p:clrMapOvr>
-    <a:masterClrMapping/>
-  </p:clrMapOvr>
-</p:sld>
-</file>
-
-<file path=ppt/slides/slide6.xml><?xml version="1.0" encoding="utf-8"?>
-<p:sld xmlns:a="http://schemas.openxmlformats.org/drawingml/2006/main" xmlns:r="http://schemas.openxmlformats.org/officeDocument/2006/relationships" xmlns:p="http://schemas.openxmlformats.org/presentationml/2006/main">
-  <p:cSld>
-    <p:spTree>
-      <p:nvGrpSpPr>
-        <p:cNvPr id="1" name=""/>
-        <p:cNvGrpSpPr/>
-        <p:nvPr/>
-      </p:nvGrpSpPr>
-      <p:grpSpPr>
-        <a:xfrm>
-          <a:off x="0" y="0"/>
-          <a:ext cx="0" cy="0"/>
-          <a:chOff x="0" y="0"/>
-          <a:chExt cx="0" cy="0"/>
-        </a:xfrm>
-      </p:grpSpPr>
-      <p:sp>
-        <p:nvSpPr>
-          <p:cNvPr id="2050" name="Rectangle 2"/>
-          <p:cNvSpPr>
-            <a:spLocks noGrp="1" noChangeArrowheads="1"/>
-          </p:cNvSpPr>
-          <p:nvPr>
-            <p:ph type="ctrTitle"/>
-          </p:nvPr>
-        </p:nvSpPr>
-        <p:spPr/>
-        <p:txBody>
-          <a:bodyPr/>
-          <a:lstStyle/>
-          <a:p>
-            <a:r>
-              <a:rPr lang="pt-BR" dirty="0"/>
-              <a:t>TELAS DO ADMINISTRADOR</a:t>
-            </a:r>
-          </a:p>
-        </p:txBody>
-      </p:sp>
-      <p:pic>
-        <p:nvPicPr>
-          <p:cNvPr id="6" name="Picture 2" descr="Resultado de imagem para SENAC LOGO PNG">
-            <a:extLst>
-              <a:ext uri="{FF2B5EF4-FFF2-40B4-BE49-F238E27FC236}">
-                <a16:creationId xmlns:a16="http://schemas.microsoft.com/office/drawing/2014/main" id="{8E0CD0C8-2CB4-4691-AD9B-732C161DBED7}"/>
-              </a:ext>
-            </a:extLst>
-          </p:cNvPr>
-          <p:cNvPicPr>
-            <a:picLocks noChangeAspect="1" noChangeArrowheads="1"/>
-          </p:cNvPicPr>
-          <p:nvPr/>
-        </p:nvPicPr>
-        <p:blipFill>
-          <a:blip r:embed="rId3" cstate="print">
-            <a:extLst>
-              <a:ext uri="{28A0092B-C50C-407E-A947-70E740481C1C}">
-                <a14:useLocalDpi xmlns:a14="http://schemas.microsoft.com/office/drawing/2010/main" val="0"/>
-              </a:ext>
-            </a:extLst>
-          </a:blip>
-          <a:srcRect/>
-          <a:stretch>
-            <a:fillRect/>
-          </a:stretch>
-        </p:blipFill>
-        <p:spPr bwMode="auto">
-          <a:xfrm>
-            <a:off x="8100392" y="6237312"/>
-            <a:ext cx="928216" cy="544038"/>
-          </a:xfrm>
-          <a:prstGeom prst="rect">
-            <a:avLst/>
-          </a:prstGeom>
-          <a:noFill/>
-          <a:extLst>
-            <a:ext uri="{909E8E84-426E-40DD-AFC4-6F175D3DCCD1}">
-              <a14:hiddenFill xmlns:a14="http://schemas.microsoft.com/office/drawing/2010/main">
-                <a:solidFill>
-                  <a:srgbClr val="FFFFFF"/>
-                </a:solidFill>
-              </a14:hiddenFill>
-            </a:ext>
-          </a:extLst>
-        </p:spPr>
-      </p:pic>
-    </p:spTree>
-    <p:extLst>
-      <p:ext uri="{BB962C8B-B14F-4D97-AF65-F5344CB8AC3E}">
         <p14:creationId xmlns:p14="http://schemas.microsoft.com/office/powerpoint/2010/main" val="1785072489"/>
       </p:ext>
     </p:extLst>
@@ -5785,10 +5900,17 @@
   <p:transition spd="med">
     <p:fade/>
   </p:transition>
+  <p:timing>
+    <p:tnLst>
+      <p:par>
+        <p:cTn id="1" dur="indefinite" restart="never" nodeType="tmRoot"/>
+      </p:par>
+    </p:tnLst>
+  </p:timing>
 </p:sld>
 </file>
 
-<file path=ppt/slides/slide7.xml><?xml version="1.0" encoding="utf-8"?>
+<file path=ppt/slides/slide13.xml><?xml version="1.0" encoding="utf-8"?>
 <p:sld xmlns:a="http://schemas.openxmlformats.org/drawingml/2006/main" xmlns:r="http://schemas.openxmlformats.org/officeDocument/2006/relationships" xmlns:p="http://schemas.openxmlformats.org/presentationml/2006/main">
   <p:cSld>
     <p:spTree>
@@ -5852,6 +5974,95 @@
           </a:extLst>
         </p:spPr>
       </p:pic>
+      <p:sp>
+        <p:nvSpPr>
+          <p:cNvPr id="5" name="Retângulo 4"/>
+          <p:cNvSpPr/>
+          <p:nvPr/>
+        </p:nvSpPr>
+        <p:spPr bwMode="auto">
+          <a:xfrm>
+            <a:off x="0" y="0"/>
+            <a:ext cx="251520" cy="6885384"/>
+          </a:xfrm>
+          <a:prstGeom prst="rect">
+            <a:avLst/>
+          </a:prstGeom>
+          <a:solidFill>
+            <a:schemeClr val="bg1"/>
+          </a:solidFill>
+          <a:ln w="9525" cap="flat" cmpd="sng" algn="ctr">
+            <a:solidFill>
+              <a:schemeClr val="bg1"/>
+            </a:solidFill>
+            <a:prstDash val="solid"/>
+            <a:round/>
+            <a:headEnd type="none" w="med" len="med"/>
+            <a:tailEnd type="none" w="med" len="med"/>
+          </a:ln>
+          <a:effectLst/>
+          <a:extLst/>
+        </p:spPr>
+        <p:txBody>
+          <a:bodyPr vert="horz" wrap="square" lIns="91440" tIns="45720" rIns="91440" bIns="45720" numCol="1" rtlCol="0" anchor="t" anchorCtr="0" compatLnSpc="1">
+            <a:prstTxWarp prst="textNoShape">
+              <a:avLst/>
+            </a:prstTxWarp>
+          </a:bodyPr>
+          <a:lstStyle/>
+          <a:p>
+            <a:pPr marL="0" marR="0" indent="0" algn="l" defTabSz="914400" rtl="0" eaLnBrk="0" fontAlgn="base" latinLnBrk="0" hangingPunct="0">
+              <a:lnSpc>
+                <a:spcPct val="100000"/>
+              </a:lnSpc>
+              <a:spcBef>
+                <a:spcPct val="0"/>
+              </a:spcBef>
+              <a:spcAft>
+                <a:spcPct val="0"/>
+              </a:spcAft>
+              <a:buClrTx/>
+              <a:buSzTx/>
+              <a:buFontTx/>
+              <a:buNone/>
+              <a:tabLst/>
+            </a:pPr>
+            <a:endParaRPr kumimoji="0" lang="pt-BR" sz="1800" b="0" i="0" u="none" strike="noStrike" cap="none" normalizeH="0" baseline="0" smtClean="0">
+              <a:ln>
+                <a:noFill/>
+              </a:ln>
+              <a:solidFill>
+                <a:schemeClr val="tx1"/>
+              </a:solidFill>
+              <a:effectLst/>
+              <a:latin typeface="Arial" charset="0"/>
+            </a:endParaRPr>
+          </a:p>
+        </p:txBody>
+      </p:sp>
+      <p:pic>
+        <p:nvPicPr>
+          <p:cNvPr id="2" name="Imagem 1"/>
+          <p:cNvPicPr>
+            <a:picLocks noChangeAspect="1"/>
+          </p:cNvPicPr>
+          <p:nvPr/>
+        </p:nvPicPr>
+        <p:blipFill rotWithShape="1">
+          <a:blip r:embed="rId3"/>
+          <a:srcRect b="5480"/>
+          <a:stretch/>
+        </p:blipFill>
+        <p:spPr>
+          <a:xfrm>
+            <a:off x="0" y="0"/>
+            <a:ext cx="9144000" cy="4861604"/>
+          </a:xfrm>
+          <a:prstGeom prst="rect">
+            <a:avLst/>
+          </a:prstGeom>
+        </p:spPr>
+      </p:pic>
     </p:spTree>
   </p:cSld>
   <p:clrMapOvr>
@@ -5860,10 +6071,17 @@
   <p:transition spd="med">
     <p:fade/>
   </p:transition>
+  <p:timing>
+    <p:tnLst>
+      <p:par>
+        <p:cTn id="1" dur="indefinite" restart="never" nodeType="tmRoot"/>
+      </p:par>
+    </p:tnLst>
+  </p:timing>
 </p:sld>
 </file>
 
-<file path=ppt/slides/slide8.xml><?xml version="1.0" encoding="utf-8"?>
+<file path=ppt/slides/slide14.xml><?xml version="1.0" encoding="utf-8"?>
 <p:sld xmlns:a="http://schemas.openxmlformats.org/drawingml/2006/main" xmlns:r="http://schemas.openxmlformats.org/officeDocument/2006/relationships" xmlns:p="http://schemas.openxmlformats.org/presentationml/2006/main">
   <p:cSld>
     <p:spTree>
@@ -5880,82 +6098,6 @@
           <a:chExt cx="0" cy="0"/>
         </a:xfrm>
       </p:grpSpPr>
-      <p:sp>
-        <p:nvSpPr>
-          <p:cNvPr id="20487" name="Rectangle 7"/>
-          <p:cNvSpPr>
-            <a:spLocks noGrp="1" noChangeArrowheads="1"/>
-          </p:cNvSpPr>
-          <p:nvPr>
-            <p:ph type="title"/>
-          </p:nvPr>
-        </p:nvSpPr>
-        <p:spPr/>
-        <p:txBody>
-          <a:bodyPr/>
-          <a:lstStyle/>
-          <a:p>
-            <a:endParaRPr lang="pt-BR"/>
-          </a:p>
-        </p:txBody>
-      </p:sp>
-      <p:sp>
-        <p:nvSpPr>
-          <p:cNvPr id="20488" name="Rectangle 8"/>
-          <p:cNvSpPr>
-            <a:spLocks noGrp="1" noChangeArrowheads="1"/>
-          </p:cNvSpPr>
-          <p:nvPr>
-            <p:ph type="body" sz="half" idx="1"/>
-          </p:nvPr>
-        </p:nvSpPr>
-        <p:spPr/>
-        <p:txBody>
-          <a:bodyPr/>
-          <a:lstStyle/>
-          <a:p>
-            <a:endParaRPr lang="pt-BR" sz="2400"/>
-          </a:p>
-        </p:txBody>
-      </p:sp>
-      <p:sp>
-        <p:nvSpPr>
-          <p:cNvPr id="20489" name="Rectangle 9"/>
-          <p:cNvSpPr>
-            <a:spLocks noGrp="1" noChangeArrowheads="1"/>
-          </p:cNvSpPr>
-          <p:nvPr>
-            <p:ph sz="quarter" idx="2"/>
-          </p:nvPr>
-        </p:nvSpPr>
-        <p:spPr/>
-        <p:txBody>
-          <a:bodyPr/>
-          <a:lstStyle/>
-          <a:p>
-            <a:endParaRPr lang="pt-BR" sz="2000"/>
-          </a:p>
-        </p:txBody>
-      </p:sp>
-      <p:sp>
-        <p:nvSpPr>
-          <p:cNvPr id="20490" name="Rectangle 10"/>
-          <p:cNvSpPr>
-            <a:spLocks noGrp="1" noChangeArrowheads="1"/>
-          </p:cNvSpPr>
-          <p:nvPr>
-            <p:ph sz="quarter" idx="3"/>
-          </p:nvPr>
-        </p:nvSpPr>
-        <p:spPr/>
-        <p:txBody>
-          <a:bodyPr/>
-          <a:lstStyle/>
-          <a:p>
-            <a:endParaRPr lang="pt-BR" sz="2000"/>
-          </a:p>
-        </p:txBody>
-      </p:sp>
       <p:pic>
         <p:nvPicPr>
           <p:cNvPr id="6" name="Picture 2" descr="Resultado de imagem para SENAC LOGO PNG">
@@ -6003,6 +6145,95 @@
           </a:extLst>
         </p:spPr>
       </p:pic>
+      <p:sp>
+        <p:nvSpPr>
+          <p:cNvPr id="9" name="Retângulo 8"/>
+          <p:cNvSpPr/>
+          <p:nvPr/>
+        </p:nvSpPr>
+        <p:spPr bwMode="auto">
+          <a:xfrm>
+            <a:off x="0" y="0"/>
+            <a:ext cx="251520" cy="6885384"/>
+          </a:xfrm>
+          <a:prstGeom prst="rect">
+            <a:avLst/>
+          </a:prstGeom>
+          <a:solidFill>
+            <a:schemeClr val="bg1"/>
+          </a:solidFill>
+          <a:ln w="9525" cap="flat" cmpd="sng" algn="ctr">
+            <a:solidFill>
+              <a:schemeClr val="bg1"/>
+            </a:solidFill>
+            <a:prstDash val="solid"/>
+            <a:round/>
+            <a:headEnd type="none" w="med" len="med"/>
+            <a:tailEnd type="none" w="med" len="med"/>
+          </a:ln>
+          <a:effectLst/>
+          <a:extLst/>
+        </p:spPr>
+        <p:txBody>
+          <a:bodyPr vert="horz" wrap="square" lIns="91440" tIns="45720" rIns="91440" bIns="45720" numCol="1" rtlCol="0" anchor="t" anchorCtr="0" compatLnSpc="1">
+            <a:prstTxWarp prst="textNoShape">
+              <a:avLst/>
+            </a:prstTxWarp>
+          </a:bodyPr>
+          <a:lstStyle/>
+          <a:p>
+            <a:pPr marL="0" marR="0" indent="0" algn="l" defTabSz="914400" rtl="0" eaLnBrk="0" fontAlgn="base" latinLnBrk="0" hangingPunct="0">
+              <a:lnSpc>
+                <a:spcPct val="100000"/>
+              </a:lnSpc>
+              <a:spcBef>
+                <a:spcPct val="0"/>
+              </a:spcBef>
+              <a:spcAft>
+                <a:spcPct val="0"/>
+              </a:spcAft>
+              <a:buClrTx/>
+              <a:buSzTx/>
+              <a:buFontTx/>
+              <a:buNone/>
+              <a:tabLst/>
+            </a:pPr>
+            <a:endParaRPr kumimoji="0" lang="pt-BR" sz="1800" b="0" i="0" u="none" strike="noStrike" cap="none" normalizeH="0" baseline="0" smtClean="0">
+              <a:ln>
+                <a:noFill/>
+              </a:ln>
+              <a:solidFill>
+                <a:schemeClr val="tx1"/>
+              </a:solidFill>
+              <a:effectLst/>
+              <a:latin typeface="Arial" charset="0"/>
+            </a:endParaRPr>
+          </a:p>
+        </p:txBody>
+      </p:sp>
+      <p:pic>
+        <p:nvPicPr>
+          <p:cNvPr id="2" name="Imagem 1"/>
+          <p:cNvPicPr>
+            <a:picLocks noChangeAspect="1"/>
+          </p:cNvPicPr>
+          <p:nvPr/>
+        </p:nvPicPr>
+        <p:blipFill rotWithShape="1">
+          <a:blip r:embed="rId3"/>
+          <a:srcRect b="6321"/>
+          <a:stretch/>
+        </p:blipFill>
+        <p:spPr>
+          <a:xfrm>
+            <a:off x="0" y="0"/>
+            <a:ext cx="9144000" cy="4818398"/>
+          </a:xfrm>
+          <a:prstGeom prst="rect">
+            <a:avLst/>
+          </a:prstGeom>
+        </p:spPr>
+      </p:pic>
     </p:spTree>
   </p:cSld>
   <p:clrMapOvr>
@@ -6011,10 +6242,17 @@
   <p:transition spd="med">
     <p:fade/>
   </p:transition>
+  <p:timing>
+    <p:tnLst>
+      <p:par>
+        <p:cTn id="1" dur="indefinite" restart="never" nodeType="tmRoot"/>
+      </p:par>
+    </p:tnLst>
+  </p:timing>
 </p:sld>
 </file>
 
-<file path=ppt/slides/slide9.xml><?xml version="1.0" encoding="utf-8"?>
+<file path=ppt/slides/slide15.xml><?xml version="1.0" encoding="utf-8"?>
 <p:sld xmlns:a="http://schemas.openxmlformats.org/drawingml/2006/main" xmlns:r="http://schemas.openxmlformats.org/officeDocument/2006/relationships" xmlns:p="http://schemas.openxmlformats.org/presentationml/2006/main">
   <p:cSld>
     <p:spTree>
@@ -6031,61 +6269,6 @@
           <a:chExt cx="0" cy="0"/>
         </a:xfrm>
       </p:grpSpPr>
-      <p:sp>
-        <p:nvSpPr>
-          <p:cNvPr id="10244" name="Rectangle 4"/>
-          <p:cNvSpPr>
-            <a:spLocks noGrp="1" noChangeArrowheads="1"/>
-          </p:cNvSpPr>
-          <p:nvPr>
-            <p:ph type="title"/>
-          </p:nvPr>
-        </p:nvSpPr>
-        <p:spPr/>
-        <p:txBody>
-          <a:bodyPr/>
-          <a:lstStyle/>
-          <a:p>
-            <a:endParaRPr lang="pt-BR"/>
-          </a:p>
-        </p:txBody>
-      </p:sp>
-      <p:sp>
-        <p:nvSpPr>
-          <p:cNvPr id="10245" name="Rectangle 5"/>
-          <p:cNvSpPr>
-            <a:spLocks noGrp="1" noChangeArrowheads="1"/>
-          </p:cNvSpPr>
-          <p:nvPr>
-            <p:ph type="body" sz="half" idx="1"/>
-          </p:nvPr>
-        </p:nvSpPr>
-        <p:spPr/>
-        <p:txBody>
-          <a:bodyPr/>
-          <a:lstStyle/>
-          <a:p>
-            <a:endParaRPr lang="pt-BR" sz="2400"/>
-          </a:p>
-        </p:txBody>
-      </p:sp>
-      <p:sp>
-        <p:nvSpPr>
-          <p:cNvPr id="10248" name="Rectangle 8"/>
-          <p:cNvSpPr>
-            <a:spLocks noGrp="1" noChangeArrowheads="1" noTextEdit="1"/>
-          </p:cNvSpPr>
-          <p:nvPr>
-            <p:ph type="clipArt" sz="half" idx="2"/>
-          </p:nvPr>
-        </p:nvSpPr>
-        <p:spPr>
-          <a:xfrm>
-            <a:off x="4652963" y="1600200"/>
-            <a:ext cx="4033837" cy="4530725"/>
-          </a:xfrm>
-        </p:spPr>
-      </p:sp>
       <p:pic>
         <p:nvPicPr>
           <p:cNvPr id="5" name="Picture 2" descr="Resultado de imagem para SENAC LOGO PNG">
@@ -6133,6 +6316,95 @@
           </a:extLst>
         </p:spPr>
       </p:pic>
+      <p:sp>
+        <p:nvSpPr>
+          <p:cNvPr id="7" name="Retângulo 6"/>
+          <p:cNvSpPr/>
+          <p:nvPr/>
+        </p:nvSpPr>
+        <p:spPr bwMode="auto">
+          <a:xfrm>
+            <a:off x="0" y="0"/>
+            <a:ext cx="251520" cy="6885384"/>
+          </a:xfrm>
+          <a:prstGeom prst="rect">
+            <a:avLst/>
+          </a:prstGeom>
+          <a:solidFill>
+            <a:schemeClr val="bg1"/>
+          </a:solidFill>
+          <a:ln w="9525" cap="flat" cmpd="sng" algn="ctr">
+            <a:solidFill>
+              <a:schemeClr val="bg1"/>
+            </a:solidFill>
+            <a:prstDash val="solid"/>
+            <a:round/>
+            <a:headEnd type="none" w="med" len="med"/>
+            <a:tailEnd type="none" w="med" len="med"/>
+          </a:ln>
+          <a:effectLst/>
+          <a:extLst/>
+        </p:spPr>
+        <p:txBody>
+          <a:bodyPr vert="horz" wrap="square" lIns="91440" tIns="45720" rIns="91440" bIns="45720" numCol="1" rtlCol="0" anchor="t" anchorCtr="0" compatLnSpc="1">
+            <a:prstTxWarp prst="textNoShape">
+              <a:avLst/>
+            </a:prstTxWarp>
+          </a:bodyPr>
+          <a:lstStyle/>
+          <a:p>
+            <a:pPr marL="0" marR="0" indent="0" algn="l" defTabSz="914400" rtl="0" eaLnBrk="0" fontAlgn="base" latinLnBrk="0" hangingPunct="0">
+              <a:lnSpc>
+                <a:spcPct val="100000"/>
+              </a:lnSpc>
+              <a:spcBef>
+                <a:spcPct val="0"/>
+              </a:spcBef>
+              <a:spcAft>
+                <a:spcPct val="0"/>
+              </a:spcAft>
+              <a:buClrTx/>
+              <a:buSzTx/>
+              <a:buFontTx/>
+              <a:buNone/>
+              <a:tabLst/>
+            </a:pPr>
+            <a:endParaRPr kumimoji="0" lang="pt-BR" sz="1800" b="0" i="0" u="none" strike="noStrike" cap="none" normalizeH="0" baseline="0" smtClean="0">
+              <a:ln>
+                <a:noFill/>
+              </a:ln>
+              <a:solidFill>
+                <a:schemeClr val="tx1"/>
+              </a:solidFill>
+              <a:effectLst/>
+              <a:latin typeface="Arial" charset="0"/>
+            </a:endParaRPr>
+          </a:p>
+        </p:txBody>
+      </p:sp>
+      <p:pic>
+        <p:nvPicPr>
+          <p:cNvPr id="2" name="Imagem 1"/>
+          <p:cNvPicPr>
+            <a:picLocks noChangeAspect="1"/>
+          </p:cNvPicPr>
+          <p:nvPr/>
+        </p:nvPicPr>
+        <p:blipFill rotWithShape="1">
+          <a:blip r:embed="rId3"/>
+          <a:srcRect b="7160"/>
+          <a:stretch/>
+        </p:blipFill>
+        <p:spPr>
+          <a:xfrm>
+            <a:off x="-1" y="0"/>
+            <a:ext cx="9186043" cy="4797152"/>
+          </a:xfrm>
+          <a:prstGeom prst="rect">
+            <a:avLst/>
+          </a:prstGeom>
+        </p:spPr>
+      </p:pic>
     </p:spTree>
   </p:cSld>
   <p:clrMapOvr>
@@ -6141,6 +6413,2259 @@
   <p:transition spd="med">
     <p:fade/>
   </p:transition>
+  <p:timing>
+    <p:tnLst>
+      <p:par>
+        <p:cTn id="1" dur="indefinite" restart="never" nodeType="tmRoot"/>
+      </p:par>
+    </p:tnLst>
+  </p:timing>
+</p:sld>
+</file>
+
+<file path=ppt/slides/slide16.xml><?xml version="1.0" encoding="utf-8"?>
+<p:sld xmlns:a="http://schemas.openxmlformats.org/drawingml/2006/main" xmlns:r="http://schemas.openxmlformats.org/officeDocument/2006/relationships" xmlns:p="http://schemas.openxmlformats.org/presentationml/2006/main">
+  <p:cSld>
+    <p:spTree>
+      <p:nvGrpSpPr>
+        <p:cNvPr id="1" name=""/>
+        <p:cNvGrpSpPr/>
+        <p:nvPr/>
+      </p:nvGrpSpPr>
+      <p:grpSpPr>
+        <a:xfrm>
+          <a:off x="0" y="0"/>
+          <a:ext cx="0" cy="0"/>
+          <a:chOff x="0" y="0"/>
+          <a:chExt cx="0" cy="0"/>
+        </a:xfrm>
+      </p:grpSpPr>
+      <p:pic>
+        <p:nvPicPr>
+          <p:cNvPr id="5" name="Picture 2" descr="Resultado de imagem para SENAC LOGO PNG">
+            <a:extLst>
+              <a:ext uri="{FF2B5EF4-FFF2-40B4-BE49-F238E27FC236}">
+                <a16:creationId xmlns:a16="http://schemas.microsoft.com/office/drawing/2014/main" id="{7C31DA61-2BE8-4C07-ACCF-C1925FAC9E65}"/>
+              </a:ext>
+            </a:extLst>
+          </p:cNvPr>
+          <p:cNvPicPr>
+            <a:picLocks noChangeAspect="1" noChangeArrowheads="1"/>
+          </p:cNvPicPr>
+          <p:nvPr/>
+        </p:nvPicPr>
+        <p:blipFill>
+          <a:blip r:embed="rId2" cstate="print">
+            <a:extLst>
+              <a:ext uri="{28A0092B-C50C-407E-A947-70E740481C1C}">
+                <a14:useLocalDpi xmlns:a14="http://schemas.microsoft.com/office/drawing/2010/main" val="0"/>
+              </a:ext>
+            </a:extLst>
+          </a:blip>
+          <a:srcRect/>
+          <a:stretch>
+            <a:fillRect/>
+          </a:stretch>
+        </p:blipFill>
+        <p:spPr bwMode="auto">
+          <a:xfrm>
+            <a:off x="8100392" y="6237312"/>
+            <a:ext cx="928216" cy="544038"/>
+          </a:xfrm>
+          <a:prstGeom prst="rect">
+            <a:avLst/>
+          </a:prstGeom>
+          <a:noFill/>
+          <a:extLst>
+            <a:ext uri="{909E8E84-426E-40DD-AFC4-6F175D3DCCD1}">
+              <a14:hiddenFill xmlns:a14="http://schemas.microsoft.com/office/drawing/2010/main">
+                <a:solidFill>
+                  <a:srgbClr val="FFFFFF"/>
+                </a:solidFill>
+              </a14:hiddenFill>
+            </a:ext>
+          </a:extLst>
+        </p:spPr>
+      </p:pic>
+      <p:sp>
+        <p:nvSpPr>
+          <p:cNvPr id="7" name="Retângulo 6"/>
+          <p:cNvSpPr/>
+          <p:nvPr/>
+        </p:nvSpPr>
+        <p:spPr bwMode="auto">
+          <a:xfrm>
+            <a:off x="0" y="0"/>
+            <a:ext cx="251520" cy="6885384"/>
+          </a:xfrm>
+          <a:prstGeom prst="rect">
+            <a:avLst/>
+          </a:prstGeom>
+          <a:solidFill>
+            <a:schemeClr val="bg1"/>
+          </a:solidFill>
+          <a:ln w="9525" cap="flat" cmpd="sng" algn="ctr">
+            <a:solidFill>
+              <a:schemeClr val="bg1"/>
+            </a:solidFill>
+            <a:prstDash val="solid"/>
+            <a:round/>
+            <a:headEnd type="none" w="med" len="med"/>
+            <a:tailEnd type="none" w="med" len="med"/>
+          </a:ln>
+          <a:effectLst/>
+          <a:extLst/>
+        </p:spPr>
+        <p:txBody>
+          <a:bodyPr vert="horz" wrap="square" lIns="91440" tIns="45720" rIns="91440" bIns="45720" numCol="1" rtlCol="0" anchor="t" anchorCtr="0" compatLnSpc="1">
+            <a:prstTxWarp prst="textNoShape">
+              <a:avLst/>
+            </a:prstTxWarp>
+          </a:bodyPr>
+          <a:lstStyle/>
+          <a:p>
+            <a:pPr marL="0" marR="0" indent="0" algn="l" defTabSz="914400" rtl="0" eaLnBrk="0" fontAlgn="base" latinLnBrk="0" hangingPunct="0">
+              <a:lnSpc>
+                <a:spcPct val="100000"/>
+              </a:lnSpc>
+              <a:spcBef>
+                <a:spcPct val="0"/>
+              </a:spcBef>
+              <a:spcAft>
+                <a:spcPct val="0"/>
+              </a:spcAft>
+              <a:buClrTx/>
+              <a:buSzTx/>
+              <a:buFontTx/>
+              <a:buNone/>
+              <a:tabLst/>
+            </a:pPr>
+            <a:endParaRPr kumimoji="0" lang="pt-BR" sz="1800" b="0" i="0" u="none" strike="noStrike" cap="none" normalizeH="0" baseline="0" smtClean="0">
+              <a:ln>
+                <a:noFill/>
+              </a:ln>
+              <a:solidFill>
+                <a:schemeClr val="tx1"/>
+              </a:solidFill>
+              <a:effectLst/>
+              <a:latin typeface="Arial" charset="0"/>
+            </a:endParaRPr>
+          </a:p>
+        </p:txBody>
+      </p:sp>
+      <p:pic>
+        <p:nvPicPr>
+          <p:cNvPr id="2" name="Imagem 1"/>
+          <p:cNvPicPr>
+            <a:picLocks noChangeAspect="1"/>
+          </p:cNvPicPr>
+          <p:nvPr/>
+        </p:nvPicPr>
+        <p:blipFill rotWithShape="1">
+          <a:blip r:embed="rId3"/>
+          <a:srcRect b="7160"/>
+          <a:stretch/>
+        </p:blipFill>
+        <p:spPr>
+          <a:xfrm>
+            <a:off x="-1" y="0"/>
+            <a:ext cx="9186043" cy="4797152"/>
+          </a:xfrm>
+          <a:prstGeom prst="rect">
+            <a:avLst/>
+          </a:prstGeom>
+        </p:spPr>
+      </p:pic>
+    </p:spTree>
+    <p:extLst>
+      <p:ext uri="{BB962C8B-B14F-4D97-AF65-F5344CB8AC3E}">
+        <p14:creationId xmlns:p14="http://schemas.microsoft.com/office/powerpoint/2010/main" val="3066578396"/>
+      </p:ext>
+    </p:extLst>
+  </p:cSld>
+  <p:clrMapOvr>
+    <a:masterClrMapping/>
+  </p:clrMapOvr>
+  <p:transition spd="med">
+    <p:fade/>
+  </p:transition>
+  <p:timing>
+    <p:tnLst>
+      <p:par>
+        <p:cTn id="1" dur="indefinite" restart="never" nodeType="tmRoot"/>
+      </p:par>
+    </p:tnLst>
+  </p:timing>
+</p:sld>
+</file>
+
+<file path=ppt/slides/slide17.xml><?xml version="1.0" encoding="utf-8"?>
+<p:sld xmlns:a="http://schemas.openxmlformats.org/drawingml/2006/main" xmlns:r="http://schemas.openxmlformats.org/officeDocument/2006/relationships" xmlns:p="http://schemas.openxmlformats.org/presentationml/2006/main">
+  <p:cSld>
+    <p:spTree>
+      <p:nvGrpSpPr>
+        <p:cNvPr id="1" name=""/>
+        <p:cNvGrpSpPr/>
+        <p:nvPr/>
+      </p:nvGrpSpPr>
+      <p:grpSpPr>
+        <a:xfrm>
+          <a:off x="0" y="0"/>
+          <a:ext cx="0" cy="0"/>
+          <a:chOff x="0" y="0"/>
+          <a:chExt cx="0" cy="0"/>
+        </a:xfrm>
+      </p:grpSpPr>
+      <p:pic>
+        <p:nvPicPr>
+          <p:cNvPr id="5" name="Picture 2" descr="Resultado de imagem para SENAC LOGO PNG">
+            <a:extLst>
+              <a:ext uri="{FF2B5EF4-FFF2-40B4-BE49-F238E27FC236}">
+                <a16:creationId xmlns:a16="http://schemas.microsoft.com/office/drawing/2014/main" id="{7C31DA61-2BE8-4C07-ACCF-C1925FAC9E65}"/>
+              </a:ext>
+            </a:extLst>
+          </p:cNvPr>
+          <p:cNvPicPr>
+            <a:picLocks noChangeAspect="1" noChangeArrowheads="1"/>
+          </p:cNvPicPr>
+          <p:nvPr/>
+        </p:nvPicPr>
+        <p:blipFill>
+          <a:blip r:embed="rId2" cstate="print">
+            <a:extLst>
+              <a:ext uri="{28A0092B-C50C-407E-A947-70E740481C1C}">
+                <a14:useLocalDpi xmlns:a14="http://schemas.microsoft.com/office/drawing/2010/main" val="0"/>
+              </a:ext>
+            </a:extLst>
+          </a:blip>
+          <a:srcRect/>
+          <a:stretch>
+            <a:fillRect/>
+          </a:stretch>
+        </p:blipFill>
+        <p:spPr bwMode="auto">
+          <a:xfrm>
+            <a:off x="8100392" y="6237312"/>
+            <a:ext cx="928216" cy="544038"/>
+          </a:xfrm>
+          <a:prstGeom prst="rect">
+            <a:avLst/>
+          </a:prstGeom>
+          <a:noFill/>
+          <a:extLst>
+            <a:ext uri="{909E8E84-426E-40DD-AFC4-6F175D3DCCD1}">
+              <a14:hiddenFill xmlns:a14="http://schemas.microsoft.com/office/drawing/2010/main">
+                <a:solidFill>
+                  <a:srgbClr val="FFFFFF"/>
+                </a:solidFill>
+              </a14:hiddenFill>
+            </a:ext>
+          </a:extLst>
+        </p:spPr>
+      </p:pic>
+      <p:sp>
+        <p:nvSpPr>
+          <p:cNvPr id="6" name="Retângulo 5"/>
+          <p:cNvSpPr/>
+          <p:nvPr/>
+        </p:nvSpPr>
+        <p:spPr bwMode="auto">
+          <a:xfrm>
+            <a:off x="0" y="0"/>
+            <a:ext cx="251520" cy="6885384"/>
+          </a:xfrm>
+          <a:prstGeom prst="rect">
+            <a:avLst/>
+          </a:prstGeom>
+          <a:solidFill>
+            <a:schemeClr val="bg1"/>
+          </a:solidFill>
+          <a:ln w="9525" cap="flat" cmpd="sng" algn="ctr">
+            <a:solidFill>
+              <a:schemeClr val="bg1"/>
+            </a:solidFill>
+            <a:prstDash val="solid"/>
+            <a:round/>
+            <a:headEnd type="none" w="med" len="med"/>
+            <a:tailEnd type="none" w="med" len="med"/>
+          </a:ln>
+          <a:effectLst/>
+          <a:extLst/>
+        </p:spPr>
+        <p:txBody>
+          <a:bodyPr vert="horz" wrap="square" lIns="91440" tIns="45720" rIns="91440" bIns="45720" numCol="1" rtlCol="0" anchor="t" anchorCtr="0" compatLnSpc="1">
+            <a:prstTxWarp prst="textNoShape">
+              <a:avLst/>
+            </a:prstTxWarp>
+          </a:bodyPr>
+          <a:lstStyle/>
+          <a:p>
+            <a:pPr marL="0" marR="0" indent="0" algn="l" defTabSz="914400" rtl="0" eaLnBrk="0" fontAlgn="base" latinLnBrk="0" hangingPunct="0">
+              <a:lnSpc>
+                <a:spcPct val="100000"/>
+              </a:lnSpc>
+              <a:spcBef>
+                <a:spcPct val="0"/>
+              </a:spcBef>
+              <a:spcAft>
+                <a:spcPct val="0"/>
+              </a:spcAft>
+              <a:buClrTx/>
+              <a:buSzTx/>
+              <a:buFontTx/>
+              <a:buNone/>
+              <a:tabLst/>
+            </a:pPr>
+            <a:endParaRPr kumimoji="0" lang="pt-BR" sz="1800" b="0" i="0" u="none" strike="noStrike" cap="none" normalizeH="0" baseline="0" smtClean="0">
+              <a:ln>
+                <a:noFill/>
+              </a:ln>
+              <a:solidFill>
+                <a:schemeClr val="tx1"/>
+              </a:solidFill>
+              <a:effectLst/>
+              <a:latin typeface="Arial" charset="0"/>
+            </a:endParaRPr>
+          </a:p>
+        </p:txBody>
+      </p:sp>
+      <p:pic>
+        <p:nvPicPr>
+          <p:cNvPr id="2" name="Imagem 1"/>
+          <p:cNvPicPr>
+            <a:picLocks noChangeAspect="1"/>
+          </p:cNvPicPr>
+          <p:nvPr/>
+        </p:nvPicPr>
+        <p:blipFill rotWithShape="1">
+          <a:blip r:embed="rId3"/>
+          <a:srcRect b="6321"/>
+          <a:stretch/>
+        </p:blipFill>
+        <p:spPr>
+          <a:xfrm>
+            <a:off x="0" y="4477"/>
+            <a:ext cx="9153729" cy="4823527"/>
+          </a:xfrm>
+          <a:prstGeom prst="rect">
+            <a:avLst/>
+          </a:prstGeom>
+        </p:spPr>
+      </p:pic>
+    </p:spTree>
+    <p:extLst>
+      <p:ext uri="{BB962C8B-B14F-4D97-AF65-F5344CB8AC3E}">
+        <p14:creationId xmlns:p14="http://schemas.microsoft.com/office/powerpoint/2010/main" val="3120090733"/>
+      </p:ext>
+    </p:extLst>
+  </p:cSld>
+  <p:clrMapOvr>
+    <a:masterClrMapping/>
+  </p:clrMapOvr>
+  <p:transition spd="med">
+    <p:fade/>
+  </p:transition>
+  <p:timing>
+    <p:tnLst>
+      <p:par>
+        <p:cTn id="1" dur="indefinite" restart="never" nodeType="tmRoot"/>
+      </p:par>
+    </p:tnLst>
+  </p:timing>
+</p:sld>
+</file>
+
+<file path=ppt/slides/slide18.xml><?xml version="1.0" encoding="utf-8"?>
+<p:sld xmlns:a="http://schemas.openxmlformats.org/drawingml/2006/main" xmlns:r="http://schemas.openxmlformats.org/officeDocument/2006/relationships" xmlns:p="http://schemas.openxmlformats.org/presentationml/2006/main">
+  <p:cSld>
+    <p:spTree>
+      <p:nvGrpSpPr>
+        <p:cNvPr id="1" name=""/>
+        <p:cNvGrpSpPr/>
+        <p:nvPr/>
+      </p:nvGrpSpPr>
+      <p:grpSpPr>
+        <a:xfrm>
+          <a:off x="0" y="0"/>
+          <a:ext cx="0" cy="0"/>
+          <a:chOff x="0" y="0"/>
+          <a:chExt cx="0" cy="0"/>
+        </a:xfrm>
+      </p:grpSpPr>
+      <p:pic>
+        <p:nvPicPr>
+          <p:cNvPr id="5" name="Picture 2" descr="Resultado de imagem para SENAC LOGO PNG">
+            <a:extLst>
+              <a:ext uri="{FF2B5EF4-FFF2-40B4-BE49-F238E27FC236}">
+                <a16:creationId xmlns:a16="http://schemas.microsoft.com/office/drawing/2014/main" id="{7C31DA61-2BE8-4C07-ACCF-C1925FAC9E65}"/>
+              </a:ext>
+            </a:extLst>
+          </p:cNvPr>
+          <p:cNvPicPr>
+            <a:picLocks noChangeAspect="1" noChangeArrowheads="1"/>
+          </p:cNvPicPr>
+          <p:nvPr/>
+        </p:nvPicPr>
+        <p:blipFill>
+          <a:blip r:embed="rId2" cstate="print">
+            <a:extLst>
+              <a:ext uri="{28A0092B-C50C-407E-A947-70E740481C1C}">
+                <a14:useLocalDpi xmlns:a14="http://schemas.microsoft.com/office/drawing/2010/main" val="0"/>
+              </a:ext>
+            </a:extLst>
+          </a:blip>
+          <a:srcRect/>
+          <a:stretch>
+            <a:fillRect/>
+          </a:stretch>
+        </p:blipFill>
+        <p:spPr bwMode="auto">
+          <a:xfrm>
+            <a:off x="8100392" y="6237312"/>
+            <a:ext cx="928216" cy="544038"/>
+          </a:xfrm>
+          <a:prstGeom prst="rect">
+            <a:avLst/>
+          </a:prstGeom>
+          <a:noFill/>
+          <a:extLst>
+            <a:ext uri="{909E8E84-426E-40DD-AFC4-6F175D3DCCD1}">
+              <a14:hiddenFill xmlns:a14="http://schemas.microsoft.com/office/drawing/2010/main">
+                <a:solidFill>
+                  <a:srgbClr val="FFFFFF"/>
+                </a:solidFill>
+              </a14:hiddenFill>
+            </a:ext>
+          </a:extLst>
+        </p:spPr>
+      </p:pic>
+      <p:sp>
+        <p:nvSpPr>
+          <p:cNvPr id="4" name="Retângulo 3"/>
+          <p:cNvSpPr/>
+          <p:nvPr/>
+        </p:nvSpPr>
+        <p:spPr bwMode="auto">
+          <a:xfrm>
+            <a:off x="0" y="0"/>
+            <a:ext cx="251520" cy="6885384"/>
+          </a:xfrm>
+          <a:prstGeom prst="rect">
+            <a:avLst/>
+          </a:prstGeom>
+          <a:solidFill>
+            <a:schemeClr val="bg1"/>
+          </a:solidFill>
+          <a:ln w="9525" cap="flat" cmpd="sng" algn="ctr">
+            <a:solidFill>
+              <a:schemeClr val="bg1"/>
+            </a:solidFill>
+            <a:prstDash val="solid"/>
+            <a:round/>
+            <a:headEnd type="none" w="med" len="med"/>
+            <a:tailEnd type="none" w="med" len="med"/>
+          </a:ln>
+          <a:effectLst/>
+          <a:extLst/>
+        </p:spPr>
+        <p:txBody>
+          <a:bodyPr vert="horz" wrap="square" lIns="91440" tIns="45720" rIns="91440" bIns="45720" numCol="1" rtlCol="0" anchor="t" anchorCtr="0" compatLnSpc="1">
+            <a:prstTxWarp prst="textNoShape">
+              <a:avLst/>
+            </a:prstTxWarp>
+          </a:bodyPr>
+          <a:lstStyle/>
+          <a:p>
+            <a:pPr marL="0" marR="0" indent="0" algn="l" defTabSz="914400" rtl="0" eaLnBrk="0" fontAlgn="base" latinLnBrk="0" hangingPunct="0">
+              <a:lnSpc>
+                <a:spcPct val="100000"/>
+              </a:lnSpc>
+              <a:spcBef>
+                <a:spcPct val="0"/>
+              </a:spcBef>
+              <a:spcAft>
+                <a:spcPct val="0"/>
+              </a:spcAft>
+              <a:buClrTx/>
+              <a:buSzTx/>
+              <a:buFontTx/>
+              <a:buNone/>
+              <a:tabLst/>
+            </a:pPr>
+            <a:endParaRPr kumimoji="0" lang="pt-BR" sz="1800" b="0" i="0" u="none" strike="noStrike" cap="none" normalizeH="0" baseline="0" smtClean="0">
+              <a:ln>
+                <a:noFill/>
+              </a:ln>
+              <a:solidFill>
+                <a:schemeClr val="tx1"/>
+              </a:solidFill>
+              <a:effectLst/>
+              <a:latin typeface="Arial" charset="0"/>
+            </a:endParaRPr>
+          </a:p>
+        </p:txBody>
+      </p:sp>
+      <p:pic>
+        <p:nvPicPr>
+          <p:cNvPr id="2" name="Imagem 1"/>
+          <p:cNvPicPr>
+            <a:picLocks noChangeAspect="1"/>
+          </p:cNvPicPr>
+          <p:nvPr/>
+        </p:nvPicPr>
+        <p:blipFill rotWithShape="1">
+          <a:blip r:embed="rId3"/>
+          <a:srcRect b="6321"/>
+          <a:stretch/>
+        </p:blipFill>
+        <p:spPr>
+          <a:xfrm>
+            <a:off x="1" y="-1"/>
+            <a:ext cx="9180512" cy="4837640"/>
+          </a:xfrm>
+          <a:prstGeom prst="rect">
+            <a:avLst/>
+          </a:prstGeom>
+        </p:spPr>
+      </p:pic>
+    </p:spTree>
+    <p:extLst>
+      <p:ext uri="{BB962C8B-B14F-4D97-AF65-F5344CB8AC3E}">
+        <p14:creationId xmlns:p14="http://schemas.microsoft.com/office/powerpoint/2010/main" val="3268836551"/>
+      </p:ext>
+    </p:extLst>
+  </p:cSld>
+  <p:clrMapOvr>
+    <a:masterClrMapping/>
+  </p:clrMapOvr>
+  <p:transition spd="med">
+    <p:fade/>
+  </p:transition>
+  <p:timing>
+    <p:tnLst>
+      <p:par>
+        <p:cTn id="1" dur="indefinite" restart="never" nodeType="tmRoot"/>
+      </p:par>
+    </p:tnLst>
+  </p:timing>
+</p:sld>
+</file>
+
+<file path=ppt/slides/slide19.xml><?xml version="1.0" encoding="utf-8"?>
+<p:sld xmlns:a="http://schemas.openxmlformats.org/drawingml/2006/main" xmlns:r="http://schemas.openxmlformats.org/officeDocument/2006/relationships" xmlns:p="http://schemas.openxmlformats.org/presentationml/2006/main">
+  <p:cSld>
+    <p:spTree>
+      <p:nvGrpSpPr>
+        <p:cNvPr id="1" name=""/>
+        <p:cNvGrpSpPr/>
+        <p:nvPr/>
+      </p:nvGrpSpPr>
+      <p:grpSpPr>
+        <a:xfrm>
+          <a:off x="0" y="0"/>
+          <a:ext cx="0" cy="0"/>
+          <a:chOff x="0" y="0"/>
+          <a:chExt cx="0" cy="0"/>
+        </a:xfrm>
+      </p:grpSpPr>
+      <p:pic>
+        <p:nvPicPr>
+          <p:cNvPr id="5" name="Picture 2" descr="Resultado de imagem para SENAC LOGO PNG">
+            <a:extLst>
+              <a:ext uri="{FF2B5EF4-FFF2-40B4-BE49-F238E27FC236}">
+                <a16:creationId xmlns:a16="http://schemas.microsoft.com/office/drawing/2014/main" id="{7C31DA61-2BE8-4C07-ACCF-C1925FAC9E65}"/>
+              </a:ext>
+            </a:extLst>
+          </p:cNvPr>
+          <p:cNvPicPr>
+            <a:picLocks noChangeAspect="1" noChangeArrowheads="1"/>
+          </p:cNvPicPr>
+          <p:nvPr/>
+        </p:nvPicPr>
+        <p:blipFill>
+          <a:blip r:embed="rId2" cstate="print">
+            <a:extLst>
+              <a:ext uri="{28A0092B-C50C-407E-A947-70E740481C1C}">
+                <a14:useLocalDpi xmlns:a14="http://schemas.microsoft.com/office/drawing/2010/main" val="0"/>
+              </a:ext>
+            </a:extLst>
+          </a:blip>
+          <a:srcRect/>
+          <a:stretch>
+            <a:fillRect/>
+          </a:stretch>
+        </p:blipFill>
+        <p:spPr bwMode="auto">
+          <a:xfrm>
+            <a:off x="8100392" y="6237312"/>
+            <a:ext cx="928216" cy="544038"/>
+          </a:xfrm>
+          <a:prstGeom prst="rect">
+            <a:avLst/>
+          </a:prstGeom>
+          <a:noFill/>
+          <a:extLst>
+            <a:ext uri="{909E8E84-426E-40DD-AFC4-6F175D3DCCD1}">
+              <a14:hiddenFill xmlns:a14="http://schemas.microsoft.com/office/drawing/2010/main">
+                <a:solidFill>
+                  <a:srgbClr val="FFFFFF"/>
+                </a:solidFill>
+              </a14:hiddenFill>
+            </a:ext>
+          </a:extLst>
+        </p:spPr>
+      </p:pic>
+      <p:sp>
+        <p:nvSpPr>
+          <p:cNvPr id="4" name="Retângulo 3"/>
+          <p:cNvSpPr/>
+          <p:nvPr/>
+        </p:nvSpPr>
+        <p:spPr bwMode="auto">
+          <a:xfrm>
+            <a:off x="-32930" y="0"/>
+            <a:ext cx="500474" cy="6858000"/>
+          </a:xfrm>
+          <a:prstGeom prst="rect">
+            <a:avLst/>
+          </a:prstGeom>
+          <a:solidFill>
+            <a:schemeClr val="bg1"/>
+          </a:solidFill>
+          <a:ln w="9525" cap="flat" cmpd="sng" algn="ctr">
+            <a:solidFill>
+              <a:schemeClr val="bg1"/>
+            </a:solidFill>
+            <a:prstDash val="solid"/>
+            <a:round/>
+            <a:headEnd type="none" w="med" len="med"/>
+            <a:tailEnd type="none" w="med" len="med"/>
+          </a:ln>
+          <a:effectLst/>
+          <a:extLst/>
+        </p:spPr>
+        <p:txBody>
+          <a:bodyPr vert="horz" wrap="square" lIns="91440" tIns="45720" rIns="91440" bIns="45720" numCol="1" rtlCol="0" anchor="t" anchorCtr="0" compatLnSpc="1">
+            <a:prstTxWarp prst="textNoShape">
+              <a:avLst/>
+            </a:prstTxWarp>
+          </a:bodyPr>
+          <a:lstStyle/>
+          <a:p>
+            <a:pPr marL="0" marR="0" indent="0" algn="l" defTabSz="914400" rtl="0" eaLnBrk="0" fontAlgn="base" latinLnBrk="0" hangingPunct="0">
+              <a:lnSpc>
+                <a:spcPct val="100000"/>
+              </a:lnSpc>
+              <a:spcBef>
+                <a:spcPct val="0"/>
+              </a:spcBef>
+              <a:spcAft>
+                <a:spcPct val="0"/>
+              </a:spcAft>
+              <a:buClrTx/>
+              <a:buSzTx/>
+              <a:buFontTx/>
+              <a:buNone/>
+              <a:tabLst/>
+            </a:pPr>
+            <a:endParaRPr kumimoji="0" lang="pt-BR" sz="1800" b="0" i="0" u="none" strike="noStrike" cap="none" normalizeH="0" baseline="0" smtClean="0">
+              <a:ln>
+                <a:noFill/>
+              </a:ln>
+              <a:solidFill>
+                <a:schemeClr val="tx1"/>
+              </a:solidFill>
+              <a:effectLst/>
+              <a:latin typeface="Arial" charset="0"/>
+            </a:endParaRPr>
+          </a:p>
+        </p:txBody>
+      </p:sp>
+      <p:pic>
+        <p:nvPicPr>
+          <p:cNvPr id="2" name="Imagem 1"/>
+          <p:cNvPicPr>
+            <a:picLocks noChangeAspect="1"/>
+          </p:cNvPicPr>
+          <p:nvPr/>
+        </p:nvPicPr>
+        <p:blipFill rotWithShape="1">
+          <a:blip r:embed="rId3"/>
+          <a:srcRect b="7160"/>
+          <a:stretch/>
+        </p:blipFill>
+        <p:spPr>
+          <a:xfrm>
+            <a:off x="-32930" y="0"/>
+            <a:ext cx="9176930" cy="4792391"/>
+          </a:xfrm>
+          <a:prstGeom prst="rect">
+            <a:avLst/>
+          </a:prstGeom>
+        </p:spPr>
+      </p:pic>
+    </p:spTree>
+    <p:extLst>
+      <p:ext uri="{BB962C8B-B14F-4D97-AF65-F5344CB8AC3E}">
+        <p14:creationId xmlns:p14="http://schemas.microsoft.com/office/powerpoint/2010/main" val="932243358"/>
+      </p:ext>
+    </p:extLst>
+  </p:cSld>
+  <p:clrMapOvr>
+    <a:masterClrMapping/>
+  </p:clrMapOvr>
+  <p:transition spd="med">
+    <p:fade/>
+  </p:transition>
+  <p:timing>
+    <p:tnLst>
+      <p:par>
+        <p:cTn id="1" dur="indefinite" restart="never" nodeType="tmRoot"/>
+      </p:par>
+    </p:tnLst>
+  </p:timing>
+</p:sld>
+</file>
+
+<file path=ppt/slides/slide2.xml><?xml version="1.0" encoding="utf-8"?>
+<p:sld xmlns:a="http://schemas.openxmlformats.org/drawingml/2006/main" xmlns:r="http://schemas.openxmlformats.org/officeDocument/2006/relationships" xmlns:p="http://schemas.openxmlformats.org/presentationml/2006/main">
+  <p:cSld>
+    <p:spTree>
+      <p:nvGrpSpPr>
+        <p:cNvPr id="1" name=""/>
+        <p:cNvGrpSpPr/>
+        <p:nvPr/>
+      </p:nvGrpSpPr>
+      <p:grpSpPr>
+        <a:xfrm>
+          <a:off x="0" y="0"/>
+          <a:ext cx="0" cy="0"/>
+          <a:chOff x="0" y="0"/>
+          <a:chExt cx="0" cy="0"/>
+        </a:xfrm>
+      </p:grpSpPr>
+      <p:sp>
+        <p:nvSpPr>
+          <p:cNvPr id="18434" name="Rectangle 2"/>
+          <p:cNvSpPr>
+            <a:spLocks noGrp="1" noChangeArrowheads="1"/>
+          </p:cNvSpPr>
+          <p:nvPr>
+            <p:ph type="title"/>
+          </p:nvPr>
+        </p:nvSpPr>
+        <p:spPr/>
+        <p:txBody>
+          <a:bodyPr/>
+          <a:lstStyle/>
+          <a:p>
+            <a:r>
+              <a:rPr lang="pt-BR" dirty="0"/>
+              <a:t>SOBRE O PROJETO</a:t>
+            </a:r>
+          </a:p>
+        </p:txBody>
+      </p:sp>
+      <p:sp>
+        <p:nvSpPr>
+          <p:cNvPr id="18435" name="Rectangle 3"/>
+          <p:cNvSpPr>
+            <a:spLocks noGrp="1" noChangeArrowheads="1"/>
+          </p:cNvSpPr>
+          <p:nvPr>
+            <p:ph type="body" idx="1"/>
+          </p:nvPr>
+        </p:nvSpPr>
+        <p:spPr/>
+        <p:txBody>
+          <a:bodyPr/>
+          <a:lstStyle/>
+          <a:p>
+            <a:pPr marL="0" indent="0">
+              <a:buNone/>
+            </a:pPr>
+            <a:r>
+              <a:rPr lang="pt-BR" b="1" dirty="0"/>
+              <a:t>OBJETIVO</a:t>
+            </a:r>
+          </a:p>
+          <a:p>
+            <a:endParaRPr lang="pt-BR" dirty="0"/>
+          </a:p>
+          <a:p>
+            <a:r>
+              <a:rPr lang="pt-BR" dirty="0"/>
+              <a:t>FACILITAR E SISTEMATIZAR AS VENDAS DO BAZAR</a:t>
+            </a:r>
+          </a:p>
+          <a:p>
+            <a:endParaRPr lang="pt-BR" dirty="0"/>
+          </a:p>
+          <a:p>
+            <a:r>
+              <a:rPr lang="pt-BR" dirty="0"/>
+              <a:t>CONTABILIZAR RENDIMENTOS E ENTRADA DE DOAÇÕES</a:t>
+            </a:r>
+          </a:p>
+          <a:p>
+            <a:endParaRPr lang="pt-BR" dirty="0"/>
+          </a:p>
+          <a:p>
+            <a:r>
+              <a:rPr lang="pt-BR" dirty="0"/>
+              <a:t>INFORMAR O QUE FOI MAIS VENDIDO</a:t>
+            </a:r>
+          </a:p>
+          <a:p>
+            <a:endParaRPr lang="pt-BR" dirty="0"/>
+          </a:p>
+        </p:txBody>
+      </p:sp>
+      <p:pic>
+        <p:nvPicPr>
+          <p:cNvPr id="4" name="Picture 2" descr="Resultado de imagem para SENAC LOGO PNG">
+            <a:extLst>
+              <a:ext uri="{FF2B5EF4-FFF2-40B4-BE49-F238E27FC236}">
+                <a16:creationId xmlns:a16="http://schemas.microsoft.com/office/drawing/2014/main" id="{BE9FCA3B-9D43-4489-BB1F-1C6D1AFAAD2E}"/>
+              </a:ext>
+            </a:extLst>
+          </p:cNvPr>
+          <p:cNvPicPr>
+            <a:picLocks noChangeAspect="1" noChangeArrowheads="1"/>
+          </p:cNvPicPr>
+          <p:nvPr/>
+        </p:nvPicPr>
+        <p:blipFill>
+          <a:blip r:embed="rId2" cstate="print">
+            <a:extLst>
+              <a:ext uri="{28A0092B-C50C-407E-A947-70E740481C1C}">
+                <a14:useLocalDpi xmlns:a14="http://schemas.microsoft.com/office/drawing/2010/main" val="0"/>
+              </a:ext>
+            </a:extLst>
+          </a:blip>
+          <a:srcRect/>
+          <a:stretch>
+            <a:fillRect/>
+          </a:stretch>
+        </p:blipFill>
+        <p:spPr bwMode="auto">
+          <a:xfrm>
+            <a:off x="8100392" y="6237312"/>
+            <a:ext cx="928216" cy="544038"/>
+          </a:xfrm>
+          <a:prstGeom prst="rect">
+            <a:avLst/>
+          </a:prstGeom>
+          <a:noFill/>
+          <a:extLst>
+            <a:ext uri="{909E8E84-426E-40DD-AFC4-6F175D3DCCD1}">
+              <a14:hiddenFill xmlns:a14="http://schemas.microsoft.com/office/drawing/2010/main">
+                <a:solidFill>
+                  <a:srgbClr val="FFFFFF"/>
+                </a:solidFill>
+              </a14:hiddenFill>
+            </a:ext>
+          </a:extLst>
+        </p:spPr>
+      </p:pic>
+    </p:spTree>
+  </p:cSld>
+  <p:clrMapOvr>
+    <a:masterClrMapping/>
+  </p:clrMapOvr>
+  <p:transition spd="med">
+    <p:fade/>
+  </p:transition>
+  <p:timing>
+    <p:tnLst>
+      <p:par>
+        <p:cTn id="1" dur="indefinite" restart="never" nodeType="tmRoot"/>
+      </p:par>
+    </p:tnLst>
+  </p:timing>
+</p:sld>
+</file>
+
+<file path=ppt/slides/slide20.xml><?xml version="1.0" encoding="utf-8"?>
+<p:sld xmlns:a="http://schemas.openxmlformats.org/drawingml/2006/main" xmlns:r="http://schemas.openxmlformats.org/officeDocument/2006/relationships" xmlns:p="http://schemas.openxmlformats.org/presentationml/2006/main">
+  <p:cSld>
+    <p:spTree>
+      <p:nvGrpSpPr>
+        <p:cNvPr id="1" name=""/>
+        <p:cNvGrpSpPr/>
+        <p:nvPr/>
+      </p:nvGrpSpPr>
+      <p:grpSpPr>
+        <a:xfrm>
+          <a:off x="0" y="0"/>
+          <a:ext cx="0" cy="0"/>
+          <a:chOff x="0" y="0"/>
+          <a:chExt cx="0" cy="0"/>
+        </a:xfrm>
+      </p:grpSpPr>
+      <p:sp>
+        <p:nvSpPr>
+          <p:cNvPr id="2050" name="Rectangle 2"/>
+          <p:cNvSpPr>
+            <a:spLocks noGrp="1" noChangeArrowheads="1"/>
+          </p:cNvSpPr>
+          <p:nvPr>
+            <p:ph type="ctrTitle"/>
+          </p:nvPr>
+        </p:nvSpPr>
+        <p:spPr/>
+        <p:txBody>
+          <a:bodyPr/>
+          <a:lstStyle/>
+          <a:p>
+            <a:r>
+              <a:rPr lang="pt-BR" dirty="0" smtClean="0"/>
+              <a:t>PROJETO INTEGRADOR</a:t>
+            </a:r>
+            <a:endParaRPr lang="pt-BR" dirty="0"/>
+          </a:p>
+        </p:txBody>
+      </p:sp>
+      <p:sp>
+        <p:nvSpPr>
+          <p:cNvPr id="2051" name="Rectangle 3"/>
+          <p:cNvSpPr>
+            <a:spLocks noGrp="1" noChangeArrowheads="1"/>
+          </p:cNvSpPr>
+          <p:nvPr>
+            <p:ph type="subTitle" idx="1"/>
+          </p:nvPr>
+        </p:nvSpPr>
+        <p:spPr/>
+        <p:txBody>
+          <a:bodyPr/>
+          <a:lstStyle/>
+          <a:p>
+            <a:r>
+              <a:rPr lang="pt-BR" b="1" dirty="0" smtClean="0"/>
+              <a:t>ALUNOS</a:t>
+            </a:r>
+          </a:p>
+          <a:p>
+            <a:r>
+              <a:rPr lang="pt-BR" sz="2800" b="1" dirty="0" smtClean="0"/>
+              <a:t>ALICE, ANDRÉ, NATÁLIA E YAN</a:t>
+            </a:r>
+          </a:p>
+          <a:p>
+            <a:endParaRPr lang="pt-BR" sz="2800" b="1" dirty="0" smtClean="0"/>
+          </a:p>
+          <a:p>
+            <a:r>
+              <a:rPr lang="pt-BR" b="1" dirty="0" smtClean="0"/>
+              <a:t>PROFESSORES</a:t>
+            </a:r>
+          </a:p>
+          <a:p>
+            <a:r>
+              <a:rPr lang="pt-BR" sz="2800" b="1" dirty="0" smtClean="0"/>
+              <a:t>ELDES, RODRIGO E SALMO</a:t>
+            </a:r>
+            <a:endParaRPr lang="pt-BR" sz="2800" dirty="0"/>
+          </a:p>
+        </p:txBody>
+      </p:sp>
+      <p:pic>
+        <p:nvPicPr>
+          <p:cNvPr id="1026" name="Picture 2" descr="Resultado de imagem para SENAC LOGO PNG">
+            <a:extLst>
+              <a:ext uri="{FF2B5EF4-FFF2-40B4-BE49-F238E27FC236}">
+                <a16:creationId xmlns:a16="http://schemas.microsoft.com/office/drawing/2014/main" id="{8C6E2A77-5B82-4F7F-8C0E-AD4D699CB5FF}"/>
+              </a:ext>
+            </a:extLst>
+          </p:cNvPr>
+          <p:cNvPicPr>
+            <a:picLocks noChangeAspect="1" noChangeArrowheads="1"/>
+          </p:cNvPicPr>
+          <p:nvPr/>
+        </p:nvPicPr>
+        <p:blipFill>
+          <a:blip r:embed="rId3" cstate="print">
+            <a:extLst>
+              <a:ext uri="{28A0092B-C50C-407E-A947-70E740481C1C}">
+                <a14:useLocalDpi xmlns:a14="http://schemas.microsoft.com/office/drawing/2010/main" val="0"/>
+              </a:ext>
+            </a:extLst>
+          </a:blip>
+          <a:srcRect/>
+          <a:stretch>
+            <a:fillRect/>
+          </a:stretch>
+        </p:blipFill>
+        <p:spPr bwMode="auto">
+          <a:xfrm>
+            <a:off x="7596336" y="5923571"/>
+            <a:ext cx="1365080" cy="800090"/>
+          </a:xfrm>
+          <a:prstGeom prst="rect">
+            <a:avLst/>
+          </a:prstGeom>
+          <a:noFill/>
+          <a:extLst>
+            <a:ext uri="{909E8E84-426E-40DD-AFC4-6F175D3DCCD1}">
+              <a14:hiddenFill xmlns:a14="http://schemas.microsoft.com/office/drawing/2010/main">
+                <a:solidFill>
+                  <a:srgbClr val="FFFFFF"/>
+                </a:solidFill>
+              </a14:hiddenFill>
+            </a:ext>
+          </a:extLst>
+        </p:spPr>
+      </p:pic>
+      <p:pic>
+        <p:nvPicPr>
+          <p:cNvPr id="3" name="Imagem 2">
+            <a:extLst>
+              <a:ext uri="{FF2B5EF4-FFF2-40B4-BE49-F238E27FC236}">
+                <a16:creationId xmlns:a16="http://schemas.microsoft.com/office/drawing/2014/main" id="{86B752F1-33E6-4FCC-9A1D-E4282A41C685}"/>
+              </a:ext>
+            </a:extLst>
+          </p:cNvPr>
+          <p:cNvPicPr>
+            <a:picLocks noChangeAspect="1"/>
+          </p:cNvPicPr>
+          <p:nvPr/>
+        </p:nvPicPr>
+        <p:blipFill>
+          <a:blip r:embed="rId4">
+            <a:extLst>
+              <a:ext uri="{28A0092B-C50C-407E-A947-70E740481C1C}">
+                <a14:useLocalDpi xmlns:a14="http://schemas.microsoft.com/office/drawing/2010/main" val="0"/>
+              </a:ext>
+            </a:extLst>
+          </a:blip>
+          <a:stretch>
+            <a:fillRect/>
+          </a:stretch>
+        </p:blipFill>
+        <p:spPr>
+          <a:xfrm>
+            <a:off x="183023" y="5923571"/>
+            <a:ext cx="2228106" cy="794892"/>
+          </a:xfrm>
+          <a:prstGeom prst="rect">
+            <a:avLst/>
+          </a:prstGeom>
+        </p:spPr>
+      </p:pic>
+    </p:spTree>
+    <p:extLst>
+      <p:ext uri="{BB962C8B-B14F-4D97-AF65-F5344CB8AC3E}">
+        <p14:creationId xmlns:p14="http://schemas.microsoft.com/office/powerpoint/2010/main" val="747050"/>
+      </p:ext>
+    </p:extLst>
+  </p:cSld>
+  <p:clrMapOvr>
+    <a:masterClrMapping/>
+  </p:clrMapOvr>
+  <p:transition spd="med">
+    <p:fade/>
+  </p:transition>
+  <p:timing>
+    <p:tnLst>
+      <p:par>
+        <p:cTn id="1" dur="indefinite" restart="never" nodeType="tmRoot"/>
+      </p:par>
+    </p:tnLst>
+  </p:timing>
+</p:sld>
+</file>
+
+<file path=ppt/slides/slide3.xml><?xml version="1.0" encoding="utf-8"?>
+<p:sld xmlns:a="http://schemas.openxmlformats.org/drawingml/2006/main" xmlns:r="http://schemas.openxmlformats.org/officeDocument/2006/relationships" xmlns:p="http://schemas.openxmlformats.org/presentationml/2006/main">
+  <p:cSld>
+    <p:spTree>
+      <p:nvGrpSpPr>
+        <p:cNvPr id="1" name=""/>
+        <p:cNvGrpSpPr/>
+        <p:nvPr/>
+      </p:nvGrpSpPr>
+      <p:grpSpPr>
+        <a:xfrm>
+          <a:off x="0" y="0"/>
+          <a:ext cx="0" cy="0"/>
+          <a:chOff x="0" y="0"/>
+          <a:chExt cx="0" cy="0"/>
+        </a:xfrm>
+      </p:grpSpPr>
+      <p:sp>
+        <p:nvSpPr>
+          <p:cNvPr id="2050" name="Rectangle 2"/>
+          <p:cNvSpPr>
+            <a:spLocks noGrp="1" noChangeArrowheads="1"/>
+          </p:cNvSpPr>
+          <p:nvPr>
+            <p:ph type="ctrTitle"/>
+          </p:nvPr>
+        </p:nvSpPr>
+        <p:spPr/>
+        <p:txBody>
+          <a:bodyPr/>
+          <a:lstStyle/>
+          <a:p>
+            <a:r>
+              <a:rPr lang="pt-BR" dirty="0"/>
+              <a:t>TELAS DO USUÁRIO</a:t>
+            </a:r>
+          </a:p>
+        </p:txBody>
+      </p:sp>
+      <p:pic>
+        <p:nvPicPr>
+          <p:cNvPr id="6" name="Picture 2" descr="Resultado de imagem para SENAC LOGO PNG">
+            <a:extLst>
+              <a:ext uri="{FF2B5EF4-FFF2-40B4-BE49-F238E27FC236}">
+                <a16:creationId xmlns:a16="http://schemas.microsoft.com/office/drawing/2014/main" id="{8E0CD0C8-2CB4-4691-AD9B-732C161DBED7}"/>
+              </a:ext>
+            </a:extLst>
+          </p:cNvPr>
+          <p:cNvPicPr>
+            <a:picLocks noChangeAspect="1" noChangeArrowheads="1"/>
+          </p:cNvPicPr>
+          <p:nvPr/>
+        </p:nvPicPr>
+        <p:blipFill>
+          <a:blip r:embed="rId3" cstate="print">
+            <a:extLst>
+              <a:ext uri="{28A0092B-C50C-407E-A947-70E740481C1C}">
+                <a14:useLocalDpi xmlns:a14="http://schemas.microsoft.com/office/drawing/2010/main" val="0"/>
+              </a:ext>
+            </a:extLst>
+          </a:blip>
+          <a:srcRect/>
+          <a:stretch>
+            <a:fillRect/>
+          </a:stretch>
+        </p:blipFill>
+        <p:spPr bwMode="auto">
+          <a:xfrm>
+            <a:off x="8100392" y="6237312"/>
+            <a:ext cx="928216" cy="544038"/>
+          </a:xfrm>
+          <a:prstGeom prst="rect">
+            <a:avLst/>
+          </a:prstGeom>
+          <a:noFill/>
+          <a:extLst>
+            <a:ext uri="{909E8E84-426E-40DD-AFC4-6F175D3DCCD1}">
+              <a14:hiddenFill xmlns:a14="http://schemas.microsoft.com/office/drawing/2010/main">
+                <a:solidFill>
+                  <a:srgbClr val="FFFFFF"/>
+                </a:solidFill>
+              </a14:hiddenFill>
+            </a:ext>
+          </a:extLst>
+        </p:spPr>
+      </p:pic>
+    </p:spTree>
+    <p:extLst>
+      <p:ext uri="{BB962C8B-B14F-4D97-AF65-F5344CB8AC3E}">
+        <p14:creationId xmlns:p14="http://schemas.microsoft.com/office/powerpoint/2010/main" val="2998186356"/>
+      </p:ext>
+    </p:extLst>
+  </p:cSld>
+  <p:clrMapOvr>
+    <a:masterClrMapping/>
+  </p:clrMapOvr>
+  <p:transition spd="med">
+    <p:fade/>
+  </p:transition>
+  <p:timing>
+    <p:tnLst>
+      <p:par>
+        <p:cTn id="1" dur="indefinite" restart="never" nodeType="tmRoot"/>
+      </p:par>
+    </p:tnLst>
+  </p:timing>
+</p:sld>
+</file>
+
+<file path=ppt/slides/slide4.xml><?xml version="1.0" encoding="utf-8"?>
+<p:sld xmlns:a="http://schemas.openxmlformats.org/drawingml/2006/main" xmlns:r="http://schemas.openxmlformats.org/officeDocument/2006/relationships" xmlns:p="http://schemas.openxmlformats.org/presentationml/2006/main">
+  <p:cSld>
+    <p:spTree>
+      <p:nvGrpSpPr>
+        <p:cNvPr id="1" name=""/>
+        <p:cNvGrpSpPr/>
+        <p:nvPr/>
+      </p:nvGrpSpPr>
+      <p:grpSpPr>
+        <a:xfrm>
+          <a:off x="0" y="0"/>
+          <a:ext cx="0" cy="0"/>
+          <a:chOff x="0" y="0"/>
+          <a:chExt cx="0" cy="0"/>
+        </a:xfrm>
+      </p:grpSpPr>
+      <p:sp>
+        <p:nvSpPr>
+          <p:cNvPr id="3" name="Retângulo 2"/>
+          <p:cNvSpPr/>
+          <p:nvPr/>
+        </p:nvSpPr>
+        <p:spPr bwMode="auto">
+          <a:xfrm>
+            <a:off x="0" y="0"/>
+            <a:ext cx="251520" cy="6885384"/>
+          </a:xfrm>
+          <a:prstGeom prst="rect">
+            <a:avLst/>
+          </a:prstGeom>
+          <a:solidFill>
+            <a:schemeClr val="bg1"/>
+          </a:solidFill>
+          <a:ln w="9525" cap="flat" cmpd="sng" algn="ctr">
+            <a:solidFill>
+              <a:schemeClr val="bg1"/>
+            </a:solidFill>
+            <a:prstDash val="solid"/>
+            <a:round/>
+            <a:headEnd type="none" w="med" len="med"/>
+            <a:tailEnd type="none" w="med" len="med"/>
+          </a:ln>
+          <a:effectLst/>
+          <a:extLst/>
+        </p:spPr>
+        <p:txBody>
+          <a:bodyPr vert="horz" wrap="square" lIns="91440" tIns="45720" rIns="91440" bIns="45720" numCol="1" rtlCol="0" anchor="t" anchorCtr="0" compatLnSpc="1">
+            <a:prstTxWarp prst="textNoShape">
+              <a:avLst/>
+            </a:prstTxWarp>
+          </a:bodyPr>
+          <a:lstStyle/>
+          <a:p>
+            <a:pPr marL="0" marR="0" indent="0" algn="l" defTabSz="914400" rtl="0" eaLnBrk="0" fontAlgn="base" latinLnBrk="0" hangingPunct="0">
+              <a:lnSpc>
+                <a:spcPct val="100000"/>
+              </a:lnSpc>
+              <a:spcBef>
+                <a:spcPct val="0"/>
+              </a:spcBef>
+              <a:spcAft>
+                <a:spcPct val="0"/>
+              </a:spcAft>
+              <a:buClrTx/>
+              <a:buSzTx/>
+              <a:buFontTx/>
+              <a:buNone/>
+              <a:tabLst/>
+            </a:pPr>
+            <a:endParaRPr kumimoji="0" lang="pt-BR" sz="1800" b="0" i="0" u="none" strike="noStrike" cap="none" normalizeH="0" baseline="0" smtClean="0">
+              <a:ln>
+                <a:noFill/>
+              </a:ln>
+              <a:solidFill>
+                <a:schemeClr val="tx1"/>
+              </a:solidFill>
+              <a:effectLst/>
+              <a:latin typeface="Arial" charset="0"/>
+            </a:endParaRPr>
+          </a:p>
+        </p:txBody>
+      </p:sp>
+      <p:pic>
+        <p:nvPicPr>
+          <p:cNvPr id="9" name="Imagem 8">
+            <a:extLst>
+              <a:ext uri="{FF2B5EF4-FFF2-40B4-BE49-F238E27FC236}">
+                <a16:creationId xmlns:a16="http://schemas.microsoft.com/office/drawing/2014/main" id="{D8B093B2-F7B6-42EA-99D9-5213008E8554}"/>
+              </a:ext>
+            </a:extLst>
+          </p:cNvPr>
+          <p:cNvPicPr>
+            <a:picLocks noChangeAspect="1"/>
+          </p:cNvPicPr>
+          <p:nvPr/>
+        </p:nvPicPr>
+        <p:blipFill rotWithShape="1">
+          <a:blip r:embed="rId2">
+            <a:extLst>
+              <a:ext uri="{28A0092B-C50C-407E-A947-70E740481C1C}">
+                <a14:useLocalDpi xmlns:a14="http://schemas.microsoft.com/office/drawing/2010/main" val="0"/>
+              </a:ext>
+            </a:extLst>
+          </a:blip>
+          <a:srcRect t="1400"/>
+          <a:stretch/>
+        </p:blipFill>
+        <p:spPr>
+          <a:xfrm>
+            <a:off x="-2437538" y="0"/>
+            <a:ext cx="14107450" cy="6885384"/>
+          </a:xfrm>
+          <a:prstGeom prst="rect">
+            <a:avLst/>
+          </a:prstGeom>
+        </p:spPr>
+      </p:pic>
+    </p:spTree>
+    <p:extLst>
+      <p:ext uri="{BB962C8B-B14F-4D97-AF65-F5344CB8AC3E}">
+        <p14:creationId xmlns:p14="http://schemas.microsoft.com/office/powerpoint/2010/main" val="391730549"/>
+      </p:ext>
+    </p:extLst>
+  </p:cSld>
+  <p:clrMapOvr>
+    <a:masterClrMapping/>
+  </p:clrMapOvr>
+  <p:timing>
+    <p:tnLst>
+      <p:par>
+        <p:cTn id="1" dur="indefinite" restart="never" nodeType="tmRoot"/>
+      </p:par>
+    </p:tnLst>
+  </p:timing>
+</p:sld>
+</file>
+
+<file path=ppt/slides/slide5.xml><?xml version="1.0" encoding="utf-8"?>
+<p:sld xmlns:a="http://schemas.openxmlformats.org/drawingml/2006/main" xmlns:r="http://schemas.openxmlformats.org/officeDocument/2006/relationships" xmlns:p="http://schemas.openxmlformats.org/presentationml/2006/main">
+  <p:cSld>
+    <p:spTree>
+      <p:nvGrpSpPr>
+        <p:cNvPr id="1" name=""/>
+        <p:cNvGrpSpPr/>
+        <p:nvPr/>
+      </p:nvGrpSpPr>
+      <p:grpSpPr>
+        <a:xfrm>
+          <a:off x="0" y="0"/>
+          <a:ext cx="0" cy="0"/>
+          <a:chOff x="0" y="0"/>
+          <a:chExt cx="0" cy="0"/>
+        </a:xfrm>
+      </p:grpSpPr>
+      <p:sp>
+        <p:nvSpPr>
+          <p:cNvPr id="3" name="Retângulo 2"/>
+          <p:cNvSpPr/>
+          <p:nvPr/>
+        </p:nvSpPr>
+        <p:spPr bwMode="auto">
+          <a:xfrm>
+            <a:off x="0" y="0"/>
+            <a:ext cx="251520" cy="6885384"/>
+          </a:xfrm>
+          <a:prstGeom prst="rect">
+            <a:avLst/>
+          </a:prstGeom>
+          <a:solidFill>
+            <a:schemeClr val="bg1"/>
+          </a:solidFill>
+          <a:ln w="9525" cap="flat" cmpd="sng" algn="ctr">
+            <a:solidFill>
+              <a:schemeClr val="bg1"/>
+            </a:solidFill>
+            <a:prstDash val="solid"/>
+            <a:round/>
+            <a:headEnd type="none" w="med" len="med"/>
+            <a:tailEnd type="none" w="med" len="med"/>
+          </a:ln>
+          <a:effectLst/>
+          <a:extLst/>
+        </p:spPr>
+        <p:txBody>
+          <a:bodyPr vert="horz" wrap="square" lIns="91440" tIns="45720" rIns="91440" bIns="45720" numCol="1" rtlCol="0" anchor="t" anchorCtr="0" compatLnSpc="1">
+            <a:prstTxWarp prst="textNoShape">
+              <a:avLst/>
+            </a:prstTxWarp>
+          </a:bodyPr>
+          <a:lstStyle/>
+          <a:p>
+            <a:pPr marL="0" marR="0" indent="0" algn="l" defTabSz="914400" rtl="0" eaLnBrk="0" fontAlgn="base" latinLnBrk="0" hangingPunct="0">
+              <a:lnSpc>
+                <a:spcPct val="100000"/>
+              </a:lnSpc>
+              <a:spcBef>
+                <a:spcPct val="0"/>
+              </a:spcBef>
+              <a:spcAft>
+                <a:spcPct val="0"/>
+              </a:spcAft>
+              <a:buClrTx/>
+              <a:buSzTx/>
+              <a:buFontTx/>
+              <a:buNone/>
+              <a:tabLst/>
+            </a:pPr>
+            <a:endParaRPr kumimoji="0" lang="pt-BR" sz="1800" b="0" i="0" u="none" strike="noStrike" cap="none" normalizeH="0" baseline="0" smtClean="0">
+              <a:ln>
+                <a:noFill/>
+              </a:ln>
+              <a:solidFill>
+                <a:schemeClr val="tx1"/>
+              </a:solidFill>
+              <a:effectLst/>
+              <a:latin typeface="Arial" charset="0"/>
+            </a:endParaRPr>
+          </a:p>
+        </p:txBody>
+      </p:sp>
+      <p:pic>
+        <p:nvPicPr>
+          <p:cNvPr id="2" name="Imagem 1"/>
+          <p:cNvPicPr>
+            <a:picLocks noChangeAspect="1"/>
+          </p:cNvPicPr>
+          <p:nvPr/>
+        </p:nvPicPr>
+        <p:blipFill rotWithShape="1">
+          <a:blip r:embed="rId2"/>
+          <a:srcRect b="4640"/>
+          <a:stretch/>
+        </p:blipFill>
+        <p:spPr>
+          <a:xfrm>
+            <a:off x="0" y="0"/>
+            <a:ext cx="9144000" cy="4904809"/>
+          </a:xfrm>
+          <a:prstGeom prst="rect">
+            <a:avLst/>
+          </a:prstGeom>
+        </p:spPr>
+      </p:pic>
+      <p:pic>
+        <p:nvPicPr>
+          <p:cNvPr id="4" name="Picture 2" descr="Resultado de imagem para SENAC LOGO PNG">
+            <a:extLst>
+              <a:ext uri="{FF2B5EF4-FFF2-40B4-BE49-F238E27FC236}">
+                <a16:creationId xmlns:a16="http://schemas.microsoft.com/office/drawing/2014/main" id="{52AB468E-34B9-4C9F-9286-D7E741189D85}"/>
+              </a:ext>
+            </a:extLst>
+          </p:cNvPr>
+          <p:cNvPicPr>
+            <a:picLocks noChangeAspect="1" noChangeArrowheads="1"/>
+          </p:cNvPicPr>
+          <p:nvPr/>
+        </p:nvPicPr>
+        <p:blipFill>
+          <a:blip r:embed="rId3" cstate="print">
+            <a:extLst>
+              <a:ext uri="{28A0092B-C50C-407E-A947-70E740481C1C}">
+                <a14:useLocalDpi xmlns:a14="http://schemas.microsoft.com/office/drawing/2010/main" val="0"/>
+              </a:ext>
+            </a:extLst>
+          </a:blip>
+          <a:srcRect/>
+          <a:stretch>
+            <a:fillRect/>
+          </a:stretch>
+        </p:blipFill>
+        <p:spPr bwMode="auto">
+          <a:xfrm>
+            <a:off x="8100392" y="6237312"/>
+            <a:ext cx="928216" cy="544038"/>
+          </a:xfrm>
+          <a:prstGeom prst="rect">
+            <a:avLst/>
+          </a:prstGeom>
+          <a:noFill/>
+          <a:extLst>
+            <a:ext uri="{909E8E84-426E-40DD-AFC4-6F175D3DCCD1}">
+              <a14:hiddenFill xmlns:a14="http://schemas.microsoft.com/office/drawing/2010/main">
+                <a:solidFill>
+                  <a:srgbClr val="FFFFFF"/>
+                </a:solidFill>
+              </a14:hiddenFill>
+            </a:ext>
+          </a:extLst>
+        </p:spPr>
+      </p:pic>
+    </p:spTree>
+    <p:extLst>
+      <p:ext uri="{BB962C8B-B14F-4D97-AF65-F5344CB8AC3E}">
+        <p14:creationId xmlns:p14="http://schemas.microsoft.com/office/powerpoint/2010/main" val="1103876547"/>
+      </p:ext>
+    </p:extLst>
+  </p:cSld>
+  <p:clrMapOvr>
+    <a:masterClrMapping/>
+  </p:clrMapOvr>
+  <p:timing>
+    <p:tnLst>
+      <p:par>
+        <p:cTn id="1" dur="indefinite" restart="never" nodeType="tmRoot"/>
+      </p:par>
+    </p:tnLst>
+  </p:timing>
+</p:sld>
+</file>
+
+<file path=ppt/slides/slide6.xml><?xml version="1.0" encoding="utf-8"?>
+<p:sld xmlns:a="http://schemas.openxmlformats.org/drawingml/2006/main" xmlns:r="http://schemas.openxmlformats.org/officeDocument/2006/relationships" xmlns:p="http://schemas.openxmlformats.org/presentationml/2006/main">
+  <p:cSld>
+    <p:spTree>
+      <p:nvGrpSpPr>
+        <p:cNvPr id="1" name=""/>
+        <p:cNvGrpSpPr/>
+        <p:nvPr/>
+      </p:nvGrpSpPr>
+      <p:grpSpPr>
+        <a:xfrm>
+          <a:off x="0" y="0"/>
+          <a:ext cx="0" cy="0"/>
+          <a:chOff x="0" y="0"/>
+          <a:chExt cx="0" cy="0"/>
+        </a:xfrm>
+      </p:grpSpPr>
+      <p:sp>
+        <p:nvSpPr>
+          <p:cNvPr id="3" name="Retângulo 2"/>
+          <p:cNvSpPr/>
+          <p:nvPr/>
+        </p:nvSpPr>
+        <p:spPr bwMode="auto">
+          <a:xfrm>
+            <a:off x="0" y="0"/>
+            <a:ext cx="251520" cy="6885384"/>
+          </a:xfrm>
+          <a:prstGeom prst="rect">
+            <a:avLst/>
+          </a:prstGeom>
+          <a:solidFill>
+            <a:schemeClr val="bg1"/>
+          </a:solidFill>
+          <a:ln w="9525" cap="flat" cmpd="sng" algn="ctr">
+            <a:solidFill>
+              <a:schemeClr val="bg1"/>
+            </a:solidFill>
+            <a:prstDash val="solid"/>
+            <a:round/>
+            <a:headEnd type="none" w="med" len="med"/>
+            <a:tailEnd type="none" w="med" len="med"/>
+          </a:ln>
+          <a:effectLst/>
+          <a:extLst/>
+        </p:spPr>
+        <p:txBody>
+          <a:bodyPr vert="horz" wrap="square" lIns="91440" tIns="45720" rIns="91440" bIns="45720" numCol="1" rtlCol="0" anchor="t" anchorCtr="0" compatLnSpc="1">
+            <a:prstTxWarp prst="textNoShape">
+              <a:avLst/>
+            </a:prstTxWarp>
+          </a:bodyPr>
+          <a:lstStyle/>
+          <a:p>
+            <a:pPr marL="0" marR="0" indent="0" algn="l" defTabSz="914400" rtl="0" eaLnBrk="0" fontAlgn="base" latinLnBrk="0" hangingPunct="0">
+              <a:lnSpc>
+                <a:spcPct val="100000"/>
+              </a:lnSpc>
+              <a:spcBef>
+                <a:spcPct val="0"/>
+              </a:spcBef>
+              <a:spcAft>
+                <a:spcPct val="0"/>
+              </a:spcAft>
+              <a:buClrTx/>
+              <a:buSzTx/>
+              <a:buFontTx/>
+              <a:buNone/>
+              <a:tabLst/>
+            </a:pPr>
+            <a:endParaRPr kumimoji="0" lang="pt-BR" sz="1800" b="0" i="0" u="none" strike="noStrike" cap="none" normalizeH="0" baseline="0" smtClean="0">
+              <a:ln>
+                <a:noFill/>
+              </a:ln>
+              <a:solidFill>
+                <a:schemeClr val="tx1"/>
+              </a:solidFill>
+              <a:effectLst/>
+              <a:latin typeface="Arial" charset="0"/>
+            </a:endParaRPr>
+          </a:p>
+        </p:txBody>
+      </p:sp>
+      <p:pic>
+        <p:nvPicPr>
+          <p:cNvPr id="2" name="Imagem 1"/>
+          <p:cNvPicPr>
+            <a:picLocks noChangeAspect="1"/>
+          </p:cNvPicPr>
+          <p:nvPr/>
+        </p:nvPicPr>
+        <p:blipFill rotWithShape="1">
+          <a:blip r:embed="rId2"/>
+          <a:srcRect b="4640"/>
+          <a:stretch/>
+        </p:blipFill>
+        <p:spPr>
+          <a:xfrm>
+            <a:off x="0" y="-27384"/>
+            <a:ext cx="9144000" cy="4904809"/>
+          </a:xfrm>
+          <a:prstGeom prst="rect">
+            <a:avLst/>
+          </a:prstGeom>
+        </p:spPr>
+      </p:pic>
+      <p:pic>
+        <p:nvPicPr>
+          <p:cNvPr id="4" name="Picture 2" descr="Resultado de imagem para SENAC LOGO PNG">
+            <a:extLst>
+              <a:ext uri="{FF2B5EF4-FFF2-40B4-BE49-F238E27FC236}">
+                <a16:creationId xmlns:a16="http://schemas.microsoft.com/office/drawing/2014/main" id="{52AB468E-34B9-4C9F-9286-D7E741189D85}"/>
+              </a:ext>
+            </a:extLst>
+          </p:cNvPr>
+          <p:cNvPicPr>
+            <a:picLocks noChangeAspect="1" noChangeArrowheads="1"/>
+          </p:cNvPicPr>
+          <p:nvPr/>
+        </p:nvPicPr>
+        <p:blipFill>
+          <a:blip r:embed="rId3" cstate="print">
+            <a:extLst>
+              <a:ext uri="{28A0092B-C50C-407E-A947-70E740481C1C}">
+                <a14:useLocalDpi xmlns:a14="http://schemas.microsoft.com/office/drawing/2010/main" val="0"/>
+              </a:ext>
+            </a:extLst>
+          </a:blip>
+          <a:srcRect/>
+          <a:stretch>
+            <a:fillRect/>
+          </a:stretch>
+        </p:blipFill>
+        <p:spPr bwMode="auto">
+          <a:xfrm>
+            <a:off x="8100392" y="6237312"/>
+            <a:ext cx="928216" cy="544038"/>
+          </a:xfrm>
+          <a:prstGeom prst="rect">
+            <a:avLst/>
+          </a:prstGeom>
+          <a:noFill/>
+          <a:extLst>
+            <a:ext uri="{909E8E84-426E-40DD-AFC4-6F175D3DCCD1}">
+              <a14:hiddenFill xmlns:a14="http://schemas.microsoft.com/office/drawing/2010/main">
+                <a:solidFill>
+                  <a:srgbClr val="FFFFFF"/>
+                </a:solidFill>
+              </a14:hiddenFill>
+            </a:ext>
+          </a:extLst>
+        </p:spPr>
+      </p:pic>
+    </p:spTree>
+    <p:extLst>
+      <p:ext uri="{BB962C8B-B14F-4D97-AF65-F5344CB8AC3E}">
+        <p14:creationId xmlns:p14="http://schemas.microsoft.com/office/powerpoint/2010/main" val="2061939166"/>
+      </p:ext>
+    </p:extLst>
+  </p:cSld>
+  <p:clrMapOvr>
+    <a:masterClrMapping/>
+  </p:clrMapOvr>
+  <p:timing>
+    <p:tnLst>
+      <p:par>
+        <p:cTn id="1" dur="indefinite" restart="never" nodeType="tmRoot"/>
+      </p:par>
+    </p:tnLst>
+  </p:timing>
+</p:sld>
+</file>
+
+<file path=ppt/slides/slide7.xml><?xml version="1.0" encoding="utf-8"?>
+<p:sld xmlns:a="http://schemas.openxmlformats.org/drawingml/2006/main" xmlns:r="http://schemas.openxmlformats.org/officeDocument/2006/relationships" xmlns:p="http://schemas.openxmlformats.org/presentationml/2006/main">
+  <p:cSld>
+    <p:spTree>
+      <p:nvGrpSpPr>
+        <p:cNvPr id="1" name=""/>
+        <p:cNvGrpSpPr/>
+        <p:nvPr/>
+      </p:nvGrpSpPr>
+      <p:grpSpPr>
+        <a:xfrm>
+          <a:off x="0" y="0"/>
+          <a:ext cx="0" cy="0"/>
+          <a:chOff x="0" y="0"/>
+          <a:chExt cx="0" cy="0"/>
+        </a:xfrm>
+      </p:grpSpPr>
+      <p:sp>
+        <p:nvSpPr>
+          <p:cNvPr id="3" name="Retângulo 2"/>
+          <p:cNvSpPr/>
+          <p:nvPr/>
+        </p:nvSpPr>
+        <p:spPr bwMode="auto">
+          <a:xfrm>
+            <a:off x="0" y="0"/>
+            <a:ext cx="251520" cy="6885384"/>
+          </a:xfrm>
+          <a:prstGeom prst="rect">
+            <a:avLst/>
+          </a:prstGeom>
+          <a:solidFill>
+            <a:schemeClr val="bg1"/>
+          </a:solidFill>
+          <a:ln w="9525" cap="flat" cmpd="sng" algn="ctr">
+            <a:solidFill>
+              <a:schemeClr val="bg1"/>
+            </a:solidFill>
+            <a:prstDash val="solid"/>
+            <a:round/>
+            <a:headEnd type="none" w="med" len="med"/>
+            <a:tailEnd type="none" w="med" len="med"/>
+          </a:ln>
+          <a:effectLst/>
+          <a:extLst/>
+        </p:spPr>
+        <p:txBody>
+          <a:bodyPr vert="horz" wrap="square" lIns="91440" tIns="45720" rIns="91440" bIns="45720" numCol="1" rtlCol="0" anchor="t" anchorCtr="0" compatLnSpc="1">
+            <a:prstTxWarp prst="textNoShape">
+              <a:avLst/>
+            </a:prstTxWarp>
+          </a:bodyPr>
+          <a:lstStyle/>
+          <a:p>
+            <a:pPr marL="0" marR="0" indent="0" algn="l" defTabSz="914400" rtl="0" eaLnBrk="0" fontAlgn="base" latinLnBrk="0" hangingPunct="0">
+              <a:lnSpc>
+                <a:spcPct val="100000"/>
+              </a:lnSpc>
+              <a:spcBef>
+                <a:spcPct val="0"/>
+              </a:spcBef>
+              <a:spcAft>
+                <a:spcPct val="0"/>
+              </a:spcAft>
+              <a:buClrTx/>
+              <a:buSzTx/>
+              <a:buFontTx/>
+              <a:buNone/>
+              <a:tabLst/>
+            </a:pPr>
+            <a:endParaRPr kumimoji="0" lang="pt-BR" sz="1800" b="0" i="0" u="none" strike="noStrike" cap="none" normalizeH="0" baseline="0" smtClean="0">
+              <a:ln>
+                <a:noFill/>
+              </a:ln>
+              <a:solidFill>
+                <a:schemeClr val="tx1"/>
+              </a:solidFill>
+              <a:effectLst/>
+              <a:latin typeface="Arial" charset="0"/>
+            </a:endParaRPr>
+          </a:p>
+        </p:txBody>
+      </p:sp>
+      <p:pic>
+        <p:nvPicPr>
+          <p:cNvPr id="2" name="Imagem 1"/>
+          <p:cNvPicPr>
+            <a:picLocks noChangeAspect="1"/>
+          </p:cNvPicPr>
+          <p:nvPr/>
+        </p:nvPicPr>
+        <p:blipFill rotWithShape="1">
+          <a:blip r:embed="rId2"/>
+          <a:srcRect b="4640"/>
+          <a:stretch/>
+        </p:blipFill>
+        <p:spPr>
+          <a:xfrm>
+            <a:off x="0" y="0"/>
+            <a:ext cx="9144000" cy="4904810"/>
+          </a:xfrm>
+          <a:prstGeom prst="rect">
+            <a:avLst/>
+          </a:prstGeom>
+        </p:spPr>
+      </p:pic>
+      <p:pic>
+        <p:nvPicPr>
+          <p:cNvPr id="4" name="Picture 2" descr="Resultado de imagem para SENAC LOGO PNG">
+            <a:extLst>
+              <a:ext uri="{FF2B5EF4-FFF2-40B4-BE49-F238E27FC236}">
+                <a16:creationId xmlns:a16="http://schemas.microsoft.com/office/drawing/2014/main" id="{52AB468E-34B9-4C9F-9286-D7E741189D85}"/>
+              </a:ext>
+            </a:extLst>
+          </p:cNvPr>
+          <p:cNvPicPr>
+            <a:picLocks noChangeAspect="1" noChangeArrowheads="1"/>
+          </p:cNvPicPr>
+          <p:nvPr/>
+        </p:nvPicPr>
+        <p:blipFill>
+          <a:blip r:embed="rId3" cstate="print">
+            <a:extLst>
+              <a:ext uri="{28A0092B-C50C-407E-A947-70E740481C1C}">
+                <a14:useLocalDpi xmlns:a14="http://schemas.microsoft.com/office/drawing/2010/main" val="0"/>
+              </a:ext>
+            </a:extLst>
+          </a:blip>
+          <a:srcRect/>
+          <a:stretch>
+            <a:fillRect/>
+          </a:stretch>
+        </p:blipFill>
+        <p:spPr bwMode="auto">
+          <a:xfrm>
+            <a:off x="8100392" y="6237312"/>
+            <a:ext cx="928216" cy="544038"/>
+          </a:xfrm>
+          <a:prstGeom prst="rect">
+            <a:avLst/>
+          </a:prstGeom>
+          <a:noFill/>
+          <a:extLst>
+            <a:ext uri="{909E8E84-426E-40DD-AFC4-6F175D3DCCD1}">
+              <a14:hiddenFill xmlns:a14="http://schemas.microsoft.com/office/drawing/2010/main">
+                <a:solidFill>
+                  <a:srgbClr val="FFFFFF"/>
+                </a:solidFill>
+              </a14:hiddenFill>
+            </a:ext>
+          </a:extLst>
+        </p:spPr>
+      </p:pic>
+    </p:spTree>
+    <p:extLst>
+      <p:ext uri="{BB962C8B-B14F-4D97-AF65-F5344CB8AC3E}">
+        <p14:creationId xmlns:p14="http://schemas.microsoft.com/office/powerpoint/2010/main" val="3071098688"/>
+      </p:ext>
+    </p:extLst>
+  </p:cSld>
+  <p:clrMapOvr>
+    <a:masterClrMapping/>
+  </p:clrMapOvr>
+  <p:timing>
+    <p:tnLst>
+      <p:par>
+        <p:cTn id="1" dur="indefinite" restart="never" nodeType="tmRoot"/>
+      </p:par>
+    </p:tnLst>
+  </p:timing>
+</p:sld>
+</file>
+
+<file path=ppt/slides/slide8.xml><?xml version="1.0" encoding="utf-8"?>
+<p:sld xmlns:a="http://schemas.openxmlformats.org/drawingml/2006/main" xmlns:r="http://schemas.openxmlformats.org/officeDocument/2006/relationships" xmlns:p="http://schemas.openxmlformats.org/presentationml/2006/main">
+  <p:cSld>
+    <p:spTree>
+      <p:nvGrpSpPr>
+        <p:cNvPr id="1" name=""/>
+        <p:cNvGrpSpPr/>
+        <p:nvPr/>
+      </p:nvGrpSpPr>
+      <p:grpSpPr>
+        <a:xfrm>
+          <a:off x="0" y="0"/>
+          <a:ext cx="0" cy="0"/>
+          <a:chOff x="0" y="0"/>
+          <a:chExt cx="0" cy="0"/>
+        </a:xfrm>
+      </p:grpSpPr>
+      <p:sp>
+        <p:nvSpPr>
+          <p:cNvPr id="4" name="Retângulo 3"/>
+          <p:cNvSpPr/>
+          <p:nvPr/>
+        </p:nvSpPr>
+        <p:spPr bwMode="auto">
+          <a:xfrm>
+            <a:off x="-36512" y="-2312"/>
+            <a:ext cx="432048" cy="6858000"/>
+          </a:xfrm>
+          <a:prstGeom prst="rect">
+            <a:avLst/>
+          </a:prstGeom>
+          <a:solidFill>
+            <a:schemeClr val="bg1"/>
+          </a:solidFill>
+          <a:ln w="9525" cap="flat" cmpd="sng" algn="ctr">
+            <a:solidFill>
+              <a:schemeClr val="bg1"/>
+            </a:solidFill>
+            <a:prstDash val="solid"/>
+            <a:round/>
+            <a:headEnd type="none" w="med" len="med"/>
+            <a:tailEnd type="none" w="med" len="med"/>
+          </a:ln>
+          <a:effectLst/>
+          <a:extLst/>
+        </p:spPr>
+        <p:txBody>
+          <a:bodyPr vert="horz" wrap="square" lIns="91440" tIns="45720" rIns="91440" bIns="45720" numCol="1" rtlCol="0" anchor="t" anchorCtr="0" compatLnSpc="1">
+            <a:prstTxWarp prst="textNoShape">
+              <a:avLst/>
+            </a:prstTxWarp>
+          </a:bodyPr>
+          <a:lstStyle/>
+          <a:p>
+            <a:pPr marL="0" marR="0" indent="0" algn="l" defTabSz="914400" rtl="0" eaLnBrk="0" fontAlgn="base" latinLnBrk="0" hangingPunct="0">
+              <a:lnSpc>
+                <a:spcPct val="100000"/>
+              </a:lnSpc>
+              <a:spcBef>
+                <a:spcPct val="0"/>
+              </a:spcBef>
+              <a:spcAft>
+                <a:spcPct val="0"/>
+              </a:spcAft>
+              <a:buClrTx/>
+              <a:buSzTx/>
+              <a:buFontTx/>
+              <a:buNone/>
+              <a:tabLst/>
+            </a:pPr>
+            <a:endParaRPr kumimoji="0" lang="pt-BR" sz="1800" b="0" i="0" u="none" strike="noStrike" cap="none" normalizeH="0" baseline="0" smtClean="0">
+              <a:ln>
+                <a:noFill/>
+              </a:ln>
+              <a:solidFill>
+                <a:schemeClr val="tx1"/>
+              </a:solidFill>
+              <a:effectLst/>
+              <a:latin typeface="Arial" charset="0"/>
+            </a:endParaRPr>
+          </a:p>
+        </p:txBody>
+      </p:sp>
+      <p:pic>
+        <p:nvPicPr>
+          <p:cNvPr id="2" name="Imagem 1"/>
+          <p:cNvPicPr>
+            <a:picLocks noChangeAspect="1"/>
+          </p:cNvPicPr>
+          <p:nvPr/>
+        </p:nvPicPr>
+        <p:blipFill rotWithShape="1">
+          <a:blip r:embed="rId2"/>
+          <a:srcRect b="5480"/>
+          <a:stretch/>
+        </p:blipFill>
+        <p:spPr>
+          <a:xfrm>
+            <a:off x="-36512" y="0"/>
+            <a:ext cx="9158213" cy="4869160"/>
+          </a:xfrm>
+          <a:prstGeom prst="rect">
+            <a:avLst/>
+          </a:prstGeom>
+        </p:spPr>
+      </p:pic>
+      <p:pic>
+        <p:nvPicPr>
+          <p:cNvPr id="3" name="Picture 2" descr="Resultado de imagem para SENAC LOGO PNG">
+            <a:extLst>
+              <a:ext uri="{FF2B5EF4-FFF2-40B4-BE49-F238E27FC236}">
+                <a16:creationId xmlns:a16="http://schemas.microsoft.com/office/drawing/2014/main" id="{52AB468E-34B9-4C9F-9286-D7E741189D85}"/>
+              </a:ext>
+            </a:extLst>
+          </p:cNvPr>
+          <p:cNvPicPr>
+            <a:picLocks noChangeAspect="1" noChangeArrowheads="1"/>
+          </p:cNvPicPr>
+          <p:nvPr/>
+        </p:nvPicPr>
+        <p:blipFill>
+          <a:blip r:embed="rId3" cstate="print">
+            <a:extLst>
+              <a:ext uri="{28A0092B-C50C-407E-A947-70E740481C1C}">
+                <a14:useLocalDpi xmlns:a14="http://schemas.microsoft.com/office/drawing/2010/main" val="0"/>
+              </a:ext>
+            </a:extLst>
+          </a:blip>
+          <a:srcRect/>
+          <a:stretch>
+            <a:fillRect/>
+          </a:stretch>
+        </p:blipFill>
+        <p:spPr bwMode="auto">
+          <a:xfrm>
+            <a:off x="8100392" y="6237312"/>
+            <a:ext cx="928216" cy="544038"/>
+          </a:xfrm>
+          <a:prstGeom prst="rect">
+            <a:avLst/>
+          </a:prstGeom>
+          <a:noFill/>
+          <a:extLst>
+            <a:ext uri="{909E8E84-426E-40DD-AFC4-6F175D3DCCD1}">
+              <a14:hiddenFill xmlns:a14="http://schemas.microsoft.com/office/drawing/2010/main">
+                <a:solidFill>
+                  <a:srgbClr val="FFFFFF"/>
+                </a:solidFill>
+              </a14:hiddenFill>
+            </a:ext>
+          </a:extLst>
+        </p:spPr>
+      </p:pic>
+    </p:spTree>
+    <p:extLst>
+      <p:ext uri="{BB962C8B-B14F-4D97-AF65-F5344CB8AC3E}">
+        <p14:creationId xmlns:p14="http://schemas.microsoft.com/office/powerpoint/2010/main" val="772518610"/>
+      </p:ext>
+    </p:extLst>
+  </p:cSld>
+  <p:clrMapOvr>
+    <a:masterClrMapping/>
+  </p:clrMapOvr>
+  <p:timing>
+    <p:tnLst>
+      <p:par>
+        <p:cTn id="1" dur="indefinite" restart="never" nodeType="tmRoot"/>
+      </p:par>
+    </p:tnLst>
+  </p:timing>
+</p:sld>
+</file>
+
+<file path=ppt/slides/slide9.xml><?xml version="1.0" encoding="utf-8"?>
+<p:sld xmlns:a="http://schemas.openxmlformats.org/drawingml/2006/main" xmlns:r="http://schemas.openxmlformats.org/officeDocument/2006/relationships" xmlns:p="http://schemas.openxmlformats.org/presentationml/2006/main">
+  <p:cSld>
+    <p:spTree>
+      <p:nvGrpSpPr>
+        <p:cNvPr id="1" name=""/>
+        <p:cNvGrpSpPr/>
+        <p:nvPr/>
+      </p:nvGrpSpPr>
+      <p:grpSpPr>
+        <a:xfrm>
+          <a:off x="0" y="0"/>
+          <a:ext cx="0" cy="0"/>
+          <a:chOff x="0" y="0"/>
+          <a:chExt cx="0" cy="0"/>
+        </a:xfrm>
+      </p:grpSpPr>
+      <p:sp>
+        <p:nvSpPr>
+          <p:cNvPr id="5" name="Retângulo 4"/>
+          <p:cNvSpPr/>
+          <p:nvPr/>
+        </p:nvSpPr>
+        <p:spPr bwMode="auto">
+          <a:xfrm>
+            <a:off x="0" y="0"/>
+            <a:ext cx="251520" cy="6885384"/>
+          </a:xfrm>
+          <a:prstGeom prst="rect">
+            <a:avLst/>
+          </a:prstGeom>
+          <a:solidFill>
+            <a:schemeClr val="bg1"/>
+          </a:solidFill>
+          <a:ln w="9525" cap="flat" cmpd="sng" algn="ctr">
+            <a:solidFill>
+              <a:schemeClr val="bg1"/>
+            </a:solidFill>
+            <a:prstDash val="solid"/>
+            <a:round/>
+            <a:headEnd type="none" w="med" len="med"/>
+            <a:tailEnd type="none" w="med" len="med"/>
+          </a:ln>
+          <a:effectLst/>
+          <a:extLst/>
+        </p:spPr>
+        <p:txBody>
+          <a:bodyPr vert="horz" wrap="square" lIns="91440" tIns="45720" rIns="91440" bIns="45720" numCol="1" rtlCol="0" anchor="t" anchorCtr="0" compatLnSpc="1">
+            <a:prstTxWarp prst="textNoShape">
+              <a:avLst/>
+            </a:prstTxWarp>
+          </a:bodyPr>
+          <a:lstStyle/>
+          <a:p>
+            <a:pPr marL="0" marR="0" indent="0" algn="l" defTabSz="914400" rtl="0" eaLnBrk="0" fontAlgn="base" latinLnBrk="0" hangingPunct="0">
+              <a:lnSpc>
+                <a:spcPct val="100000"/>
+              </a:lnSpc>
+              <a:spcBef>
+                <a:spcPct val="0"/>
+              </a:spcBef>
+              <a:spcAft>
+                <a:spcPct val="0"/>
+              </a:spcAft>
+              <a:buClrTx/>
+              <a:buSzTx/>
+              <a:buFontTx/>
+              <a:buNone/>
+              <a:tabLst/>
+            </a:pPr>
+            <a:endParaRPr kumimoji="0" lang="pt-BR" sz="1800" b="0" i="0" u="none" strike="noStrike" cap="none" normalizeH="0" baseline="0" smtClean="0">
+              <a:ln>
+                <a:noFill/>
+              </a:ln>
+              <a:solidFill>
+                <a:schemeClr val="tx1"/>
+              </a:solidFill>
+              <a:effectLst/>
+              <a:latin typeface="Arial" charset="0"/>
+            </a:endParaRPr>
+          </a:p>
+        </p:txBody>
+      </p:sp>
+      <p:grpSp>
+        <p:nvGrpSpPr>
+          <p:cNvPr id="4" name="Agrupar 3"/>
+          <p:cNvGrpSpPr/>
+          <p:nvPr/>
+        </p:nvGrpSpPr>
+        <p:grpSpPr>
+          <a:xfrm>
+            <a:off x="0" y="0"/>
+            <a:ext cx="9164652" cy="4840714"/>
+            <a:chOff x="-4237228" y="-2266330"/>
+            <a:chExt cx="17594204" cy="9437470"/>
+          </a:xfrm>
+        </p:grpSpPr>
+        <p:pic>
+          <p:nvPicPr>
+            <p:cNvPr id="2" name="Imagem 1"/>
+            <p:cNvPicPr>
+              <a:picLocks noChangeAspect="1"/>
+            </p:cNvPicPr>
+            <p:nvPr/>
+          </p:nvPicPr>
+          <p:blipFill rotWithShape="1">
+            <a:blip r:embed="rId2"/>
+            <a:srcRect b="4640"/>
+            <a:stretch/>
+          </p:blipFill>
+          <p:spPr>
+            <a:xfrm>
+              <a:off x="-4237228" y="-2266330"/>
+              <a:ext cx="17594204" cy="9437470"/>
+            </a:xfrm>
+            <a:prstGeom prst="rect">
+              <a:avLst/>
+            </a:prstGeom>
+          </p:spPr>
+        </p:pic>
+        <p:sp>
+          <p:nvSpPr>
+            <p:cNvPr id="3" name="Retângulo 2"/>
+            <p:cNvSpPr/>
+            <p:nvPr/>
+          </p:nvSpPr>
+          <p:spPr bwMode="auto">
+            <a:xfrm>
+              <a:off x="-4237228" y="-675456"/>
+              <a:ext cx="17594204" cy="576064"/>
+            </a:xfrm>
+            <a:prstGeom prst="rect">
+              <a:avLst/>
+            </a:prstGeom>
+            <a:solidFill>
+              <a:schemeClr val="bg1"/>
+            </a:solidFill>
+            <a:ln w="9525" cap="flat" cmpd="sng" algn="ctr">
+              <a:solidFill>
+                <a:schemeClr val="bg1"/>
+              </a:solidFill>
+              <a:prstDash val="solid"/>
+              <a:round/>
+              <a:headEnd type="none" w="med" len="med"/>
+              <a:tailEnd type="none" w="med" len="med"/>
+            </a:ln>
+            <a:effectLst/>
+            <a:extLst/>
+          </p:spPr>
+          <p:txBody>
+            <a:bodyPr vert="horz" wrap="square" lIns="91440" tIns="45720" rIns="91440" bIns="45720" numCol="1" rtlCol="0" anchor="t" anchorCtr="0" compatLnSpc="1">
+              <a:prstTxWarp prst="textNoShape">
+                <a:avLst/>
+              </a:prstTxWarp>
+            </a:bodyPr>
+            <a:lstStyle/>
+            <a:p>
+              <a:pPr marL="0" marR="0" indent="0" algn="l" defTabSz="914400" rtl="0" eaLnBrk="0" fontAlgn="base" latinLnBrk="0" hangingPunct="0">
+                <a:lnSpc>
+                  <a:spcPct val="100000"/>
+                </a:lnSpc>
+                <a:spcBef>
+                  <a:spcPct val="0"/>
+                </a:spcBef>
+                <a:spcAft>
+                  <a:spcPct val="0"/>
+                </a:spcAft>
+                <a:buClrTx/>
+                <a:buSzTx/>
+                <a:buFontTx/>
+                <a:buNone/>
+                <a:tabLst/>
+              </a:pPr>
+              <a:endParaRPr kumimoji="0" lang="pt-BR" sz="1800" b="0" i="0" u="none" strike="noStrike" cap="none" normalizeH="0" baseline="0" smtClean="0">
+                <a:ln>
+                  <a:noFill/>
+                </a:ln>
+                <a:solidFill>
+                  <a:schemeClr val="tx1"/>
+                </a:solidFill>
+                <a:effectLst/>
+                <a:latin typeface="Arial" charset="0"/>
+              </a:endParaRPr>
+            </a:p>
+          </p:txBody>
+        </p:sp>
+      </p:grpSp>
+      <p:pic>
+        <p:nvPicPr>
+          <p:cNvPr id="6" name="Picture 2" descr="Resultado de imagem para SENAC LOGO PNG">
+            <a:extLst>
+              <a:ext uri="{FF2B5EF4-FFF2-40B4-BE49-F238E27FC236}">
+                <a16:creationId xmlns:a16="http://schemas.microsoft.com/office/drawing/2014/main" id="{52AB468E-34B9-4C9F-9286-D7E741189D85}"/>
+              </a:ext>
+            </a:extLst>
+          </p:cNvPr>
+          <p:cNvPicPr>
+            <a:picLocks noChangeAspect="1" noChangeArrowheads="1"/>
+          </p:cNvPicPr>
+          <p:nvPr/>
+        </p:nvPicPr>
+        <p:blipFill>
+          <a:blip r:embed="rId3" cstate="print">
+            <a:extLst>
+              <a:ext uri="{28A0092B-C50C-407E-A947-70E740481C1C}">
+                <a14:useLocalDpi xmlns:a14="http://schemas.microsoft.com/office/drawing/2010/main" val="0"/>
+              </a:ext>
+            </a:extLst>
+          </a:blip>
+          <a:srcRect/>
+          <a:stretch>
+            <a:fillRect/>
+          </a:stretch>
+        </p:blipFill>
+        <p:spPr bwMode="auto">
+          <a:xfrm>
+            <a:off x="8100392" y="6237312"/>
+            <a:ext cx="928216" cy="544038"/>
+          </a:xfrm>
+          <a:prstGeom prst="rect">
+            <a:avLst/>
+          </a:prstGeom>
+          <a:noFill/>
+          <a:extLst>
+            <a:ext uri="{909E8E84-426E-40DD-AFC4-6F175D3DCCD1}">
+              <a14:hiddenFill xmlns:a14="http://schemas.microsoft.com/office/drawing/2010/main">
+                <a:solidFill>
+                  <a:srgbClr val="FFFFFF"/>
+                </a:solidFill>
+              </a14:hiddenFill>
+            </a:ext>
+          </a:extLst>
+        </p:spPr>
+      </p:pic>
+    </p:spTree>
+    <p:extLst>
+      <p:ext uri="{BB962C8B-B14F-4D97-AF65-F5344CB8AC3E}">
+        <p14:creationId xmlns:p14="http://schemas.microsoft.com/office/powerpoint/2010/main" val="3898269667"/>
+      </p:ext>
+    </p:extLst>
+  </p:cSld>
+  <p:clrMapOvr>
+    <a:masterClrMapping/>
+  </p:clrMapOvr>
+  <p:timing>
+    <p:tnLst>
+      <p:par>
+        <p:cTn id="1" dur="indefinite" restart="never" nodeType="tmRoot"/>
+      </p:par>
+    </p:tnLst>
+  </p:timing>
 </p:sld>
 </file>
 

--- a/CANTINHO FRATERNO.pptx
+++ b/CANTINHO FRATERNO.pptx
@@ -10,24 +10,24 @@
   <p:sldIdLst>
     <p:sldId id="256" r:id="rId3"/>
     <p:sldId id="258" r:id="rId4"/>
-    <p:sldId id="261" r:id="rId5"/>
-    <p:sldId id="263" r:id="rId6"/>
-    <p:sldId id="264" r:id="rId7"/>
-    <p:sldId id="266" r:id="rId8"/>
-    <p:sldId id="267" r:id="rId9"/>
-    <p:sldId id="270" r:id="rId10"/>
-    <p:sldId id="265" r:id="rId11"/>
-    <p:sldId id="268" r:id="rId12"/>
-    <p:sldId id="269" r:id="rId13"/>
-    <p:sldId id="262" r:id="rId14"/>
-    <p:sldId id="259" r:id="rId15"/>
-    <p:sldId id="260" r:id="rId16"/>
-    <p:sldId id="257" r:id="rId17"/>
-    <p:sldId id="275" r:id="rId18"/>
-    <p:sldId id="273" r:id="rId19"/>
-    <p:sldId id="272" r:id="rId20"/>
-    <p:sldId id="271" r:id="rId21"/>
-    <p:sldId id="274" r:id="rId22"/>
+    <p:sldId id="274" r:id="rId5"/>
+    <p:sldId id="261" r:id="rId6"/>
+    <p:sldId id="263" r:id="rId7"/>
+    <p:sldId id="264" r:id="rId8"/>
+    <p:sldId id="266" r:id="rId9"/>
+    <p:sldId id="267" r:id="rId10"/>
+    <p:sldId id="270" r:id="rId11"/>
+    <p:sldId id="265" r:id="rId12"/>
+    <p:sldId id="268" r:id="rId13"/>
+    <p:sldId id="269" r:id="rId14"/>
+    <p:sldId id="262" r:id="rId15"/>
+    <p:sldId id="259" r:id="rId16"/>
+    <p:sldId id="260" r:id="rId17"/>
+    <p:sldId id="257" r:id="rId18"/>
+    <p:sldId id="275" r:id="rId19"/>
+    <p:sldId id="273" r:id="rId20"/>
+    <p:sldId id="272" r:id="rId21"/>
+    <p:sldId id="271" r:id="rId22"/>
   </p:sldIdLst>
   <p:sldSz cx="9144000" cy="6858000" type="screen4x3"/>
   <p:notesSz cx="7010400" cy="9296400"/>
@@ -902,7 +902,7 @@
     </p:spTree>
     <p:extLst>
       <p:ext uri="{BB962C8B-B14F-4D97-AF65-F5344CB8AC3E}">
-        <p14:creationId xmlns:p14="http://schemas.microsoft.com/office/powerpoint/2010/main" val="712009679"/>
+        <p14:creationId xmlns:p14="http://schemas.microsoft.com/office/powerpoint/2010/main" val="2730875484"/>
       </p:ext>
     </p:extLst>
   </p:cSld>
@@ -949,7 +949,7 @@
             <a:fld id="{90236B5E-CB02-4739-8717-3692B40A1A96}" type="slidenum">
               <a:rPr lang="pt-BR"/>
               <a:pPr/>
-              <a:t>12</a:t>
+              <a:t>4</a:t>
             </a:fld>
             <a:endParaRPr lang="pt-BR"/>
           </a:p>
@@ -991,7 +991,7 @@
     </p:spTree>
     <p:extLst>
       <p:ext uri="{BB962C8B-B14F-4D97-AF65-F5344CB8AC3E}">
-        <p14:creationId xmlns:p14="http://schemas.microsoft.com/office/powerpoint/2010/main" val="1045585655"/>
+        <p14:creationId xmlns:p14="http://schemas.microsoft.com/office/powerpoint/2010/main" val="712009679"/>
       </p:ext>
     </p:extLst>
   </p:cSld>
@@ -1038,7 +1038,7 @@
             <a:fld id="{90236B5E-CB02-4739-8717-3692B40A1A96}" type="slidenum">
               <a:rPr lang="pt-BR"/>
               <a:pPr/>
-              <a:t>20</a:t>
+              <a:t>13</a:t>
             </a:fld>
             <a:endParaRPr lang="pt-BR"/>
           </a:p>
@@ -1080,7 +1080,7 @@
     </p:spTree>
     <p:extLst>
       <p:ext uri="{BB962C8B-B14F-4D97-AF65-F5344CB8AC3E}">
-        <p14:creationId xmlns:p14="http://schemas.microsoft.com/office/powerpoint/2010/main" val="2730875484"/>
+        <p14:creationId xmlns:p14="http://schemas.microsoft.com/office/powerpoint/2010/main" val="1045585655"/>
       </p:ext>
     </p:extLst>
   </p:cSld>
@@ -5338,19 +5338,14 @@
           <a:p>
             <a:r>
               <a:rPr lang="pt-BR" sz="2800" dirty="0"/>
-              <a:t>SISTEMA WEB PARA O </a:t>
-            </a:r>
-            <a:r>
-              <a:rPr lang="pt-BR" sz="2800" dirty="0" smtClean="0"/>
-              <a:t>BAZAR</a:t>
-            </a:r>
-          </a:p>
-          <a:p>
-            <a:r>
-              <a:rPr lang="pt-BR" sz="2800" dirty="0" smtClean="0"/>
+              <a:t>SISTEMA WEB PARA O BAZAR</a:t>
+            </a:r>
+          </a:p>
+          <a:p>
+            <a:r>
+              <a:rPr lang="pt-BR" sz="2800" dirty="0"/>
               <a:t>T.I. 33 - 2020</a:t>
             </a:r>
-            <a:endParaRPr lang="pt-BR" sz="2800" dirty="0"/>
           </a:p>
         </p:txBody>
       </p:sp>
@@ -5445,13 +5440,6 @@
   <p:transition spd="med">
     <p:fade/>
   </p:transition>
-  <p:timing>
-    <p:tnLst>
-      <p:par>
-        <p:cTn id="1" dur="indefinite" restart="never" nodeType="tmRoot"/>
-      </p:par>
-    </p:tnLst>
-  </p:timing>
 </p:sld>
 </file>
 
@@ -5474,7 +5462,7 @@
       </p:grpSpPr>
       <p:sp>
         <p:nvSpPr>
-          <p:cNvPr id="3" name="Retângulo 2"/>
+          <p:cNvPr id="5" name="Retângulo 4"/>
           <p:cNvSpPr/>
           <p:nvPr/>
         </p:nvSpPr>
@@ -5525,2967 +5513,7 @@
               <a:buNone/>
               <a:tabLst/>
             </a:pPr>
-            <a:endParaRPr kumimoji="0" lang="pt-BR" sz="1800" b="0" i="0" u="none" strike="noStrike" cap="none" normalizeH="0" baseline="0" smtClean="0">
-              <a:ln>
-                <a:noFill/>
-              </a:ln>
-              <a:solidFill>
-                <a:schemeClr val="tx1"/>
-              </a:solidFill>
-              <a:effectLst/>
-              <a:latin typeface="Arial" charset="0"/>
-            </a:endParaRPr>
-          </a:p>
-        </p:txBody>
-      </p:sp>
-      <p:pic>
-        <p:nvPicPr>
-          <p:cNvPr id="2" name="Imagem 1"/>
-          <p:cNvPicPr>
-            <a:picLocks noChangeAspect="1"/>
-          </p:cNvPicPr>
-          <p:nvPr/>
-        </p:nvPicPr>
-        <p:blipFill rotWithShape="1">
-          <a:blip r:embed="rId2"/>
-          <a:srcRect b="4640"/>
-          <a:stretch/>
-        </p:blipFill>
-        <p:spPr>
-          <a:xfrm>
-            <a:off x="0" y="0"/>
-            <a:ext cx="9144000" cy="4904810"/>
-          </a:xfrm>
-          <a:prstGeom prst="rect">
-            <a:avLst/>
-          </a:prstGeom>
-        </p:spPr>
-      </p:pic>
-      <p:pic>
-        <p:nvPicPr>
-          <p:cNvPr id="4" name="Picture 2" descr="Resultado de imagem para SENAC LOGO PNG">
-            <a:extLst>
-              <a:ext uri="{FF2B5EF4-FFF2-40B4-BE49-F238E27FC236}">
-                <a16:creationId xmlns:a16="http://schemas.microsoft.com/office/drawing/2014/main" id="{52AB468E-34B9-4C9F-9286-D7E741189D85}"/>
-              </a:ext>
-            </a:extLst>
-          </p:cNvPr>
-          <p:cNvPicPr>
-            <a:picLocks noChangeAspect="1" noChangeArrowheads="1"/>
-          </p:cNvPicPr>
-          <p:nvPr/>
-        </p:nvPicPr>
-        <p:blipFill>
-          <a:blip r:embed="rId3" cstate="print">
-            <a:extLst>
-              <a:ext uri="{28A0092B-C50C-407E-A947-70E740481C1C}">
-                <a14:useLocalDpi xmlns:a14="http://schemas.microsoft.com/office/drawing/2010/main" val="0"/>
-              </a:ext>
-            </a:extLst>
-          </a:blip>
-          <a:srcRect/>
-          <a:stretch>
-            <a:fillRect/>
-          </a:stretch>
-        </p:blipFill>
-        <p:spPr bwMode="auto">
-          <a:xfrm>
-            <a:off x="8100392" y="6237312"/>
-            <a:ext cx="928216" cy="544038"/>
-          </a:xfrm>
-          <a:prstGeom prst="rect">
-            <a:avLst/>
-          </a:prstGeom>
-          <a:noFill/>
-          <a:extLst>
-            <a:ext uri="{909E8E84-426E-40DD-AFC4-6F175D3DCCD1}">
-              <a14:hiddenFill xmlns:a14="http://schemas.microsoft.com/office/drawing/2010/main">
-                <a:solidFill>
-                  <a:srgbClr val="FFFFFF"/>
-                </a:solidFill>
-              </a14:hiddenFill>
-            </a:ext>
-          </a:extLst>
-        </p:spPr>
-      </p:pic>
-    </p:spTree>
-    <p:extLst>
-      <p:ext uri="{BB962C8B-B14F-4D97-AF65-F5344CB8AC3E}">
-        <p14:creationId xmlns:p14="http://schemas.microsoft.com/office/powerpoint/2010/main" val="3352477637"/>
-      </p:ext>
-    </p:extLst>
-  </p:cSld>
-  <p:clrMapOvr>
-    <a:masterClrMapping/>
-  </p:clrMapOvr>
-  <p:timing>
-    <p:tnLst>
-      <p:par>
-        <p:cTn id="1" dur="indefinite" restart="never" nodeType="tmRoot"/>
-      </p:par>
-    </p:tnLst>
-  </p:timing>
-</p:sld>
-</file>
-
-<file path=ppt/slides/slide11.xml><?xml version="1.0" encoding="utf-8"?>
-<p:sld xmlns:a="http://schemas.openxmlformats.org/drawingml/2006/main" xmlns:r="http://schemas.openxmlformats.org/officeDocument/2006/relationships" xmlns:p="http://schemas.openxmlformats.org/presentationml/2006/main">
-  <p:cSld>
-    <p:spTree>
-      <p:nvGrpSpPr>
-        <p:cNvPr id="1" name=""/>
-        <p:cNvGrpSpPr/>
-        <p:nvPr/>
-      </p:nvGrpSpPr>
-      <p:grpSpPr>
-        <a:xfrm>
-          <a:off x="0" y="0"/>
-          <a:ext cx="0" cy="0"/>
-          <a:chOff x="0" y="0"/>
-          <a:chExt cx="0" cy="0"/>
-        </a:xfrm>
-      </p:grpSpPr>
-      <p:sp>
-        <p:nvSpPr>
-          <p:cNvPr id="3" name="Retângulo 2"/>
-          <p:cNvSpPr/>
-          <p:nvPr/>
-        </p:nvSpPr>
-        <p:spPr bwMode="auto">
-          <a:xfrm>
-            <a:off x="0" y="0"/>
-            <a:ext cx="251520" cy="6885384"/>
-          </a:xfrm>
-          <a:prstGeom prst="rect">
-            <a:avLst/>
-          </a:prstGeom>
-          <a:solidFill>
-            <a:schemeClr val="bg1"/>
-          </a:solidFill>
-          <a:ln w="9525" cap="flat" cmpd="sng" algn="ctr">
-            <a:solidFill>
-              <a:schemeClr val="bg1"/>
-            </a:solidFill>
-            <a:prstDash val="solid"/>
-            <a:round/>
-            <a:headEnd type="none" w="med" len="med"/>
-            <a:tailEnd type="none" w="med" len="med"/>
-          </a:ln>
-          <a:effectLst/>
-          <a:extLst/>
-        </p:spPr>
-        <p:txBody>
-          <a:bodyPr vert="horz" wrap="square" lIns="91440" tIns="45720" rIns="91440" bIns="45720" numCol="1" rtlCol="0" anchor="t" anchorCtr="0" compatLnSpc="1">
-            <a:prstTxWarp prst="textNoShape">
-              <a:avLst/>
-            </a:prstTxWarp>
-          </a:bodyPr>
-          <a:lstStyle/>
-          <a:p>
-            <a:pPr marL="0" marR="0" indent="0" algn="l" defTabSz="914400" rtl="0" eaLnBrk="0" fontAlgn="base" latinLnBrk="0" hangingPunct="0">
-              <a:lnSpc>
-                <a:spcPct val="100000"/>
-              </a:lnSpc>
-              <a:spcBef>
-                <a:spcPct val="0"/>
-              </a:spcBef>
-              <a:spcAft>
-                <a:spcPct val="0"/>
-              </a:spcAft>
-              <a:buClrTx/>
-              <a:buSzTx/>
-              <a:buFontTx/>
-              <a:buNone/>
-              <a:tabLst/>
-            </a:pPr>
-            <a:endParaRPr kumimoji="0" lang="pt-BR" sz="1800" b="0" i="0" u="none" strike="noStrike" cap="none" normalizeH="0" baseline="0" smtClean="0">
-              <a:ln>
-                <a:noFill/>
-              </a:ln>
-              <a:solidFill>
-                <a:schemeClr val="tx1"/>
-              </a:solidFill>
-              <a:effectLst/>
-              <a:latin typeface="Arial" charset="0"/>
-            </a:endParaRPr>
-          </a:p>
-        </p:txBody>
-      </p:sp>
-      <p:pic>
-        <p:nvPicPr>
-          <p:cNvPr id="2" name="Imagem 1"/>
-          <p:cNvPicPr>
-            <a:picLocks noChangeAspect="1"/>
-          </p:cNvPicPr>
-          <p:nvPr/>
-        </p:nvPicPr>
-        <p:blipFill rotWithShape="1">
-          <a:blip r:embed="rId2"/>
-          <a:srcRect b="4640"/>
-          <a:stretch/>
-        </p:blipFill>
-        <p:spPr>
-          <a:xfrm>
-            <a:off x="0" y="0"/>
-            <a:ext cx="9144000" cy="4904807"/>
-          </a:xfrm>
-          <a:prstGeom prst="rect">
-            <a:avLst/>
-          </a:prstGeom>
-        </p:spPr>
-      </p:pic>
-      <p:pic>
-        <p:nvPicPr>
-          <p:cNvPr id="4" name="Picture 2" descr="Resultado de imagem para SENAC LOGO PNG">
-            <a:extLst>
-              <a:ext uri="{FF2B5EF4-FFF2-40B4-BE49-F238E27FC236}">
-                <a16:creationId xmlns:a16="http://schemas.microsoft.com/office/drawing/2014/main" id="{52AB468E-34B9-4C9F-9286-D7E741189D85}"/>
-              </a:ext>
-            </a:extLst>
-          </p:cNvPr>
-          <p:cNvPicPr>
-            <a:picLocks noChangeAspect="1" noChangeArrowheads="1"/>
-          </p:cNvPicPr>
-          <p:nvPr/>
-        </p:nvPicPr>
-        <p:blipFill>
-          <a:blip r:embed="rId3" cstate="print">
-            <a:extLst>
-              <a:ext uri="{28A0092B-C50C-407E-A947-70E740481C1C}">
-                <a14:useLocalDpi xmlns:a14="http://schemas.microsoft.com/office/drawing/2010/main" val="0"/>
-              </a:ext>
-            </a:extLst>
-          </a:blip>
-          <a:srcRect/>
-          <a:stretch>
-            <a:fillRect/>
-          </a:stretch>
-        </p:blipFill>
-        <p:spPr bwMode="auto">
-          <a:xfrm>
-            <a:off x="8100392" y="6237312"/>
-            <a:ext cx="928216" cy="544038"/>
-          </a:xfrm>
-          <a:prstGeom prst="rect">
-            <a:avLst/>
-          </a:prstGeom>
-          <a:noFill/>
-          <a:extLst>
-            <a:ext uri="{909E8E84-426E-40DD-AFC4-6F175D3DCCD1}">
-              <a14:hiddenFill xmlns:a14="http://schemas.microsoft.com/office/drawing/2010/main">
-                <a:solidFill>
-                  <a:srgbClr val="FFFFFF"/>
-                </a:solidFill>
-              </a14:hiddenFill>
-            </a:ext>
-          </a:extLst>
-        </p:spPr>
-      </p:pic>
-    </p:spTree>
-    <p:extLst>
-      <p:ext uri="{BB962C8B-B14F-4D97-AF65-F5344CB8AC3E}">
-        <p14:creationId xmlns:p14="http://schemas.microsoft.com/office/powerpoint/2010/main" val="3452483612"/>
-      </p:ext>
-    </p:extLst>
-  </p:cSld>
-  <p:clrMapOvr>
-    <a:masterClrMapping/>
-  </p:clrMapOvr>
-  <p:timing>
-    <p:tnLst>
-      <p:par>
-        <p:cTn id="1" dur="indefinite" restart="never" nodeType="tmRoot"/>
-      </p:par>
-    </p:tnLst>
-  </p:timing>
-</p:sld>
-</file>
-
-<file path=ppt/slides/slide12.xml><?xml version="1.0" encoding="utf-8"?>
-<p:sld xmlns:a="http://schemas.openxmlformats.org/drawingml/2006/main" xmlns:r="http://schemas.openxmlformats.org/officeDocument/2006/relationships" xmlns:p="http://schemas.openxmlformats.org/presentationml/2006/main">
-  <p:cSld>
-    <p:spTree>
-      <p:nvGrpSpPr>
-        <p:cNvPr id="1" name=""/>
-        <p:cNvGrpSpPr/>
-        <p:nvPr/>
-      </p:nvGrpSpPr>
-      <p:grpSpPr>
-        <a:xfrm>
-          <a:off x="0" y="0"/>
-          <a:ext cx="0" cy="0"/>
-          <a:chOff x="0" y="0"/>
-          <a:chExt cx="0" cy="0"/>
-        </a:xfrm>
-      </p:grpSpPr>
-      <p:sp>
-        <p:nvSpPr>
-          <p:cNvPr id="2050" name="Rectangle 2"/>
-          <p:cNvSpPr>
-            <a:spLocks noGrp="1" noChangeArrowheads="1"/>
-          </p:cNvSpPr>
-          <p:nvPr>
-            <p:ph type="ctrTitle"/>
-          </p:nvPr>
-        </p:nvSpPr>
-        <p:spPr/>
-        <p:txBody>
-          <a:bodyPr/>
-          <a:lstStyle/>
-          <a:p>
-            <a:r>
-              <a:rPr lang="pt-BR" dirty="0"/>
-              <a:t>TELAS DO ADMINISTRADOR</a:t>
-            </a:r>
-          </a:p>
-        </p:txBody>
-      </p:sp>
-      <p:pic>
-        <p:nvPicPr>
-          <p:cNvPr id="6" name="Picture 2" descr="Resultado de imagem para SENAC LOGO PNG">
-            <a:extLst>
-              <a:ext uri="{FF2B5EF4-FFF2-40B4-BE49-F238E27FC236}">
-                <a16:creationId xmlns:a16="http://schemas.microsoft.com/office/drawing/2014/main" id="{8E0CD0C8-2CB4-4691-AD9B-732C161DBED7}"/>
-              </a:ext>
-            </a:extLst>
-          </p:cNvPr>
-          <p:cNvPicPr>
-            <a:picLocks noChangeAspect="1" noChangeArrowheads="1"/>
-          </p:cNvPicPr>
-          <p:nvPr/>
-        </p:nvPicPr>
-        <p:blipFill>
-          <a:blip r:embed="rId3" cstate="print">
-            <a:extLst>
-              <a:ext uri="{28A0092B-C50C-407E-A947-70E740481C1C}">
-                <a14:useLocalDpi xmlns:a14="http://schemas.microsoft.com/office/drawing/2010/main" val="0"/>
-              </a:ext>
-            </a:extLst>
-          </a:blip>
-          <a:srcRect/>
-          <a:stretch>
-            <a:fillRect/>
-          </a:stretch>
-        </p:blipFill>
-        <p:spPr bwMode="auto">
-          <a:xfrm>
-            <a:off x="8100392" y="6237312"/>
-            <a:ext cx="928216" cy="544038"/>
-          </a:xfrm>
-          <a:prstGeom prst="rect">
-            <a:avLst/>
-          </a:prstGeom>
-          <a:noFill/>
-          <a:extLst>
-            <a:ext uri="{909E8E84-426E-40DD-AFC4-6F175D3DCCD1}">
-              <a14:hiddenFill xmlns:a14="http://schemas.microsoft.com/office/drawing/2010/main">
-                <a:solidFill>
-                  <a:srgbClr val="FFFFFF"/>
-                </a:solidFill>
-              </a14:hiddenFill>
-            </a:ext>
-          </a:extLst>
-        </p:spPr>
-      </p:pic>
-    </p:spTree>
-    <p:extLst>
-      <p:ext uri="{BB962C8B-B14F-4D97-AF65-F5344CB8AC3E}">
-        <p14:creationId xmlns:p14="http://schemas.microsoft.com/office/powerpoint/2010/main" val="1785072489"/>
-      </p:ext>
-    </p:extLst>
-  </p:cSld>
-  <p:clrMapOvr>
-    <a:masterClrMapping/>
-  </p:clrMapOvr>
-  <p:transition spd="med">
-    <p:fade/>
-  </p:transition>
-  <p:timing>
-    <p:tnLst>
-      <p:par>
-        <p:cTn id="1" dur="indefinite" restart="never" nodeType="tmRoot"/>
-      </p:par>
-    </p:tnLst>
-  </p:timing>
-</p:sld>
-</file>
-
-<file path=ppt/slides/slide13.xml><?xml version="1.0" encoding="utf-8"?>
-<p:sld xmlns:a="http://schemas.openxmlformats.org/drawingml/2006/main" xmlns:r="http://schemas.openxmlformats.org/officeDocument/2006/relationships" xmlns:p="http://schemas.openxmlformats.org/presentationml/2006/main">
-  <p:cSld>
-    <p:spTree>
-      <p:nvGrpSpPr>
-        <p:cNvPr id="1" name=""/>
-        <p:cNvGrpSpPr/>
-        <p:nvPr/>
-      </p:nvGrpSpPr>
-      <p:grpSpPr>
-        <a:xfrm>
-          <a:off x="0" y="0"/>
-          <a:ext cx="0" cy="0"/>
-          <a:chOff x="0" y="0"/>
-          <a:chExt cx="0" cy="0"/>
-        </a:xfrm>
-      </p:grpSpPr>
-      <p:pic>
-        <p:nvPicPr>
-          <p:cNvPr id="4" name="Picture 2" descr="Resultado de imagem para SENAC LOGO PNG">
-            <a:extLst>
-              <a:ext uri="{FF2B5EF4-FFF2-40B4-BE49-F238E27FC236}">
-                <a16:creationId xmlns:a16="http://schemas.microsoft.com/office/drawing/2014/main" id="{52AB468E-34B9-4C9F-9286-D7E741189D85}"/>
-              </a:ext>
-            </a:extLst>
-          </p:cNvPr>
-          <p:cNvPicPr>
-            <a:picLocks noChangeAspect="1" noChangeArrowheads="1"/>
-          </p:cNvPicPr>
-          <p:nvPr/>
-        </p:nvPicPr>
-        <p:blipFill>
-          <a:blip r:embed="rId2" cstate="print">
-            <a:extLst>
-              <a:ext uri="{28A0092B-C50C-407E-A947-70E740481C1C}">
-                <a14:useLocalDpi xmlns:a14="http://schemas.microsoft.com/office/drawing/2010/main" val="0"/>
-              </a:ext>
-            </a:extLst>
-          </a:blip>
-          <a:srcRect/>
-          <a:stretch>
-            <a:fillRect/>
-          </a:stretch>
-        </p:blipFill>
-        <p:spPr bwMode="auto">
-          <a:xfrm>
-            <a:off x="8100392" y="6237312"/>
-            <a:ext cx="928216" cy="544038"/>
-          </a:xfrm>
-          <a:prstGeom prst="rect">
-            <a:avLst/>
-          </a:prstGeom>
-          <a:noFill/>
-          <a:extLst>
-            <a:ext uri="{909E8E84-426E-40DD-AFC4-6F175D3DCCD1}">
-              <a14:hiddenFill xmlns:a14="http://schemas.microsoft.com/office/drawing/2010/main">
-                <a:solidFill>
-                  <a:srgbClr val="FFFFFF"/>
-                </a:solidFill>
-              </a14:hiddenFill>
-            </a:ext>
-          </a:extLst>
-        </p:spPr>
-      </p:pic>
-      <p:sp>
-        <p:nvSpPr>
-          <p:cNvPr id="5" name="Retângulo 4"/>
-          <p:cNvSpPr/>
-          <p:nvPr/>
-        </p:nvSpPr>
-        <p:spPr bwMode="auto">
-          <a:xfrm>
-            <a:off x="0" y="0"/>
-            <a:ext cx="251520" cy="6885384"/>
-          </a:xfrm>
-          <a:prstGeom prst="rect">
-            <a:avLst/>
-          </a:prstGeom>
-          <a:solidFill>
-            <a:schemeClr val="bg1"/>
-          </a:solidFill>
-          <a:ln w="9525" cap="flat" cmpd="sng" algn="ctr">
-            <a:solidFill>
-              <a:schemeClr val="bg1"/>
-            </a:solidFill>
-            <a:prstDash val="solid"/>
-            <a:round/>
-            <a:headEnd type="none" w="med" len="med"/>
-            <a:tailEnd type="none" w="med" len="med"/>
-          </a:ln>
-          <a:effectLst/>
-          <a:extLst/>
-        </p:spPr>
-        <p:txBody>
-          <a:bodyPr vert="horz" wrap="square" lIns="91440" tIns="45720" rIns="91440" bIns="45720" numCol="1" rtlCol="0" anchor="t" anchorCtr="0" compatLnSpc="1">
-            <a:prstTxWarp prst="textNoShape">
-              <a:avLst/>
-            </a:prstTxWarp>
-          </a:bodyPr>
-          <a:lstStyle/>
-          <a:p>
-            <a:pPr marL="0" marR="0" indent="0" algn="l" defTabSz="914400" rtl="0" eaLnBrk="0" fontAlgn="base" latinLnBrk="0" hangingPunct="0">
-              <a:lnSpc>
-                <a:spcPct val="100000"/>
-              </a:lnSpc>
-              <a:spcBef>
-                <a:spcPct val="0"/>
-              </a:spcBef>
-              <a:spcAft>
-                <a:spcPct val="0"/>
-              </a:spcAft>
-              <a:buClrTx/>
-              <a:buSzTx/>
-              <a:buFontTx/>
-              <a:buNone/>
-              <a:tabLst/>
-            </a:pPr>
-            <a:endParaRPr kumimoji="0" lang="pt-BR" sz="1800" b="0" i="0" u="none" strike="noStrike" cap="none" normalizeH="0" baseline="0" smtClean="0">
-              <a:ln>
-                <a:noFill/>
-              </a:ln>
-              <a:solidFill>
-                <a:schemeClr val="tx1"/>
-              </a:solidFill>
-              <a:effectLst/>
-              <a:latin typeface="Arial" charset="0"/>
-            </a:endParaRPr>
-          </a:p>
-        </p:txBody>
-      </p:sp>
-      <p:pic>
-        <p:nvPicPr>
-          <p:cNvPr id="2" name="Imagem 1"/>
-          <p:cNvPicPr>
-            <a:picLocks noChangeAspect="1"/>
-          </p:cNvPicPr>
-          <p:nvPr/>
-        </p:nvPicPr>
-        <p:blipFill rotWithShape="1">
-          <a:blip r:embed="rId3"/>
-          <a:srcRect b="5480"/>
-          <a:stretch/>
-        </p:blipFill>
-        <p:spPr>
-          <a:xfrm>
-            <a:off x="0" y="0"/>
-            <a:ext cx="9144000" cy="4861604"/>
-          </a:xfrm>
-          <a:prstGeom prst="rect">
-            <a:avLst/>
-          </a:prstGeom>
-        </p:spPr>
-      </p:pic>
-    </p:spTree>
-  </p:cSld>
-  <p:clrMapOvr>
-    <a:masterClrMapping/>
-  </p:clrMapOvr>
-  <p:transition spd="med">
-    <p:fade/>
-  </p:transition>
-  <p:timing>
-    <p:tnLst>
-      <p:par>
-        <p:cTn id="1" dur="indefinite" restart="never" nodeType="tmRoot"/>
-      </p:par>
-    </p:tnLst>
-  </p:timing>
-</p:sld>
-</file>
-
-<file path=ppt/slides/slide14.xml><?xml version="1.0" encoding="utf-8"?>
-<p:sld xmlns:a="http://schemas.openxmlformats.org/drawingml/2006/main" xmlns:r="http://schemas.openxmlformats.org/officeDocument/2006/relationships" xmlns:p="http://schemas.openxmlformats.org/presentationml/2006/main">
-  <p:cSld>
-    <p:spTree>
-      <p:nvGrpSpPr>
-        <p:cNvPr id="1" name=""/>
-        <p:cNvGrpSpPr/>
-        <p:nvPr/>
-      </p:nvGrpSpPr>
-      <p:grpSpPr>
-        <a:xfrm>
-          <a:off x="0" y="0"/>
-          <a:ext cx="0" cy="0"/>
-          <a:chOff x="0" y="0"/>
-          <a:chExt cx="0" cy="0"/>
-        </a:xfrm>
-      </p:grpSpPr>
-      <p:pic>
-        <p:nvPicPr>
-          <p:cNvPr id="6" name="Picture 2" descr="Resultado de imagem para SENAC LOGO PNG">
-            <a:extLst>
-              <a:ext uri="{FF2B5EF4-FFF2-40B4-BE49-F238E27FC236}">
-                <a16:creationId xmlns:a16="http://schemas.microsoft.com/office/drawing/2014/main" id="{573A77EF-7C08-4C7A-AC97-F0E695E67BFB}"/>
-              </a:ext>
-            </a:extLst>
-          </p:cNvPr>
-          <p:cNvPicPr>
-            <a:picLocks noChangeAspect="1" noChangeArrowheads="1"/>
-          </p:cNvPicPr>
-          <p:nvPr/>
-        </p:nvPicPr>
-        <p:blipFill>
-          <a:blip r:embed="rId2" cstate="print">
-            <a:extLst>
-              <a:ext uri="{28A0092B-C50C-407E-A947-70E740481C1C}">
-                <a14:useLocalDpi xmlns:a14="http://schemas.microsoft.com/office/drawing/2010/main" val="0"/>
-              </a:ext>
-            </a:extLst>
-          </a:blip>
-          <a:srcRect/>
-          <a:stretch>
-            <a:fillRect/>
-          </a:stretch>
-        </p:blipFill>
-        <p:spPr bwMode="auto">
-          <a:xfrm>
-            <a:off x="8100392" y="6237312"/>
-            <a:ext cx="928216" cy="544038"/>
-          </a:xfrm>
-          <a:prstGeom prst="rect">
-            <a:avLst/>
-          </a:prstGeom>
-          <a:noFill/>
-          <a:extLst>
-            <a:ext uri="{909E8E84-426E-40DD-AFC4-6F175D3DCCD1}">
-              <a14:hiddenFill xmlns:a14="http://schemas.microsoft.com/office/drawing/2010/main">
-                <a:solidFill>
-                  <a:srgbClr val="FFFFFF"/>
-                </a:solidFill>
-              </a14:hiddenFill>
-            </a:ext>
-          </a:extLst>
-        </p:spPr>
-      </p:pic>
-      <p:sp>
-        <p:nvSpPr>
-          <p:cNvPr id="9" name="Retângulo 8"/>
-          <p:cNvSpPr/>
-          <p:nvPr/>
-        </p:nvSpPr>
-        <p:spPr bwMode="auto">
-          <a:xfrm>
-            <a:off x="0" y="0"/>
-            <a:ext cx="251520" cy="6885384"/>
-          </a:xfrm>
-          <a:prstGeom prst="rect">
-            <a:avLst/>
-          </a:prstGeom>
-          <a:solidFill>
-            <a:schemeClr val="bg1"/>
-          </a:solidFill>
-          <a:ln w="9525" cap="flat" cmpd="sng" algn="ctr">
-            <a:solidFill>
-              <a:schemeClr val="bg1"/>
-            </a:solidFill>
-            <a:prstDash val="solid"/>
-            <a:round/>
-            <a:headEnd type="none" w="med" len="med"/>
-            <a:tailEnd type="none" w="med" len="med"/>
-          </a:ln>
-          <a:effectLst/>
-          <a:extLst/>
-        </p:spPr>
-        <p:txBody>
-          <a:bodyPr vert="horz" wrap="square" lIns="91440" tIns="45720" rIns="91440" bIns="45720" numCol="1" rtlCol="0" anchor="t" anchorCtr="0" compatLnSpc="1">
-            <a:prstTxWarp prst="textNoShape">
-              <a:avLst/>
-            </a:prstTxWarp>
-          </a:bodyPr>
-          <a:lstStyle/>
-          <a:p>
-            <a:pPr marL="0" marR="0" indent="0" algn="l" defTabSz="914400" rtl="0" eaLnBrk="0" fontAlgn="base" latinLnBrk="0" hangingPunct="0">
-              <a:lnSpc>
-                <a:spcPct val="100000"/>
-              </a:lnSpc>
-              <a:spcBef>
-                <a:spcPct val="0"/>
-              </a:spcBef>
-              <a:spcAft>
-                <a:spcPct val="0"/>
-              </a:spcAft>
-              <a:buClrTx/>
-              <a:buSzTx/>
-              <a:buFontTx/>
-              <a:buNone/>
-              <a:tabLst/>
-            </a:pPr>
-            <a:endParaRPr kumimoji="0" lang="pt-BR" sz="1800" b="0" i="0" u="none" strike="noStrike" cap="none" normalizeH="0" baseline="0" smtClean="0">
-              <a:ln>
-                <a:noFill/>
-              </a:ln>
-              <a:solidFill>
-                <a:schemeClr val="tx1"/>
-              </a:solidFill>
-              <a:effectLst/>
-              <a:latin typeface="Arial" charset="0"/>
-            </a:endParaRPr>
-          </a:p>
-        </p:txBody>
-      </p:sp>
-      <p:pic>
-        <p:nvPicPr>
-          <p:cNvPr id="2" name="Imagem 1"/>
-          <p:cNvPicPr>
-            <a:picLocks noChangeAspect="1"/>
-          </p:cNvPicPr>
-          <p:nvPr/>
-        </p:nvPicPr>
-        <p:blipFill rotWithShape="1">
-          <a:blip r:embed="rId3"/>
-          <a:srcRect b="6321"/>
-          <a:stretch/>
-        </p:blipFill>
-        <p:spPr>
-          <a:xfrm>
-            <a:off x="0" y="0"/>
-            <a:ext cx="9144000" cy="4818398"/>
-          </a:xfrm>
-          <a:prstGeom prst="rect">
-            <a:avLst/>
-          </a:prstGeom>
-        </p:spPr>
-      </p:pic>
-    </p:spTree>
-  </p:cSld>
-  <p:clrMapOvr>
-    <a:masterClrMapping/>
-  </p:clrMapOvr>
-  <p:transition spd="med">
-    <p:fade/>
-  </p:transition>
-  <p:timing>
-    <p:tnLst>
-      <p:par>
-        <p:cTn id="1" dur="indefinite" restart="never" nodeType="tmRoot"/>
-      </p:par>
-    </p:tnLst>
-  </p:timing>
-</p:sld>
-</file>
-
-<file path=ppt/slides/slide15.xml><?xml version="1.0" encoding="utf-8"?>
-<p:sld xmlns:a="http://schemas.openxmlformats.org/drawingml/2006/main" xmlns:r="http://schemas.openxmlformats.org/officeDocument/2006/relationships" xmlns:p="http://schemas.openxmlformats.org/presentationml/2006/main">
-  <p:cSld>
-    <p:spTree>
-      <p:nvGrpSpPr>
-        <p:cNvPr id="1" name=""/>
-        <p:cNvGrpSpPr/>
-        <p:nvPr/>
-      </p:nvGrpSpPr>
-      <p:grpSpPr>
-        <a:xfrm>
-          <a:off x="0" y="0"/>
-          <a:ext cx="0" cy="0"/>
-          <a:chOff x="0" y="0"/>
-          <a:chExt cx="0" cy="0"/>
-        </a:xfrm>
-      </p:grpSpPr>
-      <p:pic>
-        <p:nvPicPr>
-          <p:cNvPr id="5" name="Picture 2" descr="Resultado de imagem para SENAC LOGO PNG">
-            <a:extLst>
-              <a:ext uri="{FF2B5EF4-FFF2-40B4-BE49-F238E27FC236}">
-                <a16:creationId xmlns:a16="http://schemas.microsoft.com/office/drawing/2014/main" id="{7C31DA61-2BE8-4C07-ACCF-C1925FAC9E65}"/>
-              </a:ext>
-            </a:extLst>
-          </p:cNvPr>
-          <p:cNvPicPr>
-            <a:picLocks noChangeAspect="1" noChangeArrowheads="1"/>
-          </p:cNvPicPr>
-          <p:nvPr/>
-        </p:nvPicPr>
-        <p:blipFill>
-          <a:blip r:embed="rId2" cstate="print">
-            <a:extLst>
-              <a:ext uri="{28A0092B-C50C-407E-A947-70E740481C1C}">
-                <a14:useLocalDpi xmlns:a14="http://schemas.microsoft.com/office/drawing/2010/main" val="0"/>
-              </a:ext>
-            </a:extLst>
-          </a:blip>
-          <a:srcRect/>
-          <a:stretch>
-            <a:fillRect/>
-          </a:stretch>
-        </p:blipFill>
-        <p:spPr bwMode="auto">
-          <a:xfrm>
-            <a:off x="8100392" y="6237312"/>
-            <a:ext cx="928216" cy="544038"/>
-          </a:xfrm>
-          <a:prstGeom prst="rect">
-            <a:avLst/>
-          </a:prstGeom>
-          <a:noFill/>
-          <a:extLst>
-            <a:ext uri="{909E8E84-426E-40DD-AFC4-6F175D3DCCD1}">
-              <a14:hiddenFill xmlns:a14="http://schemas.microsoft.com/office/drawing/2010/main">
-                <a:solidFill>
-                  <a:srgbClr val="FFFFFF"/>
-                </a:solidFill>
-              </a14:hiddenFill>
-            </a:ext>
-          </a:extLst>
-        </p:spPr>
-      </p:pic>
-      <p:sp>
-        <p:nvSpPr>
-          <p:cNvPr id="7" name="Retângulo 6"/>
-          <p:cNvSpPr/>
-          <p:nvPr/>
-        </p:nvSpPr>
-        <p:spPr bwMode="auto">
-          <a:xfrm>
-            <a:off x="0" y="0"/>
-            <a:ext cx="251520" cy="6885384"/>
-          </a:xfrm>
-          <a:prstGeom prst="rect">
-            <a:avLst/>
-          </a:prstGeom>
-          <a:solidFill>
-            <a:schemeClr val="bg1"/>
-          </a:solidFill>
-          <a:ln w="9525" cap="flat" cmpd="sng" algn="ctr">
-            <a:solidFill>
-              <a:schemeClr val="bg1"/>
-            </a:solidFill>
-            <a:prstDash val="solid"/>
-            <a:round/>
-            <a:headEnd type="none" w="med" len="med"/>
-            <a:tailEnd type="none" w="med" len="med"/>
-          </a:ln>
-          <a:effectLst/>
-          <a:extLst/>
-        </p:spPr>
-        <p:txBody>
-          <a:bodyPr vert="horz" wrap="square" lIns="91440" tIns="45720" rIns="91440" bIns="45720" numCol="1" rtlCol="0" anchor="t" anchorCtr="0" compatLnSpc="1">
-            <a:prstTxWarp prst="textNoShape">
-              <a:avLst/>
-            </a:prstTxWarp>
-          </a:bodyPr>
-          <a:lstStyle/>
-          <a:p>
-            <a:pPr marL="0" marR="0" indent="0" algn="l" defTabSz="914400" rtl="0" eaLnBrk="0" fontAlgn="base" latinLnBrk="0" hangingPunct="0">
-              <a:lnSpc>
-                <a:spcPct val="100000"/>
-              </a:lnSpc>
-              <a:spcBef>
-                <a:spcPct val="0"/>
-              </a:spcBef>
-              <a:spcAft>
-                <a:spcPct val="0"/>
-              </a:spcAft>
-              <a:buClrTx/>
-              <a:buSzTx/>
-              <a:buFontTx/>
-              <a:buNone/>
-              <a:tabLst/>
-            </a:pPr>
-            <a:endParaRPr kumimoji="0" lang="pt-BR" sz="1800" b="0" i="0" u="none" strike="noStrike" cap="none" normalizeH="0" baseline="0" smtClean="0">
-              <a:ln>
-                <a:noFill/>
-              </a:ln>
-              <a:solidFill>
-                <a:schemeClr val="tx1"/>
-              </a:solidFill>
-              <a:effectLst/>
-              <a:latin typeface="Arial" charset="0"/>
-            </a:endParaRPr>
-          </a:p>
-        </p:txBody>
-      </p:sp>
-      <p:pic>
-        <p:nvPicPr>
-          <p:cNvPr id="2" name="Imagem 1"/>
-          <p:cNvPicPr>
-            <a:picLocks noChangeAspect="1"/>
-          </p:cNvPicPr>
-          <p:nvPr/>
-        </p:nvPicPr>
-        <p:blipFill rotWithShape="1">
-          <a:blip r:embed="rId3"/>
-          <a:srcRect b="7160"/>
-          <a:stretch/>
-        </p:blipFill>
-        <p:spPr>
-          <a:xfrm>
-            <a:off x="-1" y="0"/>
-            <a:ext cx="9186043" cy="4797152"/>
-          </a:xfrm>
-          <a:prstGeom prst="rect">
-            <a:avLst/>
-          </a:prstGeom>
-        </p:spPr>
-      </p:pic>
-    </p:spTree>
-  </p:cSld>
-  <p:clrMapOvr>
-    <a:masterClrMapping/>
-  </p:clrMapOvr>
-  <p:transition spd="med">
-    <p:fade/>
-  </p:transition>
-  <p:timing>
-    <p:tnLst>
-      <p:par>
-        <p:cTn id="1" dur="indefinite" restart="never" nodeType="tmRoot"/>
-      </p:par>
-    </p:tnLst>
-  </p:timing>
-</p:sld>
-</file>
-
-<file path=ppt/slides/slide16.xml><?xml version="1.0" encoding="utf-8"?>
-<p:sld xmlns:a="http://schemas.openxmlformats.org/drawingml/2006/main" xmlns:r="http://schemas.openxmlformats.org/officeDocument/2006/relationships" xmlns:p="http://schemas.openxmlformats.org/presentationml/2006/main">
-  <p:cSld>
-    <p:spTree>
-      <p:nvGrpSpPr>
-        <p:cNvPr id="1" name=""/>
-        <p:cNvGrpSpPr/>
-        <p:nvPr/>
-      </p:nvGrpSpPr>
-      <p:grpSpPr>
-        <a:xfrm>
-          <a:off x="0" y="0"/>
-          <a:ext cx="0" cy="0"/>
-          <a:chOff x="0" y="0"/>
-          <a:chExt cx="0" cy="0"/>
-        </a:xfrm>
-      </p:grpSpPr>
-      <p:pic>
-        <p:nvPicPr>
-          <p:cNvPr id="5" name="Picture 2" descr="Resultado de imagem para SENAC LOGO PNG">
-            <a:extLst>
-              <a:ext uri="{FF2B5EF4-FFF2-40B4-BE49-F238E27FC236}">
-                <a16:creationId xmlns:a16="http://schemas.microsoft.com/office/drawing/2014/main" id="{7C31DA61-2BE8-4C07-ACCF-C1925FAC9E65}"/>
-              </a:ext>
-            </a:extLst>
-          </p:cNvPr>
-          <p:cNvPicPr>
-            <a:picLocks noChangeAspect="1" noChangeArrowheads="1"/>
-          </p:cNvPicPr>
-          <p:nvPr/>
-        </p:nvPicPr>
-        <p:blipFill>
-          <a:blip r:embed="rId2" cstate="print">
-            <a:extLst>
-              <a:ext uri="{28A0092B-C50C-407E-A947-70E740481C1C}">
-                <a14:useLocalDpi xmlns:a14="http://schemas.microsoft.com/office/drawing/2010/main" val="0"/>
-              </a:ext>
-            </a:extLst>
-          </a:blip>
-          <a:srcRect/>
-          <a:stretch>
-            <a:fillRect/>
-          </a:stretch>
-        </p:blipFill>
-        <p:spPr bwMode="auto">
-          <a:xfrm>
-            <a:off x="8100392" y="6237312"/>
-            <a:ext cx="928216" cy="544038"/>
-          </a:xfrm>
-          <a:prstGeom prst="rect">
-            <a:avLst/>
-          </a:prstGeom>
-          <a:noFill/>
-          <a:extLst>
-            <a:ext uri="{909E8E84-426E-40DD-AFC4-6F175D3DCCD1}">
-              <a14:hiddenFill xmlns:a14="http://schemas.microsoft.com/office/drawing/2010/main">
-                <a:solidFill>
-                  <a:srgbClr val="FFFFFF"/>
-                </a:solidFill>
-              </a14:hiddenFill>
-            </a:ext>
-          </a:extLst>
-        </p:spPr>
-      </p:pic>
-      <p:sp>
-        <p:nvSpPr>
-          <p:cNvPr id="7" name="Retângulo 6"/>
-          <p:cNvSpPr/>
-          <p:nvPr/>
-        </p:nvSpPr>
-        <p:spPr bwMode="auto">
-          <a:xfrm>
-            <a:off x="0" y="0"/>
-            <a:ext cx="251520" cy="6885384"/>
-          </a:xfrm>
-          <a:prstGeom prst="rect">
-            <a:avLst/>
-          </a:prstGeom>
-          <a:solidFill>
-            <a:schemeClr val="bg1"/>
-          </a:solidFill>
-          <a:ln w="9525" cap="flat" cmpd="sng" algn="ctr">
-            <a:solidFill>
-              <a:schemeClr val="bg1"/>
-            </a:solidFill>
-            <a:prstDash val="solid"/>
-            <a:round/>
-            <a:headEnd type="none" w="med" len="med"/>
-            <a:tailEnd type="none" w="med" len="med"/>
-          </a:ln>
-          <a:effectLst/>
-          <a:extLst/>
-        </p:spPr>
-        <p:txBody>
-          <a:bodyPr vert="horz" wrap="square" lIns="91440" tIns="45720" rIns="91440" bIns="45720" numCol="1" rtlCol="0" anchor="t" anchorCtr="0" compatLnSpc="1">
-            <a:prstTxWarp prst="textNoShape">
-              <a:avLst/>
-            </a:prstTxWarp>
-          </a:bodyPr>
-          <a:lstStyle/>
-          <a:p>
-            <a:pPr marL="0" marR="0" indent="0" algn="l" defTabSz="914400" rtl="0" eaLnBrk="0" fontAlgn="base" latinLnBrk="0" hangingPunct="0">
-              <a:lnSpc>
-                <a:spcPct val="100000"/>
-              </a:lnSpc>
-              <a:spcBef>
-                <a:spcPct val="0"/>
-              </a:spcBef>
-              <a:spcAft>
-                <a:spcPct val="0"/>
-              </a:spcAft>
-              <a:buClrTx/>
-              <a:buSzTx/>
-              <a:buFontTx/>
-              <a:buNone/>
-              <a:tabLst/>
-            </a:pPr>
-            <a:endParaRPr kumimoji="0" lang="pt-BR" sz="1800" b="0" i="0" u="none" strike="noStrike" cap="none" normalizeH="0" baseline="0" smtClean="0">
-              <a:ln>
-                <a:noFill/>
-              </a:ln>
-              <a:solidFill>
-                <a:schemeClr val="tx1"/>
-              </a:solidFill>
-              <a:effectLst/>
-              <a:latin typeface="Arial" charset="0"/>
-            </a:endParaRPr>
-          </a:p>
-        </p:txBody>
-      </p:sp>
-      <p:pic>
-        <p:nvPicPr>
-          <p:cNvPr id="2" name="Imagem 1"/>
-          <p:cNvPicPr>
-            <a:picLocks noChangeAspect="1"/>
-          </p:cNvPicPr>
-          <p:nvPr/>
-        </p:nvPicPr>
-        <p:blipFill rotWithShape="1">
-          <a:blip r:embed="rId3"/>
-          <a:srcRect b="7160"/>
-          <a:stretch/>
-        </p:blipFill>
-        <p:spPr>
-          <a:xfrm>
-            <a:off x="-1" y="0"/>
-            <a:ext cx="9186043" cy="4797152"/>
-          </a:xfrm>
-          <a:prstGeom prst="rect">
-            <a:avLst/>
-          </a:prstGeom>
-        </p:spPr>
-      </p:pic>
-    </p:spTree>
-    <p:extLst>
-      <p:ext uri="{BB962C8B-B14F-4D97-AF65-F5344CB8AC3E}">
-        <p14:creationId xmlns:p14="http://schemas.microsoft.com/office/powerpoint/2010/main" val="3066578396"/>
-      </p:ext>
-    </p:extLst>
-  </p:cSld>
-  <p:clrMapOvr>
-    <a:masterClrMapping/>
-  </p:clrMapOvr>
-  <p:transition spd="med">
-    <p:fade/>
-  </p:transition>
-  <p:timing>
-    <p:tnLst>
-      <p:par>
-        <p:cTn id="1" dur="indefinite" restart="never" nodeType="tmRoot"/>
-      </p:par>
-    </p:tnLst>
-  </p:timing>
-</p:sld>
-</file>
-
-<file path=ppt/slides/slide17.xml><?xml version="1.0" encoding="utf-8"?>
-<p:sld xmlns:a="http://schemas.openxmlformats.org/drawingml/2006/main" xmlns:r="http://schemas.openxmlformats.org/officeDocument/2006/relationships" xmlns:p="http://schemas.openxmlformats.org/presentationml/2006/main">
-  <p:cSld>
-    <p:spTree>
-      <p:nvGrpSpPr>
-        <p:cNvPr id="1" name=""/>
-        <p:cNvGrpSpPr/>
-        <p:nvPr/>
-      </p:nvGrpSpPr>
-      <p:grpSpPr>
-        <a:xfrm>
-          <a:off x="0" y="0"/>
-          <a:ext cx="0" cy="0"/>
-          <a:chOff x="0" y="0"/>
-          <a:chExt cx="0" cy="0"/>
-        </a:xfrm>
-      </p:grpSpPr>
-      <p:pic>
-        <p:nvPicPr>
-          <p:cNvPr id="5" name="Picture 2" descr="Resultado de imagem para SENAC LOGO PNG">
-            <a:extLst>
-              <a:ext uri="{FF2B5EF4-FFF2-40B4-BE49-F238E27FC236}">
-                <a16:creationId xmlns:a16="http://schemas.microsoft.com/office/drawing/2014/main" id="{7C31DA61-2BE8-4C07-ACCF-C1925FAC9E65}"/>
-              </a:ext>
-            </a:extLst>
-          </p:cNvPr>
-          <p:cNvPicPr>
-            <a:picLocks noChangeAspect="1" noChangeArrowheads="1"/>
-          </p:cNvPicPr>
-          <p:nvPr/>
-        </p:nvPicPr>
-        <p:blipFill>
-          <a:blip r:embed="rId2" cstate="print">
-            <a:extLst>
-              <a:ext uri="{28A0092B-C50C-407E-A947-70E740481C1C}">
-                <a14:useLocalDpi xmlns:a14="http://schemas.microsoft.com/office/drawing/2010/main" val="0"/>
-              </a:ext>
-            </a:extLst>
-          </a:blip>
-          <a:srcRect/>
-          <a:stretch>
-            <a:fillRect/>
-          </a:stretch>
-        </p:blipFill>
-        <p:spPr bwMode="auto">
-          <a:xfrm>
-            <a:off x="8100392" y="6237312"/>
-            <a:ext cx="928216" cy="544038"/>
-          </a:xfrm>
-          <a:prstGeom prst="rect">
-            <a:avLst/>
-          </a:prstGeom>
-          <a:noFill/>
-          <a:extLst>
-            <a:ext uri="{909E8E84-426E-40DD-AFC4-6F175D3DCCD1}">
-              <a14:hiddenFill xmlns:a14="http://schemas.microsoft.com/office/drawing/2010/main">
-                <a:solidFill>
-                  <a:srgbClr val="FFFFFF"/>
-                </a:solidFill>
-              </a14:hiddenFill>
-            </a:ext>
-          </a:extLst>
-        </p:spPr>
-      </p:pic>
-      <p:sp>
-        <p:nvSpPr>
-          <p:cNvPr id="6" name="Retângulo 5"/>
-          <p:cNvSpPr/>
-          <p:nvPr/>
-        </p:nvSpPr>
-        <p:spPr bwMode="auto">
-          <a:xfrm>
-            <a:off x="0" y="0"/>
-            <a:ext cx="251520" cy="6885384"/>
-          </a:xfrm>
-          <a:prstGeom prst="rect">
-            <a:avLst/>
-          </a:prstGeom>
-          <a:solidFill>
-            <a:schemeClr val="bg1"/>
-          </a:solidFill>
-          <a:ln w="9525" cap="flat" cmpd="sng" algn="ctr">
-            <a:solidFill>
-              <a:schemeClr val="bg1"/>
-            </a:solidFill>
-            <a:prstDash val="solid"/>
-            <a:round/>
-            <a:headEnd type="none" w="med" len="med"/>
-            <a:tailEnd type="none" w="med" len="med"/>
-          </a:ln>
-          <a:effectLst/>
-          <a:extLst/>
-        </p:spPr>
-        <p:txBody>
-          <a:bodyPr vert="horz" wrap="square" lIns="91440" tIns="45720" rIns="91440" bIns="45720" numCol="1" rtlCol="0" anchor="t" anchorCtr="0" compatLnSpc="1">
-            <a:prstTxWarp prst="textNoShape">
-              <a:avLst/>
-            </a:prstTxWarp>
-          </a:bodyPr>
-          <a:lstStyle/>
-          <a:p>
-            <a:pPr marL="0" marR="0" indent="0" algn="l" defTabSz="914400" rtl="0" eaLnBrk="0" fontAlgn="base" latinLnBrk="0" hangingPunct="0">
-              <a:lnSpc>
-                <a:spcPct val="100000"/>
-              </a:lnSpc>
-              <a:spcBef>
-                <a:spcPct val="0"/>
-              </a:spcBef>
-              <a:spcAft>
-                <a:spcPct val="0"/>
-              </a:spcAft>
-              <a:buClrTx/>
-              <a:buSzTx/>
-              <a:buFontTx/>
-              <a:buNone/>
-              <a:tabLst/>
-            </a:pPr>
-            <a:endParaRPr kumimoji="0" lang="pt-BR" sz="1800" b="0" i="0" u="none" strike="noStrike" cap="none" normalizeH="0" baseline="0" smtClean="0">
-              <a:ln>
-                <a:noFill/>
-              </a:ln>
-              <a:solidFill>
-                <a:schemeClr val="tx1"/>
-              </a:solidFill>
-              <a:effectLst/>
-              <a:latin typeface="Arial" charset="0"/>
-            </a:endParaRPr>
-          </a:p>
-        </p:txBody>
-      </p:sp>
-      <p:pic>
-        <p:nvPicPr>
-          <p:cNvPr id="2" name="Imagem 1"/>
-          <p:cNvPicPr>
-            <a:picLocks noChangeAspect="1"/>
-          </p:cNvPicPr>
-          <p:nvPr/>
-        </p:nvPicPr>
-        <p:blipFill rotWithShape="1">
-          <a:blip r:embed="rId3"/>
-          <a:srcRect b="6321"/>
-          <a:stretch/>
-        </p:blipFill>
-        <p:spPr>
-          <a:xfrm>
-            <a:off x="0" y="4477"/>
-            <a:ext cx="9153729" cy="4823527"/>
-          </a:xfrm>
-          <a:prstGeom prst="rect">
-            <a:avLst/>
-          </a:prstGeom>
-        </p:spPr>
-      </p:pic>
-    </p:spTree>
-    <p:extLst>
-      <p:ext uri="{BB962C8B-B14F-4D97-AF65-F5344CB8AC3E}">
-        <p14:creationId xmlns:p14="http://schemas.microsoft.com/office/powerpoint/2010/main" val="3120090733"/>
-      </p:ext>
-    </p:extLst>
-  </p:cSld>
-  <p:clrMapOvr>
-    <a:masterClrMapping/>
-  </p:clrMapOvr>
-  <p:transition spd="med">
-    <p:fade/>
-  </p:transition>
-  <p:timing>
-    <p:tnLst>
-      <p:par>
-        <p:cTn id="1" dur="indefinite" restart="never" nodeType="tmRoot"/>
-      </p:par>
-    </p:tnLst>
-  </p:timing>
-</p:sld>
-</file>
-
-<file path=ppt/slides/slide18.xml><?xml version="1.0" encoding="utf-8"?>
-<p:sld xmlns:a="http://schemas.openxmlformats.org/drawingml/2006/main" xmlns:r="http://schemas.openxmlformats.org/officeDocument/2006/relationships" xmlns:p="http://schemas.openxmlformats.org/presentationml/2006/main">
-  <p:cSld>
-    <p:spTree>
-      <p:nvGrpSpPr>
-        <p:cNvPr id="1" name=""/>
-        <p:cNvGrpSpPr/>
-        <p:nvPr/>
-      </p:nvGrpSpPr>
-      <p:grpSpPr>
-        <a:xfrm>
-          <a:off x="0" y="0"/>
-          <a:ext cx="0" cy="0"/>
-          <a:chOff x="0" y="0"/>
-          <a:chExt cx="0" cy="0"/>
-        </a:xfrm>
-      </p:grpSpPr>
-      <p:pic>
-        <p:nvPicPr>
-          <p:cNvPr id="5" name="Picture 2" descr="Resultado de imagem para SENAC LOGO PNG">
-            <a:extLst>
-              <a:ext uri="{FF2B5EF4-FFF2-40B4-BE49-F238E27FC236}">
-                <a16:creationId xmlns:a16="http://schemas.microsoft.com/office/drawing/2014/main" id="{7C31DA61-2BE8-4C07-ACCF-C1925FAC9E65}"/>
-              </a:ext>
-            </a:extLst>
-          </p:cNvPr>
-          <p:cNvPicPr>
-            <a:picLocks noChangeAspect="1" noChangeArrowheads="1"/>
-          </p:cNvPicPr>
-          <p:nvPr/>
-        </p:nvPicPr>
-        <p:blipFill>
-          <a:blip r:embed="rId2" cstate="print">
-            <a:extLst>
-              <a:ext uri="{28A0092B-C50C-407E-A947-70E740481C1C}">
-                <a14:useLocalDpi xmlns:a14="http://schemas.microsoft.com/office/drawing/2010/main" val="0"/>
-              </a:ext>
-            </a:extLst>
-          </a:blip>
-          <a:srcRect/>
-          <a:stretch>
-            <a:fillRect/>
-          </a:stretch>
-        </p:blipFill>
-        <p:spPr bwMode="auto">
-          <a:xfrm>
-            <a:off x="8100392" y="6237312"/>
-            <a:ext cx="928216" cy="544038"/>
-          </a:xfrm>
-          <a:prstGeom prst="rect">
-            <a:avLst/>
-          </a:prstGeom>
-          <a:noFill/>
-          <a:extLst>
-            <a:ext uri="{909E8E84-426E-40DD-AFC4-6F175D3DCCD1}">
-              <a14:hiddenFill xmlns:a14="http://schemas.microsoft.com/office/drawing/2010/main">
-                <a:solidFill>
-                  <a:srgbClr val="FFFFFF"/>
-                </a:solidFill>
-              </a14:hiddenFill>
-            </a:ext>
-          </a:extLst>
-        </p:spPr>
-      </p:pic>
-      <p:sp>
-        <p:nvSpPr>
-          <p:cNvPr id="4" name="Retângulo 3"/>
-          <p:cNvSpPr/>
-          <p:nvPr/>
-        </p:nvSpPr>
-        <p:spPr bwMode="auto">
-          <a:xfrm>
-            <a:off x="0" y="0"/>
-            <a:ext cx="251520" cy="6885384"/>
-          </a:xfrm>
-          <a:prstGeom prst="rect">
-            <a:avLst/>
-          </a:prstGeom>
-          <a:solidFill>
-            <a:schemeClr val="bg1"/>
-          </a:solidFill>
-          <a:ln w="9525" cap="flat" cmpd="sng" algn="ctr">
-            <a:solidFill>
-              <a:schemeClr val="bg1"/>
-            </a:solidFill>
-            <a:prstDash val="solid"/>
-            <a:round/>
-            <a:headEnd type="none" w="med" len="med"/>
-            <a:tailEnd type="none" w="med" len="med"/>
-          </a:ln>
-          <a:effectLst/>
-          <a:extLst/>
-        </p:spPr>
-        <p:txBody>
-          <a:bodyPr vert="horz" wrap="square" lIns="91440" tIns="45720" rIns="91440" bIns="45720" numCol="1" rtlCol="0" anchor="t" anchorCtr="0" compatLnSpc="1">
-            <a:prstTxWarp prst="textNoShape">
-              <a:avLst/>
-            </a:prstTxWarp>
-          </a:bodyPr>
-          <a:lstStyle/>
-          <a:p>
-            <a:pPr marL="0" marR="0" indent="0" algn="l" defTabSz="914400" rtl="0" eaLnBrk="0" fontAlgn="base" latinLnBrk="0" hangingPunct="0">
-              <a:lnSpc>
-                <a:spcPct val="100000"/>
-              </a:lnSpc>
-              <a:spcBef>
-                <a:spcPct val="0"/>
-              </a:spcBef>
-              <a:spcAft>
-                <a:spcPct val="0"/>
-              </a:spcAft>
-              <a:buClrTx/>
-              <a:buSzTx/>
-              <a:buFontTx/>
-              <a:buNone/>
-              <a:tabLst/>
-            </a:pPr>
-            <a:endParaRPr kumimoji="0" lang="pt-BR" sz="1800" b="0" i="0" u="none" strike="noStrike" cap="none" normalizeH="0" baseline="0" smtClean="0">
-              <a:ln>
-                <a:noFill/>
-              </a:ln>
-              <a:solidFill>
-                <a:schemeClr val="tx1"/>
-              </a:solidFill>
-              <a:effectLst/>
-              <a:latin typeface="Arial" charset="0"/>
-            </a:endParaRPr>
-          </a:p>
-        </p:txBody>
-      </p:sp>
-      <p:pic>
-        <p:nvPicPr>
-          <p:cNvPr id="2" name="Imagem 1"/>
-          <p:cNvPicPr>
-            <a:picLocks noChangeAspect="1"/>
-          </p:cNvPicPr>
-          <p:nvPr/>
-        </p:nvPicPr>
-        <p:blipFill rotWithShape="1">
-          <a:blip r:embed="rId3"/>
-          <a:srcRect b="6321"/>
-          <a:stretch/>
-        </p:blipFill>
-        <p:spPr>
-          <a:xfrm>
-            <a:off x="1" y="-1"/>
-            <a:ext cx="9180512" cy="4837640"/>
-          </a:xfrm>
-          <a:prstGeom prst="rect">
-            <a:avLst/>
-          </a:prstGeom>
-        </p:spPr>
-      </p:pic>
-    </p:spTree>
-    <p:extLst>
-      <p:ext uri="{BB962C8B-B14F-4D97-AF65-F5344CB8AC3E}">
-        <p14:creationId xmlns:p14="http://schemas.microsoft.com/office/powerpoint/2010/main" val="3268836551"/>
-      </p:ext>
-    </p:extLst>
-  </p:cSld>
-  <p:clrMapOvr>
-    <a:masterClrMapping/>
-  </p:clrMapOvr>
-  <p:transition spd="med">
-    <p:fade/>
-  </p:transition>
-  <p:timing>
-    <p:tnLst>
-      <p:par>
-        <p:cTn id="1" dur="indefinite" restart="never" nodeType="tmRoot"/>
-      </p:par>
-    </p:tnLst>
-  </p:timing>
-</p:sld>
-</file>
-
-<file path=ppt/slides/slide19.xml><?xml version="1.0" encoding="utf-8"?>
-<p:sld xmlns:a="http://schemas.openxmlformats.org/drawingml/2006/main" xmlns:r="http://schemas.openxmlformats.org/officeDocument/2006/relationships" xmlns:p="http://schemas.openxmlformats.org/presentationml/2006/main">
-  <p:cSld>
-    <p:spTree>
-      <p:nvGrpSpPr>
-        <p:cNvPr id="1" name=""/>
-        <p:cNvGrpSpPr/>
-        <p:nvPr/>
-      </p:nvGrpSpPr>
-      <p:grpSpPr>
-        <a:xfrm>
-          <a:off x="0" y="0"/>
-          <a:ext cx="0" cy="0"/>
-          <a:chOff x="0" y="0"/>
-          <a:chExt cx="0" cy="0"/>
-        </a:xfrm>
-      </p:grpSpPr>
-      <p:pic>
-        <p:nvPicPr>
-          <p:cNvPr id="5" name="Picture 2" descr="Resultado de imagem para SENAC LOGO PNG">
-            <a:extLst>
-              <a:ext uri="{FF2B5EF4-FFF2-40B4-BE49-F238E27FC236}">
-                <a16:creationId xmlns:a16="http://schemas.microsoft.com/office/drawing/2014/main" id="{7C31DA61-2BE8-4C07-ACCF-C1925FAC9E65}"/>
-              </a:ext>
-            </a:extLst>
-          </p:cNvPr>
-          <p:cNvPicPr>
-            <a:picLocks noChangeAspect="1" noChangeArrowheads="1"/>
-          </p:cNvPicPr>
-          <p:nvPr/>
-        </p:nvPicPr>
-        <p:blipFill>
-          <a:blip r:embed="rId2" cstate="print">
-            <a:extLst>
-              <a:ext uri="{28A0092B-C50C-407E-A947-70E740481C1C}">
-                <a14:useLocalDpi xmlns:a14="http://schemas.microsoft.com/office/drawing/2010/main" val="0"/>
-              </a:ext>
-            </a:extLst>
-          </a:blip>
-          <a:srcRect/>
-          <a:stretch>
-            <a:fillRect/>
-          </a:stretch>
-        </p:blipFill>
-        <p:spPr bwMode="auto">
-          <a:xfrm>
-            <a:off x="8100392" y="6237312"/>
-            <a:ext cx="928216" cy="544038"/>
-          </a:xfrm>
-          <a:prstGeom prst="rect">
-            <a:avLst/>
-          </a:prstGeom>
-          <a:noFill/>
-          <a:extLst>
-            <a:ext uri="{909E8E84-426E-40DD-AFC4-6F175D3DCCD1}">
-              <a14:hiddenFill xmlns:a14="http://schemas.microsoft.com/office/drawing/2010/main">
-                <a:solidFill>
-                  <a:srgbClr val="FFFFFF"/>
-                </a:solidFill>
-              </a14:hiddenFill>
-            </a:ext>
-          </a:extLst>
-        </p:spPr>
-      </p:pic>
-      <p:sp>
-        <p:nvSpPr>
-          <p:cNvPr id="4" name="Retângulo 3"/>
-          <p:cNvSpPr/>
-          <p:nvPr/>
-        </p:nvSpPr>
-        <p:spPr bwMode="auto">
-          <a:xfrm>
-            <a:off x="-32930" y="0"/>
-            <a:ext cx="500474" cy="6858000"/>
-          </a:xfrm>
-          <a:prstGeom prst="rect">
-            <a:avLst/>
-          </a:prstGeom>
-          <a:solidFill>
-            <a:schemeClr val="bg1"/>
-          </a:solidFill>
-          <a:ln w="9525" cap="flat" cmpd="sng" algn="ctr">
-            <a:solidFill>
-              <a:schemeClr val="bg1"/>
-            </a:solidFill>
-            <a:prstDash val="solid"/>
-            <a:round/>
-            <a:headEnd type="none" w="med" len="med"/>
-            <a:tailEnd type="none" w="med" len="med"/>
-          </a:ln>
-          <a:effectLst/>
-          <a:extLst/>
-        </p:spPr>
-        <p:txBody>
-          <a:bodyPr vert="horz" wrap="square" lIns="91440" tIns="45720" rIns="91440" bIns="45720" numCol="1" rtlCol="0" anchor="t" anchorCtr="0" compatLnSpc="1">
-            <a:prstTxWarp prst="textNoShape">
-              <a:avLst/>
-            </a:prstTxWarp>
-          </a:bodyPr>
-          <a:lstStyle/>
-          <a:p>
-            <a:pPr marL="0" marR="0" indent="0" algn="l" defTabSz="914400" rtl="0" eaLnBrk="0" fontAlgn="base" latinLnBrk="0" hangingPunct="0">
-              <a:lnSpc>
-                <a:spcPct val="100000"/>
-              </a:lnSpc>
-              <a:spcBef>
-                <a:spcPct val="0"/>
-              </a:spcBef>
-              <a:spcAft>
-                <a:spcPct val="0"/>
-              </a:spcAft>
-              <a:buClrTx/>
-              <a:buSzTx/>
-              <a:buFontTx/>
-              <a:buNone/>
-              <a:tabLst/>
-            </a:pPr>
-            <a:endParaRPr kumimoji="0" lang="pt-BR" sz="1800" b="0" i="0" u="none" strike="noStrike" cap="none" normalizeH="0" baseline="0" smtClean="0">
-              <a:ln>
-                <a:noFill/>
-              </a:ln>
-              <a:solidFill>
-                <a:schemeClr val="tx1"/>
-              </a:solidFill>
-              <a:effectLst/>
-              <a:latin typeface="Arial" charset="0"/>
-            </a:endParaRPr>
-          </a:p>
-        </p:txBody>
-      </p:sp>
-      <p:pic>
-        <p:nvPicPr>
-          <p:cNvPr id="2" name="Imagem 1"/>
-          <p:cNvPicPr>
-            <a:picLocks noChangeAspect="1"/>
-          </p:cNvPicPr>
-          <p:nvPr/>
-        </p:nvPicPr>
-        <p:blipFill rotWithShape="1">
-          <a:blip r:embed="rId3"/>
-          <a:srcRect b="7160"/>
-          <a:stretch/>
-        </p:blipFill>
-        <p:spPr>
-          <a:xfrm>
-            <a:off x="-32930" y="0"/>
-            <a:ext cx="9176930" cy="4792391"/>
-          </a:xfrm>
-          <a:prstGeom prst="rect">
-            <a:avLst/>
-          </a:prstGeom>
-        </p:spPr>
-      </p:pic>
-    </p:spTree>
-    <p:extLst>
-      <p:ext uri="{BB962C8B-B14F-4D97-AF65-F5344CB8AC3E}">
-        <p14:creationId xmlns:p14="http://schemas.microsoft.com/office/powerpoint/2010/main" val="932243358"/>
-      </p:ext>
-    </p:extLst>
-  </p:cSld>
-  <p:clrMapOvr>
-    <a:masterClrMapping/>
-  </p:clrMapOvr>
-  <p:transition spd="med">
-    <p:fade/>
-  </p:transition>
-  <p:timing>
-    <p:tnLst>
-      <p:par>
-        <p:cTn id="1" dur="indefinite" restart="never" nodeType="tmRoot"/>
-      </p:par>
-    </p:tnLst>
-  </p:timing>
-</p:sld>
-</file>
-
-<file path=ppt/slides/slide2.xml><?xml version="1.0" encoding="utf-8"?>
-<p:sld xmlns:a="http://schemas.openxmlformats.org/drawingml/2006/main" xmlns:r="http://schemas.openxmlformats.org/officeDocument/2006/relationships" xmlns:p="http://schemas.openxmlformats.org/presentationml/2006/main">
-  <p:cSld>
-    <p:spTree>
-      <p:nvGrpSpPr>
-        <p:cNvPr id="1" name=""/>
-        <p:cNvGrpSpPr/>
-        <p:nvPr/>
-      </p:nvGrpSpPr>
-      <p:grpSpPr>
-        <a:xfrm>
-          <a:off x="0" y="0"/>
-          <a:ext cx="0" cy="0"/>
-          <a:chOff x="0" y="0"/>
-          <a:chExt cx="0" cy="0"/>
-        </a:xfrm>
-      </p:grpSpPr>
-      <p:sp>
-        <p:nvSpPr>
-          <p:cNvPr id="18434" name="Rectangle 2"/>
-          <p:cNvSpPr>
-            <a:spLocks noGrp="1" noChangeArrowheads="1"/>
-          </p:cNvSpPr>
-          <p:nvPr>
-            <p:ph type="title"/>
-          </p:nvPr>
-        </p:nvSpPr>
-        <p:spPr/>
-        <p:txBody>
-          <a:bodyPr/>
-          <a:lstStyle/>
-          <a:p>
-            <a:r>
-              <a:rPr lang="pt-BR" dirty="0"/>
-              <a:t>SOBRE O PROJETO</a:t>
-            </a:r>
-          </a:p>
-        </p:txBody>
-      </p:sp>
-      <p:sp>
-        <p:nvSpPr>
-          <p:cNvPr id="18435" name="Rectangle 3"/>
-          <p:cNvSpPr>
-            <a:spLocks noGrp="1" noChangeArrowheads="1"/>
-          </p:cNvSpPr>
-          <p:nvPr>
-            <p:ph type="body" idx="1"/>
-          </p:nvPr>
-        </p:nvSpPr>
-        <p:spPr/>
-        <p:txBody>
-          <a:bodyPr/>
-          <a:lstStyle/>
-          <a:p>
-            <a:pPr marL="0" indent="0">
-              <a:buNone/>
-            </a:pPr>
-            <a:r>
-              <a:rPr lang="pt-BR" b="1" dirty="0"/>
-              <a:t>OBJETIVO</a:t>
-            </a:r>
-          </a:p>
-          <a:p>
-            <a:endParaRPr lang="pt-BR" dirty="0"/>
-          </a:p>
-          <a:p>
-            <a:r>
-              <a:rPr lang="pt-BR" dirty="0"/>
-              <a:t>FACILITAR E SISTEMATIZAR AS VENDAS DO BAZAR</a:t>
-            </a:r>
-          </a:p>
-          <a:p>
-            <a:endParaRPr lang="pt-BR" dirty="0"/>
-          </a:p>
-          <a:p>
-            <a:r>
-              <a:rPr lang="pt-BR" dirty="0"/>
-              <a:t>CONTABILIZAR RENDIMENTOS E ENTRADA DE DOAÇÕES</a:t>
-            </a:r>
-          </a:p>
-          <a:p>
-            <a:endParaRPr lang="pt-BR" dirty="0"/>
-          </a:p>
-          <a:p>
-            <a:r>
-              <a:rPr lang="pt-BR" dirty="0"/>
-              <a:t>INFORMAR O QUE FOI MAIS VENDIDO</a:t>
-            </a:r>
-          </a:p>
-          <a:p>
-            <a:endParaRPr lang="pt-BR" dirty="0"/>
-          </a:p>
-        </p:txBody>
-      </p:sp>
-      <p:pic>
-        <p:nvPicPr>
-          <p:cNvPr id="4" name="Picture 2" descr="Resultado de imagem para SENAC LOGO PNG">
-            <a:extLst>
-              <a:ext uri="{FF2B5EF4-FFF2-40B4-BE49-F238E27FC236}">
-                <a16:creationId xmlns:a16="http://schemas.microsoft.com/office/drawing/2014/main" id="{BE9FCA3B-9D43-4489-BB1F-1C6D1AFAAD2E}"/>
-              </a:ext>
-            </a:extLst>
-          </p:cNvPr>
-          <p:cNvPicPr>
-            <a:picLocks noChangeAspect="1" noChangeArrowheads="1"/>
-          </p:cNvPicPr>
-          <p:nvPr/>
-        </p:nvPicPr>
-        <p:blipFill>
-          <a:blip r:embed="rId2" cstate="print">
-            <a:extLst>
-              <a:ext uri="{28A0092B-C50C-407E-A947-70E740481C1C}">
-                <a14:useLocalDpi xmlns:a14="http://schemas.microsoft.com/office/drawing/2010/main" val="0"/>
-              </a:ext>
-            </a:extLst>
-          </a:blip>
-          <a:srcRect/>
-          <a:stretch>
-            <a:fillRect/>
-          </a:stretch>
-        </p:blipFill>
-        <p:spPr bwMode="auto">
-          <a:xfrm>
-            <a:off x="8100392" y="6237312"/>
-            <a:ext cx="928216" cy="544038"/>
-          </a:xfrm>
-          <a:prstGeom prst="rect">
-            <a:avLst/>
-          </a:prstGeom>
-          <a:noFill/>
-          <a:extLst>
-            <a:ext uri="{909E8E84-426E-40DD-AFC4-6F175D3DCCD1}">
-              <a14:hiddenFill xmlns:a14="http://schemas.microsoft.com/office/drawing/2010/main">
-                <a:solidFill>
-                  <a:srgbClr val="FFFFFF"/>
-                </a:solidFill>
-              </a14:hiddenFill>
-            </a:ext>
-          </a:extLst>
-        </p:spPr>
-      </p:pic>
-    </p:spTree>
-  </p:cSld>
-  <p:clrMapOvr>
-    <a:masterClrMapping/>
-  </p:clrMapOvr>
-  <p:transition spd="med">
-    <p:fade/>
-  </p:transition>
-  <p:timing>
-    <p:tnLst>
-      <p:par>
-        <p:cTn id="1" dur="indefinite" restart="never" nodeType="tmRoot"/>
-      </p:par>
-    </p:tnLst>
-  </p:timing>
-</p:sld>
-</file>
-
-<file path=ppt/slides/slide20.xml><?xml version="1.0" encoding="utf-8"?>
-<p:sld xmlns:a="http://schemas.openxmlformats.org/drawingml/2006/main" xmlns:r="http://schemas.openxmlformats.org/officeDocument/2006/relationships" xmlns:p="http://schemas.openxmlformats.org/presentationml/2006/main">
-  <p:cSld>
-    <p:spTree>
-      <p:nvGrpSpPr>
-        <p:cNvPr id="1" name=""/>
-        <p:cNvGrpSpPr/>
-        <p:nvPr/>
-      </p:nvGrpSpPr>
-      <p:grpSpPr>
-        <a:xfrm>
-          <a:off x="0" y="0"/>
-          <a:ext cx="0" cy="0"/>
-          <a:chOff x="0" y="0"/>
-          <a:chExt cx="0" cy="0"/>
-        </a:xfrm>
-      </p:grpSpPr>
-      <p:sp>
-        <p:nvSpPr>
-          <p:cNvPr id="2050" name="Rectangle 2"/>
-          <p:cNvSpPr>
-            <a:spLocks noGrp="1" noChangeArrowheads="1"/>
-          </p:cNvSpPr>
-          <p:nvPr>
-            <p:ph type="ctrTitle"/>
-          </p:nvPr>
-        </p:nvSpPr>
-        <p:spPr/>
-        <p:txBody>
-          <a:bodyPr/>
-          <a:lstStyle/>
-          <a:p>
-            <a:r>
-              <a:rPr lang="pt-BR" dirty="0" smtClean="0"/>
-              <a:t>PROJETO INTEGRADOR</a:t>
-            </a:r>
-            <a:endParaRPr lang="pt-BR" dirty="0"/>
-          </a:p>
-        </p:txBody>
-      </p:sp>
-      <p:sp>
-        <p:nvSpPr>
-          <p:cNvPr id="2051" name="Rectangle 3"/>
-          <p:cNvSpPr>
-            <a:spLocks noGrp="1" noChangeArrowheads="1"/>
-          </p:cNvSpPr>
-          <p:nvPr>
-            <p:ph type="subTitle" idx="1"/>
-          </p:nvPr>
-        </p:nvSpPr>
-        <p:spPr/>
-        <p:txBody>
-          <a:bodyPr/>
-          <a:lstStyle/>
-          <a:p>
-            <a:r>
-              <a:rPr lang="pt-BR" b="1" dirty="0" smtClean="0"/>
-              <a:t>ALUNOS</a:t>
-            </a:r>
-          </a:p>
-          <a:p>
-            <a:r>
-              <a:rPr lang="pt-BR" sz="2800" b="1" dirty="0" smtClean="0"/>
-              <a:t>ALICE, ANDRÉ, NATÁLIA E YAN</a:t>
-            </a:r>
-          </a:p>
-          <a:p>
-            <a:endParaRPr lang="pt-BR" sz="2800" b="1" dirty="0" smtClean="0"/>
-          </a:p>
-          <a:p>
-            <a:r>
-              <a:rPr lang="pt-BR" b="1" dirty="0" smtClean="0"/>
-              <a:t>PROFESSORES</a:t>
-            </a:r>
-          </a:p>
-          <a:p>
-            <a:r>
-              <a:rPr lang="pt-BR" sz="2800" b="1" dirty="0" smtClean="0"/>
-              <a:t>ELDES, RODRIGO E SALMO</a:t>
-            </a:r>
-            <a:endParaRPr lang="pt-BR" sz="2800" dirty="0"/>
-          </a:p>
-        </p:txBody>
-      </p:sp>
-      <p:pic>
-        <p:nvPicPr>
-          <p:cNvPr id="1026" name="Picture 2" descr="Resultado de imagem para SENAC LOGO PNG">
-            <a:extLst>
-              <a:ext uri="{FF2B5EF4-FFF2-40B4-BE49-F238E27FC236}">
-                <a16:creationId xmlns:a16="http://schemas.microsoft.com/office/drawing/2014/main" id="{8C6E2A77-5B82-4F7F-8C0E-AD4D699CB5FF}"/>
-              </a:ext>
-            </a:extLst>
-          </p:cNvPr>
-          <p:cNvPicPr>
-            <a:picLocks noChangeAspect="1" noChangeArrowheads="1"/>
-          </p:cNvPicPr>
-          <p:nvPr/>
-        </p:nvPicPr>
-        <p:blipFill>
-          <a:blip r:embed="rId3" cstate="print">
-            <a:extLst>
-              <a:ext uri="{28A0092B-C50C-407E-A947-70E740481C1C}">
-                <a14:useLocalDpi xmlns:a14="http://schemas.microsoft.com/office/drawing/2010/main" val="0"/>
-              </a:ext>
-            </a:extLst>
-          </a:blip>
-          <a:srcRect/>
-          <a:stretch>
-            <a:fillRect/>
-          </a:stretch>
-        </p:blipFill>
-        <p:spPr bwMode="auto">
-          <a:xfrm>
-            <a:off x="7596336" y="5923571"/>
-            <a:ext cx="1365080" cy="800090"/>
-          </a:xfrm>
-          <a:prstGeom prst="rect">
-            <a:avLst/>
-          </a:prstGeom>
-          <a:noFill/>
-          <a:extLst>
-            <a:ext uri="{909E8E84-426E-40DD-AFC4-6F175D3DCCD1}">
-              <a14:hiddenFill xmlns:a14="http://schemas.microsoft.com/office/drawing/2010/main">
-                <a:solidFill>
-                  <a:srgbClr val="FFFFFF"/>
-                </a:solidFill>
-              </a14:hiddenFill>
-            </a:ext>
-          </a:extLst>
-        </p:spPr>
-      </p:pic>
-      <p:pic>
-        <p:nvPicPr>
-          <p:cNvPr id="3" name="Imagem 2">
-            <a:extLst>
-              <a:ext uri="{FF2B5EF4-FFF2-40B4-BE49-F238E27FC236}">
-                <a16:creationId xmlns:a16="http://schemas.microsoft.com/office/drawing/2014/main" id="{86B752F1-33E6-4FCC-9A1D-E4282A41C685}"/>
-              </a:ext>
-            </a:extLst>
-          </p:cNvPr>
-          <p:cNvPicPr>
-            <a:picLocks noChangeAspect="1"/>
-          </p:cNvPicPr>
-          <p:nvPr/>
-        </p:nvPicPr>
-        <p:blipFill>
-          <a:blip r:embed="rId4">
-            <a:extLst>
-              <a:ext uri="{28A0092B-C50C-407E-A947-70E740481C1C}">
-                <a14:useLocalDpi xmlns:a14="http://schemas.microsoft.com/office/drawing/2010/main" val="0"/>
-              </a:ext>
-            </a:extLst>
-          </a:blip>
-          <a:stretch>
-            <a:fillRect/>
-          </a:stretch>
-        </p:blipFill>
-        <p:spPr>
-          <a:xfrm>
-            <a:off x="183023" y="5923571"/>
-            <a:ext cx="2228106" cy="794892"/>
-          </a:xfrm>
-          <a:prstGeom prst="rect">
-            <a:avLst/>
-          </a:prstGeom>
-        </p:spPr>
-      </p:pic>
-    </p:spTree>
-    <p:extLst>
-      <p:ext uri="{BB962C8B-B14F-4D97-AF65-F5344CB8AC3E}">
-        <p14:creationId xmlns:p14="http://schemas.microsoft.com/office/powerpoint/2010/main" val="747050"/>
-      </p:ext>
-    </p:extLst>
-  </p:cSld>
-  <p:clrMapOvr>
-    <a:masterClrMapping/>
-  </p:clrMapOvr>
-  <p:transition spd="med">
-    <p:fade/>
-  </p:transition>
-  <p:timing>
-    <p:tnLst>
-      <p:par>
-        <p:cTn id="1" dur="indefinite" restart="never" nodeType="tmRoot"/>
-      </p:par>
-    </p:tnLst>
-  </p:timing>
-</p:sld>
-</file>
-
-<file path=ppt/slides/slide3.xml><?xml version="1.0" encoding="utf-8"?>
-<p:sld xmlns:a="http://schemas.openxmlformats.org/drawingml/2006/main" xmlns:r="http://schemas.openxmlformats.org/officeDocument/2006/relationships" xmlns:p="http://schemas.openxmlformats.org/presentationml/2006/main">
-  <p:cSld>
-    <p:spTree>
-      <p:nvGrpSpPr>
-        <p:cNvPr id="1" name=""/>
-        <p:cNvGrpSpPr/>
-        <p:nvPr/>
-      </p:nvGrpSpPr>
-      <p:grpSpPr>
-        <a:xfrm>
-          <a:off x="0" y="0"/>
-          <a:ext cx="0" cy="0"/>
-          <a:chOff x="0" y="0"/>
-          <a:chExt cx="0" cy="0"/>
-        </a:xfrm>
-      </p:grpSpPr>
-      <p:sp>
-        <p:nvSpPr>
-          <p:cNvPr id="2050" name="Rectangle 2"/>
-          <p:cNvSpPr>
-            <a:spLocks noGrp="1" noChangeArrowheads="1"/>
-          </p:cNvSpPr>
-          <p:nvPr>
-            <p:ph type="ctrTitle"/>
-          </p:nvPr>
-        </p:nvSpPr>
-        <p:spPr/>
-        <p:txBody>
-          <a:bodyPr/>
-          <a:lstStyle/>
-          <a:p>
-            <a:r>
-              <a:rPr lang="pt-BR" dirty="0"/>
-              <a:t>TELAS DO USUÁRIO</a:t>
-            </a:r>
-          </a:p>
-        </p:txBody>
-      </p:sp>
-      <p:pic>
-        <p:nvPicPr>
-          <p:cNvPr id="6" name="Picture 2" descr="Resultado de imagem para SENAC LOGO PNG">
-            <a:extLst>
-              <a:ext uri="{FF2B5EF4-FFF2-40B4-BE49-F238E27FC236}">
-                <a16:creationId xmlns:a16="http://schemas.microsoft.com/office/drawing/2014/main" id="{8E0CD0C8-2CB4-4691-AD9B-732C161DBED7}"/>
-              </a:ext>
-            </a:extLst>
-          </p:cNvPr>
-          <p:cNvPicPr>
-            <a:picLocks noChangeAspect="1" noChangeArrowheads="1"/>
-          </p:cNvPicPr>
-          <p:nvPr/>
-        </p:nvPicPr>
-        <p:blipFill>
-          <a:blip r:embed="rId3" cstate="print">
-            <a:extLst>
-              <a:ext uri="{28A0092B-C50C-407E-A947-70E740481C1C}">
-                <a14:useLocalDpi xmlns:a14="http://schemas.microsoft.com/office/drawing/2010/main" val="0"/>
-              </a:ext>
-            </a:extLst>
-          </a:blip>
-          <a:srcRect/>
-          <a:stretch>
-            <a:fillRect/>
-          </a:stretch>
-        </p:blipFill>
-        <p:spPr bwMode="auto">
-          <a:xfrm>
-            <a:off x="8100392" y="6237312"/>
-            <a:ext cx="928216" cy="544038"/>
-          </a:xfrm>
-          <a:prstGeom prst="rect">
-            <a:avLst/>
-          </a:prstGeom>
-          <a:noFill/>
-          <a:extLst>
-            <a:ext uri="{909E8E84-426E-40DD-AFC4-6F175D3DCCD1}">
-              <a14:hiddenFill xmlns:a14="http://schemas.microsoft.com/office/drawing/2010/main">
-                <a:solidFill>
-                  <a:srgbClr val="FFFFFF"/>
-                </a:solidFill>
-              </a14:hiddenFill>
-            </a:ext>
-          </a:extLst>
-        </p:spPr>
-      </p:pic>
-    </p:spTree>
-    <p:extLst>
-      <p:ext uri="{BB962C8B-B14F-4D97-AF65-F5344CB8AC3E}">
-        <p14:creationId xmlns:p14="http://schemas.microsoft.com/office/powerpoint/2010/main" val="2998186356"/>
-      </p:ext>
-    </p:extLst>
-  </p:cSld>
-  <p:clrMapOvr>
-    <a:masterClrMapping/>
-  </p:clrMapOvr>
-  <p:transition spd="med">
-    <p:fade/>
-  </p:transition>
-  <p:timing>
-    <p:tnLst>
-      <p:par>
-        <p:cTn id="1" dur="indefinite" restart="never" nodeType="tmRoot"/>
-      </p:par>
-    </p:tnLst>
-  </p:timing>
-</p:sld>
-</file>
-
-<file path=ppt/slides/slide4.xml><?xml version="1.0" encoding="utf-8"?>
-<p:sld xmlns:a="http://schemas.openxmlformats.org/drawingml/2006/main" xmlns:r="http://schemas.openxmlformats.org/officeDocument/2006/relationships" xmlns:p="http://schemas.openxmlformats.org/presentationml/2006/main">
-  <p:cSld>
-    <p:spTree>
-      <p:nvGrpSpPr>
-        <p:cNvPr id="1" name=""/>
-        <p:cNvGrpSpPr/>
-        <p:nvPr/>
-      </p:nvGrpSpPr>
-      <p:grpSpPr>
-        <a:xfrm>
-          <a:off x="0" y="0"/>
-          <a:ext cx="0" cy="0"/>
-          <a:chOff x="0" y="0"/>
-          <a:chExt cx="0" cy="0"/>
-        </a:xfrm>
-      </p:grpSpPr>
-      <p:sp>
-        <p:nvSpPr>
-          <p:cNvPr id="3" name="Retângulo 2"/>
-          <p:cNvSpPr/>
-          <p:nvPr/>
-        </p:nvSpPr>
-        <p:spPr bwMode="auto">
-          <a:xfrm>
-            <a:off x="0" y="0"/>
-            <a:ext cx="251520" cy="6885384"/>
-          </a:xfrm>
-          <a:prstGeom prst="rect">
-            <a:avLst/>
-          </a:prstGeom>
-          <a:solidFill>
-            <a:schemeClr val="bg1"/>
-          </a:solidFill>
-          <a:ln w="9525" cap="flat" cmpd="sng" algn="ctr">
-            <a:solidFill>
-              <a:schemeClr val="bg1"/>
-            </a:solidFill>
-            <a:prstDash val="solid"/>
-            <a:round/>
-            <a:headEnd type="none" w="med" len="med"/>
-            <a:tailEnd type="none" w="med" len="med"/>
-          </a:ln>
-          <a:effectLst/>
-          <a:extLst/>
-        </p:spPr>
-        <p:txBody>
-          <a:bodyPr vert="horz" wrap="square" lIns="91440" tIns="45720" rIns="91440" bIns="45720" numCol="1" rtlCol="0" anchor="t" anchorCtr="0" compatLnSpc="1">
-            <a:prstTxWarp prst="textNoShape">
-              <a:avLst/>
-            </a:prstTxWarp>
-          </a:bodyPr>
-          <a:lstStyle/>
-          <a:p>
-            <a:pPr marL="0" marR="0" indent="0" algn="l" defTabSz="914400" rtl="0" eaLnBrk="0" fontAlgn="base" latinLnBrk="0" hangingPunct="0">
-              <a:lnSpc>
-                <a:spcPct val="100000"/>
-              </a:lnSpc>
-              <a:spcBef>
-                <a:spcPct val="0"/>
-              </a:spcBef>
-              <a:spcAft>
-                <a:spcPct val="0"/>
-              </a:spcAft>
-              <a:buClrTx/>
-              <a:buSzTx/>
-              <a:buFontTx/>
-              <a:buNone/>
-              <a:tabLst/>
-            </a:pPr>
-            <a:endParaRPr kumimoji="0" lang="pt-BR" sz="1800" b="0" i="0" u="none" strike="noStrike" cap="none" normalizeH="0" baseline="0" smtClean="0">
-              <a:ln>
-                <a:noFill/>
-              </a:ln>
-              <a:solidFill>
-                <a:schemeClr val="tx1"/>
-              </a:solidFill>
-              <a:effectLst/>
-              <a:latin typeface="Arial" charset="0"/>
-            </a:endParaRPr>
-          </a:p>
-        </p:txBody>
-      </p:sp>
-      <p:pic>
-        <p:nvPicPr>
-          <p:cNvPr id="9" name="Imagem 8">
-            <a:extLst>
-              <a:ext uri="{FF2B5EF4-FFF2-40B4-BE49-F238E27FC236}">
-                <a16:creationId xmlns:a16="http://schemas.microsoft.com/office/drawing/2014/main" id="{D8B093B2-F7B6-42EA-99D9-5213008E8554}"/>
-              </a:ext>
-            </a:extLst>
-          </p:cNvPr>
-          <p:cNvPicPr>
-            <a:picLocks noChangeAspect="1"/>
-          </p:cNvPicPr>
-          <p:nvPr/>
-        </p:nvPicPr>
-        <p:blipFill rotWithShape="1">
-          <a:blip r:embed="rId2">
-            <a:extLst>
-              <a:ext uri="{28A0092B-C50C-407E-A947-70E740481C1C}">
-                <a14:useLocalDpi xmlns:a14="http://schemas.microsoft.com/office/drawing/2010/main" val="0"/>
-              </a:ext>
-            </a:extLst>
-          </a:blip>
-          <a:srcRect t="1400"/>
-          <a:stretch/>
-        </p:blipFill>
-        <p:spPr>
-          <a:xfrm>
-            <a:off x="-2437538" y="0"/>
-            <a:ext cx="14107450" cy="6885384"/>
-          </a:xfrm>
-          <a:prstGeom prst="rect">
-            <a:avLst/>
-          </a:prstGeom>
-        </p:spPr>
-      </p:pic>
-    </p:spTree>
-    <p:extLst>
-      <p:ext uri="{BB962C8B-B14F-4D97-AF65-F5344CB8AC3E}">
-        <p14:creationId xmlns:p14="http://schemas.microsoft.com/office/powerpoint/2010/main" val="391730549"/>
-      </p:ext>
-    </p:extLst>
-  </p:cSld>
-  <p:clrMapOvr>
-    <a:masterClrMapping/>
-  </p:clrMapOvr>
-  <p:timing>
-    <p:tnLst>
-      <p:par>
-        <p:cTn id="1" dur="indefinite" restart="never" nodeType="tmRoot"/>
-      </p:par>
-    </p:tnLst>
-  </p:timing>
-</p:sld>
-</file>
-
-<file path=ppt/slides/slide5.xml><?xml version="1.0" encoding="utf-8"?>
-<p:sld xmlns:a="http://schemas.openxmlformats.org/drawingml/2006/main" xmlns:r="http://schemas.openxmlformats.org/officeDocument/2006/relationships" xmlns:p="http://schemas.openxmlformats.org/presentationml/2006/main">
-  <p:cSld>
-    <p:spTree>
-      <p:nvGrpSpPr>
-        <p:cNvPr id="1" name=""/>
-        <p:cNvGrpSpPr/>
-        <p:nvPr/>
-      </p:nvGrpSpPr>
-      <p:grpSpPr>
-        <a:xfrm>
-          <a:off x="0" y="0"/>
-          <a:ext cx="0" cy="0"/>
-          <a:chOff x="0" y="0"/>
-          <a:chExt cx="0" cy="0"/>
-        </a:xfrm>
-      </p:grpSpPr>
-      <p:sp>
-        <p:nvSpPr>
-          <p:cNvPr id="3" name="Retângulo 2"/>
-          <p:cNvSpPr/>
-          <p:nvPr/>
-        </p:nvSpPr>
-        <p:spPr bwMode="auto">
-          <a:xfrm>
-            <a:off x="0" y="0"/>
-            <a:ext cx="251520" cy="6885384"/>
-          </a:xfrm>
-          <a:prstGeom prst="rect">
-            <a:avLst/>
-          </a:prstGeom>
-          <a:solidFill>
-            <a:schemeClr val="bg1"/>
-          </a:solidFill>
-          <a:ln w="9525" cap="flat" cmpd="sng" algn="ctr">
-            <a:solidFill>
-              <a:schemeClr val="bg1"/>
-            </a:solidFill>
-            <a:prstDash val="solid"/>
-            <a:round/>
-            <a:headEnd type="none" w="med" len="med"/>
-            <a:tailEnd type="none" w="med" len="med"/>
-          </a:ln>
-          <a:effectLst/>
-          <a:extLst/>
-        </p:spPr>
-        <p:txBody>
-          <a:bodyPr vert="horz" wrap="square" lIns="91440" tIns="45720" rIns="91440" bIns="45720" numCol="1" rtlCol="0" anchor="t" anchorCtr="0" compatLnSpc="1">
-            <a:prstTxWarp prst="textNoShape">
-              <a:avLst/>
-            </a:prstTxWarp>
-          </a:bodyPr>
-          <a:lstStyle/>
-          <a:p>
-            <a:pPr marL="0" marR="0" indent="0" algn="l" defTabSz="914400" rtl="0" eaLnBrk="0" fontAlgn="base" latinLnBrk="0" hangingPunct="0">
-              <a:lnSpc>
-                <a:spcPct val="100000"/>
-              </a:lnSpc>
-              <a:spcBef>
-                <a:spcPct val="0"/>
-              </a:spcBef>
-              <a:spcAft>
-                <a:spcPct val="0"/>
-              </a:spcAft>
-              <a:buClrTx/>
-              <a:buSzTx/>
-              <a:buFontTx/>
-              <a:buNone/>
-              <a:tabLst/>
-            </a:pPr>
-            <a:endParaRPr kumimoji="0" lang="pt-BR" sz="1800" b="0" i="0" u="none" strike="noStrike" cap="none" normalizeH="0" baseline="0" smtClean="0">
-              <a:ln>
-                <a:noFill/>
-              </a:ln>
-              <a:solidFill>
-                <a:schemeClr val="tx1"/>
-              </a:solidFill>
-              <a:effectLst/>
-              <a:latin typeface="Arial" charset="0"/>
-            </a:endParaRPr>
-          </a:p>
-        </p:txBody>
-      </p:sp>
-      <p:pic>
-        <p:nvPicPr>
-          <p:cNvPr id="2" name="Imagem 1"/>
-          <p:cNvPicPr>
-            <a:picLocks noChangeAspect="1"/>
-          </p:cNvPicPr>
-          <p:nvPr/>
-        </p:nvPicPr>
-        <p:blipFill rotWithShape="1">
-          <a:blip r:embed="rId2"/>
-          <a:srcRect b="4640"/>
-          <a:stretch/>
-        </p:blipFill>
-        <p:spPr>
-          <a:xfrm>
-            <a:off x="0" y="0"/>
-            <a:ext cx="9144000" cy="4904809"/>
-          </a:xfrm>
-          <a:prstGeom prst="rect">
-            <a:avLst/>
-          </a:prstGeom>
-        </p:spPr>
-      </p:pic>
-      <p:pic>
-        <p:nvPicPr>
-          <p:cNvPr id="4" name="Picture 2" descr="Resultado de imagem para SENAC LOGO PNG">
-            <a:extLst>
-              <a:ext uri="{FF2B5EF4-FFF2-40B4-BE49-F238E27FC236}">
-                <a16:creationId xmlns:a16="http://schemas.microsoft.com/office/drawing/2014/main" id="{52AB468E-34B9-4C9F-9286-D7E741189D85}"/>
-              </a:ext>
-            </a:extLst>
-          </p:cNvPr>
-          <p:cNvPicPr>
-            <a:picLocks noChangeAspect="1" noChangeArrowheads="1"/>
-          </p:cNvPicPr>
-          <p:nvPr/>
-        </p:nvPicPr>
-        <p:blipFill>
-          <a:blip r:embed="rId3" cstate="print">
-            <a:extLst>
-              <a:ext uri="{28A0092B-C50C-407E-A947-70E740481C1C}">
-                <a14:useLocalDpi xmlns:a14="http://schemas.microsoft.com/office/drawing/2010/main" val="0"/>
-              </a:ext>
-            </a:extLst>
-          </a:blip>
-          <a:srcRect/>
-          <a:stretch>
-            <a:fillRect/>
-          </a:stretch>
-        </p:blipFill>
-        <p:spPr bwMode="auto">
-          <a:xfrm>
-            <a:off x="8100392" y="6237312"/>
-            <a:ext cx="928216" cy="544038"/>
-          </a:xfrm>
-          <a:prstGeom prst="rect">
-            <a:avLst/>
-          </a:prstGeom>
-          <a:noFill/>
-          <a:extLst>
-            <a:ext uri="{909E8E84-426E-40DD-AFC4-6F175D3DCCD1}">
-              <a14:hiddenFill xmlns:a14="http://schemas.microsoft.com/office/drawing/2010/main">
-                <a:solidFill>
-                  <a:srgbClr val="FFFFFF"/>
-                </a:solidFill>
-              </a14:hiddenFill>
-            </a:ext>
-          </a:extLst>
-        </p:spPr>
-      </p:pic>
-    </p:spTree>
-    <p:extLst>
-      <p:ext uri="{BB962C8B-B14F-4D97-AF65-F5344CB8AC3E}">
-        <p14:creationId xmlns:p14="http://schemas.microsoft.com/office/powerpoint/2010/main" val="1103876547"/>
-      </p:ext>
-    </p:extLst>
-  </p:cSld>
-  <p:clrMapOvr>
-    <a:masterClrMapping/>
-  </p:clrMapOvr>
-  <p:timing>
-    <p:tnLst>
-      <p:par>
-        <p:cTn id="1" dur="indefinite" restart="never" nodeType="tmRoot"/>
-      </p:par>
-    </p:tnLst>
-  </p:timing>
-</p:sld>
-</file>
-
-<file path=ppt/slides/slide6.xml><?xml version="1.0" encoding="utf-8"?>
-<p:sld xmlns:a="http://schemas.openxmlformats.org/drawingml/2006/main" xmlns:r="http://schemas.openxmlformats.org/officeDocument/2006/relationships" xmlns:p="http://schemas.openxmlformats.org/presentationml/2006/main">
-  <p:cSld>
-    <p:spTree>
-      <p:nvGrpSpPr>
-        <p:cNvPr id="1" name=""/>
-        <p:cNvGrpSpPr/>
-        <p:nvPr/>
-      </p:nvGrpSpPr>
-      <p:grpSpPr>
-        <a:xfrm>
-          <a:off x="0" y="0"/>
-          <a:ext cx="0" cy="0"/>
-          <a:chOff x="0" y="0"/>
-          <a:chExt cx="0" cy="0"/>
-        </a:xfrm>
-      </p:grpSpPr>
-      <p:sp>
-        <p:nvSpPr>
-          <p:cNvPr id="3" name="Retângulo 2"/>
-          <p:cNvSpPr/>
-          <p:nvPr/>
-        </p:nvSpPr>
-        <p:spPr bwMode="auto">
-          <a:xfrm>
-            <a:off x="0" y="0"/>
-            <a:ext cx="251520" cy="6885384"/>
-          </a:xfrm>
-          <a:prstGeom prst="rect">
-            <a:avLst/>
-          </a:prstGeom>
-          <a:solidFill>
-            <a:schemeClr val="bg1"/>
-          </a:solidFill>
-          <a:ln w="9525" cap="flat" cmpd="sng" algn="ctr">
-            <a:solidFill>
-              <a:schemeClr val="bg1"/>
-            </a:solidFill>
-            <a:prstDash val="solid"/>
-            <a:round/>
-            <a:headEnd type="none" w="med" len="med"/>
-            <a:tailEnd type="none" w="med" len="med"/>
-          </a:ln>
-          <a:effectLst/>
-          <a:extLst/>
-        </p:spPr>
-        <p:txBody>
-          <a:bodyPr vert="horz" wrap="square" lIns="91440" tIns="45720" rIns="91440" bIns="45720" numCol="1" rtlCol="0" anchor="t" anchorCtr="0" compatLnSpc="1">
-            <a:prstTxWarp prst="textNoShape">
-              <a:avLst/>
-            </a:prstTxWarp>
-          </a:bodyPr>
-          <a:lstStyle/>
-          <a:p>
-            <a:pPr marL="0" marR="0" indent="0" algn="l" defTabSz="914400" rtl="0" eaLnBrk="0" fontAlgn="base" latinLnBrk="0" hangingPunct="0">
-              <a:lnSpc>
-                <a:spcPct val="100000"/>
-              </a:lnSpc>
-              <a:spcBef>
-                <a:spcPct val="0"/>
-              </a:spcBef>
-              <a:spcAft>
-                <a:spcPct val="0"/>
-              </a:spcAft>
-              <a:buClrTx/>
-              <a:buSzTx/>
-              <a:buFontTx/>
-              <a:buNone/>
-              <a:tabLst/>
-            </a:pPr>
-            <a:endParaRPr kumimoji="0" lang="pt-BR" sz="1800" b="0" i="0" u="none" strike="noStrike" cap="none" normalizeH="0" baseline="0" smtClean="0">
-              <a:ln>
-                <a:noFill/>
-              </a:ln>
-              <a:solidFill>
-                <a:schemeClr val="tx1"/>
-              </a:solidFill>
-              <a:effectLst/>
-              <a:latin typeface="Arial" charset="0"/>
-            </a:endParaRPr>
-          </a:p>
-        </p:txBody>
-      </p:sp>
-      <p:pic>
-        <p:nvPicPr>
-          <p:cNvPr id="2" name="Imagem 1"/>
-          <p:cNvPicPr>
-            <a:picLocks noChangeAspect="1"/>
-          </p:cNvPicPr>
-          <p:nvPr/>
-        </p:nvPicPr>
-        <p:blipFill rotWithShape="1">
-          <a:blip r:embed="rId2"/>
-          <a:srcRect b="4640"/>
-          <a:stretch/>
-        </p:blipFill>
-        <p:spPr>
-          <a:xfrm>
-            <a:off x="0" y="-27384"/>
-            <a:ext cx="9144000" cy="4904809"/>
-          </a:xfrm>
-          <a:prstGeom prst="rect">
-            <a:avLst/>
-          </a:prstGeom>
-        </p:spPr>
-      </p:pic>
-      <p:pic>
-        <p:nvPicPr>
-          <p:cNvPr id="4" name="Picture 2" descr="Resultado de imagem para SENAC LOGO PNG">
-            <a:extLst>
-              <a:ext uri="{FF2B5EF4-FFF2-40B4-BE49-F238E27FC236}">
-                <a16:creationId xmlns:a16="http://schemas.microsoft.com/office/drawing/2014/main" id="{52AB468E-34B9-4C9F-9286-D7E741189D85}"/>
-              </a:ext>
-            </a:extLst>
-          </p:cNvPr>
-          <p:cNvPicPr>
-            <a:picLocks noChangeAspect="1" noChangeArrowheads="1"/>
-          </p:cNvPicPr>
-          <p:nvPr/>
-        </p:nvPicPr>
-        <p:blipFill>
-          <a:blip r:embed="rId3" cstate="print">
-            <a:extLst>
-              <a:ext uri="{28A0092B-C50C-407E-A947-70E740481C1C}">
-                <a14:useLocalDpi xmlns:a14="http://schemas.microsoft.com/office/drawing/2010/main" val="0"/>
-              </a:ext>
-            </a:extLst>
-          </a:blip>
-          <a:srcRect/>
-          <a:stretch>
-            <a:fillRect/>
-          </a:stretch>
-        </p:blipFill>
-        <p:spPr bwMode="auto">
-          <a:xfrm>
-            <a:off x="8100392" y="6237312"/>
-            <a:ext cx="928216" cy="544038"/>
-          </a:xfrm>
-          <a:prstGeom prst="rect">
-            <a:avLst/>
-          </a:prstGeom>
-          <a:noFill/>
-          <a:extLst>
-            <a:ext uri="{909E8E84-426E-40DD-AFC4-6F175D3DCCD1}">
-              <a14:hiddenFill xmlns:a14="http://schemas.microsoft.com/office/drawing/2010/main">
-                <a:solidFill>
-                  <a:srgbClr val="FFFFFF"/>
-                </a:solidFill>
-              </a14:hiddenFill>
-            </a:ext>
-          </a:extLst>
-        </p:spPr>
-      </p:pic>
-    </p:spTree>
-    <p:extLst>
-      <p:ext uri="{BB962C8B-B14F-4D97-AF65-F5344CB8AC3E}">
-        <p14:creationId xmlns:p14="http://schemas.microsoft.com/office/powerpoint/2010/main" val="2061939166"/>
-      </p:ext>
-    </p:extLst>
-  </p:cSld>
-  <p:clrMapOvr>
-    <a:masterClrMapping/>
-  </p:clrMapOvr>
-  <p:timing>
-    <p:tnLst>
-      <p:par>
-        <p:cTn id="1" dur="indefinite" restart="never" nodeType="tmRoot"/>
-      </p:par>
-    </p:tnLst>
-  </p:timing>
-</p:sld>
-</file>
-
-<file path=ppt/slides/slide7.xml><?xml version="1.0" encoding="utf-8"?>
-<p:sld xmlns:a="http://schemas.openxmlformats.org/drawingml/2006/main" xmlns:r="http://schemas.openxmlformats.org/officeDocument/2006/relationships" xmlns:p="http://schemas.openxmlformats.org/presentationml/2006/main">
-  <p:cSld>
-    <p:spTree>
-      <p:nvGrpSpPr>
-        <p:cNvPr id="1" name=""/>
-        <p:cNvGrpSpPr/>
-        <p:nvPr/>
-      </p:nvGrpSpPr>
-      <p:grpSpPr>
-        <a:xfrm>
-          <a:off x="0" y="0"/>
-          <a:ext cx="0" cy="0"/>
-          <a:chOff x="0" y="0"/>
-          <a:chExt cx="0" cy="0"/>
-        </a:xfrm>
-      </p:grpSpPr>
-      <p:sp>
-        <p:nvSpPr>
-          <p:cNvPr id="3" name="Retângulo 2"/>
-          <p:cNvSpPr/>
-          <p:nvPr/>
-        </p:nvSpPr>
-        <p:spPr bwMode="auto">
-          <a:xfrm>
-            <a:off x="0" y="0"/>
-            <a:ext cx="251520" cy="6885384"/>
-          </a:xfrm>
-          <a:prstGeom prst="rect">
-            <a:avLst/>
-          </a:prstGeom>
-          <a:solidFill>
-            <a:schemeClr val="bg1"/>
-          </a:solidFill>
-          <a:ln w="9525" cap="flat" cmpd="sng" algn="ctr">
-            <a:solidFill>
-              <a:schemeClr val="bg1"/>
-            </a:solidFill>
-            <a:prstDash val="solid"/>
-            <a:round/>
-            <a:headEnd type="none" w="med" len="med"/>
-            <a:tailEnd type="none" w="med" len="med"/>
-          </a:ln>
-          <a:effectLst/>
-          <a:extLst/>
-        </p:spPr>
-        <p:txBody>
-          <a:bodyPr vert="horz" wrap="square" lIns="91440" tIns="45720" rIns="91440" bIns="45720" numCol="1" rtlCol="0" anchor="t" anchorCtr="0" compatLnSpc="1">
-            <a:prstTxWarp prst="textNoShape">
-              <a:avLst/>
-            </a:prstTxWarp>
-          </a:bodyPr>
-          <a:lstStyle/>
-          <a:p>
-            <a:pPr marL="0" marR="0" indent="0" algn="l" defTabSz="914400" rtl="0" eaLnBrk="0" fontAlgn="base" latinLnBrk="0" hangingPunct="0">
-              <a:lnSpc>
-                <a:spcPct val="100000"/>
-              </a:lnSpc>
-              <a:spcBef>
-                <a:spcPct val="0"/>
-              </a:spcBef>
-              <a:spcAft>
-                <a:spcPct val="0"/>
-              </a:spcAft>
-              <a:buClrTx/>
-              <a:buSzTx/>
-              <a:buFontTx/>
-              <a:buNone/>
-              <a:tabLst/>
-            </a:pPr>
-            <a:endParaRPr kumimoji="0" lang="pt-BR" sz="1800" b="0" i="0" u="none" strike="noStrike" cap="none" normalizeH="0" baseline="0" smtClean="0">
-              <a:ln>
-                <a:noFill/>
-              </a:ln>
-              <a:solidFill>
-                <a:schemeClr val="tx1"/>
-              </a:solidFill>
-              <a:effectLst/>
-              <a:latin typeface="Arial" charset="0"/>
-            </a:endParaRPr>
-          </a:p>
-        </p:txBody>
-      </p:sp>
-      <p:pic>
-        <p:nvPicPr>
-          <p:cNvPr id="2" name="Imagem 1"/>
-          <p:cNvPicPr>
-            <a:picLocks noChangeAspect="1"/>
-          </p:cNvPicPr>
-          <p:nvPr/>
-        </p:nvPicPr>
-        <p:blipFill rotWithShape="1">
-          <a:blip r:embed="rId2"/>
-          <a:srcRect b="4640"/>
-          <a:stretch/>
-        </p:blipFill>
-        <p:spPr>
-          <a:xfrm>
-            <a:off x="0" y="0"/>
-            <a:ext cx="9144000" cy="4904810"/>
-          </a:xfrm>
-          <a:prstGeom prst="rect">
-            <a:avLst/>
-          </a:prstGeom>
-        </p:spPr>
-      </p:pic>
-      <p:pic>
-        <p:nvPicPr>
-          <p:cNvPr id="4" name="Picture 2" descr="Resultado de imagem para SENAC LOGO PNG">
-            <a:extLst>
-              <a:ext uri="{FF2B5EF4-FFF2-40B4-BE49-F238E27FC236}">
-                <a16:creationId xmlns:a16="http://schemas.microsoft.com/office/drawing/2014/main" id="{52AB468E-34B9-4C9F-9286-D7E741189D85}"/>
-              </a:ext>
-            </a:extLst>
-          </p:cNvPr>
-          <p:cNvPicPr>
-            <a:picLocks noChangeAspect="1" noChangeArrowheads="1"/>
-          </p:cNvPicPr>
-          <p:nvPr/>
-        </p:nvPicPr>
-        <p:blipFill>
-          <a:blip r:embed="rId3" cstate="print">
-            <a:extLst>
-              <a:ext uri="{28A0092B-C50C-407E-A947-70E740481C1C}">
-                <a14:useLocalDpi xmlns:a14="http://schemas.microsoft.com/office/drawing/2010/main" val="0"/>
-              </a:ext>
-            </a:extLst>
-          </a:blip>
-          <a:srcRect/>
-          <a:stretch>
-            <a:fillRect/>
-          </a:stretch>
-        </p:blipFill>
-        <p:spPr bwMode="auto">
-          <a:xfrm>
-            <a:off x="8100392" y="6237312"/>
-            <a:ext cx="928216" cy="544038"/>
-          </a:xfrm>
-          <a:prstGeom prst="rect">
-            <a:avLst/>
-          </a:prstGeom>
-          <a:noFill/>
-          <a:extLst>
-            <a:ext uri="{909E8E84-426E-40DD-AFC4-6F175D3DCCD1}">
-              <a14:hiddenFill xmlns:a14="http://schemas.microsoft.com/office/drawing/2010/main">
-                <a:solidFill>
-                  <a:srgbClr val="FFFFFF"/>
-                </a:solidFill>
-              </a14:hiddenFill>
-            </a:ext>
-          </a:extLst>
-        </p:spPr>
-      </p:pic>
-    </p:spTree>
-    <p:extLst>
-      <p:ext uri="{BB962C8B-B14F-4D97-AF65-F5344CB8AC3E}">
-        <p14:creationId xmlns:p14="http://schemas.microsoft.com/office/powerpoint/2010/main" val="3071098688"/>
-      </p:ext>
-    </p:extLst>
-  </p:cSld>
-  <p:clrMapOvr>
-    <a:masterClrMapping/>
-  </p:clrMapOvr>
-  <p:timing>
-    <p:tnLst>
-      <p:par>
-        <p:cTn id="1" dur="indefinite" restart="never" nodeType="tmRoot"/>
-      </p:par>
-    </p:tnLst>
-  </p:timing>
-</p:sld>
-</file>
-
-<file path=ppt/slides/slide8.xml><?xml version="1.0" encoding="utf-8"?>
-<p:sld xmlns:a="http://schemas.openxmlformats.org/drawingml/2006/main" xmlns:r="http://schemas.openxmlformats.org/officeDocument/2006/relationships" xmlns:p="http://schemas.openxmlformats.org/presentationml/2006/main">
-  <p:cSld>
-    <p:spTree>
-      <p:nvGrpSpPr>
-        <p:cNvPr id="1" name=""/>
-        <p:cNvGrpSpPr/>
-        <p:nvPr/>
-      </p:nvGrpSpPr>
-      <p:grpSpPr>
-        <a:xfrm>
-          <a:off x="0" y="0"/>
-          <a:ext cx="0" cy="0"/>
-          <a:chOff x="0" y="0"/>
-          <a:chExt cx="0" cy="0"/>
-        </a:xfrm>
-      </p:grpSpPr>
-      <p:sp>
-        <p:nvSpPr>
-          <p:cNvPr id="4" name="Retângulo 3"/>
-          <p:cNvSpPr/>
-          <p:nvPr/>
-        </p:nvSpPr>
-        <p:spPr bwMode="auto">
-          <a:xfrm>
-            <a:off x="-36512" y="-2312"/>
-            <a:ext cx="432048" cy="6858000"/>
-          </a:xfrm>
-          <a:prstGeom prst="rect">
-            <a:avLst/>
-          </a:prstGeom>
-          <a:solidFill>
-            <a:schemeClr val="bg1"/>
-          </a:solidFill>
-          <a:ln w="9525" cap="flat" cmpd="sng" algn="ctr">
-            <a:solidFill>
-              <a:schemeClr val="bg1"/>
-            </a:solidFill>
-            <a:prstDash val="solid"/>
-            <a:round/>
-            <a:headEnd type="none" w="med" len="med"/>
-            <a:tailEnd type="none" w="med" len="med"/>
-          </a:ln>
-          <a:effectLst/>
-          <a:extLst/>
-        </p:spPr>
-        <p:txBody>
-          <a:bodyPr vert="horz" wrap="square" lIns="91440" tIns="45720" rIns="91440" bIns="45720" numCol="1" rtlCol="0" anchor="t" anchorCtr="0" compatLnSpc="1">
-            <a:prstTxWarp prst="textNoShape">
-              <a:avLst/>
-            </a:prstTxWarp>
-          </a:bodyPr>
-          <a:lstStyle/>
-          <a:p>
-            <a:pPr marL="0" marR="0" indent="0" algn="l" defTabSz="914400" rtl="0" eaLnBrk="0" fontAlgn="base" latinLnBrk="0" hangingPunct="0">
-              <a:lnSpc>
-                <a:spcPct val="100000"/>
-              </a:lnSpc>
-              <a:spcBef>
-                <a:spcPct val="0"/>
-              </a:spcBef>
-              <a:spcAft>
-                <a:spcPct val="0"/>
-              </a:spcAft>
-              <a:buClrTx/>
-              <a:buSzTx/>
-              <a:buFontTx/>
-              <a:buNone/>
-              <a:tabLst/>
-            </a:pPr>
-            <a:endParaRPr kumimoji="0" lang="pt-BR" sz="1800" b="0" i="0" u="none" strike="noStrike" cap="none" normalizeH="0" baseline="0" smtClean="0">
-              <a:ln>
-                <a:noFill/>
-              </a:ln>
-              <a:solidFill>
-                <a:schemeClr val="tx1"/>
-              </a:solidFill>
-              <a:effectLst/>
-              <a:latin typeface="Arial" charset="0"/>
-            </a:endParaRPr>
-          </a:p>
-        </p:txBody>
-      </p:sp>
-      <p:pic>
-        <p:nvPicPr>
-          <p:cNvPr id="2" name="Imagem 1"/>
-          <p:cNvPicPr>
-            <a:picLocks noChangeAspect="1"/>
-          </p:cNvPicPr>
-          <p:nvPr/>
-        </p:nvPicPr>
-        <p:blipFill rotWithShape="1">
-          <a:blip r:embed="rId2"/>
-          <a:srcRect b="5480"/>
-          <a:stretch/>
-        </p:blipFill>
-        <p:spPr>
-          <a:xfrm>
-            <a:off x="-36512" y="0"/>
-            <a:ext cx="9158213" cy="4869160"/>
-          </a:xfrm>
-          <a:prstGeom prst="rect">
-            <a:avLst/>
-          </a:prstGeom>
-        </p:spPr>
-      </p:pic>
-      <p:pic>
-        <p:nvPicPr>
-          <p:cNvPr id="3" name="Picture 2" descr="Resultado de imagem para SENAC LOGO PNG">
-            <a:extLst>
-              <a:ext uri="{FF2B5EF4-FFF2-40B4-BE49-F238E27FC236}">
-                <a16:creationId xmlns:a16="http://schemas.microsoft.com/office/drawing/2014/main" id="{52AB468E-34B9-4C9F-9286-D7E741189D85}"/>
-              </a:ext>
-            </a:extLst>
-          </p:cNvPr>
-          <p:cNvPicPr>
-            <a:picLocks noChangeAspect="1" noChangeArrowheads="1"/>
-          </p:cNvPicPr>
-          <p:nvPr/>
-        </p:nvPicPr>
-        <p:blipFill>
-          <a:blip r:embed="rId3" cstate="print">
-            <a:extLst>
-              <a:ext uri="{28A0092B-C50C-407E-A947-70E740481C1C}">
-                <a14:useLocalDpi xmlns:a14="http://schemas.microsoft.com/office/drawing/2010/main" val="0"/>
-              </a:ext>
-            </a:extLst>
-          </a:blip>
-          <a:srcRect/>
-          <a:stretch>
-            <a:fillRect/>
-          </a:stretch>
-        </p:blipFill>
-        <p:spPr bwMode="auto">
-          <a:xfrm>
-            <a:off x="8100392" y="6237312"/>
-            <a:ext cx="928216" cy="544038"/>
-          </a:xfrm>
-          <a:prstGeom prst="rect">
-            <a:avLst/>
-          </a:prstGeom>
-          <a:noFill/>
-          <a:extLst>
-            <a:ext uri="{909E8E84-426E-40DD-AFC4-6F175D3DCCD1}">
-              <a14:hiddenFill xmlns:a14="http://schemas.microsoft.com/office/drawing/2010/main">
-                <a:solidFill>
-                  <a:srgbClr val="FFFFFF"/>
-                </a:solidFill>
-              </a14:hiddenFill>
-            </a:ext>
-          </a:extLst>
-        </p:spPr>
-      </p:pic>
-    </p:spTree>
-    <p:extLst>
-      <p:ext uri="{BB962C8B-B14F-4D97-AF65-F5344CB8AC3E}">
-        <p14:creationId xmlns:p14="http://schemas.microsoft.com/office/powerpoint/2010/main" val="772518610"/>
-      </p:ext>
-    </p:extLst>
-  </p:cSld>
-  <p:clrMapOvr>
-    <a:masterClrMapping/>
-  </p:clrMapOvr>
-  <p:timing>
-    <p:tnLst>
-      <p:par>
-        <p:cTn id="1" dur="indefinite" restart="never" nodeType="tmRoot"/>
-      </p:par>
-    </p:tnLst>
-  </p:timing>
-</p:sld>
-</file>
-
-<file path=ppt/slides/slide9.xml><?xml version="1.0" encoding="utf-8"?>
-<p:sld xmlns:a="http://schemas.openxmlformats.org/drawingml/2006/main" xmlns:r="http://schemas.openxmlformats.org/officeDocument/2006/relationships" xmlns:p="http://schemas.openxmlformats.org/presentationml/2006/main">
-  <p:cSld>
-    <p:spTree>
-      <p:nvGrpSpPr>
-        <p:cNvPr id="1" name=""/>
-        <p:cNvGrpSpPr/>
-        <p:nvPr/>
-      </p:nvGrpSpPr>
-      <p:grpSpPr>
-        <a:xfrm>
-          <a:off x="0" y="0"/>
-          <a:ext cx="0" cy="0"/>
-          <a:chOff x="0" y="0"/>
-          <a:chExt cx="0" cy="0"/>
-        </a:xfrm>
-      </p:grpSpPr>
-      <p:sp>
-        <p:nvSpPr>
-          <p:cNvPr id="5" name="Retângulo 4"/>
-          <p:cNvSpPr/>
-          <p:nvPr/>
-        </p:nvSpPr>
-        <p:spPr bwMode="auto">
-          <a:xfrm>
-            <a:off x="0" y="0"/>
-            <a:ext cx="251520" cy="6885384"/>
-          </a:xfrm>
-          <a:prstGeom prst="rect">
-            <a:avLst/>
-          </a:prstGeom>
-          <a:solidFill>
-            <a:schemeClr val="bg1"/>
-          </a:solidFill>
-          <a:ln w="9525" cap="flat" cmpd="sng" algn="ctr">
-            <a:solidFill>
-              <a:schemeClr val="bg1"/>
-            </a:solidFill>
-            <a:prstDash val="solid"/>
-            <a:round/>
-            <a:headEnd type="none" w="med" len="med"/>
-            <a:tailEnd type="none" w="med" len="med"/>
-          </a:ln>
-          <a:effectLst/>
-          <a:extLst/>
-        </p:spPr>
-        <p:txBody>
-          <a:bodyPr vert="horz" wrap="square" lIns="91440" tIns="45720" rIns="91440" bIns="45720" numCol="1" rtlCol="0" anchor="t" anchorCtr="0" compatLnSpc="1">
-            <a:prstTxWarp prst="textNoShape">
-              <a:avLst/>
-            </a:prstTxWarp>
-          </a:bodyPr>
-          <a:lstStyle/>
-          <a:p>
-            <a:pPr marL="0" marR="0" indent="0" algn="l" defTabSz="914400" rtl="0" eaLnBrk="0" fontAlgn="base" latinLnBrk="0" hangingPunct="0">
-              <a:lnSpc>
-                <a:spcPct val="100000"/>
-              </a:lnSpc>
-              <a:spcBef>
-                <a:spcPct val="0"/>
-              </a:spcBef>
-              <a:spcAft>
-                <a:spcPct val="0"/>
-              </a:spcAft>
-              <a:buClrTx/>
-              <a:buSzTx/>
-              <a:buFontTx/>
-              <a:buNone/>
-              <a:tabLst/>
-            </a:pPr>
-            <a:endParaRPr kumimoji="0" lang="pt-BR" sz="1800" b="0" i="0" u="none" strike="noStrike" cap="none" normalizeH="0" baseline="0" smtClean="0">
+            <a:endParaRPr kumimoji="0" lang="pt-BR" sz="1800" b="0" i="0" u="none" strike="noStrike" cap="none" normalizeH="0" baseline="0">
               <a:ln>
                 <a:noFill/>
               </a:ln>
@@ -8588,7 +5616,7 @@
                 <a:buNone/>
                 <a:tabLst/>
               </a:pPr>
-              <a:endParaRPr kumimoji="0" lang="pt-BR" sz="1800" b="0" i="0" u="none" strike="noStrike" cap="none" normalizeH="0" baseline="0" smtClean="0">
+              <a:endParaRPr kumimoji="0" lang="pt-BR" sz="1800" b="0" i="0" u="none" strike="noStrike" cap="none" normalizeH="0" baseline="0">
                 <a:ln>
                   <a:noFill/>
                 </a:ln>
@@ -8659,13 +5687,2839 @@
   <p:clrMapOvr>
     <a:masterClrMapping/>
   </p:clrMapOvr>
-  <p:timing>
-    <p:tnLst>
-      <p:par>
-        <p:cTn id="1" dur="indefinite" restart="never" nodeType="tmRoot"/>
-      </p:par>
-    </p:tnLst>
-  </p:timing>
+</p:sld>
+</file>
+
+<file path=ppt/slides/slide11.xml><?xml version="1.0" encoding="utf-8"?>
+<p:sld xmlns:a="http://schemas.openxmlformats.org/drawingml/2006/main" xmlns:r="http://schemas.openxmlformats.org/officeDocument/2006/relationships" xmlns:p="http://schemas.openxmlformats.org/presentationml/2006/main">
+  <p:cSld>
+    <p:spTree>
+      <p:nvGrpSpPr>
+        <p:cNvPr id="1" name=""/>
+        <p:cNvGrpSpPr/>
+        <p:nvPr/>
+      </p:nvGrpSpPr>
+      <p:grpSpPr>
+        <a:xfrm>
+          <a:off x="0" y="0"/>
+          <a:ext cx="0" cy="0"/>
+          <a:chOff x="0" y="0"/>
+          <a:chExt cx="0" cy="0"/>
+        </a:xfrm>
+      </p:grpSpPr>
+      <p:sp>
+        <p:nvSpPr>
+          <p:cNvPr id="3" name="Retângulo 2"/>
+          <p:cNvSpPr/>
+          <p:nvPr/>
+        </p:nvSpPr>
+        <p:spPr bwMode="auto">
+          <a:xfrm>
+            <a:off x="0" y="0"/>
+            <a:ext cx="251520" cy="6885384"/>
+          </a:xfrm>
+          <a:prstGeom prst="rect">
+            <a:avLst/>
+          </a:prstGeom>
+          <a:solidFill>
+            <a:schemeClr val="bg1"/>
+          </a:solidFill>
+          <a:ln w="9525" cap="flat" cmpd="sng" algn="ctr">
+            <a:solidFill>
+              <a:schemeClr val="bg1"/>
+            </a:solidFill>
+            <a:prstDash val="solid"/>
+            <a:round/>
+            <a:headEnd type="none" w="med" len="med"/>
+            <a:tailEnd type="none" w="med" len="med"/>
+          </a:ln>
+          <a:effectLst/>
+          <a:extLst/>
+        </p:spPr>
+        <p:txBody>
+          <a:bodyPr vert="horz" wrap="square" lIns="91440" tIns="45720" rIns="91440" bIns="45720" numCol="1" rtlCol="0" anchor="t" anchorCtr="0" compatLnSpc="1">
+            <a:prstTxWarp prst="textNoShape">
+              <a:avLst/>
+            </a:prstTxWarp>
+          </a:bodyPr>
+          <a:lstStyle/>
+          <a:p>
+            <a:pPr marL="0" marR="0" indent="0" algn="l" defTabSz="914400" rtl="0" eaLnBrk="0" fontAlgn="base" latinLnBrk="0" hangingPunct="0">
+              <a:lnSpc>
+                <a:spcPct val="100000"/>
+              </a:lnSpc>
+              <a:spcBef>
+                <a:spcPct val="0"/>
+              </a:spcBef>
+              <a:spcAft>
+                <a:spcPct val="0"/>
+              </a:spcAft>
+              <a:buClrTx/>
+              <a:buSzTx/>
+              <a:buFontTx/>
+              <a:buNone/>
+              <a:tabLst/>
+            </a:pPr>
+            <a:endParaRPr kumimoji="0" lang="pt-BR" sz="1800" b="0" i="0" u="none" strike="noStrike" cap="none" normalizeH="0" baseline="0">
+              <a:ln>
+                <a:noFill/>
+              </a:ln>
+              <a:solidFill>
+                <a:schemeClr val="tx1"/>
+              </a:solidFill>
+              <a:effectLst/>
+              <a:latin typeface="Arial" charset="0"/>
+            </a:endParaRPr>
+          </a:p>
+        </p:txBody>
+      </p:sp>
+      <p:pic>
+        <p:nvPicPr>
+          <p:cNvPr id="2" name="Imagem 1"/>
+          <p:cNvPicPr>
+            <a:picLocks noChangeAspect="1"/>
+          </p:cNvPicPr>
+          <p:nvPr/>
+        </p:nvPicPr>
+        <p:blipFill rotWithShape="1">
+          <a:blip r:embed="rId2"/>
+          <a:srcRect b="4640"/>
+          <a:stretch/>
+        </p:blipFill>
+        <p:spPr>
+          <a:xfrm>
+            <a:off x="0" y="0"/>
+            <a:ext cx="9144000" cy="4904810"/>
+          </a:xfrm>
+          <a:prstGeom prst="rect">
+            <a:avLst/>
+          </a:prstGeom>
+        </p:spPr>
+      </p:pic>
+      <p:pic>
+        <p:nvPicPr>
+          <p:cNvPr id="4" name="Picture 2" descr="Resultado de imagem para SENAC LOGO PNG">
+            <a:extLst>
+              <a:ext uri="{FF2B5EF4-FFF2-40B4-BE49-F238E27FC236}">
+                <a16:creationId xmlns:a16="http://schemas.microsoft.com/office/drawing/2014/main" id="{52AB468E-34B9-4C9F-9286-D7E741189D85}"/>
+              </a:ext>
+            </a:extLst>
+          </p:cNvPr>
+          <p:cNvPicPr>
+            <a:picLocks noChangeAspect="1" noChangeArrowheads="1"/>
+          </p:cNvPicPr>
+          <p:nvPr/>
+        </p:nvPicPr>
+        <p:blipFill>
+          <a:blip r:embed="rId3" cstate="print">
+            <a:extLst>
+              <a:ext uri="{28A0092B-C50C-407E-A947-70E740481C1C}">
+                <a14:useLocalDpi xmlns:a14="http://schemas.microsoft.com/office/drawing/2010/main" val="0"/>
+              </a:ext>
+            </a:extLst>
+          </a:blip>
+          <a:srcRect/>
+          <a:stretch>
+            <a:fillRect/>
+          </a:stretch>
+        </p:blipFill>
+        <p:spPr bwMode="auto">
+          <a:xfrm>
+            <a:off x="8100392" y="6237312"/>
+            <a:ext cx="928216" cy="544038"/>
+          </a:xfrm>
+          <a:prstGeom prst="rect">
+            <a:avLst/>
+          </a:prstGeom>
+          <a:noFill/>
+          <a:extLst>
+            <a:ext uri="{909E8E84-426E-40DD-AFC4-6F175D3DCCD1}">
+              <a14:hiddenFill xmlns:a14="http://schemas.microsoft.com/office/drawing/2010/main">
+                <a:solidFill>
+                  <a:srgbClr val="FFFFFF"/>
+                </a:solidFill>
+              </a14:hiddenFill>
+            </a:ext>
+          </a:extLst>
+        </p:spPr>
+      </p:pic>
+    </p:spTree>
+    <p:extLst>
+      <p:ext uri="{BB962C8B-B14F-4D97-AF65-F5344CB8AC3E}">
+        <p14:creationId xmlns:p14="http://schemas.microsoft.com/office/powerpoint/2010/main" val="3352477637"/>
+      </p:ext>
+    </p:extLst>
+  </p:cSld>
+  <p:clrMapOvr>
+    <a:masterClrMapping/>
+  </p:clrMapOvr>
+</p:sld>
+</file>
+
+<file path=ppt/slides/slide12.xml><?xml version="1.0" encoding="utf-8"?>
+<p:sld xmlns:a="http://schemas.openxmlformats.org/drawingml/2006/main" xmlns:r="http://schemas.openxmlformats.org/officeDocument/2006/relationships" xmlns:p="http://schemas.openxmlformats.org/presentationml/2006/main">
+  <p:cSld>
+    <p:spTree>
+      <p:nvGrpSpPr>
+        <p:cNvPr id="1" name=""/>
+        <p:cNvGrpSpPr/>
+        <p:nvPr/>
+      </p:nvGrpSpPr>
+      <p:grpSpPr>
+        <a:xfrm>
+          <a:off x="0" y="0"/>
+          <a:ext cx="0" cy="0"/>
+          <a:chOff x="0" y="0"/>
+          <a:chExt cx="0" cy="0"/>
+        </a:xfrm>
+      </p:grpSpPr>
+      <p:sp>
+        <p:nvSpPr>
+          <p:cNvPr id="3" name="Retângulo 2"/>
+          <p:cNvSpPr/>
+          <p:nvPr/>
+        </p:nvSpPr>
+        <p:spPr bwMode="auto">
+          <a:xfrm>
+            <a:off x="0" y="0"/>
+            <a:ext cx="251520" cy="6885384"/>
+          </a:xfrm>
+          <a:prstGeom prst="rect">
+            <a:avLst/>
+          </a:prstGeom>
+          <a:solidFill>
+            <a:schemeClr val="bg1"/>
+          </a:solidFill>
+          <a:ln w="9525" cap="flat" cmpd="sng" algn="ctr">
+            <a:solidFill>
+              <a:schemeClr val="bg1"/>
+            </a:solidFill>
+            <a:prstDash val="solid"/>
+            <a:round/>
+            <a:headEnd type="none" w="med" len="med"/>
+            <a:tailEnd type="none" w="med" len="med"/>
+          </a:ln>
+          <a:effectLst/>
+          <a:extLst/>
+        </p:spPr>
+        <p:txBody>
+          <a:bodyPr vert="horz" wrap="square" lIns="91440" tIns="45720" rIns="91440" bIns="45720" numCol="1" rtlCol="0" anchor="t" anchorCtr="0" compatLnSpc="1">
+            <a:prstTxWarp prst="textNoShape">
+              <a:avLst/>
+            </a:prstTxWarp>
+          </a:bodyPr>
+          <a:lstStyle/>
+          <a:p>
+            <a:pPr marL="0" marR="0" indent="0" algn="l" defTabSz="914400" rtl="0" eaLnBrk="0" fontAlgn="base" latinLnBrk="0" hangingPunct="0">
+              <a:lnSpc>
+                <a:spcPct val="100000"/>
+              </a:lnSpc>
+              <a:spcBef>
+                <a:spcPct val="0"/>
+              </a:spcBef>
+              <a:spcAft>
+                <a:spcPct val="0"/>
+              </a:spcAft>
+              <a:buClrTx/>
+              <a:buSzTx/>
+              <a:buFontTx/>
+              <a:buNone/>
+              <a:tabLst/>
+            </a:pPr>
+            <a:endParaRPr kumimoji="0" lang="pt-BR" sz="1800" b="0" i="0" u="none" strike="noStrike" cap="none" normalizeH="0" baseline="0">
+              <a:ln>
+                <a:noFill/>
+              </a:ln>
+              <a:solidFill>
+                <a:schemeClr val="tx1"/>
+              </a:solidFill>
+              <a:effectLst/>
+              <a:latin typeface="Arial" charset="0"/>
+            </a:endParaRPr>
+          </a:p>
+        </p:txBody>
+      </p:sp>
+      <p:pic>
+        <p:nvPicPr>
+          <p:cNvPr id="2" name="Imagem 1"/>
+          <p:cNvPicPr>
+            <a:picLocks noChangeAspect="1"/>
+          </p:cNvPicPr>
+          <p:nvPr/>
+        </p:nvPicPr>
+        <p:blipFill rotWithShape="1">
+          <a:blip r:embed="rId2"/>
+          <a:srcRect b="4640"/>
+          <a:stretch/>
+        </p:blipFill>
+        <p:spPr>
+          <a:xfrm>
+            <a:off x="0" y="0"/>
+            <a:ext cx="9144000" cy="4904807"/>
+          </a:xfrm>
+          <a:prstGeom prst="rect">
+            <a:avLst/>
+          </a:prstGeom>
+        </p:spPr>
+      </p:pic>
+      <p:pic>
+        <p:nvPicPr>
+          <p:cNvPr id="4" name="Picture 2" descr="Resultado de imagem para SENAC LOGO PNG">
+            <a:extLst>
+              <a:ext uri="{FF2B5EF4-FFF2-40B4-BE49-F238E27FC236}">
+                <a16:creationId xmlns:a16="http://schemas.microsoft.com/office/drawing/2014/main" id="{52AB468E-34B9-4C9F-9286-D7E741189D85}"/>
+              </a:ext>
+            </a:extLst>
+          </p:cNvPr>
+          <p:cNvPicPr>
+            <a:picLocks noChangeAspect="1" noChangeArrowheads="1"/>
+          </p:cNvPicPr>
+          <p:nvPr/>
+        </p:nvPicPr>
+        <p:blipFill>
+          <a:blip r:embed="rId3" cstate="print">
+            <a:extLst>
+              <a:ext uri="{28A0092B-C50C-407E-A947-70E740481C1C}">
+                <a14:useLocalDpi xmlns:a14="http://schemas.microsoft.com/office/drawing/2010/main" val="0"/>
+              </a:ext>
+            </a:extLst>
+          </a:blip>
+          <a:srcRect/>
+          <a:stretch>
+            <a:fillRect/>
+          </a:stretch>
+        </p:blipFill>
+        <p:spPr bwMode="auto">
+          <a:xfrm>
+            <a:off x="8100392" y="6237312"/>
+            <a:ext cx="928216" cy="544038"/>
+          </a:xfrm>
+          <a:prstGeom prst="rect">
+            <a:avLst/>
+          </a:prstGeom>
+          <a:noFill/>
+          <a:extLst>
+            <a:ext uri="{909E8E84-426E-40DD-AFC4-6F175D3DCCD1}">
+              <a14:hiddenFill xmlns:a14="http://schemas.microsoft.com/office/drawing/2010/main">
+                <a:solidFill>
+                  <a:srgbClr val="FFFFFF"/>
+                </a:solidFill>
+              </a14:hiddenFill>
+            </a:ext>
+          </a:extLst>
+        </p:spPr>
+      </p:pic>
+    </p:spTree>
+    <p:extLst>
+      <p:ext uri="{BB962C8B-B14F-4D97-AF65-F5344CB8AC3E}">
+        <p14:creationId xmlns:p14="http://schemas.microsoft.com/office/powerpoint/2010/main" val="3452483612"/>
+      </p:ext>
+    </p:extLst>
+  </p:cSld>
+  <p:clrMapOvr>
+    <a:masterClrMapping/>
+  </p:clrMapOvr>
+</p:sld>
+</file>
+
+<file path=ppt/slides/slide13.xml><?xml version="1.0" encoding="utf-8"?>
+<p:sld xmlns:a="http://schemas.openxmlformats.org/drawingml/2006/main" xmlns:r="http://schemas.openxmlformats.org/officeDocument/2006/relationships" xmlns:p="http://schemas.openxmlformats.org/presentationml/2006/main">
+  <p:cSld>
+    <p:spTree>
+      <p:nvGrpSpPr>
+        <p:cNvPr id="1" name=""/>
+        <p:cNvGrpSpPr/>
+        <p:nvPr/>
+      </p:nvGrpSpPr>
+      <p:grpSpPr>
+        <a:xfrm>
+          <a:off x="0" y="0"/>
+          <a:ext cx="0" cy="0"/>
+          <a:chOff x="0" y="0"/>
+          <a:chExt cx="0" cy="0"/>
+        </a:xfrm>
+      </p:grpSpPr>
+      <p:sp>
+        <p:nvSpPr>
+          <p:cNvPr id="2050" name="Rectangle 2"/>
+          <p:cNvSpPr>
+            <a:spLocks noGrp="1" noChangeArrowheads="1"/>
+          </p:cNvSpPr>
+          <p:nvPr>
+            <p:ph type="ctrTitle"/>
+          </p:nvPr>
+        </p:nvSpPr>
+        <p:spPr/>
+        <p:txBody>
+          <a:bodyPr/>
+          <a:lstStyle/>
+          <a:p>
+            <a:r>
+              <a:rPr lang="pt-BR" dirty="0"/>
+              <a:t>TELAS DO ADMINISTRADOR</a:t>
+            </a:r>
+          </a:p>
+        </p:txBody>
+      </p:sp>
+      <p:pic>
+        <p:nvPicPr>
+          <p:cNvPr id="6" name="Picture 2" descr="Resultado de imagem para SENAC LOGO PNG">
+            <a:extLst>
+              <a:ext uri="{FF2B5EF4-FFF2-40B4-BE49-F238E27FC236}">
+                <a16:creationId xmlns:a16="http://schemas.microsoft.com/office/drawing/2014/main" id="{8E0CD0C8-2CB4-4691-AD9B-732C161DBED7}"/>
+              </a:ext>
+            </a:extLst>
+          </p:cNvPr>
+          <p:cNvPicPr>
+            <a:picLocks noChangeAspect="1" noChangeArrowheads="1"/>
+          </p:cNvPicPr>
+          <p:nvPr/>
+        </p:nvPicPr>
+        <p:blipFill>
+          <a:blip r:embed="rId3" cstate="print">
+            <a:extLst>
+              <a:ext uri="{28A0092B-C50C-407E-A947-70E740481C1C}">
+                <a14:useLocalDpi xmlns:a14="http://schemas.microsoft.com/office/drawing/2010/main" val="0"/>
+              </a:ext>
+            </a:extLst>
+          </a:blip>
+          <a:srcRect/>
+          <a:stretch>
+            <a:fillRect/>
+          </a:stretch>
+        </p:blipFill>
+        <p:spPr bwMode="auto">
+          <a:xfrm>
+            <a:off x="8100392" y="6237312"/>
+            <a:ext cx="928216" cy="544038"/>
+          </a:xfrm>
+          <a:prstGeom prst="rect">
+            <a:avLst/>
+          </a:prstGeom>
+          <a:noFill/>
+          <a:extLst>
+            <a:ext uri="{909E8E84-426E-40DD-AFC4-6F175D3DCCD1}">
+              <a14:hiddenFill xmlns:a14="http://schemas.microsoft.com/office/drawing/2010/main">
+                <a:solidFill>
+                  <a:srgbClr val="FFFFFF"/>
+                </a:solidFill>
+              </a14:hiddenFill>
+            </a:ext>
+          </a:extLst>
+        </p:spPr>
+      </p:pic>
+    </p:spTree>
+    <p:extLst>
+      <p:ext uri="{BB962C8B-B14F-4D97-AF65-F5344CB8AC3E}">
+        <p14:creationId xmlns:p14="http://schemas.microsoft.com/office/powerpoint/2010/main" val="1785072489"/>
+      </p:ext>
+    </p:extLst>
+  </p:cSld>
+  <p:clrMapOvr>
+    <a:masterClrMapping/>
+  </p:clrMapOvr>
+  <p:transition spd="med">
+    <p:fade/>
+  </p:transition>
+</p:sld>
+</file>
+
+<file path=ppt/slides/slide14.xml><?xml version="1.0" encoding="utf-8"?>
+<p:sld xmlns:a="http://schemas.openxmlformats.org/drawingml/2006/main" xmlns:r="http://schemas.openxmlformats.org/officeDocument/2006/relationships" xmlns:p="http://schemas.openxmlformats.org/presentationml/2006/main">
+  <p:cSld>
+    <p:spTree>
+      <p:nvGrpSpPr>
+        <p:cNvPr id="1" name=""/>
+        <p:cNvGrpSpPr/>
+        <p:nvPr/>
+      </p:nvGrpSpPr>
+      <p:grpSpPr>
+        <a:xfrm>
+          <a:off x="0" y="0"/>
+          <a:ext cx="0" cy="0"/>
+          <a:chOff x="0" y="0"/>
+          <a:chExt cx="0" cy="0"/>
+        </a:xfrm>
+      </p:grpSpPr>
+      <p:pic>
+        <p:nvPicPr>
+          <p:cNvPr id="4" name="Picture 2" descr="Resultado de imagem para SENAC LOGO PNG">
+            <a:extLst>
+              <a:ext uri="{FF2B5EF4-FFF2-40B4-BE49-F238E27FC236}">
+                <a16:creationId xmlns:a16="http://schemas.microsoft.com/office/drawing/2014/main" id="{52AB468E-34B9-4C9F-9286-D7E741189D85}"/>
+              </a:ext>
+            </a:extLst>
+          </p:cNvPr>
+          <p:cNvPicPr>
+            <a:picLocks noChangeAspect="1" noChangeArrowheads="1"/>
+          </p:cNvPicPr>
+          <p:nvPr/>
+        </p:nvPicPr>
+        <p:blipFill>
+          <a:blip r:embed="rId2" cstate="print">
+            <a:extLst>
+              <a:ext uri="{28A0092B-C50C-407E-A947-70E740481C1C}">
+                <a14:useLocalDpi xmlns:a14="http://schemas.microsoft.com/office/drawing/2010/main" val="0"/>
+              </a:ext>
+            </a:extLst>
+          </a:blip>
+          <a:srcRect/>
+          <a:stretch>
+            <a:fillRect/>
+          </a:stretch>
+        </p:blipFill>
+        <p:spPr bwMode="auto">
+          <a:xfrm>
+            <a:off x="8100392" y="6237312"/>
+            <a:ext cx="928216" cy="544038"/>
+          </a:xfrm>
+          <a:prstGeom prst="rect">
+            <a:avLst/>
+          </a:prstGeom>
+          <a:noFill/>
+          <a:extLst>
+            <a:ext uri="{909E8E84-426E-40DD-AFC4-6F175D3DCCD1}">
+              <a14:hiddenFill xmlns:a14="http://schemas.microsoft.com/office/drawing/2010/main">
+                <a:solidFill>
+                  <a:srgbClr val="FFFFFF"/>
+                </a:solidFill>
+              </a14:hiddenFill>
+            </a:ext>
+          </a:extLst>
+        </p:spPr>
+      </p:pic>
+      <p:sp>
+        <p:nvSpPr>
+          <p:cNvPr id="5" name="Retângulo 4"/>
+          <p:cNvSpPr/>
+          <p:nvPr/>
+        </p:nvSpPr>
+        <p:spPr bwMode="auto">
+          <a:xfrm>
+            <a:off x="0" y="0"/>
+            <a:ext cx="251520" cy="6885384"/>
+          </a:xfrm>
+          <a:prstGeom prst="rect">
+            <a:avLst/>
+          </a:prstGeom>
+          <a:solidFill>
+            <a:schemeClr val="bg1"/>
+          </a:solidFill>
+          <a:ln w="9525" cap="flat" cmpd="sng" algn="ctr">
+            <a:solidFill>
+              <a:schemeClr val="bg1"/>
+            </a:solidFill>
+            <a:prstDash val="solid"/>
+            <a:round/>
+            <a:headEnd type="none" w="med" len="med"/>
+            <a:tailEnd type="none" w="med" len="med"/>
+          </a:ln>
+          <a:effectLst/>
+          <a:extLst/>
+        </p:spPr>
+        <p:txBody>
+          <a:bodyPr vert="horz" wrap="square" lIns="91440" tIns="45720" rIns="91440" bIns="45720" numCol="1" rtlCol="0" anchor="t" anchorCtr="0" compatLnSpc="1">
+            <a:prstTxWarp prst="textNoShape">
+              <a:avLst/>
+            </a:prstTxWarp>
+          </a:bodyPr>
+          <a:lstStyle/>
+          <a:p>
+            <a:pPr marL="0" marR="0" indent="0" algn="l" defTabSz="914400" rtl="0" eaLnBrk="0" fontAlgn="base" latinLnBrk="0" hangingPunct="0">
+              <a:lnSpc>
+                <a:spcPct val="100000"/>
+              </a:lnSpc>
+              <a:spcBef>
+                <a:spcPct val="0"/>
+              </a:spcBef>
+              <a:spcAft>
+                <a:spcPct val="0"/>
+              </a:spcAft>
+              <a:buClrTx/>
+              <a:buSzTx/>
+              <a:buFontTx/>
+              <a:buNone/>
+              <a:tabLst/>
+            </a:pPr>
+            <a:endParaRPr kumimoji="0" lang="pt-BR" sz="1800" b="0" i="0" u="none" strike="noStrike" cap="none" normalizeH="0" baseline="0">
+              <a:ln>
+                <a:noFill/>
+              </a:ln>
+              <a:solidFill>
+                <a:schemeClr val="tx1"/>
+              </a:solidFill>
+              <a:effectLst/>
+              <a:latin typeface="Arial" charset="0"/>
+            </a:endParaRPr>
+          </a:p>
+        </p:txBody>
+      </p:sp>
+      <p:pic>
+        <p:nvPicPr>
+          <p:cNvPr id="2" name="Imagem 1"/>
+          <p:cNvPicPr>
+            <a:picLocks noChangeAspect="1"/>
+          </p:cNvPicPr>
+          <p:nvPr/>
+        </p:nvPicPr>
+        <p:blipFill rotWithShape="1">
+          <a:blip r:embed="rId3"/>
+          <a:srcRect b="5480"/>
+          <a:stretch/>
+        </p:blipFill>
+        <p:spPr>
+          <a:xfrm>
+            <a:off x="0" y="0"/>
+            <a:ext cx="9144000" cy="4861604"/>
+          </a:xfrm>
+          <a:prstGeom prst="rect">
+            <a:avLst/>
+          </a:prstGeom>
+        </p:spPr>
+      </p:pic>
+    </p:spTree>
+  </p:cSld>
+  <p:clrMapOvr>
+    <a:masterClrMapping/>
+  </p:clrMapOvr>
+  <p:transition spd="med">
+    <p:fade/>
+  </p:transition>
+</p:sld>
+</file>
+
+<file path=ppt/slides/slide15.xml><?xml version="1.0" encoding="utf-8"?>
+<p:sld xmlns:a="http://schemas.openxmlformats.org/drawingml/2006/main" xmlns:r="http://schemas.openxmlformats.org/officeDocument/2006/relationships" xmlns:p="http://schemas.openxmlformats.org/presentationml/2006/main">
+  <p:cSld>
+    <p:spTree>
+      <p:nvGrpSpPr>
+        <p:cNvPr id="1" name=""/>
+        <p:cNvGrpSpPr/>
+        <p:nvPr/>
+      </p:nvGrpSpPr>
+      <p:grpSpPr>
+        <a:xfrm>
+          <a:off x="0" y="0"/>
+          <a:ext cx="0" cy="0"/>
+          <a:chOff x="0" y="0"/>
+          <a:chExt cx="0" cy="0"/>
+        </a:xfrm>
+      </p:grpSpPr>
+      <p:pic>
+        <p:nvPicPr>
+          <p:cNvPr id="6" name="Picture 2" descr="Resultado de imagem para SENAC LOGO PNG">
+            <a:extLst>
+              <a:ext uri="{FF2B5EF4-FFF2-40B4-BE49-F238E27FC236}">
+                <a16:creationId xmlns:a16="http://schemas.microsoft.com/office/drawing/2014/main" id="{573A77EF-7C08-4C7A-AC97-F0E695E67BFB}"/>
+              </a:ext>
+            </a:extLst>
+          </p:cNvPr>
+          <p:cNvPicPr>
+            <a:picLocks noChangeAspect="1" noChangeArrowheads="1"/>
+          </p:cNvPicPr>
+          <p:nvPr/>
+        </p:nvPicPr>
+        <p:blipFill>
+          <a:blip r:embed="rId2" cstate="print">
+            <a:extLst>
+              <a:ext uri="{28A0092B-C50C-407E-A947-70E740481C1C}">
+                <a14:useLocalDpi xmlns:a14="http://schemas.microsoft.com/office/drawing/2010/main" val="0"/>
+              </a:ext>
+            </a:extLst>
+          </a:blip>
+          <a:srcRect/>
+          <a:stretch>
+            <a:fillRect/>
+          </a:stretch>
+        </p:blipFill>
+        <p:spPr bwMode="auto">
+          <a:xfrm>
+            <a:off x="8100392" y="6237312"/>
+            <a:ext cx="928216" cy="544038"/>
+          </a:xfrm>
+          <a:prstGeom prst="rect">
+            <a:avLst/>
+          </a:prstGeom>
+          <a:noFill/>
+          <a:extLst>
+            <a:ext uri="{909E8E84-426E-40DD-AFC4-6F175D3DCCD1}">
+              <a14:hiddenFill xmlns:a14="http://schemas.microsoft.com/office/drawing/2010/main">
+                <a:solidFill>
+                  <a:srgbClr val="FFFFFF"/>
+                </a:solidFill>
+              </a14:hiddenFill>
+            </a:ext>
+          </a:extLst>
+        </p:spPr>
+      </p:pic>
+      <p:sp>
+        <p:nvSpPr>
+          <p:cNvPr id="9" name="Retângulo 8"/>
+          <p:cNvSpPr/>
+          <p:nvPr/>
+        </p:nvSpPr>
+        <p:spPr bwMode="auto">
+          <a:xfrm>
+            <a:off x="0" y="0"/>
+            <a:ext cx="251520" cy="6885384"/>
+          </a:xfrm>
+          <a:prstGeom prst="rect">
+            <a:avLst/>
+          </a:prstGeom>
+          <a:solidFill>
+            <a:schemeClr val="bg1"/>
+          </a:solidFill>
+          <a:ln w="9525" cap="flat" cmpd="sng" algn="ctr">
+            <a:solidFill>
+              <a:schemeClr val="bg1"/>
+            </a:solidFill>
+            <a:prstDash val="solid"/>
+            <a:round/>
+            <a:headEnd type="none" w="med" len="med"/>
+            <a:tailEnd type="none" w="med" len="med"/>
+          </a:ln>
+          <a:effectLst/>
+          <a:extLst/>
+        </p:spPr>
+        <p:txBody>
+          <a:bodyPr vert="horz" wrap="square" lIns="91440" tIns="45720" rIns="91440" bIns="45720" numCol="1" rtlCol="0" anchor="t" anchorCtr="0" compatLnSpc="1">
+            <a:prstTxWarp prst="textNoShape">
+              <a:avLst/>
+            </a:prstTxWarp>
+          </a:bodyPr>
+          <a:lstStyle/>
+          <a:p>
+            <a:pPr marL="0" marR="0" indent="0" algn="l" defTabSz="914400" rtl="0" eaLnBrk="0" fontAlgn="base" latinLnBrk="0" hangingPunct="0">
+              <a:lnSpc>
+                <a:spcPct val="100000"/>
+              </a:lnSpc>
+              <a:spcBef>
+                <a:spcPct val="0"/>
+              </a:spcBef>
+              <a:spcAft>
+                <a:spcPct val="0"/>
+              </a:spcAft>
+              <a:buClrTx/>
+              <a:buSzTx/>
+              <a:buFontTx/>
+              <a:buNone/>
+              <a:tabLst/>
+            </a:pPr>
+            <a:endParaRPr kumimoji="0" lang="pt-BR" sz="1800" b="0" i="0" u="none" strike="noStrike" cap="none" normalizeH="0" baseline="0">
+              <a:ln>
+                <a:noFill/>
+              </a:ln>
+              <a:solidFill>
+                <a:schemeClr val="tx1"/>
+              </a:solidFill>
+              <a:effectLst/>
+              <a:latin typeface="Arial" charset="0"/>
+            </a:endParaRPr>
+          </a:p>
+        </p:txBody>
+      </p:sp>
+      <p:pic>
+        <p:nvPicPr>
+          <p:cNvPr id="2" name="Imagem 1"/>
+          <p:cNvPicPr>
+            <a:picLocks noChangeAspect="1"/>
+          </p:cNvPicPr>
+          <p:nvPr/>
+        </p:nvPicPr>
+        <p:blipFill rotWithShape="1">
+          <a:blip r:embed="rId3"/>
+          <a:srcRect b="6321"/>
+          <a:stretch/>
+        </p:blipFill>
+        <p:spPr>
+          <a:xfrm>
+            <a:off x="0" y="0"/>
+            <a:ext cx="9144000" cy="4818398"/>
+          </a:xfrm>
+          <a:prstGeom prst="rect">
+            <a:avLst/>
+          </a:prstGeom>
+        </p:spPr>
+      </p:pic>
+    </p:spTree>
+  </p:cSld>
+  <p:clrMapOvr>
+    <a:masterClrMapping/>
+  </p:clrMapOvr>
+  <p:transition spd="med">
+    <p:fade/>
+  </p:transition>
+</p:sld>
+</file>
+
+<file path=ppt/slides/slide16.xml><?xml version="1.0" encoding="utf-8"?>
+<p:sld xmlns:a="http://schemas.openxmlformats.org/drawingml/2006/main" xmlns:r="http://schemas.openxmlformats.org/officeDocument/2006/relationships" xmlns:p="http://schemas.openxmlformats.org/presentationml/2006/main">
+  <p:cSld>
+    <p:spTree>
+      <p:nvGrpSpPr>
+        <p:cNvPr id="1" name=""/>
+        <p:cNvGrpSpPr/>
+        <p:nvPr/>
+      </p:nvGrpSpPr>
+      <p:grpSpPr>
+        <a:xfrm>
+          <a:off x="0" y="0"/>
+          <a:ext cx="0" cy="0"/>
+          <a:chOff x="0" y="0"/>
+          <a:chExt cx="0" cy="0"/>
+        </a:xfrm>
+      </p:grpSpPr>
+      <p:pic>
+        <p:nvPicPr>
+          <p:cNvPr id="5" name="Picture 2" descr="Resultado de imagem para SENAC LOGO PNG">
+            <a:extLst>
+              <a:ext uri="{FF2B5EF4-FFF2-40B4-BE49-F238E27FC236}">
+                <a16:creationId xmlns:a16="http://schemas.microsoft.com/office/drawing/2014/main" id="{7C31DA61-2BE8-4C07-ACCF-C1925FAC9E65}"/>
+              </a:ext>
+            </a:extLst>
+          </p:cNvPr>
+          <p:cNvPicPr>
+            <a:picLocks noChangeAspect="1" noChangeArrowheads="1"/>
+          </p:cNvPicPr>
+          <p:nvPr/>
+        </p:nvPicPr>
+        <p:blipFill>
+          <a:blip r:embed="rId2" cstate="print">
+            <a:extLst>
+              <a:ext uri="{28A0092B-C50C-407E-A947-70E740481C1C}">
+                <a14:useLocalDpi xmlns:a14="http://schemas.microsoft.com/office/drawing/2010/main" val="0"/>
+              </a:ext>
+            </a:extLst>
+          </a:blip>
+          <a:srcRect/>
+          <a:stretch>
+            <a:fillRect/>
+          </a:stretch>
+        </p:blipFill>
+        <p:spPr bwMode="auto">
+          <a:xfrm>
+            <a:off x="8100392" y="6237312"/>
+            <a:ext cx="928216" cy="544038"/>
+          </a:xfrm>
+          <a:prstGeom prst="rect">
+            <a:avLst/>
+          </a:prstGeom>
+          <a:noFill/>
+          <a:extLst>
+            <a:ext uri="{909E8E84-426E-40DD-AFC4-6F175D3DCCD1}">
+              <a14:hiddenFill xmlns:a14="http://schemas.microsoft.com/office/drawing/2010/main">
+                <a:solidFill>
+                  <a:srgbClr val="FFFFFF"/>
+                </a:solidFill>
+              </a14:hiddenFill>
+            </a:ext>
+          </a:extLst>
+        </p:spPr>
+      </p:pic>
+      <p:sp>
+        <p:nvSpPr>
+          <p:cNvPr id="7" name="Retângulo 6"/>
+          <p:cNvSpPr/>
+          <p:nvPr/>
+        </p:nvSpPr>
+        <p:spPr bwMode="auto">
+          <a:xfrm>
+            <a:off x="0" y="0"/>
+            <a:ext cx="251520" cy="6885384"/>
+          </a:xfrm>
+          <a:prstGeom prst="rect">
+            <a:avLst/>
+          </a:prstGeom>
+          <a:solidFill>
+            <a:schemeClr val="bg1"/>
+          </a:solidFill>
+          <a:ln w="9525" cap="flat" cmpd="sng" algn="ctr">
+            <a:solidFill>
+              <a:schemeClr val="bg1"/>
+            </a:solidFill>
+            <a:prstDash val="solid"/>
+            <a:round/>
+            <a:headEnd type="none" w="med" len="med"/>
+            <a:tailEnd type="none" w="med" len="med"/>
+          </a:ln>
+          <a:effectLst/>
+          <a:extLst/>
+        </p:spPr>
+        <p:txBody>
+          <a:bodyPr vert="horz" wrap="square" lIns="91440" tIns="45720" rIns="91440" bIns="45720" numCol="1" rtlCol="0" anchor="t" anchorCtr="0" compatLnSpc="1">
+            <a:prstTxWarp prst="textNoShape">
+              <a:avLst/>
+            </a:prstTxWarp>
+          </a:bodyPr>
+          <a:lstStyle/>
+          <a:p>
+            <a:pPr marL="0" marR="0" indent="0" algn="l" defTabSz="914400" rtl="0" eaLnBrk="0" fontAlgn="base" latinLnBrk="0" hangingPunct="0">
+              <a:lnSpc>
+                <a:spcPct val="100000"/>
+              </a:lnSpc>
+              <a:spcBef>
+                <a:spcPct val="0"/>
+              </a:spcBef>
+              <a:spcAft>
+                <a:spcPct val="0"/>
+              </a:spcAft>
+              <a:buClrTx/>
+              <a:buSzTx/>
+              <a:buFontTx/>
+              <a:buNone/>
+              <a:tabLst/>
+            </a:pPr>
+            <a:endParaRPr kumimoji="0" lang="pt-BR" sz="1800" b="0" i="0" u="none" strike="noStrike" cap="none" normalizeH="0" baseline="0">
+              <a:ln>
+                <a:noFill/>
+              </a:ln>
+              <a:solidFill>
+                <a:schemeClr val="tx1"/>
+              </a:solidFill>
+              <a:effectLst/>
+              <a:latin typeface="Arial" charset="0"/>
+            </a:endParaRPr>
+          </a:p>
+        </p:txBody>
+      </p:sp>
+      <p:pic>
+        <p:nvPicPr>
+          <p:cNvPr id="2" name="Imagem 1"/>
+          <p:cNvPicPr>
+            <a:picLocks noChangeAspect="1"/>
+          </p:cNvPicPr>
+          <p:nvPr/>
+        </p:nvPicPr>
+        <p:blipFill rotWithShape="1">
+          <a:blip r:embed="rId3"/>
+          <a:srcRect b="7160"/>
+          <a:stretch/>
+        </p:blipFill>
+        <p:spPr>
+          <a:xfrm>
+            <a:off x="-1" y="0"/>
+            <a:ext cx="9186043" cy="4797152"/>
+          </a:xfrm>
+          <a:prstGeom prst="rect">
+            <a:avLst/>
+          </a:prstGeom>
+        </p:spPr>
+      </p:pic>
+    </p:spTree>
+  </p:cSld>
+  <p:clrMapOvr>
+    <a:masterClrMapping/>
+  </p:clrMapOvr>
+  <p:transition spd="med">
+    <p:fade/>
+  </p:transition>
+</p:sld>
+</file>
+
+<file path=ppt/slides/slide17.xml><?xml version="1.0" encoding="utf-8"?>
+<p:sld xmlns:a="http://schemas.openxmlformats.org/drawingml/2006/main" xmlns:r="http://schemas.openxmlformats.org/officeDocument/2006/relationships" xmlns:p="http://schemas.openxmlformats.org/presentationml/2006/main">
+  <p:cSld>
+    <p:spTree>
+      <p:nvGrpSpPr>
+        <p:cNvPr id="1" name=""/>
+        <p:cNvGrpSpPr/>
+        <p:nvPr/>
+      </p:nvGrpSpPr>
+      <p:grpSpPr>
+        <a:xfrm>
+          <a:off x="0" y="0"/>
+          <a:ext cx="0" cy="0"/>
+          <a:chOff x="0" y="0"/>
+          <a:chExt cx="0" cy="0"/>
+        </a:xfrm>
+      </p:grpSpPr>
+      <p:pic>
+        <p:nvPicPr>
+          <p:cNvPr id="5" name="Picture 2" descr="Resultado de imagem para SENAC LOGO PNG">
+            <a:extLst>
+              <a:ext uri="{FF2B5EF4-FFF2-40B4-BE49-F238E27FC236}">
+                <a16:creationId xmlns:a16="http://schemas.microsoft.com/office/drawing/2014/main" id="{7C31DA61-2BE8-4C07-ACCF-C1925FAC9E65}"/>
+              </a:ext>
+            </a:extLst>
+          </p:cNvPr>
+          <p:cNvPicPr>
+            <a:picLocks noChangeAspect="1" noChangeArrowheads="1"/>
+          </p:cNvPicPr>
+          <p:nvPr/>
+        </p:nvPicPr>
+        <p:blipFill>
+          <a:blip r:embed="rId2" cstate="print">
+            <a:extLst>
+              <a:ext uri="{28A0092B-C50C-407E-A947-70E740481C1C}">
+                <a14:useLocalDpi xmlns:a14="http://schemas.microsoft.com/office/drawing/2010/main" val="0"/>
+              </a:ext>
+            </a:extLst>
+          </a:blip>
+          <a:srcRect/>
+          <a:stretch>
+            <a:fillRect/>
+          </a:stretch>
+        </p:blipFill>
+        <p:spPr bwMode="auto">
+          <a:xfrm>
+            <a:off x="8100392" y="6237312"/>
+            <a:ext cx="928216" cy="544038"/>
+          </a:xfrm>
+          <a:prstGeom prst="rect">
+            <a:avLst/>
+          </a:prstGeom>
+          <a:noFill/>
+          <a:extLst>
+            <a:ext uri="{909E8E84-426E-40DD-AFC4-6F175D3DCCD1}">
+              <a14:hiddenFill xmlns:a14="http://schemas.microsoft.com/office/drawing/2010/main">
+                <a:solidFill>
+                  <a:srgbClr val="FFFFFF"/>
+                </a:solidFill>
+              </a14:hiddenFill>
+            </a:ext>
+          </a:extLst>
+        </p:spPr>
+      </p:pic>
+      <p:sp>
+        <p:nvSpPr>
+          <p:cNvPr id="7" name="Retângulo 6"/>
+          <p:cNvSpPr/>
+          <p:nvPr/>
+        </p:nvSpPr>
+        <p:spPr bwMode="auto">
+          <a:xfrm>
+            <a:off x="0" y="0"/>
+            <a:ext cx="251520" cy="6885384"/>
+          </a:xfrm>
+          <a:prstGeom prst="rect">
+            <a:avLst/>
+          </a:prstGeom>
+          <a:solidFill>
+            <a:schemeClr val="bg1"/>
+          </a:solidFill>
+          <a:ln w="9525" cap="flat" cmpd="sng" algn="ctr">
+            <a:solidFill>
+              <a:schemeClr val="bg1"/>
+            </a:solidFill>
+            <a:prstDash val="solid"/>
+            <a:round/>
+            <a:headEnd type="none" w="med" len="med"/>
+            <a:tailEnd type="none" w="med" len="med"/>
+          </a:ln>
+          <a:effectLst/>
+          <a:extLst/>
+        </p:spPr>
+        <p:txBody>
+          <a:bodyPr vert="horz" wrap="square" lIns="91440" tIns="45720" rIns="91440" bIns="45720" numCol="1" rtlCol="0" anchor="t" anchorCtr="0" compatLnSpc="1">
+            <a:prstTxWarp prst="textNoShape">
+              <a:avLst/>
+            </a:prstTxWarp>
+          </a:bodyPr>
+          <a:lstStyle/>
+          <a:p>
+            <a:pPr marL="0" marR="0" indent="0" algn="l" defTabSz="914400" rtl="0" eaLnBrk="0" fontAlgn="base" latinLnBrk="0" hangingPunct="0">
+              <a:lnSpc>
+                <a:spcPct val="100000"/>
+              </a:lnSpc>
+              <a:spcBef>
+                <a:spcPct val="0"/>
+              </a:spcBef>
+              <a:spcAft>
+                <a:spcPct val="0"/>
+              </a:spcAft>
+              <a:buClrTx/>
+              <a:buSzTx/>
+              <a:buFontTx/>
+              <a:buNone/>
+              <a:tabLst/>
+            </a:pPr>
+            <a:endParaRPr kumimoji="0" lang="pt-BR" sz="1800" b="0" i="0" u="none" strike="noStrike" cap="none" normalizeH="0" baseline="0">
+              <a:ln>
+                <a:noFill/>
+              </a:ln>
+              <a:solidFill>
+                <a:schemeClr val="tx1"/>
+              </a:solidFill>
+              <a:effectLst/>
+              <a:latin typeface="Arial" charset="0"/>
+            </a:endParaRPr>
+          </a:p>
+        </p:txBody>
+      </p:sp>
+      <p:pic>
+        <p:nvPicPr>
+          <p:cNvPr id="2" name="Imagem 1"/>
+          <p:cNvPicPr>
+            <a:picLocks noChangeAspect="1"/>
+          </p:cNvPicPr>
+          <p:nvPr/>
+        </p:nvPicPr>
+        <p:blipFill rotWithShape="1">
+          <a:blip r:embed="rId3"/>
+          <a:srcRect b="7160"/>
+          <a:stretch/>
+        </p:blipFill>
+        <p:spPr>
+          <a:xfrm>
+            <a:off x="-1" y="0"/>
+            <a:ext cx="9186043" cy="4797152"/>
+          </a:xfrm>
+          <a:prstGeom prst="rect">
+            <a:avLst/>
+          </a:prstGeom>
+        </p:spPr>
+      </p:pic>
+    </p:spTree>
+    <p:extLst>
+      <p:ext uri="{BB962C8B-B14F-4D97-AF65-F5344CB8AC3E}">
+        <p14:creationId xmlns:p14="http://schemas.microsoft.com/office/powerpoint/2010/main" val="3066578396"/>
+      </p:ext>
+    </p:extLst>
+  </p:cSld>
+  <p:clrMapOvr>
+    <a:masterClrMapping/>
+  </p:clrMapOvr>
+  <p:transition spd="med">
+    <p:fade/>
+  </p:transition>
+</p:sld>
+</file>
+
+<file path=ppt/slides/slide18.xml><?xml version="1.0" encoding="utf-8"?>
+<p:sld xmlns:a="http://schemas.openxmlformats.org/drawingml/2006/main" xmlns:r="http://schemas.openxmlformats.org/officeDocument/2006/relationships" xmlns:p="http://schemas.openxmlformats.org/presentationml/2006/main">
+  <p:cSld>
+    <p:spTree>
+      <p:nvGrpSpPr>
+        <p:cNvPr id="1" name=""/>
+        <p:cNvGrpSpPr/>
+        <p:nvPr/>
+      </p:nvGrpSpPr>
+      <p:grpSpPr>
+        <a:xfrm>
+          <a:off x="0" y="0"/>
+          <a:ext cx="0" cy="0"/>
+          <a:chOff x="0" y="0"/>
+          <a:chExt cx="0" cy="0"/>
+        </a:xfrm>
+      </p:grpSpPr>
+      <p:pic>
+        <p:nvPicPr>
+          <p:cNvPr id="5" name="Picture 2" descr="Resultado de imagem para SENAC LOGO PNG">
+            <a:extLst>
+              <a:ext uri="{FF2B5EF4-FFF2-40B4-BE49-F238E27FC236}">
+                <a16:creationId xmlns:a16="http://schemas.microsoft.com/office/drawing/2014/main" id="{7C31DA61-2BE8-4C07-ACCF-C1925FAC9E65}"/>
+              </a:ext>
+            </a:extLst>
+          </p:cNvPr>
+          <p:cNvPicPr>
+            <a:picLocks noChangeAspect="1" noChangeArrowheads="1"/>
+          </p:cNvPicPr>
+          <p:nvPr/>
+        </p:nvPicPr>
+        <p:blipFill>
+          <a:blip r:embed="rId2" cstate="print">
+            <a:extLst>
+              <a:ext uri="{28A0092B-C50C-407E-A947-70E740481C1C}">
+                <a14:useLocalDpi xmlns:a14="http://schemas.microsoft.com/office/drawing/2010/main" val="0"/>
+              </a:ext>
+            </a:extLst>
+          </a:blip>
+          <a:srcRect/>
+          <a:stretch>
+            <a:fillRect/>
+          </a:stretch>
+        </p:blipFill>
+        <p:spPr bwMode="auto">
+          <a:xfrm>
+            <a:off x="8100392" y="6237312"/>
+            <a:ext cx="928216" cy="544038"/>
+          </a:xfrm>
+          <a:prstGeom prst="rect">
+            <a:avLst/>
+          </a:prstGeom>
+          <a:noFill/>
+          <a:extLst>
+            <a:ext uri="{909E8E84-426E-40DD-AFC4-6F175D3DCCD1}">
+              <a14:hiddenFill xmlns:a14="http://schemas.microsoft.com/office/drawing/2010/main">
+                <a:solidFill>
+                  <a:srgbClr val="FFFFFF"/>
+                </a:solidFill>
+              </a14:hiddenFill>
+            </a:ext>
+          </a:extLst>
+        </p:spPr>
+      </p:pic>
+      <p:sp>
+        <p:nvSpPr>
+          <p:cNvPr id="6" name="Retângulo 5"/>
+          <p:cNvSpPr/>
+          <p:nvPr/>
+        </p:nvSpPr>
+        <p:spPr bwMode="auto">
+          <a:xfrm>
+            <a:off x="0" y="0"/>
+            <a:ext cx="251520" cy="6885384"/>
+          </a:xfrm>
+          <a:prstGeom prst="rect">
+            <a:avLst/>
+          </a:prstGeom>
+          <a:solidFill>
+            <a:schemeClr val="bg1"/>
+          </a:solidFill>
+          <a:ln w="9525" cap="flat" cmpd="sng" algn="ctr">
+            <a:solidFill>
+              <a:schemeClr val="bg1"/>
+            </a:solidFill>
+            <a:prstDash val="solid"/>
+            <a:round/>
+            <a:headEnd type="none" w="med" len="med"/>
+            <a:tailEnd type="none" w="med" len="med"/>
+          </a:ln>
+          <a:effectLst/>
+          <a:extLst/>
+        </p:spPr>
+        <p:txBody>
+          <a:bodyPr vert="horz" wrap="square" lIns="91440" tIns="45720" rIns="91440" bIns="45720" numCol="1" rtlCol="0" anchor="t" anchorCtr="0" compatLnSpc="1">
+            <a:prstTxWarp prst="textNoShape">
+              <a:avLst/>
+            </a:prstTxWarp>
+          </a:bodyPr>
+          <a:lstStyle/>
+          <a:p>
+            <a:pPr marL="0" marR="0" indent="0" algn="l" defTabSz="914400" rtl="0" eaLnBrk="0" fontAlgn="base" latinLnBrk="0" hangingPunct="0">
+              <a:lnSpc>
+                <a:spcPct val="100000"/>
+              </a:lnSpc>
+              <a:spcBef>
+                <a:spcPct val="0"/>
+              </a:spcBef>
+              <a:spcAft>
+                <a:spcPct val="0"/>
+              </a:spcAft>
+              <a:buClrTx/>
+              <a:buSzTx/>
+              <a:buFontTx/>
+              <a:buNone/>
+              <a:tabLst/>
+            </a:pPr>
+            <a:endParaRPr kumimoji="0" lang="pt-BR" sz="1800" b="0" i="0" u="none" strike="noStrike" cap="none" normalizeH="0" baseline="0">
+              <a:ln>
+                <a:noFill/>
+              </a:ln>
+              <a:solidFill>
+                <a:schemeClr val="tx1"/>
+              </a:solidFill>
+              <a:effectLst/>
+              <a:latin typeface="Arial" charset="0"/>
+            </a:endParaRPr>
+          </a:p>
+        </p:txBody>
+      </p:sp>
+      <p:pic>
+        <p:nvPicPr>
+          <p:cNvPr id="2" name="Imagem 1"/>
+          <p:cNvPicPr>
+            <a:picLocks noChangeAspect="1"/>
+          </p:cNvPicPr>
+          <p:nvPr/>
+        </p:nvPicPr>
+        <p:blipFill rotWithShape="1">
+          <a:blip r:embed="rId3"/>
+          <a:srcRect b="6321"/>
+          <a:stretch/>
+        </p:blipFill>
+        <p:spPr>
+          <a:xfrm>
+            <a:off x="0" y="4477"/>
+            <a:ext cx="9153729" cy="4823527"/>
+          </a:xfrm>
+          <a:prstGeom prst="rect">
+            <a:avLst/>
+          </a:prstGeom>
+        </p:spPr>
+      </p:pic>
+    </p:spTree>
+    <p:extLst>
+      <p:ext uri="{BB962C8B-B14F-4D97-AF65-F5344CB8AC3E}">
+        <p14:creationId xmlns:p14="http://schemas.microsoft.com/office/powerpoint/2010/main" val="3120090733"/>
+      </p:ext>
+    </p:extLst>
+  </p:cSld>
+  <p:clrMapOvr>
+    <a:masterClrMapping/>
+  </p:clrMapOvr>
+  <p:transition spd="med">
+    <p:fade/>
+  </p:transition>
+</p:sld>
+</file>
+
+<file path=ppt/slides/slide19.xml><?xml version="1.0" encoding="utf-8"?>
+<p:sld xmlns:a="http://schemas.openxmlformats.org/drawingml/2006/main" xmlns:r="http://schemas.openxmlformats.org/officeDocument/2006/relationships" xmlns:p="http://schemas.openxmlformats.org/presentationml/2006/main">
+  <p:cSld>
+    <p:spTree>
+      <p:nvGrpSpPr>
+        <p:cNvPr id="1" name=""/>
+        <p:cNvGrpSpPr/>
+        <p:nvPr/>
+      </p:nvGrpSpPr>
+      <p:grpSpPr>
+        <a:xfrm>
+          <a:off x="0" y="0"/>
+          <a:ext cx="0" cy="0"/>
+          <a:chOff x="0" y="0"/>
+          <a:chExt cx="0" cy="0"/>
+        </a:xfrm>
+      </p:grpSpPr>
+      <p:pic>
+        <p:nvPicPr>
+          <p:cNvPr id="5" name="Picture 2" descr="Resultado de imagem para SENAC LOGO PNG">
+            <a:extLst>
+              <a:ext uri="{FF2B5EF4-FFF2-40B4-BE49-F238E27FC236}">
+                <a16:creationId xmlns:a16="http://schemas.microsoft.com/office/drawing/2014/main" id="{7C31DA61-2BE8-4C07-ACCF-C1925FAC9E65}"/>
+              </a:ext>
+            </a:extLst>
+          </p:cNvPr>
+          <p:cNvPicPr>
+            <a:picLocks noChangeAspect="1" noChangeArrowheads="1"/>
+          </p:cNvPicPr>
+          <p:nvPr/>
+        </p:nvPicPr>
+        <p:blipFill>
+          <a:blip r:embed="rId2" cstate="print">
+            <a:extLst>
+              <a:ext uri="{28A0092B-C50C-407E-A947-70E740481C1C}">
+                <a14:useLocalDpi xmlns:a14="http://schemas.microsoft.com/office/drawing/2010/main" val="0"/>
+              </a:ext>
+            </a:extLst>
+          </a:blip>
+          <a:srcRect/>
+          <a:stretch>
+            <a:fillRect/>
+          </a:stretch>
+        </p:blipFill>
+        <p:spPr bwMode="auto">
+          <a:xfrm>
+            <a:off x="8100392" y="6237312"/>
+            <a:ext cx="928216" cy="544038"/>
+          </a:xfrm>
+          <a:prstGeom prst="rect">
+            <a:avLst/>
+          </a:prstGeom>
+          <a:noFill/>
+          <a:extLst>
+            <a:ext uri="{909E8E84-426E-40DD-AFC4-6F175D3DCCD1}">
+              <a14:hiddenFill xmlns:a14="http://schemas.microsoft.com/office/drawing/2010/main">
+                <a:solidFill>
+                  <a:srgbClr val="FFFFFF"/>
+                </a:solidFill>
+              </a14:hiddenFill>
+            </a:ext>
+          </a:extLst>
+        </p:spPr>
+      </p:pic>
+      <p:sp>
+        <p:nvSpPr>
+          <p:cNvPr id="4" name="Retângulo 3"/>
+          <p:cNvSpPr/>
+          <p:nvPr/>
+        </p:nvSpPr>
+        <p:spPr bwMode="auto">
+          <a:xfrm>
+            <a:off x="0" y="0"/>
+            <a:ext cx="251520" cy="6885384"/>
+          </a:xfrm>
+          <a:prstGeom prst="rect">
+            <a:avLst/>
+          </a:prstGeom>
+          <a:solidFill>
+            <a:schemeClr val="bg1"/>
+          </a:solidFill>
+          <a:ln w="9525" cap="flat" cmpd="sng" algn="ctr">
+            <a:solidFill>
+              <a:schemeClr val="bg1"/>
+            </a:solidFill>
+            <a:prstDash val="solid"/>
+            <a:round/>
+            <a:headEnd type="none" w="med" len="med"/>
+            <a:tailEnd type="none" w="med" len="med"/>
+          </a:ln>
+          <a:effectLst/>
+          <a:extLst/>
+        </p:spPr>
+        <p:txBody>
+          <a:bodyPr vert="horz" wrap="square" lIns="91440" tIns="45720" rIns="91440" bIns="45720" numCol="1" rtlCol="0" anchor="t" anchorCtr="0" compatLnSpc="1">
+            <a:prstTxWarp prst="textNoShape">
+              <a:avLst/>
+            </a:prstTxWarp>
+          </a:bodyPr>
+          <a:lstStyle/>
+          <a:p>
+            <a:pPr marL="0" marR="0" indent="0" algn="l" defTabSz="914400" rtl="0" eaLnBrk="0" fontAlgn="base" latinLnBrk="0" hangingPunct="0">
+              <a:lnSpc>
+                <a:spcPct val="100000"/>
+              </a:lnSpc>
+              <a:spcBef>
+                <a:spcPct val="0"/>
+              </a:spcBef>
+              <a:spcAft>
+                <a:spcPct val="0"/>
+              </a:spcAft>
+              <a:buClrTx/>
+              <a:buSzTx/>
+              <a:buFontTx/>
+              <a:buNone/>
+              <a:tabLst/>
+            </a:pPr>
+            <a:endParaRPr kumimoji="0" lang="pt-BR" sz="1800" b="0" i="0" u="none" strike="noStrike" cap="none" normalizeH="0" baseline="0">
+              <a:ln>
+                <a:noFill/>
+              </a:ln>
+              <a:solidFill>
+                <a:schemeClr val="tx1"/>
+              </a:solidFill>
+              <a:effectLst/>
+              <a:latin typeface="Arial" charset="0"/>
+            </a:endParaRPr>
+          </a:p>
+        </p:txBody>
+      </p:sp>
+      <p:pic>
+        <p:nvPicPr>
+          <p:cNvPr id="2" name="Imagem 1"/>
+          <p:cNvPicPr>
+            <a:picLocks noChangeAspect="1"/>
+          </p:cNvPicPr>
+          <p:nvPr/>
+        </p:nvPicPr>
+        <p:blipFill rotWithShape="1">
+          <a:blip r:embed="rId3"/>
+          <a:srcRect b="6321"/>
+          <a:stretch/>
+        </p:blipFill>
+        <p:spPr>
+          <a:xfrm>
+            <a:off x="1" y="-1"/>
+            <a:ext cx="9180512" cy="4837640"/>
+          </a:xfrm>
+          <a:prstGeom prst="rect">
+            <a:avLst/>
+          </a:prstGeom>
+        </p:spPr>
+      </p:pic>
+    </p:spTree>
+    <p:extLst>
+      <p:ext uri="{BB962C8B-B14F-4D97-AF65-F5344CB8AC3E}">
+        <p14:creationId xmlns:p14="http://schemas.microsoft.com/office/powerpoint/2010/main" val="3268836551"/>
+      </p:ext>
+    </p:extLst>
+  </p:cSld>
+  <p:clrMapOvr>
+    <a:masterClrMapping/>
+  </p:clrMapOvr>
+  <p:transition spd="med">
+    <p:fade/>
+  </p:transition>
+</p:sld>
+</file>
+
+<file path=ppt/slides/slide2.xml><?xml version="1.0" encoding="utf-8"?>
+<p:sld xmlns:a="http://schemas.openxmlformats.org/drawingml/2006/main" xmlns:r="http://schemas.openxmlformats.org/officeDocument/2006/relationships" xmlns:p="http://schemas.openxmlformats.org/presentationml/2006/main">
+  <p:cSld>
+    <p:spTree>
+      <p:nvGrpSpPr>
+        <p:cNvPr id="1" name=""/>
+        <p:cNvGrpSpPr/>
+        <p:nvPr/>
+      </p:nvGrpSpPr>
+      <p:grpSpPr>
+        <a:xfrm>
+          <a:off x="0" y="0"/>
+          <a:ext cx="0" cy="0"/>
+          <a:chOff x="0" y="0"/>
+          <a:chExt cx="0" cy="0"/>
+        </a:xfrm>
+      </p:grpSpPr>
+      <p:sp>
+        <p:nvSpPr>
+          <p:cNvPr id="18434" name="Rectangle 2"/>
+          <p:cNvSpPr>
+            <a:spLocks noGrp="1" noChangeArrowheads="1"/>
+          </p:cNvSpPr>
+          <p:nvPr>
+            <p:ph type="title"/>
+          </p:nvPr>
+        </p:nvSpPr>
+        <p:spPr/>
+        <p:txBody>
+          <a:bodyPr/>
+          <a:lstStyle/>
+          <a:p>
+            <a:r>
+              <a:rPr lang="pt-BR" dirty="0"/>
+              <a:t>SOBRE O PROJETO</a:t>
+            </a:r>
+          </a:p>
+        </p:txBody>
+      </p:sp>
+      <p:sp>
+        <p:nvSpPr>
+          <p:cNvPr id="18435" name="Rectangle 3"/>
+          <p:cNvSpPr>
+            <a:spLocks noGrp="1" noChangeArrowheads="1"/>
+          </p:cNvSpPr>
+          <p:nvPr>
+            <p:ph type="body" idx="1"/>
+          </p:nvPr>
+        </p:nvSpPr>
+        <p:spPr/>
+        <p:txBody>
+          <a:bodyPr/>
+          <a:lstStyle/>
+          <a:p>
+            <a:pPr marL="0" indent="0">
+              <a:buNone/>
+            </a:pPr>
+            <a:r>
+              <a:rPr lang="pt-BR" b="1" dirty="0"/>
+              <a:t>OBJETIVO</a:t>
+            </a:r>
+          </a:p>
+          <a:p>
+            <a:endParaRPr lang="pt-BR" dirty="0"/>
+          </a:p>
+          <a:p>
+            <a:r>
+              <a:rPr lang="pt-BR" dirty="0"/>
+              <a:t>FACILITAR E SISTEMATIZAR AS VENDAS DO BAZAR</a:t>
+            </a:r>
+          </a:p>
+          <a:p>
+            <a:endParaRPr lang="pt-BR" dirty="0"/>
+          </a:p>
+          <a:p>
+            <a:r>
+              <a:rPr lang="pt-BR" dirty="0"/>
+              <a:t>CONTABILIZAR RENDIMENTOS E ENTRADA DE DOAÇÕES</a:t>
+            </a:r>
+          </a:p>
+          <a:p>
+            <a:endParaRPr lang="pt-BR" dirty="0"/>
+          </a:p>
+          <a:p>
+            <a:r>
+              <a:rPr lang="pt-BR" dirty="0"/>
+              <a:t>INFORMAR O QUE FOI MAIS VENDIDO</a:t>
+            </a:r>
+          </a:p>
+          <a:p>
+            <a:endParaRPr lang="pt-BR" dirty="0"/>
+          </a:p>
+        </p:txBody>
+      </p:sp>
+      <p:pic>
+        <p:nvPicPr>
+          <p:cNvPr id="4" name="Picture 2" descr="Resultado de imagem para SENAC LOGO PNG">
+            <a:extLst>
+              <a:ext uri="{FF2B5EF4-FFF2-40B4-BE49-F238E27FC236}">
+                <a16:creationId xmlns:a16="http://schemas.microsoft.com/office/drawing/2014/main" id="{BE9FCA3B-9D43-4489-BB1F-1C6D1AFAAD2E}"/>
+              </a:ext>
+            </a:extLst>
+          </p:cNvPr>
+          <p:cNvPicPr>
+            <a:picLocks noChangeAspect="1" noChangeArrowheads="1"/>
+          </p:cNvPicPr>
+          <p:nvPr/>
+        </p:nvPicPr>
+        <p:blipFill>
+          <a:blip r:embed="rId2" cstate="print">
+            <a:extLst>
+              <a:ext uri="{28A0092B-C50C-407E-A947-70E740481C1C}">
+                <a14:useLocalDpi xmlns:a14="http://schemas.microsoft.com/office/drawing/2010/main" val="0"/>
+              </a:ext>
+            </a:extLst>
+          </a:blip>
+          <a:srcRect/>
+          <a:stretch>
+            <a:fillRect/>
+          </a:stretch>
+        </p:blipFill>
+        <p:spPr bwMode="auto">
+          <a:xfrm>
+            <a:off x="8100392" y="6237312"/>
+            <a:ext cx="928216" cy="544038"/>
+          </a:xfrm>
+          <a:prstGeom prst="rect">
+            <a:avLst/>
+          </a:prstGeom>
+          <a:noFill/>
+          <a:extLst>
+            <a:ext uri="{909E8E84-426E-40DD-AFC4-6F175D3DCCD1}">
+              <a14:hiddenFill xmlns:a14="http://schemas.microsoft.com/office/drawing/2010/main">
+                <a:solidFill>
+                  <a:srgbClr val="FFFFFF"/>
+                </a:solidFill>
+              </a14:hiddenFill>
+            </a:ext>
+          </a:extLst>
+        </p:spPr>
+      </p:pic>
+    </p:spTree>
+  </p:cSld>
+  <p:clrMapOvr>
+    <a:masterClrMapping/>
+  </p:clrMapOvr>
+  <p:transition spd="med">
+    <p:fade/>
+  </p:transition>
+</p:sld>
+</file>
+
+<file path=ppt/slides/slide20.xml><?xml version="1.0" encoding="utf-8"?>
+<p:sld xmlns:a="http://schemas.openxmlformats.org/drawingml/2006/main" xmlns:r="http://schemas.openxmlformats.org/officeDocument/2006/relationships" xmlns:p="http://schemas.openxmlformats.org/presentationml/2006/main">
+  <p:cSld>
+    <p:spTree>
+      <p:nvGrpSpPr>
+        <p:cNvPr id="1" name=""/>
+        <p:cNvGrpSpPr/>
+        <p:nvPr/>
+      </p:nvGrpSpPr>
+      <p:grpSpPr>
+        <a:xfrm>
+          <a:off x="0" y="0"/>
+          <a:ext cx="0" cy="0"/>
+          <a:chOff x="0" y="0"/>
+          <a:chExt cx="0" cy="0"/>
+        </a:xfrm>
+      </p:grpSpPr>
+      <p:pic>
+        <p:nvPicPr>
+          <p:cNvPr id="5" name="Picture 2" descr="Resultado de imagem para SENAC LOGO PNG">
+            <a:extLst>
+              <a:ext uri="{FF2B5EF4-FFF2-40B4-BE49-F238E27FC236}">
+                <a16:creationId xmlns:a16="http://schemas.microsoft.com/office/drawing/2014/main" id="{7C31DA61-2BE8-4C07-ACCF-C1925FAC9E65}"/>
+              </a:ext>
+            </a:extLst>
+          </p:cNvPr>
+          <p:cNvPicPr>
+            <a:picLocks noChangeAspect="1" noChangeArrowheads="1"/>
+          </p:cNvPicPr>
+          <p:nvPr/>
+        </p:nvPicPr>
+        <p:blipFill>
+          <a:blip r:embed="rId2" cstate="print">
+            <a:extLst>
+              <a:ext uri="{28A0092B-C50C-407E-A947-70E740481C1C}">
+                <a14:useLocalDpi xmlns:a14="http://schemas.microsoft.com/office/drawing/2010/main" val="0"/>
+              </a:ext>
+            </a:extLst>
+          </a:blip>
+          <a:srcRect/>
+          <a:stretch>
+            <a:fillRect/>
+          </a:stretch>
+        </p:blipFill>
+        <p:spPr bwMode="auto">
+          <a:xfrm>
+            <a:off x="8100392" y="6237312"/>
+            <a:ext cx="928216" cy="544038"/>
+          </a:xfrm>
+          <a:prstGeom prst="rect">
+            <a:avLst/>
+          </a:prstGeom>
+          <a:noFill/>
+          <a:extLst>
+            <a:ext uri="{909E8E84-426E-40DD-AFC4-6F175D3DCCD1}">
+              <a14:hiddenFill xmlns:a14="http://schemas.microsoft.com/office/drawing/2010/main">
+                <a:solidFill>
+                  <a:srgbClr val="FFFFFF"/>
+                </a:solidFill>
+              </a14:hiddenFill>
+            </a:ext>
+          </a:extLst>
+        </p:spPr>
+      </p:pic>
+      <p:sp>
+        <p:nvSpPr>
+          <p:cNvPr id="4" name="Retângulo 3"/>
+          <p:cNvSpPr/>
+          <p:nvPr/>
+        </p:nvSpPr>
+        <p:spPr bwMode="auto">
+          <a:xfrm>
+            <a:off x="-32930" y="0"/>
+            <a:ext cx="500474" cy="6858000"/>
+          </a:xfrm>
+          <a:prstGeom prst="rect">
+            <a:avLst/>
+          </a:prstGeom>
+          <a:solidFill>
+            <a:schemeClr val="bg1"/>
+          </a:solidFill>
+          <a:ln w="9525" cap="flat" cmpd="sng" algn="ctr">
+            <a:solidFill>
+              <a:schemeClr val="bg1"/>
+            </a:solidFill>
+            <a:prstDash val="solid"/>
+            <a:round/>
+            <a:headEnd type="none" w="med" len="med"/>
+            <a:tailEnd type="none" w="med" len="med"/>
+          </a:ln>
+          <a:effectLst/>
+          <a:extLst/>
+        </p:spPr>
+        <p:txBody>
+          <a:bodyPr vert="horz" wrap="square" lIns="91440" tIns="45720" rIns="91440" bIns="45720" numCol="1" rtlCol="0" anchor="t" anchorCtr="0" compatLnSpc="1">
+            <a:prstTxWarp prst="textNoShape">
+              <a:avLst/>
+            </a:prstTxWarp>
+          </a:bodyPr>
+          <a:lstStyle/>
+          <a:p>
+            <a:pPr marL="0" marR="0" indent="0" algn="l" defTabSz="914400" rtl="0" eaLnBrk="0" fontAlgn="base" latinLnBrk="0" hangingPunct="0">
+              <a:lnSpc>
+                <a:spcPct val="100000"/>
+              </a:lnSpc>
+              <a:spcBef>
+                <a:spcPct val="0"/>
+              </a:spcBef>
+              <a:spcAft>
+                <a:spcPct val="0"/>
+              </a:spcAft>
+              <a:buClrTx/>
+              <a:buSzTx/>
+              <a:buFontTx/>
+              <a:buNone/>
+              <a:tabLst/>
+            </a:pPr>
+            <a:endParaRPr kumimoji="0" lang="pt-BR" sz="1800" b="0" i="0" u="none" strike="noStrike" cap="none" normalizeH="0" baseline="0">
+              <a:ln>
+                <a:noFill/>
+              </a:ln>
+              <a:solidFill>
+                <a:schemeClr val="tx1"/>
+              </a:solidFill>
+              <a:effectLst/>
+              <a:latin typeface="Arial" charset="0"/>
+            </a:endParaRPr>
+          </a:p>
+        </p:txBody>
+      </p:sp>
+      <p:pic>
+        <p:nvPicPr>
+          <p:cNvPr id="2" name="Imagem 1"/>
+          <p:cNvPicPr>
+            <a:picLocks noChangeAspect="1"/>
+          </p:cNvPicPr>
+          <p:nvPr/>
+        </p:nvPicPr>
+        <p:blipFill rotWithShape="1">
+          <a:blip r:embed="rId3"/>
+          <a:srcRect b="7160"/>
+          <a:stretch/>
+        </p:blipFill>
+        <p:spPr>
+          <a:xfrm>
+            <a:off x="-32930" y="0"/>
+            <a:ext cx="9176930" cy="4792391"/>
+          </a:xfrm>
+          <a:prstGeom prst="rect">
+            <a:avLst/>
+          </a:prstGeom>
+        </p:spPr>
+      </p:pic>
+    </p:spTree>
+    <p:extLst>
+      <p:ext uri="{BB962C8B-B14F-4D97-AF65-F5344CB8AC3E}">
+        <p14:creationId xmlns:p14="http://schemas.microsoft.com/office/powerpoint/2010/main" val="932243358"/>
+      </p:ext>
+    </p:extLst>
+  </p:cSld>
+  <p:clrMapOvr>
+    <a:masterClrMapping/>
+  </p:clrMapOvr>
+  <p:transition spd="med">
+    <p:fade/>
+  </p:transition>
+</p:sld>
+</file>
+
+<file path=ppt/slides/slide3.xml><?xml version="1.0" encoding="utf-8"?>
+<p:sld xmlns:a="http://schemas.openxmlformats.org/drawingml/2006/main" xmlns:r="http://schemas.openxmlformats.org/officeDocument/2006/relationships" xmlns:p="http://schemas.openxmlformats.org/presentationml/2006/main">
+  <p:cSld>
+    <p:spTree>
+      <p:nvGrpSpPr>
+        <p:cNvPr id="1" name=""/>
+        <p:cNvGrpSpPr/>
+        <p:nvPr/>
+      </p:nvGrpSpPr>
+      <p:grpSpPr>
+        <a:xfrm>
+          <a:off x="0" y="0"/>
+          <a:ext cx="0" cy="0"/>
+          <a:chOff x="0" y="0"/>
+          <a:chExt cx="0" cy="0"/>
+        </a:xfrm>
+      </p:grpSpPr>
+      <p:sp>
+        <p:nvSpPr>
+          <p:cNvPr id="2050" name="Rectangle 2"/>
+          <p:cNvSpPr>
+            <a:spLocks noGrp="1" noChangeArrowheads="1"/>
+          </p:cNvSpPr>
+          <p:nvPr>
+            <p:ph type="ctrTitle"/>
+          </p:nvPr>
+        </p:nvSpPr>
+        <p:spPr/>
+        <p:txBody>
+          <a:bodyPr/>
+          <a:lstStyle/>
+          <a:p>
+            <a:r>
+              <a:rPr lang="pt-BR" dirty="0"/>
+              <a:t>PROJETO INTEGRADOR</a:t>
+            </a:r>
+          </a:p>
+        </p:txBody>
+      </p:sp>
+      <p:sp>
+        <p:nvSpPr>
+          <p:cNvPr id="2051" name="Rectangle 3"/>
+          <p:cNvSpPr>
+            <a:spLocks noGrp="1" noChangeArrowheads="1"/>
+          </p:cNvSpPr>
+          <p:nvPr>
+            <p:ph type="subTitle" idx="1"/>
+          </p:nvPr>
+        </p:nvSpPr>
+        <p:spPr/>
+        <p:txBody>
+          <a:bodyPr/>
+          <a:lstStyle/>
+          <a:p>
+            <a:r>
+              <a:rPr lang="pt-BR" b="1" dirty="0"/>
+              <a:t>ALUNOS</a:t>
+            </a:r>
+          </a:p>
+          <a:p>
+            <a:r>
+              <a:rPr lang="pt-BR" sz="2800" b="1" dirty="0"/>
+              <a:t>ALICE, ANDRÉ, NATÁLIA E YAN</a:t>
+            </a:r>
+          </a:p>
+          <a:p>
+            <a:endParaRPr lang="pt-BR" sz="2800" b="1" dirty="0"/>
+          </a:p>
+          <a:p>
+            <a:r>
+              <a:rPr lang="pt-BR" b="1" dirty="0"/>
+              <a:t>PROFESSORES</a:t>
+            </a:r>
+          </a:p>
+          <a:p>
+            <a:r>
+              <a:rPr lang="pt-BR" sz="2800" b="1" dirty="0"/>
+              <a:t>ELDES, RODRIGO E SALMO</a:t>
+            </a:r>
+            <a:endParaRPr lang="pt-BR" sz="2800" dirty="0"/>
+          </a:p>
+        </p:txBody>
+      </p:sp>
+      <p:pic>
+        <p:nvPicPr>
+          <p:cNvPr id="1026" name="Picture 2" descr="Resultado de imagem para SENAC LOGO PNG">
+            <a:extLst>
+              <a:ext uri="{FF2B5EF4-FFF2-40B4-BE49-F238E27FC236}">
+                <a16:creationId xmlns:a16="http://schemas.microsoft.com/office/drawing/2014/main" id="{8C6E2A77-5B82-4F7F-8C0E-AD4D699CB5FF}"/>
+              </a:ext>
+            </a:extLst>
+          </p:cNvPr>
+          <p:cNvPicPr>
+            <a:picLocks noChangeAspect="1" noChangeArrowheads="1"/>
+          </p:cNvPicPr>
+          <p:nvPr/>
+        </p:nvPicPr>
+        <p:blipFill>
+          <a:blip r:embed="rId3" cstate="print">
+            <a:extLst>
+              <a:ext uri="{28A0092B-C50C-407E-A947-70E740481C1C}">
+                <a14:useLocalDpi xmlns:a14="http://schemas.microsoft.com/office/drawing/2010/main" val="0"/>
+              </a:ext>
+            </a:extLst>
+          </a:blip>
+          <a:srcRect/>
+          <a:stretch>
+            <a:fillRect/>
+          </a:stretch>
+        </p:blipFill>
+        <p:spPr bwMode="auto">
+          <a:xfrm>
+            <a:off x="7596336" y="5923571"/>
+            <a:ext cx="1365080" cy="800090"/>
+          </a:xfrm>
+          <a:prstGeom prst="rect">
+            <a:avLst/>
+          </a:prstGeom>
+          <a:noFill/>
+          <a:extLst>
+            <a:ext uri="{909E8E84-426E-40DD-AFC4-6F175D3DCCD1}">
+              <a14:hiddenFill xmlns:a14="http://schemas.microsoft.com/office/drawing/2010/main">
+                <a:solidFill>
+                  <a:srgbClr val="FFFFFF"/>
+                </a:solidFill>
+              </a14:hiddenFill>
+            </a:ext>
+          </a:extLst>
+        </p:spPr>
+      </p:pic>
+      <p:pic>
+        <p:nvPicPr>
+          <p:cNvPr id="3" name="Imagem 2">
+            <a:extLst>
+              <a:ext uri="{FF2B5EF4-FFF2-40B4-BE49-F238E27FC236}">
+                <a16:creationId xmlns:a16="http://schemas.microsoft.com/office/drawing/2014/main" id="{86B752F1-33E6-4FCC-9A1D-E4282A41C685}"/>
+              </a:ext>
+            </a:extLst>
+          </p:cNvPr>
+          <p:cNvPicPr>
+            <a:picLocks noChangeAspect="1"/>
+          </p:cNvPicPr>
+          <p:nvPr/>
+        </p:nvPicPr>
+        <p:blipFill>
+          <a:blip r:embed="rId4">
+            <a:extLst>
+              <a:ext uri="{28A0092B-C50C-407E-A947-70E740481C1C}">
+                <a14:useLocalDpi xmlns:a14="http://schemas.microsoft.com/office/drawing/2010/main" val="0"/>
+              </a:ext>
+            </a:extLst>
+          </a:blip>
+          <a:stretch>
+            <a:fillRect/>
+          </a:stretch>
+        </p:blipFill>
+        <p:spPr>
+          <a:xfrm>
+            <a:off x="183023" y="5923571"/>
+            <a:ext cx="2228106" cy="794892"/>
+          </a:xfrm>
+          <a:prstGeom prst="rect">
+            <a:avLst/>
+          </a:prstGeom>
+        </p:spPr>
+      </p:pic>
+    </p:spTree>
+    <p:extLst>
+      <p:ext uri="{BB962C8B-B14F-4D97-AF65-F5344CB8AC3E}">
+        <p14:creationId xmlns:p14="http://schemas.microsoft.com/office/powerpoint/2010/main" val="747050"/>
+      </p:ext>
+    </p:extLst>
+  </p:cSld>
+  <p:clrMapOvr>
+    <a:masterClrMapping/>
+  </p:clrMapOvr>
+  <p:transition spd="med">
+    <p:fade/>
+  </p:transition>
+</p:sld>
+</file>
+
+<file path=ppt/slides/slide4.xml><?xml version="1.0" encoding="utf-8"?>
+<p:sld xmlns:a="http://schemas.openxmlformats.org/drawingml/2006/main" xmlns:r="http://schemas.openxmlformats.org/officeDocument/2006/relationships" xmlns:p="http://schemas.openxmlformats.org/presentationml/2006/main">
+  <p:cSld>
+    <p:spTree>
+      <p:nvGrpSpPr>
+        <p:cNvPr id="1" name=""/>
+        <p:cNvGrpSpPr/>
+        <p:nvPr/>
+      </p:nvGrpSpPr>
+      <p:grpSpPr>
+        <a:xfrm>
+          <a:off x="0" y="0"/>
+          <a:ext cx="0" cy="0"/>
+          <a:chOff x="0" y="0"/>
+          <a:chExt cx="0" cy="0"/>
+        </a:xfrm>
+      </p:grpSpPr>
+      <p:sp>
+        <p:nvSpPr>
+          <p:cNvPr id="2050" name="Rectangle 2"/>
+          <p:cNvSpPr>
+            <a:spLocks noGrp="1" noChangeArrowheads="1"/>
+          </p:cNvSpPr>
+          <p:nvPr>
+            <p:ph type="ctrTitle"/>
+          </p:nvPr>
+        </p:nvSpPr>
+        <p:spPr/>
+        <p:txBody>
+          <a:bodyPr/>
+          <a:lstStyle/>
+          <a:p>
+            <a:r>
+              <a:rPr lang="pt-BR" dirty="0"/>
+              <a:t>TELAS DO USUÁRIO</a:t>
+            </a:r>
+          </a:p>
+        </p:txBody>
+      </p:sp>
+      <p:pic>
+        <p:nvPicPr>
+          <p:cNvPr id="6" name="Picture 2" descr="Resultado de imagem para SENAC LOGO PNG">
+            <a:extLst>
+              <a:ext uri="{FF2B5EF4-FFF2-40B4-BE49-F238E27FC236}">
+                <a16:creationId xmlns:a16="http://schemas.microsoft.com/office/drawing/2014/main" id="{8E0CD0C8-2CB4-4691-AD9B-732C161DBED7}"/>
+              </a:ext>
+            </a:extLst>
+          </p:cNvPr>
+          <p:cNvPicPr>
+            <a:picLocks noChangeAspect="1" noChangeArrowheads="1"/>
+          </p:cNvPicPr>
+          <p:nvPr/>
+        </p:nvPicPr>
+        <p:blipFill>
+          <a:blip r:embed="rId3" cstate="print">
+            <a:extLst>
+              <a:ext uri="{28A0092B-C50C-407E-A947-70E740481C1C}">
+                <a14:useLocalDpi xmlns:a14="http://schemas.microsoft.com/office/drawing/2010/main" val="0"/>
+              </a:ext>
+            </a:extLst>
+          </a:blip>
+          <a:srcRect/>
+          <a:stretch>
+            <a:fillRect/>
+          </a:stretch>
+        </p:blipFill>
+        <p:spPr bwMode="auto">
+          <a:xfrm>
+            <a:off x="8100392" y="6237312"/>
+            <a:ext cx="928216" cy="544038"/>
+          </a:xfrm>
+          <a:prstGeom prst="rect">
+            <a:avLst/>
+          </a:prstGeom>
+          <a:noFill/>
+          <a:extLst>
+            <a:ext uri="{909E8E84-426E-40DD-AFC4-6F175D3DCCD1}">
+              <a14:hiddenFill xmlns:a14="http://schemas.microsoft.com/office/drawing/2010/main">
+                <a:solidFill>
+                  <a:srgbClr val="FFFFFF"/>
+                </a:solidFill>
+              </a14:hiddenFill>
+            </a:ext>
+          </a:extLst>
+        </p:spPr>
+      </p:pic>
+    </p:spTree>
+    <p:extLst>
+      <p:ext uri="{BB962C8B-B14F-4D97-AF65-F5344CB8AC3E}">
+        <p14:creationId xmlns:p14="http://schemas.microsoft.com/office/powerpoint/2010/main" val="2998186356"/>
+      </p:ext>
+    </p:extLst>
+  </p:cSld>
+  <p:clrMapOvr>
+    <a:masterClrMapping/>
+  </p:clrMapOvr>
+  <p:transition spd="med">
+    <p:fade/>
+  </p:transition>
+</p:sld>
+</file>
+
+<file path=ppt/slides/slide5.xml><?xml version="1.0" encoding="utf-8"?>
+<p:sld xmlns:a="http://schemas.openxmlformats.org/drawingml/2006/main" xmlns:r="http://schemas.openxmlformats.org/officeDocument/2006/relationships" xmlns:p="http://schemas.openxmlformats.org/presentationml/2006/main">
+  <p:cSld>
+    <p:spTree>
+      <p:nvGrpSpPr>
+        <p:cNvPr id="1" name=""/>
+        <p:cNvGrpSpPr/>
+        <p:nvPr/>
+      </p:nvGrpSpPr>
+      <p:grpSpPr>
+        <a:xfrm>
+          <a:off x="0" y="0"/>
+          <a:ext cx="0" cy="0"/>
+          <a:chOff x="0" y="0"/>
+          <a:chExt cx="0" cy="0"/>
+        </a:xfrm>
+      </p:grpSpPr>
+      <p:sp>
+        <p:nvSpPr>
+          <p:cNvPr id="3" name="Retângulo 2"/>
+          <p:cNvSpPr/>
+          <p:nvPr/>
+        </p:nvSpPr>
+        <p:spPr bwMode="auto">
+          <a:xfrm>
+            <a:off x="0" y="0"/>
+            <a:ext cx="251520" cy="6885384"/>
+          </a:xfrm>
+          <a:prstGeom prst="rect">
+            <a:avLst/>
+          </a:prstGeom>
+          <a:solidFill>
+            <a:schemeClr val="bg1"/>
+          </a:solidFill>
+          <a:ln w="9525" cap="flat" cmpd="sng" algn="ctr">
+            <a:solidFill>
+              <a:schemeClr val="bg1"/>
+            </a:solidFill>
+            <a:prstDash val="solid"/>
+            <a:round/>
+            <a:headEnd type="none" w="med" len="med"/>
+            <a:tailEnd type="none" w="med" len="med"/>
+          </a:ln>
+          <a:effectLst/>
+          <a:extLst/>
+        </p:spPr>
+        <p:txBody>
+          <a:bodyPr vert="horz" wrap="square" lIns="91440" tIns="45720" rIns="91440" bIns="45720" numCol="1" rtlCol="0" anchor="t" anchorCtr="0" compatLnSpc="1">
+            <a:prstTxWarp prst="textNoShape">
+              <a:avLst/>
+            </a:prstTxWarp>
+          </a:bodyPr>
+          <a:lstStyle/>
+          <a:p>
+            <a:pPr marL="0" marR="0" indent="0" algn="l" defTabSz="914400" rtl="0" eaLnBrk="0" fontAlgn="base" latinLnBrk="0" hangingPunct="0">
+              <a:lnSpc>
+                <a:spcPct val="100000"/>
+              </a:lnSpc>
+              <a:spcBef>
+                <a:spcPct val="0"/>
+              </a:spcBef>
+              <a:spcAft>
+                <a:spcPct val="0"/>
+              </a:spcAft>
+              <a:buClrTx/>
+              <a:buSzTx/>
+              <a:buFontTx/>
+              <a:buNone/>
+              <a:tabLst/>
+            </a:pPr>
+            <a:endParaRPr kumimoji="0" lang="pt-BR" sz="1800" b="0" i="0" u="none" strike="noStrike" cap="none" normalizeH="0" baseline="0">
+              <a:ln>
+                <a:noFill/>
+              </a:ln>
+              <a:solidFill>
+                <a:schemeClr val="tx1"/>
+              </a:solidFill>
+              <a:effectLst/>
+              <a:latin typeface="Arial" charset="0"/>
+            </a:endParaRPr>
+          </a:p>
+        </p:txBody>
+      </p:sp>
+      <p:pic>
+        <p:nvPicPr>
+          <p:cNvPr id="9" name="Imagem 8">
+            <a:extLst>
+              <a:ext uri="{FF2B5EF4-FFF2-40B4-BE49-F238E27FC236}">
+                <a16:creationId xmlns:a16="http://schemas.microsoft.com/office/drawing/2014/main" id="{D8B093B2-F7B6-42EA-99D9-5213008E8554}"/>
+              </a:ext>
+            </a:extLst>
+          </p:cNvPr>
+          <p:cNvPicPr>
+            <a:picLocks noChangeAspect="1"/>
+          </p:cNvPicPr>
+          <p:nvPr/>
+        </p:nvPicPr>
+        <p:blipFill rotWithShape="1">
+          <a:blip r:embed="rId2">
+            <a:extLst>
+              <a:ext uri="{28A0092B-C50C-407E-A947-70E740481C1C}">
+                <a14:useLocalDpi xmlns:a14="http://schemas.microsoft.com/office/drawing/2010/main" val="0"/>
+              </a:ext>
+            </a:extLst>
+          </a:blip>
+          <a:srcRect t="1400"/>
+          <a:stretch/>
+        </p:blipFill>
+        <p:spPr>
+          <a:xfrm>
+            <a:off x="-2437538" y="0"/>
+            <a:ext cx="14107450" cy="6885384"/>
+          </a:xfrm>
+          <a:prstGeom prst="rect">
+            <a:avLst/>
+          </a:prstGeom>
+        </p:spPr>
+      </p:pic>
+    </p:spTree>
+    <p:extLst>
+      <p:ext uri="{BB962C8B-B14F-4D97-AF65-F5344CB8AC3E}">
+        <p14:creationId xmlns:p14="http://schemas.microsoft.com/office/powerpoint/2010/main" val="391730549"/>
+      </p:ext>
+    </p:extLst>
+  </p:cSld>
+  <p:clrMapOvr>
+    <a:masterClrMapping/>
+  </p:clrMapOvr>
+</p:sld>
+</file>
+
+<file path=ppt/slides/slide6.xml><?xml version="1.0" encoding="utf-8"?>
+<p:sld xmlns:a="http://schemas.openxmlformats.org/drawingml/2006/main" xmlns:r="http://schemas.openxmlformats.org/officeDocument/2006/relationships" xmlns:p="http://schemas.openxmlformats.org/presentationml/2006/main">
+  <p:cSld>
+    <p:spTree>
+      <p:nvGrpSpPr>
+        <p:cNvPr id="1" name=""/>
+        <p:cNvGrpSpPr/>
+        <p:nvPr/>
+      </p:nvGrpSpPr>
+      <p:grpSpPr>
+        <a:xfrm>
+          <a:off x="0" y="0"/>
+          <a:ext cx="0" cy="0"/>
+          <a:chOff x="0" y="0"/>
+          <a:chExt cx="0" cy="0"/>
+        </a:xfrm>
+      </p:grpSpPr>
+      <p:sp>
+        <p:nvSpPr>
+          <p:cNvPr id="3" name="Retângulo 2"/>
+          <p:cNvSpPr/>
+          <p:nvPr/>
+        </p:nvSpPr>
+        <p:spPr bwMode="auto">
+          <a:xfrm>
+            <a:off x="0" y="0"/>
+            <a:ext cx="251520" cy="6885384"/>
+          </a:xfrm>
+          <a:prstGeom prst="rect">
+            <a:avLst/>
+          </a:prstGeom>
+          <a:solidFill>
+            <a:schemeClr val="bg1"/>
+          </a:solidFill>
+          <a:ln w="9525" cap="flat" cmpd="sng" algn="ctr">
+            <a:solidFill>
+              <a:schemeClr val="bg1"/>
+            </a:solidFill>
+            <a:prstDash val="solid"/>
+            <a:round/>
+            <a:headEnd type="none" w="med" len="med"/>
+            <a:tailEnd type="none" w="med" len="med"/>
+          </a:ln>
+          <a:effectLst/>
+          <a:extLst/>
+        </p:spPr>
+        <p:txBody>
+          <a:bodyPr vert="horz" wrap="square" lIns="91440" tIns="45720" rIns="91440" bIns="45720" numCol="1" rtlCol="0" anchor="t" anchorCtr="0" compatLnSpc="1">
+            <a:prstTxWarp prst="textNoShape">
+              <a:avLst/>
+            </a:prstTxWarp>
+          </a:bodyPr>
+          <a:lstStyle/>
+          <a:p>
+            <a:pPr marL="0" marR="0" indent="0" algn="l" defTabSz="914400" rtl="0" eaLnBrk="0" fontAlgn="base" latinLnBrk="0" hangingPunct="0">
+              <a:lnSpc>
+                <a:spcPct val="100000"/>
+              </a:lnSpc>
+              <a:spcBef>
+                <a:spcPct val="0"/>
+              </a:spcBef>
+              <a:spcAft>
+                <a:spcPct val="0"/>
+              </a:spcAft>
+              <a:buClrTx/>
+              <a:buSzTx/>
+              <a:buFontTx/>
+              <a:buNone/>
+              <a:tabLst/>
+            </a:pPr>
+            <a:endParaRPr kumimoji="0" lang="pt-BR" sz="1800" b="0" i="0" u="none" strike="noStrike" cap="none" normalizeH="0" baseline="0">
+              <a:ln>
+                <a:noFill/>
+              </a:ln>
+              <a:solidFill>
+                <a:schemeClr val="tx1"/>
+              </a:solidFill>
+              <a:effectLst/>
+              <a:latin typeface="Arial" charset="0"/>
+            </a:endParaRPr>
+          </a:p>
+        </p:txBody>
+      </p:sp>
+      <p:pic>
+        <p:nvPicPr>
+          <p:cNvPr id="2" name="Imagem 1"/>
+          <p:cNvPicPr>
+            <a:picLocks noChangeAspect="1"/>
+          </p:cNvPicPr>
+          <p:nvPr/>
+        </p:nvPicPr>
+        <p:blipFill rotWithShape="1">
+          <a:blip r:embed="rId2"/>
+          <a:srcRect b="4640"/>
+          <a:stretch/>
+        </p:blipFill>
+        <p:spPr>
+          <a:xfrm>
+            <a:off x="0" y="0"/>
+            <a:ext cx="9144000" cy="4904809"/>
+          </a:xfrm>
+          <a:prstGeom prst="rect">
+            <a:avLst/>
+          </a:prstGeom>
+        </p:spPr>
+      </p:pic>
+      <p:pic>
+        <p:nvPicPr>
+          <p:cNvPr id="4" name="Picture 2" descr="Resultado de imagem para SENAC LOGO PNG">
+            <a:extLst>
+              <a:ext uri="{FF2B5EF4-FFF2-40B4-BE49-F238E27FC236}">
+                <a16:creationId xmlns:a16="http://schemas.microsoft.com/office/drawing/2014/main" id="{52AB468E-34B9-4C9F-9286-D7E741189D85}"/>
+              </a:ext>
+            </a:extLst>
+          </p:cNvPr>
+          <p:cNvPicPr>
+            <a:picLocks noChangeAspect="1" noChangeArrowheads="1"/>
+          </p:cNvPicPr>
+          <p:nvPr/>
+        </p:nvPicPr>
+        <p:blipFill>
+          <a:blip r:embed="rId3" cstate="print">
+            <a:extLst>
+              <a:ext uri="{28A0092B-C50C-407E-A947-70E740481C1C}">
+                <a14:useLocalDpi xmlns:a14="http://schemas.microsoft.com/office/drawing/2010/main" val="0"/>
+              </a:ext>
+            </a:extLst>
+          </a:blip>
+          <a:srcRect/>
+          <a:stretch>
+            <a:fillRect/>
+          </a:stretch>
+        </p:blipFill>
+        <p:spPr bwMode="auto">
+          <a:xfrm>
+            <a:off x="8100392" y="6237312"/>
+            <a:ext cx="928216" cy="544038"/>
+          </a:xfrm>
+          <a:prstGeom prst="rect">
+            <a:avLst/>
+          </a:prstGeom>
+          <a:noFill/>
+          <a:extLst>
+            <a:ext uri="{909E8E84-426E-40DD-AFC4-6F175D3DCCD1}">
+              <a14:hiddenFill xmlns:a14="http://schemas.microsoft.com/office/drawing/2010/main">
+                <a:solidFill>
+                  <a:srgbClr val="FFFFFF"/>
+                </a:solidFill>
+              </a14:hiddenFill>
+            </a:ext>
+          </a:extLst>
+        </p:spPr>
+      </p:pic>
+    </p:spTree>
+    <p:extLst>
+      <p:ext uri="{BB962C8B-B14F-4D97-AF65-F5344CB8AC3E}">
+        <p14:creationId xmlns:p14="http://schemas.microsoft.com/office/powerpoint/2010/main" val="1103876547"/>
+      </p:ext>
+    </p:extLst>
+  </p:cSld>
+  <p:clrMapOvr>
+    <a:masterClrMapping/>
+  </p:clrMapOvr>
+</p:sld>
+</file>
+
+<file path=ppt/slides/slide7.xml><?xml version="1.0" encoding="utf-8"?>
+<p:sld xmlns:a="http://schemas.openxmlformats.org/drawingml/2006/main" xmlns:r="http://schemas.openxmlformats.org/officeDocument/2006/relationships" xmlns:p="http://schemas.openxmlformats.org/presentationml/2006/main">
+  <p:cSld>
+    <p:spTree>
+      <p:nvGrpSpPr>
+        <p:cNvPr id="1" name=""/>
+        <p:cNvGrpSpPr/>
+        <p:nvPr/>
+      </p:nvGrpSpPr>
+      <p:grpSpPr>
+        <a:xfrm>
+          <a:off x="0" y="0"/>
+          <a:ext cx="0" cy="0"/>
+          <a:chOff x="0" y="0"/>
+          <a:chExt cx="0" cy="0"/>
+        </a:xfrm>
+      </p:grpSpPr>
+      <p:sp>
+        <p:nvSpPr>
+          <p:cNvPr id="3" name="Retângulo 2"/>
+          <p:cNvSpPr/>
+          <p:nvPr/>
+        </p:nvSpPr>
+        <p:spPr bwMode="auto">
+          <a:xfrm>
+            <a:off x="0" y="0"/>
+            <a:ext cx="251520" cy="6885384"/>
+          </a:xfrm>
+          <a:prstGeom prst="rect">
+            <a:avLst/>
+          </a:prstGeom>
+          <a:solidFill>
+            <a:schemeClr val="bg1"/>
+          </a:solidFill>
+          <a:ln w="9525" cap="flat" cmpd="sng" algn="ctr">
+            <a:solidFill>
+              <a:schemeClr val="bg1"/>
+            </a:solidFill>
+            <a:prstDash val="solid"/>
+            <a:round/>
+            <a:headEnd type="none" w="med" len="med"/>
+            <a:tailEnd type="none" w="med" len="med"/>
+          </a:ln>
+          <a:effectLst/>
+          <a:extLst/>
+        </p:spPr>
+        <p:txBody>
+          <a:bodyPr vert="horz" wrap="square" lIns="91440" tIns="45720" rIns="91440" bIns="45720" numCol="1" rtlCol="0" anchor="t" anchorCtr="0" compatLnSpc="1">
+            <a:prstTxWarp prst="textNoShape">
+              <a:avLst/>
+            </a:prstTxWarp>
+          </a:bodyPr>
+          <a:lstStyle/>
+          <a:p>
+            <a:pPr marL="0" marR="0" indent="0" algn="l" defTabSz="914400" rtl="0" eaLnBrk="0" fontAlgn="base" latinLnBrk="0" hangingPunct="0">
+              <a:lnSpc>
+                <a:spcPct val="100000"/>
+              </a:lnSpc>
+              <a:spcBef>
+                <a:spcPct val="0"/>
+              </a:spcBef>
+              <a:spcAft>
+                <a:spcPct val="0"/>
+              </a:spcAft>
+              <a:buClrTx/>
+              <a:buSzTx/>
+              <a:buFontTx/>
+              <a:buNone/>
+              <a:tabLst/>
+            </a:pPr>
+            <a:endParaRPr kumimoji="0" lang="pt-BR" sz="1800" b="0" i="0" u="none" strike="noStrike" cap="none" normalizeH="0" baseline="0">
+              <a:ln>
+                <a:noFill/>
+              </a:ln>
+              <a:solidFill>
+                <a:schemeClr val="tx1"/>
+              </a:solidFill>
+              <a:effectLst/>
+              <a:latin typeface="Arial" charset="0"/>
+            </a:endParaRPr>
+          </a:p>
+        </p:txBody>
+      </p:sp>
+      <p:pic>
+        <p:nvPicPr>
+          <p:cNvPr id="2" name="Imagem 1"/>
+          <p:cNvPicPr>
+            <a:picLocks noChangeAspect="1"/>
+          </p:cNvPicPr>
+          <p:nvPr/>
+        </p:nvPicPr>
+        <p:blipFill rotWithShape="1">
+          <a:blip r:embed="rId2"/>
+          <a:srcRect b="4640"/>
+          <a:stretch/>
+        </p:blipFill>
+        <p:spPr>
+          <a:xfrm>
+            <a:off x="0" y="-27384"/>
+            <a:ext cx="9144000" cy="4904809"/>
+          </a:xfrm>
+          <a:prstGeom prst="rect">
+            <a:avLst/>
+          </a:prstGeom>
+        </p:spPr>
+      </p:pic>
+      <p:pic>
+        <p:nvPicPr>
+          <p:cNvPr id="4" name="Picture 2" descr="Resultado de imagem para SENAC LOGO PNG">
+            <a:extLst>
+              <a:ext uri="{FF2B5EF4-FFF2-40B4-BE49-F238E27FC236}">
+                <a16:creationId xmlns:a16="http://schemas.microsoft.com/office/drawing/2014/main" id="{52AB468E-34B9-4C9F-9286-D7E741189D85}"/>
+              </a:ext>
+            </a:extLst>
+          </p:cNvPr>
+          <p:cNvPicPr>
+            <a:picLocks noChangeAspect="1" noChangeArrowheads="1"/>
+          </p:cNvPicPr>
+          <p:nvPr/>
+        </p:nvPicPr>
+        <p:blipFill>
+          <a:blip r:embed="rId3" cstate="print">
+            <a:extLst>
+              <a:ext uri="{28A0092B-C50C-407E-A947-70E740481C1C}">
+                <a14:useLocalDpi xmlns:a14="http://schemas.microsoft.com/office/drawing/2010/main" val="0"/>
+              </a:ext>
+            </a:extLst>
+          </a:blip>
+          <a:srcRect/>
+          <a:stretch>
+            <a:fillRect/>
+          </a:stretch>
+        </p:blipFill>
+        <p:spPr bwMode="auto">
+          <a:xfrm>
+            <a:off x="8100392" y="6237312"/>
+            <a:ext cx="928216" cy="544038"/>
+          </a:xfrm>
+          <a:prstGeom prst="rect">
+            <a:avLst/>
+          </a:prstGeom>
+          <a:noFill/>
+          <a:extLst>
+            <a:ext uri="{909E8E84-426E-40DD-AFC4-6F175D3DCCD1}">
+              <a14:hiddenFill xmlns:a14="http://schemas.microsoft.com/office/drawing/2010/main">
+                <a:solidFill>
+                  <a:srgbClr val="FFFFFF"/>
+                </a:solidFill>
+              </a14:hiddenFill>
+            </a:ext>
+          </a:extLst>
+        </p:spPr>
+      </p:pic>
+    </p:spTree>
+    <p:extLst>
+      <p:ext uri="{BB962C8B-B14F-4D97-AF65-F5344CB8AC3E}">
+        <p14:creationId xmlns:p14="http://schemas.microsoft.com/office/powerpoint/2010/main" val="2061939166"/>
+      </p:ext>
+    </p:extLst>
+  </p:cSld>
+  <p:clrMapOvr>
+    <a:masterClrMapping/>
+  </p:clrMapOvr>
+</p:sld>
+</file>
+
+<file path=ppt/slides/slide8.xml><?xml version="1.0" encoding="utf-8"?>
+<p:sld xmlns:a="http://schemas.openxmlformats.org/drawingml/2006/main" xmlns:r="http://schemas.openxmlformats.org/officeDocument/2006/relationships" xmlns:p="http://schemas.openxmlformats.org/presentationml/2006/main">
+  <p:cSld>
+    <p:spTree>
+      <p:nvGrpSpPr>
+        <p:cNvPr id="1" name=""/>
+        <p:cNvGrpSpPr/>
+        <p:nvPr/>
+      </p:nvGrpSpPr>
+      <p:grpSpPr>
+        <a:xfrm>
+          <a:off x="0" y="0"/>
+          <a:ext cx="0" cy="0"/>
+          <a:chOff x="0" y="0"/>
+          <a:chExt cx="0" cy="0"/>
+        </a:xfrm>
+      </p:grpSpPr>
+      <p:sp>
+        <p:nvSpPr>
+          <p:cNvPr id="3" name="Retângulo 2"/>
+          <p:cNvSpPr/>
+          <p:nvPr/>
+        </p:nvSpPr>
+        <p:spPr bwMode="auto">
+          <a:xfrm>
+            <a:off x="0" y="0"/>
+            <a:ext cx="251520" cy="6885384"/>
+          </a:xfrm>
+          <a:prstGeom prst="rect">
+            <a:avLst/>
+          </a:prstGeom>
+          <a:solidFill>
+            <a:schemeClr val="bg1"/>
+          </a:solidFill>
+          <a:ln w="9525" cap="flat" cmpd="sng" algn="ctr">
+            <a:solidFill>
+              <a:schemeClr val="bg1"/>
+            </a:solidFill>
+            <a:prstDash val="solid"/>
+            <a:round/>
+            <a:headEnd type="none" w="med" len="med"/>
+            <a:tailEnd type="none" w="med" len="med"/>
+          </a:ln>
+          <a:effectLst/>
+          <a:extLst/>
+        </p:spPr>
+        <p:txBody>
+          <a:bodyPr vert="horz" wrap="square" lIns="91440" tIns="45720" rIns="91440" bIns="45720" numCol="1" rtlCol="0" anchor="t" anchorCtr="0" compatLnSpc="1">
+            <a:prstTxWarp prst="textNoShape">
+              <a:avLst/>
+            </a:prstTxWarp>
+          </a:bodyPr>
+          <a:lstStyle/>
+          <a:p>
+            <a:pPr marL="0" marR="0" indent="0" algn="l" defTabSz="914400" rtl="0" eaLnBrk="0" fontAlgn="base" latinLnBrk="0" hangingPunct="0">
+              <a:lnSpc>
+                <a:spcPct val="100000"/>
+              </a:lnSpc>
+              <a:spcBef>
+                <a:spcPct val="0"/>
+              </a:spcBef>
+              <a:spcAft>
+                <a:spcPct val="0"/>
+              </a:spcAft>
+              <a:buClrTx/>
+              <a:buSzTx/>
+              <a:buFontTx/>
+              <a:buNone/>
+              <a:tabLst/>
+            </a:pPr>
+            <a:endParaRPr kumimoji="0" lang="pt-BR" sz="1800" b="0" i="0" u="none" strike="noStrike" cap="none" normalizeH="0" baseline="0">
+              <a:ln>
+                <a:noFill/>
+              </a:ln>
+              <a:solidFill>
+                <a:schemeClr val="tx1"/>
+              </a:solidFill>
+              <a:effectLst/>
+              <a:latin typeface="Arial" charset="0"/>
+            </a:endParaRPr>
+          </a:p>
+        </p:txBody>
+      </p:sp>
+      <p:pic>
+        <p:nvPicPr>
+          <p:cNvPr id="2" name="Imagem 1"/>
+          <p:cNvPicPr>
+            <a:picLocks noChangeAspect="1"/>
+          </p:cNvPicPr>
+          <p:nvPr/>
+        </p:nvPicPr>
+        <p:blipFill rotWithShape="1">
+          <a:blip r:embed="rId2"/>
+          <a:srcRect b="4640"/>
+          <a:stretch/>
+        </p:blipFill>
+        <p:spPr>
+          <a:xfrm>
+            <a:off x="0" y="0"/>
+            <a:ext cx="9144000" cy="4904810"/>
+          </a:xfrm>
+          <a:prstGeom prst="rect">
+            <a:avLst/>
+          </a:prstGeom>
+        </p:spPr>
+      </p:pic>
+      <p:pic>
+        <p:nvPicPr>
+          <p:cNvPr id="4" name="Picture 2" descr="Resultado de imagem para SENAC LOGO PNG">
+            <a:extLst>
+              <a:ext uri="{FF2B5EF4-FFF2-40B4-BE49-F238E27FC236}">
+                <a16:creationId xmlns:a16="http://schemas.microsoft.com/office/drawing/2014/main" id="{52AB468E-34B9-4C9F-9286-D7E741189D85}"/>
+              </a:ext>
+            </a:extLst>
+          </p:cNvPr>
+          <p:cNvPicPr>
+            <a:picLocks noChangeAspect="1" noChangeArrowheads="1"/>
+          </p:cNvPicPr>
+          <p:nvPr/>
+        </p:nvPicPr>
+        <p:blipFill>
+          <a:blip r:embed="rId3" cstate="print">
+            <a:extLst>
+              <a:ext uri="{28A0092B-C50C-407E-A947-70E740481C1C}">
+                <a14:useLocalDpi xmlns:a14="http://schemas.microsoft.com/office/drawing/2010/main" val="0"/>
+              </a:ext>
+            </a:extLst>
+          </a:blip>
+          <a:srcRect/>
+          <a:stretch>
+            <a:fillRect/>
+          </a:stretch>
+        </p:blipFill>
+        <p:spPr bwMode="auto">
+          <a:xfrm>
+            <a:off x="8100392" y="6237312"/>
+            <a:ext cx="928216" cy="544038"/>
+          </a:xfrm>
+          <a:prstGeom prst="rect">
+            <a:avLst/>
+          </a:prstGeom>
+          <a:noFill/>
+          <a:extLst>
+            <a:ext uri="{909E8E84-426E-40DD-AFC4-6F175D3DCCD1}">
+              <a14:hiddenFill xmlns:a14="http://schemas.microsoft.com/office/drawing/2010/main">
+                <a:solidFill>
+                  <a:srgbClr val="FFFFFF"/>
+                </a:solidFill>
+              </a14:hiddenFill>
+            </a:ext>
+          </a:extLst>
+        </p:spPr>
+      </p:pic>
+    </p:spTree>
+    <p:extLst>
+      <p:ext uri="{BB962C8B-B14F-4D97-AF65-F5344CB8AC3E}">
+        <p14:creationId xmlns:p14="http://schemas.microsoft.com/office/powerpoint/2010/main" val="3071098688"/>
+      </p:ext>
+    </p:extLst>
+  </p:cSld>
+  <p:clrMapOvr>
+    <a:masterClrMapping/>
+  </p:clrMapOvr>
+</p:sld>
+</file>
+
+<file path=ppt/slides/slide9.xml><?xml version="1.0" encoding="utf-8"?>
+<p:sld xmlns:a="http://schemas.openxmlformats.org/drawingml/2006/main" xmlns:r="http://schemas.openxmlformats.org/officeDocument/2006/relationships" xmlns:p="http://schemas.openxmlformats.org/presentationml/2006/main">
+  <p:cSld>
+    <p:spTree>
+      <p:nvGrpSpPr>
+        <p:cNvPr id="1" name=""/>
+        <p:cNvGrpSpPr/>
+        <p:nvPr/>
+      </p:nvGrpSpPr>
+      <p:grpSpPr>
+        <a:xfrm>
+          <a:off x="0" y="0"/>
+          <a:ext cx="0" cy="0"/>
+          <a:chOff x="0" y="0"/>
+          <a:chExt cx="0" cy="0"/>
+        </a:xfrm>
+      </p:grpSpPr>
+      <p:sp>
+        <p:nvSpPr>
+          <p:cNvPr id="4" name="Retângulo 3"/>
+          <p:cNvSpPr/>
+          <p:nvPr/>
+        </p:nvSpPr>
+        <p:spPr bwMode="auto">
+          <a:xfrm>
+            <a:off x="-36512" y="-2312"/>
+            <a:ext cx="432048" cy="6858000"/>
+          </a:xfrm>
+          <a:prstGeom prst="rect">
+            <a:avLst/>
+          </a:prstGeom>
+          <a:solidFill>
+            <a:schemeClr val="bg1"/>
+          </a:solidFill>
+          <a:ln w="9525" cap="flat" cmpd="sng" algn="ctr">
+            <a:solidFill>
+              <a:schemeClr val="bg1"/>
+            </a:solidFill>
+            <a:prstDash val="solid"/>
+            <a:round/>
+            <a:headEnd type="none" w="med" len="med"/>
+            <a:tailEnd type="none" w="med" len="med"/>
+          </a:ln>
+          <a:effectLst/>
+          <a:extLst/>
+        </p:spPr>
+        <p:txBody>
+          <a:bodyPr vert="horz" wrap="square" lIns="91440" tIns="45720" rIns="91440" bIns="45720" numCol="1" rtlCol="0" anchor="t" anchorCtr="0" compatLnSpc="1">
+            <a:prstTxWarp prst="textNoShape">
+              <a:avLst/>
+            </a:prstTxWarp>
+          </a:bodyPr>
+          <a:lstStyle/>
+          <a:p>
+            <a:pPr marL="0" marR="0" indent="0" algn="l" defTabSz="914400" rtl="0" eaLnBrk="0" fontAlgn="base" latinLnBrk="0" hangingPunct="0">
+              <a:lnSpc>
+                <a:spcPct val="100000"/>
+              </a:lnSpc>
+              <a:spcBef>
+                <a:spcPct val="0"/>
+              </a:spcBef>
+              <a:spcAft>
+                <a:spcPct val="0"/>
+              </a:spcAft>
+              <a:buClrTx/>
+              <a:buSzTx/>
+              <a:buFontTx/>
+              <a:buNone/>
+              <a:tabLst/>
+            </a:pPr>
+            <a:endParaRPr kumimoji="0" lang="pt-BR" sz="1800" b="0" i="0" u="none" strike="noStrike" cap="none" normalizeH="0" baseline="0">
+              <a:ln>
+                <a:noFill/>
+              </a:ln>
+              <a:solidFill>
+                <a:schemeClr val="tx1"/>
+              </a:solidFill>
+              <a:effectLst/>
+              <a:latin typeface="Arial" charset="0"/>
+            </a:endParaRPr>
+          </a:p>
+        </p:txBody>
+      </p:sp>
+      <p:pic>
+        <p:nvPicPr>
+          <p:cNvPr id="2" name="Imagem 1"/>
+          <p:cNvPicPr>
+            <a:picLocks noChangeAspect="1"/>
+          </p:cNvPicPr>
+          <p:nvPr/>
+        </p:nvPicPr>
+        <p:blipFill rotWithShape="1">
+          <a:blip r:embed="rId2"/>
+          <a:srcRect b="5480"/>
+          <a:stretch/>
+        </p:blipFill>
+        <p:spPr>
+          <a:xfrm>
+            <a:off x="-36512" y="0"/>
+            <a:ext cx="9158213" cy="4869160"/>
+          </a:xfrm>
+          <a:prstGeom prst="rect">
+            <a:avLst/>
+          </a:prstGeom>
+        </p:spPr>
+      </p:pic>
+      <p:pic>
+        <p:nvPicPr>
+          <p:cNvPr id="3" name="Picture 2" descr="Resultado de imagem para SENAC LOGO PNG">
+            <a:extLst>
+              <a:ext uri="{FF2B5EF4-FFF2-40B4-BE49-F238E27FC236}">
+                <a16:creationId xmlns:a16="http://schemas.microsoft.com/office/drawing/2014/main" id="{52AB468E-34B9-4C9F-9286-D7E741189D85}"/>
+              </a:ext>
+            </a:extLst>
+          </p:cNvPr>
+          <p:cNvPicPr>
+            <a:picLocks noChangeAspect="1" noChangeArrowheads="1"/>
+          </p:cNvPicPr>
+          <p:nvPr/>
+        </p:nvPicPr>
+        <p:blipFill>
+          <a:blip r:embed="rId3" cstate="print">
+            <a:extLst>
+              <a:ext uri="{28A0092B-C50C-407E-A947-70E740481C1C}">
+                <a14:useLocalDpi xmlns:a14="http://schemas.microsoft.com/office/drawing/2010/main" val="0"/>
+              </a:ext>
+            </a:extLst>
+          </a:blip>
+          <a:srcRect/>
+          <a:stretch>
+            <a:fillRect/>
+          </a:stretch>
+        </p:blipFill>
+        <p:spPr bwMode="auto">
+          <a:xfrm>
+            <a:off x="8100392" y="6237312"/>
+            <a:ext cx="928216" cy="544038"/>
+          </a:xfrm>
+          <a:prstGeom prst="rect">
+            <a:avLst/>
+          </a:prstGeom>
+          <a:noFill/>
+          <a:extLst>
+            <a:ext uri="{909E8E84-426E-40DD-AFC4-6F175D3DCCD1}">
+              <a14:hiddenFill xmlns:a14="http://schemas.microsoft.com/office/drawing/2010/main">
+                <a:solidFill>
+                  <a:srgbClr val="FFFFFF"/>
+                </a:solidFill>
+              </a14:hiddenFill>
+            </a:ext>
+          </a:extLst>
+        </p:spPr>
+      </p:pic>
+    </p:spTree>
+    <p:extLst>
+      <p:ext uri="{BB962C8B-B14F-4D97-AF65-F5344CB8AC3E}">
+        <p14:creationId xmlns:p14="http://schemas.microsoft.com/office/powerpoint/2010/main" val="772518610"/>
+      </p:ext>
+    </p:extLst>
+  </p:cSld>
+  <p:clrMapOvr>
+    <a:masterClrMapping/>
+  </p:clrMapOvr>
 </p:sld>
 </file>
 

--- a/CANTINHO FRATERNO.pptx
+++ b/CANTINHO FRATERNO.pptx
@@ -10,24 +10,24 @@
   <p:sldIdLst>
     <p:sldId id="256" r:id="rId3"/>
     <p:sldId id="258" r:id="rId4"/>
-    <p:sldId id="274" r:id="rId5"/>
-    <p:sldId id="261" r:id="rId6"/>
-    <p:sldId id="263" r:id="rId7"/>
-    <p:sldId id="264" r:id="rId8"/>
-    <p:sldId id="266" r:id="rId9"/>
-    <p:sldId id="267" r:id="rId10"/>
-    <p:sldId id="270" r:id="rId11"/>
-    <p:sldId id="265" r:id="rId12"/>
-    <p:sldId id="268" r:id="rId13"/>
-    <p:sldId id="269" r:id="rId14"/>
-    <p:sldId id="262" r:id="rId15"/>
-    <p:sldId id="259" r:id="rId16"/>
-    <p:sldId id="260" r:id="rId17"/>
-    <p:sldId id="257" r:id="rId18"/>
-    <p:sldId id="275" r:id="rId19"/>
-    <p:sldId id="273" r:id="rId20"/>
-    <p:sldId id="272" r:id="rId21"/>
-    <p:sldId id="271" r:id="rId22"/>
+    <p:sldId id="261" r:id="rId5"/>
+    <p:sldId id="263" r:id="rId6"/>
+    <p:sldId id="264" r:id="rId7"/>
+    <p:sldId id="266" r:id="rId8"/>
+    <p:sldId id="267" r:id="rId9"/>
+    <p:sldId id="270" r:id="rId10"/>
+    <p:sldId id="265" r:id="rId11"/>
+    <p:sldId id="268" r:id="rId12"/>
+    <p:sldId id="269" r:id="rId13"/>
+    <p:sldId id="262" r:id="rId14"/>
+    <p:sldId id="259" r:id="rId15"/>
+    <p:sldId id="260" r:id="rId16"/>
+    <p:sldId id="257" r:id="rId17"/>
+    <p:sldId id="275" r:id="rId18"/>
+    <p:sldId id="273" r:id="rId19"/>
+    <p:sldId id="272" r:id="rId20"/>
+    <p:sldId id="271" r:id="rId21"/>
+    <p:sldId id="274" r:id="rId22"/>
   </p:sldIdLst>
   <p:sldSz cx="9144000" cy="6858000" type="screen4x3"/>
   <p:notesSz cx="7010400" cy="9296400"/>
@@ -902,7 +902,7 @@
     </p:spTree>
     <p:extLst>
       <p:ext uri="{BB962C8B-B14F-4D97-AF65-F5344CB8AC3E}">
-        <p14:creationId xmlns:p14="http://schemas.microsoft.com/office/powerpoint/2010/main" val="2730875484"/>
+        <p14:creationId xmlns:p14="http://schemas.microsoft.com/office/powerpoint/2010/main" val="712009679"/>
       </p:ext>
     </p:extLst>
   </p:cSld>
@@ -949,7 +949,7 @@
             <a:fld id="{90236B5E-CB02-4739-8717-3692B40A1A96}" type="slidenum">
               <a:rPr lang="pt-BR"/>
               <a:pPr/>
-              <a:t>4</a:t>
+              <a:t>12</a:t>
             </a:fld>
             <a:endParaRPr lang="pt-BR"/>
           </a:p>
@@ -991,7 +991,7 @@
     </p:spTree>
     <p:extLst>
       <p:ext uri="{BB962C8B-B14F-4D97-AF65-F5344CB8AC3E}">
-        <p14:creationId xmlns:p14="http://schemas.microsoft.com/office/powerpoint/2010/main" val="712009679"/>
+        <p14:creationId xmlns:p14="http://schemas.microsoft.com/office/powerpoint/2010/main" val="1045585655"/>
       </p:ext>
     </p:extLst>
   </p:cSld>
@@ -1038,7 +1038,7 @@
             <a:fld id="{90236B5E-CB02-4739-8717-3692B40A1A96}" type="slidenum">
               <a:rPr lang="pt-BR"/>
               <a:pPr/>
-              <a:t>13</a:t>
+              <a:t>20</a:t>
             </a:fld>
             <a:endParaRPr lang="pt-BR"/>
           </a:p>
@@ -1080,7 +1080,7 @@
     </p:spTree>
     <p:extLst>
       <p:ext uri="{BB962C8B-B14F-4D97-AF65-F5344CB8AC3E}">
-        <p14:creationId xmlns:p14="http://schemas.microsoft.com/office/powerpoint/2010/main" val="1045585655"/>
+        <p14:creationId xmlns:p14="http://schemas.microsoft.com/office/powerpoint/2010/main" val="2730875484"/>
       </p:ext>
     </p:extLst>
   </p:cSld>
@@ -5440,10 +5440,2866 @@
   <p:transition spd="med">
     <p:fade/>
   </p:transition>
+  <p:timing>
+    <p:tnLst>
+      <p:par>
+        <p:cTn id="1" dur="indefinite" restart="never" nodeType="tmRoot"/>
+      </p:par>
+    </p:tnLst>
+  </p:timing>
 </p:sld>
 </file>
 
 <file path=ppt/slides/slide10.xml><?xml version="1.0" encoding="utf-8"?>
+<p:sld xmlns:a="http://schemas.openxmlformats.org/drawingml/2006/main" xmlns:r="http://schemas.openxmlformats.org/officeDocument/2006/relationships" xmlns:p="http://schemas.openxmlformats.org/presentationml/2006/main">
+  <p:cSld>
+    <p:spTree>
+      <p:nvGrpSpPr>
+        <p:cNvPr id="1" name=""/>
+        <p:cNvGrpSpPr/>
+        <p:nvPr/>
+      </p:nvGrpSpPr>
+      <p:grpSpPr>
+        <a:xfrm>
+          <a:off x="0" y="0"/>
+          <a:ext cx="0" cy="0"/>
+          <a:chOff x="0" y="0"/>
+          <a:chExt cx="0" cy="0"/>
+        </a:xfrm>
+      </p:grpSpPr>
+      <p:sp>
+        <p:nvSpPr>
+          <p:cNvPr id="3" name="Retângulo 2"/>
+          <p:cNvSpPr/>
+          <p:nvPr/>
+        </p:nvSpPr>
+        <p:spPr bwMode="auto">
+          <a:xfrm>
+            <a:off x="0" y="0"/>
+            <a:ext cx="251520" cy="6885384"/>
+          </a:xfrm>
+          <a:prstGeom prst="rect">
+            <a:avLst/>
+          </a:prstGeom>
+          <a:solidFill>
+            <a:schemeClr val="bg1"/>
+          </a:solidFill>
+          <a:ln w="9525" cap="flat" cmpd="sng" algn="ctr">
+            <a:solidFill>
+              <a:schemeClr val="bg1"/>
+            </a:solidFill>
+            <a:prstDash val="solid"/>
+            <a:round/>
+            <a:headEnd type="none" w="med" len="med"/>
+            <a:tailEnd type="none" w="med" len="med"/>
+          </a:ln>
+          <a:effectLst/>
+          <a:extLst/>
+        </p:spPr>
+        <p:txBody>
+          <a:bodyPr vert="horz" wrap="square" lIns="91440" tIns="45720" rIns="91440" bIns="45720" numCol="1" rtlCol="0" anchor="t" anchorCtr="0" compatLnSpc="1">
+            <a:prstTxWarp prst="textNoShape">
+              <a:avLst/>
+            </a:prstTxWarp>
+          </a:bodyPr>
+          <a:lstStyle/>
+          <a:p>
+            <a:pPr marL="0" marR="0" indent="0" algn="l" defTabSz="914400" rtl="0" eaLnBrk="0" fontAlgn="base" latinLnBrk="0" hangingPunct="0">
+              <a:lnSpc>
+                <a:spcPct val="100000"/>
+              </a:lnSpc>
+              <a:spcBef>
+                <a:spcPct val="0"/>
+              </a:spcBef>
+              <a:spcAft>
+                <a:spcPct val="0"/>
+              </a:spcAft>
+              <a:buClrTx/>
+              <a:buSzTx/>
+              <a:buFontTx/>
+              <a:buNone/>
+              <a:tabLst/>
+            </a:pPr>
+            <a:endParaRPr kumimoji="0" lang="pt-BR" sz="1800" b="0" i="0" u="none" strike="noStrike" cap="none" normalizeH="0" baseline="0">
+              <a:ln>
+                <a:noFill/>
+              </a:ln>
+              <a:solidFill>
+                <a:schemeClr val="tx1"/>
+              </a:solidFill>
+              <a:effectLst/>
+              <a:latin typeface="Arial" charset="0"/>
+            </a:endParaRPr>
+          </a:p>
+        </p:txBody>
+      </p:sp>
+      <p:pic>
+        <p:nvPicPr>
+          <p:cNvPr id="2" name="Imagem 1"/>
+          <p:cNvPicPr>
+            <a:picLocks noChangeAspect="1"/>
+          </p:cNvPicPr>
+          <p:nvPr/>
+        </p:nvPicPr>
+        <p:blipFill rotWithShape="1">
+          <a:blip r:embed="rId2"/>
+          <a:srcRect b="4640"/>
+          <a:stretch/>
+        </p:blipFill>
+        <p:spPr>
+          <a:xfrm>
+            <a:off x="0" y="0"/>
+            <a:ext cx="9144000" cy="4904810"/>
+          </a:xfrm>
+          <a:prstGeom prst="rect">
+            <a:avLst/>
+          </a:prstGeom>
+        </p:spPr>
+      </p:pic>
+      <p:pic>
+        <p:nvPicPr>
+          <p:cNvPr id="4" name="Picture 2" descr="Resultado de imagem para SENAC LOGO PNG">
+            <a:extLst>
+              <a:ext uri="{FF2B5EF4-FFF2-40B4-BE49-F238E27FC236}">
+                <a16:creationId xmlns:a16="http://schemas.microsoft.com/office/drawing/2014/main" id="{52AB468E-34B9-4C9F-9286-D7E741189D85}"/>
+              </a:ext>
+            </a:extLst>
+          </p:cNvPr>
+          <p:cNvPicPr>
+            <a:picLocks noChangeAspect="1" noChangeArrowheads="1"/>
+          </p:cNvPicPr>
+          <p:nvPr/>
+        </p:nvPicPr>
+        <p:blipFill>
+          <a:blip r:embed="rId3" cstate="print">
+            <a:extLst>
+              <a:ext uri="{28A0092B-C50C-407E-A947-70E740481C1C}">
+                <a14:useLocalDpi xmlns:a14="http://schemas.microsoft.com/office/drawing/2010/main" val="0"/>
+              </a:ext>
+            </a:extLst>
+          </a:blip>
+          <a:srcRect/>
+          <a:stretch>
+            <a:fillRect/>
+          </a:stretch>
+        </p:blipFill>
+        <p:spPr bwMode="auto">
+          <a:xfrm>
+            <a:off x="8100392" y="6237312"/>
+            <a:ext cx="928216" cy="544038"/>
+          </a:xfrm>
+          <a:prstGeom prst="rect">
+            <a:avLst/>
+          </a:prstGeom>
+          <a:noFill/>
+          <a:extLst>
+            <a:ext uri="{909E8E84-426E-40DD-AFC4-6F175D3DCCD1}">
+              <a14:hiddenFill xmlns:a14="http://schemas.microsoft.com/office/drawing/2010/main">
+                <a:solidFill>
+                  <a:srgbClr val="FFFFFF"/>
+                </a:solidFill>
+              </a14:hiddenFill>
+            </a:ext>
+          </a:extLst>
+        </p:spPr>
+      </p:pic>
+    </p:spTree>
+    <p:extLst>
+      <p:ext uri="{BB962C8B-B14F-4D97-AF65-F5344CB8AC3E}">
+        <p14:creationId xmlns:p14="http://schemas.microsoft.com/office/powerpoint/2010/main" val="3352477637"/>
+      </p:ext>
+    </p:extLst>
+  </p:cSld>
+  <p:clrMapOvr>
+    <a:masterClrMapping/>
+  </p:clrMapOvr>
+</p:sld>
+</file>
+
+<file path=ppt/slides/slide11.xml><?xml version="1.0" encoding="utf-8"?>
+<p:sld xmlns:a="http://schemas.openxmlformats.org/drawingml/2006/main" xmlns:r="http://schemas.openxmlformats.org/officeDocument/2006/relationships" xmlns:p="http://schemas.openxmlformats.org/presentationml/2006/main">
+  <p:cSld>
+    <p:spTree>
+      <p:nvGrpSpPr>
+        <p:cNvPr id="1" name=""/>
+        <p:cNvGrpSpPr/>
+        <p:nvPr/>
+      </p:nvGrpSpPr>
+      <p:grpSpPr>
+        <a:xfrm>
+          <a:off x="0" y="0"/>
+          <a:ext cx="0" cy="0"/>
+          <a:chOff x="0" y="0"/>
+          <a:chExt cx="0" cy="0"/>
+        </a:xfrm>
+      </p:grpSpPr>
+      <p:sp>
+        <p:nvSpPr>
+          <p:cNvPr id="3" name="Retângulo 2"/>
+          <p:cNvSpPr/>
+          <p:nvPr/>
+        </p:nvSpPr>
+        <p:spPr bwMode="auto">
+          <a:xfrm>
+            <a:off x="0" y="0"/>
+            <a:ext cx="251520" cy="6885384"/>
+          </a:xfrm>
+          <a:prstGeom prst="rect">
+            <a:avLst/>
+          </a:prstGeom>
+          <a:solidFill>
+            <a:schemeClr val="bg1"/>
+          </a:solidFill>
+          <a:ln w="9525" cap="flat" cmpd="sng" algn="ctr">
+            <a:solidFill>
+              <a:schemeClr val="bg1"/>
+            </a:solidFill>
+            <a:prstDash val="solid"/>
+            <a:round/>
+            <a:headEnd type="none" w="med" len="med"/>
+            <a:tailEnd type="none" w="med" len="med"/>
+          </a:ln>
+          <a:effectLst/>
+          <a:extLst/>
+        </p:spPr>
+        <p:txBody>
+          <a:bodyPr vert="horz" wrap="square" lIns="91440" tIns="45720" rIns="91440" bIns="45720" numCol="1" rtlCol="0" anchor="t" anchorCtr="0" compatLnSpc="1">
+            <a:prstTxWarp prst="textNoShape">
+              <a:avLst/>
+            </a:prstTxWarp>
+          </a:bodyPr>
+          <a:lstStyle/>
+          <a:p>
+            <a:pPr marL="0" marR="0" indent="0" algn="l" defTabSz="914400" rtl="0" eaLnBrk="0" fontAlgn="base" latinLnBrk="0" hangingPunct="0">
+              <a:lnSpc>
+                <a:spcPct val="100000"/>
+              </a:lnSpc>
+              <a:spcBef>
+                <a:spcPct val="0"/>
+              </a:spcBef>
+              <a:spcAft>
+                <a:spcPct val="0"/>
+              </a:spcAft>
+              <a:buClrTx/>
+              <a:buSzTx/>
+              <a:buFontTx/>
+              <a:buNone/>
+              <a:tabLst/>
+            </a:pPr>
+            <a:endParaRPr kumimoji="0" lang="pt-BR" sz="1800" b="0" i="0" u="none" strike="noStrike" cap="none" normalizeH="0" baseline="0">
+              <a:ln>
+                <a:noFill/>
+              </a:ln>
+              <a:solidFill>
+                <a:schemeClr val="tx1"/>
+              </a:solidFill>
+              <a:effectLst/>
+              <a:latin typeface="Arial" charset="0"/>
+            </a:endParaRPr>
+          </a:p>
+        </p:txBody>
+      </p:sp>
+      <p:pic>
+        <p:nvPicPr>
+          <p:cNvPr id="2" name="Imagem 1"/>
+          <p:cNvPicPr>
+            <a:picLocks noChangeAspect="1"/>
+          </p:cNvPicPr>
+          <p:nvPr/>
+        </p:nvPicPr>
+        <p:blipFill rotWithShape="1">
+          <a:blip r:embed="rId2"/>
+          <a:srcRect b="4640"/>
+          <a:stretch/>
+        </p:blipFill>
+        <p:spPr>
+          <a:xfrm>
+            <a:off x="0" y="0"/>
+            <a:ext cx="9144000" cy="4904807"/>
+          </a:xfrm>
+          <a:prstGeom prst="rect">
+            <a:avLst/>
+          </a:prstGeom>
+        </p:spPr>
+      </p:pic>
+      <p:pic>
+        <p:nvPicPr>
+          <p:cNvPr id="4" name="Picture 2" descr="Resultado de imagem para SENAC LOGO PNG">
+            <a:extLst>
+              <a:ext uri="{FF2B5EF4-FFF2-40B4-BE49-F238E27FC236}">
+                <a16:creationId xmlns:a16="http://schemas.microsoft.com/office/drawing/2014/main" id="{52AB468E-34B9-4C9F-9286-D7E741189D85}"/>
+              </a:ext>
+            </a:extLst>
+          </p:cNvPr>
+          <p:cNvPicPr>
+            <a:picLocks noChangeAspect="1" noChangeArrowheads="1"/>
+          </p:cNvPicPr>
+          <p:nvPr/>
+        </p:nvPicPr>
+        <p:blipFill>
+          <a:blip r:embed="rId3" cstate="print">
+            <a:extLst>
+              <a:ext uri="{28A0092B-C50C-407E-A947-70E740481C1C}">
+                <a14:useLocalDpi xmlns:a14="http://schemas.microsoft.com/office/drawing/2010/main" val="0"/>
+              </a:ext>
+            </a:extLst>
+          </a:blip>
+          <a:srcRect/>
+          <a:stretch>
+            <a:fillRect/>
+          </a:stretch>
+        </p:blipFill>
+        <p:spPr bwMode="auto">
+          <a:xfrm>
+            <a:off x="8100392" y="6237312"/>
+            <a:ext cx="928216" cy="544038"/>
+          </a:xfrm>
+          <a:prstGeom prst="rect">
+            <a:avLst/>
+          </a:prstGeom>
+          <a:noFill/>
+          <a:extLst>
+            <a:ext uri="{909E8E84-426E-40DD-AFC4-6F175D3DCCD1}">
+              <a14:hiddenFill xmlns:a14="http://schemas.microsoft.com/office/drawing/2010/main">
+                <a:solidFill>
+                  <a:srgbClr val="FFFFFF"/>
+                </a:solidFill>
+              </a14:hiddenFill>
+            </a:ext>
+          </a:extLst>
+        </p:spPr>
+      </p:pic>
+    </p:spTree>
+    <p:extLst>
+      <p:ext uri="{BB962C8B-B14F-4D97-AF65-F5344CB8AC3E}">
+        <p14:creationId xmlns:p14="http://schemas.microsoft.com/office/powerpoint/2010/main" val="3452483612"/>
+      </p:ext>
+    </p:extLst>
+  </p:cSld>
+  <p:clrMapOvr>
+    <a:masterClrMapping/>
+  </p:clrMapOvr>
+</p:sld>
+</file>
+
+<file path=ppt/slides/slide12.xml><?xml version="1.0" encoding="utf-8"?>
+<p:sld xmlns:a="http://schemas.openxmlformats.org/drawingml/2006/main" xmlns:r="http://schemas.openxmlformats.org/officeDocument/2006/relationships" xmlns:p="http://schemas.openxmlformats.org/presentationml/2006/main">
+  <p:cSld>
+    <p:spTree>
+      <p:nvGrpSpPr>
+        <p:cNvPr id="1" name=""/>
+        <p:cNvGrpSpPr/>
+        <p:nvPr/>
+      </p:nvGrpSpPr>
+      <p:grpSpPr>
+        <a:xfrm>
+          <a:off x="0" y="0"/>
+          <a:ext cx="0" cy="0"/>
+          <a:chOff x="0" y="0"/>
+          <a:chExt cx="0" cy="0"/>
+        </a:xfrm>
+      </p:grpSpPr>
+      <p:sp>
+        <p:nvSpPr>
+          <p:cNvPr id="2050" name="Rectangle 2"/>
+          <p:cNvSpPr>
+            <a:spLocks noGrp="1" noChangeArrowheads="1"/>
+          </p:cNvSpPr>
+          <p:nvPr>
+            <p:ph type="ctrTitle"/>
+          </p:nvPr>
+        </p:nvSpPr>
+        <p:spPr/>
+        <p:txBody>
+          <a:bodyPr/>
+          <a:lstStyle/>
+          <a:p>
+            <a:r>
+              <a:rPr lang="pt-BR" dirty="0"/>
+              <a:t>TELAS DO ADMINISTRADOR</a:t>
+            </a:r>
+          </a:p>
+        </p:txBody>
+      </p:sp>
+      <p:pic>
+        <p:nvPicPr>
+          <p:cNvPr id="6" name="Picture 2" descr="Resultado de imagem para SENAC LOGO PNG">
+            <a:extLst>
+              <a:ext uri="{FF2B5EF4-FFF2-40B4-BE49-F238E27FC236}">
+                <a16:creationId xmlns:a16="http://schemas.microsoft.com/office/drawing/2014/main" id="{8E0CD0C8-2CB4-4691-AD9B-732C161DBED7}"/>
+              </a:ext>
+            </a:extLst>
+          </p:cNvPr>
+          <p:cNvPicPr>
+            <a:picLocks noChangeAspect="1" noChangeArrowheads="1"/>
+          </p:cNvPicPr>
+          <p:nvPr/>
+        </p:nvPicPr>
+        <p:blipFill>
+          <a:blip r:embed="rId3" cstate="print">
+            <a:extLst>
+              <a:ext uri="{28A0092B-C50C-407E-A947-70E740481C1C}">
+                <a14:useLocalDpi xmlns:a14="http://schemas.microsoft.com/office/drawing/2010/main" val="0"/>
+              </a:ext>
+            </a:extLst>
+          </a:blip>
+          <a:srcRect/>
+          <a:stretch>
+            <a:fillRect/>
+          </a:stretch>
+        </p:blipFill>
+        <p:spPr bwMode="auto">
+          <a:xfrm>
+            <a:off x="8100392" y="6237312"/>
+            <a:ext cx="928216" cy="544038"/>
+          </a:xfrm>
+          <a:prstGeom prst="rect">
+            <a:avLst/>
+          </a:prstGeom>
+          <a:noFill/>
+          <a:extLst>
+            <a:ext uri="{909E8E84-426E-40DD-AFC4-6F175D3DCCD1}">
+              <a14:hiddenFill xmlns:a14="http://schemas.microsoft.com/office/drawing/2010/main">
+                <a:solidFill>
+                  <a:srgbClr val="FFFFFF"/>
+                </a:solidFill>
+              </a14:hiddenFill>
+            </a:ext>
+          </a:extLst>
+        </p:spPr>
+      </p:pic>
+    </p:spTree>
+    <p:extLst>
+      <p:ext uri="{BB962C8B-B14F-4D97-AF65-F5344CB8AC3E}">
+        <p14:creationId xmlns:p14="http://schemas.microsoft.com/office/powerpoint/2010/main" val="1785072489"/>
+      </p:ext>
+    </p:extLst>
+  </p:cSld>
+  <p:clrMapOvr>
+    <a:masterClrMapping/>
+  </p:clrMapOvr>
+  <p:transition spd="med">
+    <p:fade/>
+  </p:transition>
+</p:sld>
+</file>
+
+<file path=ppt/slides/slide13.xml><?xml version="1.0" encoding="utf-8"?>
+<p:sld xmlns:a="http://schemas.openxmlformats.org/drawingml/2006/main" xmlns:r="http://schemas.openxmlformats.org/officeDocument/2006/relationships" xmlns:p="http://schemas.openxmlformats.org/presentationml/2006/main">
+  <p:cSld>
+    <p:spTree>
+      <p:nvGrpSpPr>
+        <p:cNvPr id="1" name=""/>
+        <p:cNvGrpSpPr/>
+        <p:nvPr/>
+      </p:nvGrpSpPr>
+      <p:grpSpPr>
+        <a:xfrm>
+          <a:off x="0" y="0"/>
+          <a:ext cx="0" cy="0"/>
+          <a:chOff x="0" y="0"/>
+          <a:chExt cx="0" cy="0"/>
+        </a:xfrm>
+      </p:grpSpPr>
+      <p:pic>
+        <p:nvPicPr>
+          <p:cNvPr id="4" name="Picture 2" descr="Resultado de imagem para SENAC LOGO PNG">
+            <a:extLst>
+              <a:ext uri="{FF2B5EF4-FFF2-40B4-BE49-F238E27FC236}">
+                <a16:creationId xmlns:a16="http://schemas.microsoft.com/office/drawing/2014/main" id="{52AB468E-34B9-4C9F-9286-D7E741189D85}"/>
+              </a:ext>
+            </a:extLst>
+          </p:cNvPr>
+          <p:cNvPicPr>
+            <a:picLocks noChangeAspect="1" noChangeArrowheads="1"/>
+          </p:cNvPicPr>
+          <p:nvPr/>
+        </p:nvPicPr>
+        <p:blipFill>
+          <a:blip r:embed="rId2" cstate="print">
+            <a:extLst>
+              <a:ext uri="{28A0092B-C50C-407E-A947-70E740481C1C}">
+                <a14:useLocalDpi xmlns:a14="http://schemas.microsoft.com/office/drawing/2010/main" val="0"/>
+              </a:ext>
+            </a:extLst>
+          </a:blip>
+          <a:srcRect/>
+          <a:stretch>
+            <a:fillRect/>
+          </a:stretch>
+        </p:blipFill>
+        <p:spPr bwMode="auto">
+          <a:xfrm>
+            <a:off x="8100392" y="6237312"/>
+            <a:ext cx="928216" cy="544038"/>
+          </a:xfrm>
+          <a:prstGeom prst="rect">
+            <a:avLst/>
+          </a:prstGeom>
+          <a:noFill/>
+          <a:extLst>
+            <a:ext uri="{909E8E84-426E-40DD-AFC4-6F175D3DCCD1}">
+              <a14:hiddenFill xmlns:a14="http://schemas.microsoft.com/office/drawing/2010/main">
+                <a:solidFill>
+                  <a:srgbClr val="FFFFFF"/>
+                </a:solidFill>
+              </a14:hiddenFill>
+            </a:ext>
+          </a:extLst>
+        </p:spPr>
+      </p:pic>
+      <p:sp>
+        <p:nvSpPr>
+          <p:cNvPr id="5" name="Retângulo 4"/>
+          <p:cNvSpPr/>
+          <p:nvPr/>
+        </p:nvSpPr>
+        <p:spPr bwMode="auto">
+          <a:xfrm>
+            <a:off x="0" y="0"/>
+            <a:ext cx="251520" cy="6885384"/>
+          </a:xfrm>
+          <a:prstGeom prst="rect">
+            <a:avLst/>
+          </a:prstGeom>
+          <a:solidFill>
+            <a:schemeClr val="bg1"/>
+          </a:solidFill>
+          <a:ln w="9525" cap="flat" cmpd="sng" algn="ctr">
+            <a:solidFill>
+              <a:schemeClr val="bg1"/>
+            </a:solidFill>
+            <a:prstDash val="solid"/>
+            <a:round/>
+            <a:headEnd type="none" w="med" len="med"/>
+            <a:tailEnd type="none" w="med" len="med"/>
+          </a:ln>
+          <a:effectLst/>
+          <a:extLst/>
+        </p:spPr>
+        <p:txBody>
+          <a:bodyPr vert="horz" wrap="square" lIns="91440" tIns="45720" rIns="91440" bIns="45720" numCol="1" rtlCol="0" anchor="t" anchorCtr="0" compatLnSpc="1">
+            <a:prstTxWarp prst="textNoShape">
+              <a:avLst/>
+            </a:prstTxWarp>
+          </a:bodyPr>
+          <a:lstStyle/>
+          <a:p>
+            <a:pPr marL="0" marR="0" indent="0" algn="l" defTabSz="914400" rtl="0" eaLnBrk="0" fontAlgn="base" latinLnBrk="0" hangingPunct="0">
+              <a:lnSpc>
+                <a:spcPct val="100000"/>
+              </a:lnSpc>
+              <a:spcBef>
+                <a:spcPct val="0"/>
+              </a:spcBef>
+              <a:spcAft>
+                <a:spcPct val="0"/>
+              </a:spcAft>
+              <a:buClrTx/>
+              <a:buSzTx/>
+              <a:buFontTx/>
+              <a:buNone/>
+              <a:tabLst/>
+            </a:pPr>
+            <a:endParaRPr kumimoji="0" lang="pt-BR" sz="1800" b="0" i="0" u="none" strike="noStrike" cap="none" normalizeH="0" baseline="0">
+              <a:ln>
+                <a:noFill/>
+              </a:ln>
+              <a:solidFill>
+                <a:schemeClr val="tx1"/>
+              </a:solidFill>
+              <a:effectLst/>
+              <a:latin typeface="Arial" charset="0"/>
+            </a:endParaRPr>
+          </a:p>
+        </p:txBody>
+      </p:sp>
+      <p:pic>
+        <p:nvPicPr>
+          <p:cNvPr id="2" name="Imagem 1"/>
+          <p:cNvPicPr>
+            <a:picLocks noChangeAspect="1"/>
+          </p:cNvPicPr>
+          <p:nvPr/>
+        </p:nvPicPr>
+        <p:blipFill rotWithShape="1">
+          <a:blip r:embed="rId3"/>
+          <a:srcRect b="5480"/>
+          <a:stretch/>
+        </p:blipFill>
+        <p:spPr>
+          <a:xfrm>
+            <a:off x="0" y="0"/>
+            <a:ext cx="9144000" cy="4861604"/>
+          </a:xfrm>
+          <a:prstGeom prst="rect">
+            <a:avLst/>
+          </a:prstGeom>
+        </p:spPr>
+      </p:pic>
+    </p:spTree>
+  </p:cSld>
+  <p:clrMapOvr>
+    <a:masterClrMapping/>
+  </p:clrMapOvr>
+  <p:transition spd="med">
+    <p:fade/>
+  </p:transition>
+</p:sld>
+</file>
+
+<file path=ppt/slides/slide14.xml><?xml version="1.0" encoding="utf-8"?>
+<p:sld xmlns:a="http://schemas.openxmlformats.org/drawingml/2006/main" xmlns:r="http://schemas.openxmlformats.org/officeDocument/2006/relationships" xmlns:p="http://schemas.openxmlformats.org/presentationml/2006/main">
+  <p:cSld>
+    <p:spTree>
+      <p:nvGrpSpPr>
+        <p:cNvPr id="1" name=""/>
+        <p:cNvGrpSpPr/>
+        <p:nvPr/>
+      </p:nvGrpSpPr>
+      <p:grpSpPr>
+        <a:xfrm>
+          <a:off x="0" y="0"/>
+          <a:ext cx="0" cy="0"/>
+          <a:chOff x="0" y="0"/>
+          <a:chExt cx="0" cy="0"/>
+        </a:xfrm>
+      </p:grpSpPr>
+      <p:pic>
+        <p:nvPicPr>
+          <p:cNvPr id="6" name="Picture 2" descr="Resultado de imagem para SENAC LOGO PNG">
+            <a:extLst>
+              <a:ext uri="{FF2B5EF4-FFF2-40B4-BE49-F238E27FC236}">
+                <a16:creationId xmlns:a16="http://schemas.microsoft.com/office/drawing/2014/main" id="{573A77EF-7C08-4C7A-AC97-F0E695E67BFB}"/>
+              </a:ext>
+            </a:extLst>
+          </p:cNvPr>
+          <p:cNvPicPr>
+            <a:picLocks noChangeAspect="1" noChangeArrowheads="1"/>
+          </p:cNvPicPr>
+          <p:nvPr/>
+        </p:nvPicPr>
+        <p:blipFill>
+          <a:blip r:embed="rId2" cstate="print">
+            <a:extLst>
+              <a:ext uri="{28A0092B-C50C-407E-A947-70E740481C1C}">
+                <a14:useLocalDpi xmlns:a14="http://schemas.microsoft.com/office/drawing/2010/main" val="0"/>
+              </a:ext>
+            </a:extLst>
+          </a:blip>
+          <a:srcRect/>
+          <a:stretch>
+            <a:fillRect/>
+          </a:stretch>
+        </p:blipFill>
+        <p:spPr bwMode="auto">
+          <a:xfrm>
+            <a:off x="8100392" y="6237312"/>
+            <a:ext cx="928216" cy="544038"/>
+          </a:xfrm>
+          <a:prstGeom prst="rect">
+            <a:avLst/>
+          </a:prstGeom>
+          <a:noFill/>
+          <a:extLst>
+            <a:ext uri="{909E8E84-426E-40DD-AFC4-6F175D3DCCD1}">
+              <a14:hiddenFill xmlns:a14="http://schemas.microsoft.com/office/drawing/2010/main">
+                <a:solidFill>
+                  <a:srgbClr val="FFFFFF"/>
+                </a:solidFill>
+              </a14:hiddenFill>
+            </a:ext>
+          </a:extLst>
+        </p:spPr>
+      </p:pic>
+      <p:sp>
+        <p:nvSpPr>
+          <p:cNvPr id="9" name="Retângulo 8"/>
+          <p:cNvSpPr/>
+          <p:nvPr/>
+        </p:nvSpPr>
+        <p:spPr bwMode="auto">
+          <a:xfrm>
+            <a:off x="0" y="0"/>
+            <a:ext cx="251520" cy="6885384"/>
+          </a:xfrm>
+          <a:prstGeom prst="rect">
+            <a:avLst/>
+          </a:prstGeom>
+          <a:solidFill>
+            <a:schemeClr val="bg1"/>
+          </a:solidFill>
+          <a:ln w="9525" cap="flat" cmpd="sng" algn="ctr">
+            <a:solidFill>
+              <a:schemeClr val="bg1"/>
+            </a:solidFill>
+            <a:prstDash val="solid"/>
+            <a:round/>
+            <a:headEnd type="none" w="med" len="med"/>
+            <a:tailEnd type="none" w="med" len="med"/>
+          </a:ln>
+          <a:effectLst/>
+          <a:extLst/>
+        </p:spPr>
+        <p:txBody>
+          <a:bodyPr vert="horz" wrap="square" lIns="91440" tIns="45720" rIns="91440" bIns="45720" numCol="1" rtlCol="0" anchor="t" anchorCtr="0" compatLnSpc="1">
+            <a:prstTxWarp prst="textNoShape">
+              <a:avLst/>
+            </a:prstTxWarp>
+          </a:bodyPr>
+          <a:lstStyle/>
+          <a:p>
+            <a:pPr marL="0" marR="0" indent="0" algn="l" defTabSz="914400" rtl="0" eaLnBrk="0" fontAlgn="base" latinLnBrk="0" hangingPunct="0">
+              <a:lnSpc>
+                <a:spcPct val="100000"/>
+              </a:lnSpc>
+              <a:spcBef>
+                <a:spcPct val="0"/>
+              </a:spcBef>
+              <a:spcAft>
+                <a:spcPct val="0"/>
+              </a:spcAft>
+              <a:buClrTx/>
+              <a:buSzTx/>
+              <a:buFontTx/>
+              <a:buNone/>
+              <a:tabLst/>
+            </a:pPr>
+            <a:endParaRPr kumimoji="0" lang="pt-BR" sz="1800" b="0" i="0" u="none" strike="noStrike" cap="none" normalizeH="0" baseline="0">
+              <a:ln>
+                <a:noFill/>
+              </a:ln>
+              <a:solidFill>
+                <a:schemeClr val="tx1"/>
+              </a:solidFill>
+              <a:effectLst/>
+              <a:latin typeface="Arial" charset="0"/>
+            </a:endParaRPr>
+          </a:p>
+        </p:txBody>
+      </p:sp>
+      <p:pic>
+        <p:nvPicPr>
+          <p:cNvPr id="2" name="Imagem 1"/>
+          <p:cNvPicPr>
+            <a:picLocks noChangeAspect="1"/>
+          </p:cNvPicPr>
+          <p:nvPr/>
+        </p:nvPicPr>
+        <p:blipFill rotWithShape="1">
+          <a:blip r:embed="rId3"/>
+          <a:srcRect b="6321"/>
+          <a:stretch/>
+        </p:blipFill>
+        <p:spPr>
+          <a:xfrm>
+            <a:off x="0" y="0"/>
+            <a:ext cx="9144000" cy="4818398"/>
+          </a:xfrm>
+          <a:prstGeom prst="rect">
+            <a:avLst/>
+          </a:prstGeom>
+        </p:spPr>
+      </p:pic>
+    </p:spTree>
+  </p:cSld>
+  <p:clrMapOvr>
+    <a:masterClrMapping/>
+  </p:clrMapOvr>
+  <p:transition spd="med">
+    <p:fade/>
+  </p:transition>
+</p:sld>
+</file>
+
+<file path=ppt/slides/slide15.xml><?xml version="1.0" encoding="utf-8"?>
+<p:sld xmlns:a="http://schemas.openxmlformats.org/drawingml/2006/main" xmlns:r="http://schemas.openxmlformats.org/officeDocument/2006/relationships" xmlns:p="http://schemas.openxmlformats.org/presentationml/2006/main">
+  <p:cSld>
+    <p:spTree>
+      <p:nvGrpSpPr>
+        <p:cNvPr id="1" name=""/>
+        <p:cNvGrpSpPr/>
+        <p:nvPr/>
+      </p:nvGrpSpPr>
+      <p:grpSpPr>
+        <a:xfrm>
+          <a:off x="0" y="0"/>
+          <a:ext cx="0" cy="0"/>
+          <a:chOff x="0" y="0"/>
+          <a:chExt cx="0" cy="0"/>
+        </a:xfrm>
+      </p:grpSpPr>
+      <p:pic>
+        <p:nvPicPr>
+          <p:cNvPr id="5" name="Picture 2" descr="Resultado de imagem para SENAC LOGO PNG">
+            <a:extLst>
+              <a:ext uri="{FF2B5EF4-FFF2-40B4-BE49-F238E27FC236}">
+                <a16:creationId xmlns:a16="http://schemas.microsoft.com/office/drawing/2014/main" id="{7C31DA61-2BE8-4C07-ACCF-C1925FAC9E65}"/>
+              </a:ext>
+            </a:extLst>
+          </p:cNvPr>
+          <p:cNvPicPr>
+            <a:picLocks noChangeAspect="1" noChangeArrowheads="1"/>
+          </p:cNvPicPr>
+          <p:nvPr/>
+        </p:nvPicPr>
+        <p:blipFill>
+          <a:blip r:embed="rId2" cstate="print">
+            <a:extLst>
+              <a:ext uri="{28A0092B-C50C-407E-A947-70E740481C1C}">
+                <a14:useLocalDpi xmlns:a14="http://schemas.microsoft.com/office/drawing/2010/main" val="0"/>
+              </a:ext>
+            </a:extLst>
+          </a:blip>
+          <a:srcRect/>
+          <a:stretch>
+            <a:fillRect/>
+          </a:stretch>
+        </p:blipFill>
+        <p:spPr bwMode="auto">
+          <a:xfrm>
+            <a:off x="8100392" y="6237312"/>
+            <a:ext cx="928216" cy="544038"/>
+          </a:xfrm>
+          <a:prstGeom prst="rect">
+            <a:avLst/>
+          </a:prstGeom>
+          <a:noFill/>
+          <a:extLst>
+            <a:ext uri="{909E8E84-426E-40DD-AFC4-6F175D3DCCD1}">
+              <a14:hiddenFill xmlns:a14="http://schemas.microsoft.com/office/drawing/2010/main">
+                <a:solidFill>
+                  <a:srgbClr val="FFFFFF"/>
+                </a:solidFill>
+              </a14:hiddenFill>
+            </a:ext>
+          </a:extLst>
+        </p:spPr>
+      </p:pic>
+      <p:sp>
+        <p:nvSpPr>
+          <p:cNvPr id="7" name="Retângulo 6"/>
+          <p:cNvSpPr/>
+          <p:nvPr/>
+        </p:nvSpPr>
+        <p:spPr bwMode="auto">
+          <a:xfrm>
+            <a:off x="0" y="0"/>
+            <a:ext cx="251520" cy="6885384"/>
+          </a:xfrm>
+          <a:prstGeom prst="rect">
+            <a:avLst/>
+          </a:prstGeom>
+          <a:solidFill>
+            <a:schemeClr val="bg1"/>
+          </a:solidFill>
+          <a:ln w="9525" cap="flat" cmpd="sng" algn="ctr">
+            <a:solidFill>
+              <a:schemeClr val="bg1"/>
+            </a:solidFill>
+            <a:prstDash val="solid"/>
+            <a:round/>
+            <a:headEnd type="none" w="med" len="med"/>
+            <a:tailEnd type="none" w="med" len="med"/>
+          </a:ln>
+          <a:effectLst/>
+          <a:extLst/>
+        </p:spPr>
+        <p:txBody>
+          <a:bodyPr vert="horz" wrap="square" lIns="91440" tIns="45720" rIns="91440" bIns="45720" numCol="1" rtlCol="0" anchor="t" anchorCtr="0" compatLnSpc="1">
+            <a:prstTxWarp prst="textNoShape">
+              <a:avLst/>
+            </a:prstTxWarp>
+          </a:bodyPr>
+          <a:lstStyle/>
+          <a:p>
+            <a:pPr marL="0" marR="0" indent="0" algn="l" defTabSz="914400" rtl="0" eaLnBrk="0" fontAlgn="base" latinLnBrk="0" hangingPunct="0">
+              <a:lnSpc>
+                <a:spcPct val="100000"/>
+              </a:lnSpc>
+              <a:spcBef>
+                <a:spcPct val="0"/>
+              </a:spcBef>
+              <a:spcAft>
+                <a:spcPct val="0"/>
+              </a:spcAft>
+              <a:buClrTx/>
+              <a:buSzTx/>
+              <a:buFontTx/>
+              <a:buNone/>
+              <a:tabLst/>
+            </a:pPr>
+            <a:endParaRPr kumimoji="0" lang="pt-BR" sz="1800" b="0" i="0" u="none" strike="noStrike" cap="none" normalizeH="0" baseline="0">
+              <a:ln>
+                <a:noFill/>
+              </a:ln>
+              <a:solidFill>
+                <a:schemeClr val="tx1"/>
+              </a:solidFill>
+              <a:effectLst/>
+              <a:latin typeface="Arial" charset="0"/>
+            </a:endParaRPr>
+          </a:p>
+        </p:txBody>
+      </p:sp>
+      <p:pic>
+        <p:nvPicPr>
+          <p:cNvPr id="2" name="Imagem 1"/>
+          <p:cNvPicPr>
+            <a:picLocks noChangeAspect="1"/>
+          </p:cNvPicPr>
+          <p:nvPr/>
+        </p:nvPicPr>
+        <p:blipFill rotWithShape="1">
+          <a:blip r:embed="rId3"/>
+          <a:srcRect b="7160"/>
+          <a:stretch/>
+        </p:blipFill>
+        <p:spPr>
+          <a:xfrm>
+            <a:off x="-1" y="0"/>
+            <a:ext cx="9186043" cy="4797152"/>
+          </a:xfrm>
+          <a:prstGeom prst="rect">
+            <a:avLst/>
+          </a:prstGeom>
+        </p:spPr>
+      </p:pic>
+    </p:spTree>
+  </p:cSld>
+  <p:clrMapOvr>
+    <a:masterClrMapping/>
+  </p:clrMapOvr>
+  <p:transition spd="med">
+    <p:fade/>
+  </p:transition>
+</p:sld>
+</file>
+
+<file path=ppt/slides/slide16.xml><?xml version="1.0" encoding="utf-8"?>
+<p:sld xmlns:a="http://schemas.openxmlformats.org/drawingml/2006/main" xmlns:r="http://schemas.openxmlformats.org/officeDocument/2006/relationships" xmlns:p="http://schemas.openxmlformats.org/presentationml/2006/main">
+  <p:cSld>
+    <p:spTree>
+      <p:nvGrpSpPr>
+        <p:cNvPr id="1" name=""/>
+        <p:cNvGrpSpPr/>
+        <p:nvPr/>
+      </p:nvGrpSpPr>
+      <p:grpSpPr>
+        <a:xfrm>
+          <a:off x="0" y="0"/>
+          <a:ext cx="0" cy="0"/>
+          <a:chOff x="0" y="0"/>
+          <a:chExt cx="0" cy="0"/>
+        </a:xfrm>
+      </p:grpSpPr>
+      <p:pic>
+        <p:nvPicPr>
+          <p:cNvPr id="5" name="Picture 2" descr="Resultado de imagem para SENAC LOGO PNG">
+            <a:extLst>
+              <a:ext uri="{FF2B5EF4-FFF2-40B4-BE49-F238E27FC236}">
+                <a16:creationId xmlns:a16="http://schemas.microsoft.com/office/drawing/2014/main" id="{7C31DA61-2BE8-4C07-ACCF-C1925FAC9E65}"/>
+              </a:ext>
+            </a:extLst>
+          </p:cNvPr>
+          <p:cNvPicPr>
+            <a:picLocks noChangeAspect="1" noChangeArrowheads="1"/>
+          </p:cNvPicPr>
+          <p:nvPr/>
+        </p:nvPicPr>
+        <p:blipFill>
+          <a:blip r:embed="rId2" cstate="print">
+            <a:extLst>
+              <a:ext uri="{28A0092B-C50C-407E-A947-70E740481C1C}">
+                <a14:useLocalDpi xmlns:a14="http://schemas.microsoft.com/office/drawing/2010/main" val="0"/>
+              </a:ext>
+            </a:extLst>
+          </a:blip>
+          <a:srcRect/>
+          <a:stretch>
+            <a:fillRect/>
+          </a:stretch>
+        </p:blipFill>
+        <p:spPr bwMode="auto">
+          <a:xfrm>
+            <a:off x="8100392" y="6237312"/>
+            <a:ext cx="928216" cy="544038"/>
+          </a:xfrm>
+          <a:prstGeom prst="rect">
+            <a:avLst/>
+          </a:prstGeom>
+          <a:noFill/>
+          <a:extLst>
+            <a:ext uri="{909E8E84-426E-40DD-AFC4-6F175D3DCCD1}">
+              <a14:hiddenFill xmlns:a14="http://schemas.microsoft.com/office/drawing/2010/main">
+                <a:solidFill>
+                  <a:srgbClr val="FFFFFF"/>
+                </a:solidFill>
+              </a14:hiddenFill>
+            </a:ext>
+          </a:extLst>
+        </p:spPr>
+      </p:pic>
+      <p:sp>
+        <p:nvSpPr>
+          <p:cNvPr id="7" name="Retângulo 6"/>
+          <p:cNvSpPr/>
+          <p:nvPr/>
+        </p:nvSpPr>
+        <p:spPr bwMode="auto">
+          <a:xfrm>
+            <a:off x="0" y="0"/>
+            <a:ext cx="251520" cy="6885384"/>
+          </a:xfrm>
+          <a:prstGeom prst="rect">
+            <a:avLst/>
+          </a:prstGeom>
+          <a:solidFill>
+            <a:schemeClr val="bg1"/>
+          </a:solidFill>
+          <a:ln w="9525" cap="flat" cmpd="sng" algn="ctr">
+            <a:solidFill>
+              <a:schemeClr val="bg1"/>
+            </a:solidFill>
+            <a:prstDash val="solid"/>
+            <a:round/>
+            <a:headEnd type="none" w="med" len="med"/>
+            <a:tailEnd type="none" w="med" len="med"/>
+          </a:ln>
+          <a:effectLst/>
+          <a:extLst/>
+        </p:spPr>
+        <p:txBody>
+          <a:bodyPr vert="horz" wrap="square" lIns="91440" tIns="45720" rIns="91440" bIns="45720" numCol="1" rtlCol="0" anchor="t" anchorCtr="0" compatLnSpc="1">
+            <a:prstTxWarp prst="textNoShape">
+              <a:avLst/>
+            </a:prstTxWarp>
+          </a:bodyPr>
+          <a:lstStyle/>
+          <a:p>
+            <a:pPr marL="0" marR="0" indent="0" algn="l" defTabSz="914400" rtl="0" eaLnBrk="0" fontAlgn="base" latinLnBrk="0" hangingPunct="0">
+              <a:lnSpc>
+                <a:spcPct val="100000"/>
+              </a:lnSpc>
+              <a:spcBef>
+                <a:spcPct val="0"/>
+              </a:spcBef>
+              <a:spcAft>
+                <a:spcPct val="0"/>
+              </a:spcAft>
+              <a:buClrTx/>
+              <a:buSzTx/>
+              <a:buFontTx/>
+              <a:buNone/>
+              <a:tabLst/>
+            </a:pPr>
+            <a:endParaRPr kumimoji="0" lang="pt-BR" sz="1800" b="0" i="0" u="none" strike="noStrike" cap="none" normalizeH="0" baseline="0">
+              <a:ln>
+                <a:noFill/>
+              </a:ln>
+              <a:solidFill>
+                <a:schemeClr val="tx1"/>
+              </a:solidFill>
+              <a:effectLst/>
+              <a:latin typeface="Arial" charset="0"/>
+            </a:endParaRPr>
+          </a:p>
+        </p:txBody>
+      </p:sp>
+      <p:pic>
+        <p:nvPicPr>
+          <p:cNvPr id="2" name="Imagem 1"/>
+          <p:cNvPicPr>
+            <a:picLocks noChangeAspect="1"/>
+          </p:cNvPicPr>
+          <p:nvPr/>
+        </p:nvPicPr>
+        <p:blipFill rotWithShape="1">
+          <a:blip r:embed="rId3"/>
+          <a:srcRect b="7160"/>
+          <a:stretch/>
+        </p:blipFill>
+        <p:spPr>
+          <a:xfrm>
+            <a:off x="-1" y="0"/>
+            <a:ext cx="9186043" cy="4797152"/>
+          </a:xfrm>
+          <a:prstGeom prst="rect">
+            <a:avLst/>
+          </a:prstGeom>
+        </p:spPr>
+      </p:pic>
+    </p:spTree>
+    <p:extLst>
+      <p:ext uri="{BB962C8B-B14F-4D97-AF65-F5344CB8AC3E}">
+        <p14:creationId xmlns:p14="http://schemas.microsoft.com/office/powerpoint/2010/main" val="3066578396"/>
+      </p:ext>
+    </p:extLst>
+  </p:cSld>
+  <p:clrMapOvr>
+    <a:masterClrMapping/>
+  </p:clrMapOvr>
+  <p:transition spd="med">
+    <p:fade/>
+  </p:transition>
+</p:sld>
+</file>
+
+<file path=ppt/slides/slide17.xml><?xml version="1.0" encoding="utf-8"?>
+<p:sld xmlns:a="http://schemas.openxmlformats.org/drawingml/2006/main" xmlns:r="http://schemas.openxmlformats.org/officeDocument/2006/relationships" xmlns:p="http://schemas.openxmlformats.org/presentationml/2006/main">
+  <p:cSld>
+    <p:spTree>
+      <p:nvGrpSpPr>
+        <p:cNvPr id="1" name=""/>
+        <p:cNvGrpSpPr/>
+        <p:nvPr/>
+      </p:nvGrpSpPr>
+      <p:grpSpPr>
+        <a:xfrm>
+          <a:off x="0" y="0"/>
+          <a:ext cx="0" cy="0"/>
+          <a:chOff x="0" y="0"/>
+          <a:chExt cx="0" cy="0"/>
+        </a:xfrm>
+      </p:grpSpPr>
+      <p:pic>
+        <p:nvPicPr>
+          <p:cNvPr id="5" name="Picture 2" descr="Resultado de imagem para SENAC LOGO PNG">
+            <a:extLst>
+              <a:ext uri="{FF2B5EF4-FFF2-40B4-BE49-F238E27FC236}">
+                <a16:creationId xmlns:a16="http://schemas.microsoft.com/office/drawing/2014/main" id="{7C31DA61-2BE8-4C07-ACCF-C1925FAC9E65}"/>
+              </a:ext>
+            </a:extLst>
+          </p:cNvPr>
+          <p:cNvPicPr>
+            <a:picLocks noChangeAspect="1" noChangeArrowheads="1"/>
+          </p:cNvPicPr>
+          <p:nvPr/>
+        </p:nvPicPr>
+        <p:blipFill>
+          <a:blip r:embed="rId2" cstate="print">
+            <a:extLst>
+              <a:ext uri="{28A0092B-C50C-407E-A947-70E740481C1C}">
+                <a14:useLocalDpi xmlns:a14="http://schemas.microsoft.com/office/drawing/2010/main" val="0"/>
+              </a:ext>
+            </a:extLst>
+          </a:blip>
+          <a:srcRect/>
+          <a:stretch>
+            <a:fillRect/>
+          </a:stretch>
+        </p:blipFill>
+        <p:spPr bwMode="auto">
+          <a:xfrm>
+            <a:off x="8100392" y="6237312"/>
+            <a:ext cx="928216" cy="544038"/>
+          </a:xfrm>
+          <a:prstGeom prst="rect">
+            <a:avLst/>
+          </a:prstGeom>
+          <a:noFill/>
+          <a:extLst>
+            <a:ext uri="{909E8E84-426E-40DD-AFC4-6F175D3DCCD1}">
+              <a14:hiddenFill xmlns:a14="http://schemas.microsoft.com/office/drawing/2010/main">
+                <a:solidFill>
+                  <a:srgbClr val="FFFFFF"/>
+                </a:solidFill>
+              </a14:hiddenFill>
+            </a:ext>
+          </a:extLst>
+        </p:spPr>
+      </p:pic>
+      <p:sp>
+        <p:nvSpPr>
+          <p:cNvPr id="6" name="Retângulo 5"/>
+          <p:cNvSpPr/>
+          <p:nvPr/>
+        </p:nvSpPr>
+        <p:spPr bwMode="auto">
+          <a:xfrm>
+            <a:off x="0" y="0"/>
+            <a:ext cx="251520" cy="6885384"/>
+          </a:xfrm>
+          <a:prstGeom prst="rect">
+            <a:avLst/>
+          </a:prstGeom>
+          <a:solidFill>
+            <a:schemeClr val="bg1"/>
+          </a:solidFill>
+          <a:ln w="9525" cap="flat" cmpd="sng" algn="ctr">
+            <a:solidFill>
+              <a:schemeClr val="bg1"/>
+            </a:solidFill>
+            <a:prstDash val="solid"/>
+            <a:round/>
+            <a:headEnd type="none" w="med" len="med"/>
+            <a:tailEnd type="none" w="med" len="med"/>
+          </a:ln>
+          <a:effectLst/>
+          <a:extLst/>
+        </p:spPr>
+        <p:txBody>
+          <a:bodyPr vert="horz" wrap="square" lIns="91440" tIns="45720" rIns="91440" bIns="45720" numCol="1" rtlCol="0" anchor="t" anchorCtr="0" compatLnSpc="1">
+            <a:prstTxWarp prst="textNoShape">
+              <a:avLst/>
+            </a:prstTxWarp>
+          </a:bodyPr>
+          <a:lstStyle/>
+          <a:p>
+            <a:pPr marL="0" marR="0" indent="0" algn="l" defTabSz="914400" rtl="0" eaLnBrk="0" fontAlgn="base" latinLnBrk="0" hangingPunct="0">
+              <a:lnSpc>
+                <a:spcPct val="100000"/>
+              </a:lnSpc>
+              <a:spcBef>
+                <a:spcPct val="0"/>
+              </a:spcBef>
+              <a:spcAft>
+                <a:spcPct val="0"/>
+              </a:spcAft>
+              <a:buClrTx/>
+              <a:buSzTx/>
+              <a:buFontTx/>
+              <a:buNone/>
+              <a:tabLst/>
+            </a:pPr>
+            <a:endParaRPr kumimoji="0" lang="pt-BR" sz="1800" b="0" i="0" u="none" strike="noStrike" cap="none" normalizeH="0" baseline="0">
+              <a:ln>
+                <a:noFill/>
+              </a:ln>
+              <a:solidFill>
+                <a:schemeClr val="tx1"/>
+              </a:solidFill>
+              <a:effectLst/>
+              <a:latin typeface="Arial" charset="0"/>
+            </a:endParaRPr>
+          </a:p>
+        </p:txBody>
+      </p:sp>
+      <p:pic>
+        <p:nvPicPr>
+          <p:cNvPr id="2" name="Imagem 1"/>
+          <p:cNvPicPr>
+            <a:picLocks noChangeAspect="1"/>
+          </p:cNvPicPr>
+          <p:nvPr/>
+        </p:nvPicPr>
+        <p:blipFill rotWithShape="1">
+          <a:blip r:embed="rId3"/>
+          <a:srcRect b="6321"/>
+          <a:stretch/>
+        </p:blipFill>
+        <p:spPr>
+          <a:xfrm>
+            <a:off x="0" y="4477"/>
+            <a:ext cx="9153729" cy="4823527"/>
+          </a:xfrm>
+          <a:prstGeom prst="rect">
+            <a:avLst/>
+          </a:prstGeom>
+        </p:spPr>
+      </p:pic>
+    </p:spTree>
+    <p:extLst>
+      <p:ext uri="{BB962C8B-B14F-4D97-AF65-F5344CB8AC3E}">
+        <p14:creationId xmlns:p14="http://schemas.microsoft.com/office/powerpoint/2010/main" val="3120090733"/>
+      </p:ext>
+    </p:extLst>
+  </p:cSld>
+  <p:clrMapOvr>
+    <a:masterClrMapping/>
+  </p:clrMapOvr>
+  <p:transition spd="med">
+    <p:fade/>
+  </p:transition>
+</p:sld>
+</file>
+
+<file path=ppt/slides/slide18.xml><?xml version="1.0" encoding="utf-8"?>
+<p:sld xmlns:a="http://schemas.openxmlformats.org/drawingml/2006/main" xmlns:r="http://schemas.openxmlformats.org/officeDocument/2006/relationships" xmlns:p="http://schemas.openxmlformats.org/presentationml/2006/main">
+  <p:cSld>
+    <p:spTree>
+      <p:nvGrpSpPr>
+        <p:cNvPr id="1" name=""/>
+        <p:cNvGrpSpPr/>
+        <p:nvPr/>
+      </p:nvGrpSpPr>
+      <p:grpSpPr>
+        <a:xfrm>
+          <a:off x="0" y="0"/>
+          <a:ext cx="0" cy="0"/>
+          <a:chOff x="0" y="0"/>
+          <a:chExt cx="0" cy="0"/>
+        </a:xfrm>
+      </p:grpSpPr>
+      <p:pic>
+        <p:nvPicPr>
+          <p:cNvPr id="5" name="Picture 2" descr="Resultado de imagem para SENAC LOGO PNG">
+            <a:extLst>
+              <a:ext uri="{FF2B5EF4-FFF2-40B4-BE49-F238E27FC236}">
+                <a16:creationId xmlns:a16="http://schemas.microsoft.com/office/drawing/2014/main" id="{7C31DA61-2BE8-4C07-ACCF-C1925FAC9E65}"/>
+              </a:ext>
+            </a:extLst>
+          </p:cNvPr>
+          <p:cNvPicPr>
+            <a:picLocks noChangeAspect="1" noChangeArrowheads="1"/>
+          </p:cNvPicPr>
+          <p:nvPr/>
+        </p:nvPicPr>
+        <p:blipFill>
+          <a:blip r:embed="rId2" cstate="print">
+            <a:extLst>
+              <a:ext uri="{28A0092B-C50C-407E-A947-70E740481C1C}">
+                <a14:useLocalDpi xmlns:a14="http://schemas.microsoft.com/office/drawing/2010/main" val="0"/>
+              </a:ext>
+            </a:extLst>
+          </a:blip>
+          <a:srcRect/>
+          <a:stretch>
+            <a:fillRect/>
+          </a:stretch>
+        </p:blipFill>
+        <p:spPr bwMode="auto">
+          <a:xfrm>
+            <a:off x="8100392" y="6237312"/>
+            <a:ext cx="928216" cy="544038"/>
+          </a:xfrm>
+          <a:prstGeom prst="rect">
+            <a:avLst/>
+          </a:prstGeom>
+          <a:noFill/>
+          <a:extLst>
+            <a:ext uri="{909E8E84-426E-40DD-AFC4-6F175D3DCCD1}">
+              <a14:hiddenFill xmlns:a14="http://schemas.microsoft.com/office/drawing/2010/main">
+                <a:solidFill>
+                  <a:srgbClr val="FFFFFF"/>
+                </a:solidFill>
+              </a14:hiddenFill>
+            </a:ext>
+          </a:extLst>
+        </p:spPr>
+      </p:pic>
+      <p:sp>
+        <p:nvSpPr>
+          <p:cNvPr id="4" name="Retângulo 3"/>
+          <p:cNvSpPr/>
+          <p:nvPr/>
+        </p:nvSpPr>
+        <p:spPr bwMode="auto">
+          <a:xfrm>
+            <a:off x="0" y="0"/>
+            <a:ext cx="251520" cy="6885384"/>
+          </a:xfrm>
+          <a:prstGeom prst="rect">
+            <a:avLst/>
+          </a:prstGeom>
+          <a:solidFill>
+            <a:schemeClr val="bg1"/>
+          </a:solidFill>
+          <a:ln w="9525" cap="flat" cmpd="sng" algn="ctr">
+            <a:solidFill>
+              <a:schemeClr val="bg1"/>
+            </a:solidFill>
+            <a:prstDash val="solid"/>
+            <a:round/>
+            <a:headEnd type="none" w="med" len="med"/>
+            <a:tailEnd type="none" w="med" len="med"/>
+          </a:ln>
+          <a:effectLst/>
+          <a:extLst/>
+        </p:spPr>
+        <p:txBody>
+          <a:bodyPr vert="horz" wrap="square" lIns="91440" tIns="45720" rIns="91440" bIns="45720" numCol="1" rtlCol="0" anchor="t" anchorCtr="0" compatLnSpc="1">
+            <a:prstTxWarp prst="textNoShape">
+              <a:avLst/>
+            </a:prstTxWarp>
+          </a:bodyPr>
+          <a:lstStyle/>
+          <a:p>
+            <a:pPr marL="0" marR="0" indent="0" algn="l" defTabSz="914400" rtl="0" eaLnBrk="0" fontAlgn="base" latinLnBrk="0" hangingPunct="0">
+              <a:lnSpc>
+                <a:spcPct val="100000"/>
+              </a:lnSpc>
+              <a:spcBef>
+                <a:spcPct val="0"/>
+              </a:spcBef>
+              <a:spcAft>
+                <a:spcPct val="0"/>
+              </a:spcAft>
+              <a:buClrTx/>
+              <a:buSzTx/>
+              <a:buFontTx/>
+              <a:buNone/>
+              <a:tabLst/>
+            </a:pPr>
+            <a:endParaRPr kumimoji="0" lang="pt-BR" sz="1800" b="0" i="0" u="none" strike="noStrike" cap="none" normalizeH="0" baseline="0">
+              <a:ln>
+                <a:noFill/>
+              </a:ln>
+              <a:solidFill>
+                <a:schemeClr val="tx1"/>
+              </a:solidFill>
+              <a:effectLst/>
+              <a:latin typeface="Arial" charset="0"/>
+            </a:endParaRPr>
+          </a:p>
+        </p:txBody>
+      </p:sp>
+      <p:pic>
+        <p:nvPicPr>
+          <p:cNvPr id="2" name="Imagem 1"/>
+          <p:cNvPicPr>
+            <a:picLocks noChangeAspect="1"/>
+          </p:cNvPicPr>
+          <p:nvPr/>
+        </p:nvPicPr>
+        <p:blipFill rotWithShape="1">
+          <a:blip r:embed="rId3"/>
+          <a:srcRect b="6321"/>
+          <a:stretch/>
+        </p:blipFill>
+        <p:spPr>
+          <a:xfrm>
+            <a:off x="1" y="-1"/>
+            <a:ext cx="9180512" cy="4837640"/>
+          </a:xfrm>
+          <a:prstGeom prst="rect">
+            <a:avLst/>
+          </a:prstGeom>
+        </p:spPr>
+      </p:pic>
+    </p:spTree>
+    <p:extLst>
+      <p:ext uri="{BB962C8B-B14F-4D97-AF65-F5344CB8AC3E}">
+        <p14:creationId xmlns:p14="http://schemas.microsoft.com/office/powerpoint/2010/main" val="3268836551"/>
+      </p:ext>
+    </p:extLst>
+  </p:cSld>
+  <p:clrMapOvr>
+    <a:masterClrMapping/>
+  </p:clrMapOvr>
+  <p:transition spd="med">
+    <p:fade/>
+  </p:transition>
+</p:sld>
+</file>
+
+<file path=ppt/slides/slide19.xml><?xml version="1.0" encoding="utf-8"?>
+<p:sld xmlns:a="http://schemas.openxmlformats.org/drawingml/2006/main" xmlns:r="http://schemas.openxmlformats.org/officeDocument/2006/relationships" xmlns:p="http://schemas.openxmlformats.org/presentationml/2006/main">
+  <p:cSld>
+    <p:spTree>
+      <p:nvGrpSpPr>
+        <p:cNvPr id="1" name=""/>
+        <p:cNvGrpSpPr/>
+        <p:nvPr/>
+      </p:nvGrpSpPr>
+      <p:grpSpPr>
+        <a:xfrm>
+          <a:off x="0" y="0"/>
+          <a:ext cx="0" cy="0"/>
+          <a:chOff x="0" y="0"/>
+          <a:chExt cx="0" cy="0"/>
+        </a:xfrm>
+      </p:grpSpPr>
+      <p:pic>
+        <p:nvPicPr>
+          <p:cNvPr id="5" name="Picture 2" descr="Resultado de imagem para SENAC LOGO PNG">
+            <a:extLst>
+              <a:ext uri="{FF2B5EF4-FFF2-40B4-BE49-F238E27FC236}">
+                <a16:creationId xmlns:a16="http://schemas.microsoft.com/office/drawing/2014/main" id="{7C31DA61-2BE8-4C07-ACCF-C1925FAC9E65}"/>
+              </a:ext>
+            </a:extLst>
+          </p:cNvPr>
+          <p:cNvPicPr>
+            <a:picLocks noChangeAspect="1" noChangeArrowheads="1"/>
+          </p:cNvPicPr>
+          <p:nvPr/>
+        </p:nvPicPr>
+        <p:blipFill>
+          <a:blip r:embed="rId2" cstate="print">
+            <a:extLst>
+              <a:ext uri="{28A0092B-C50C-407E-A947-70E740481C1C}">
+                <a14:useLocalDpi xmlns:a14="http://schemas.microsoft.com/office/drawing/2010/main" val="0"/>
+              </a:ext>
+            </a:extLst>
+          </a:blip>
+          <a:srcRect/>
+          <a:stretch>
+            <a:fillRect/>
+          </a:stretch>
+        </p:blipFill>
+        <p:spPr bwMode="auto">
+          <a:xfrm>
+            <a:off x="8100392" y="6237312"/>
+            <a:ext cx="928216" cy="544038"/>
+          </a:xfrm>
+          <a:prstGeom prst="rect">
+            <a:avLst/>
+          </a:prstGeom>
+          <a:noFill/>
+          <a:extLst>
+            <a:ext uri="{909E8E84-426E-40DD-AFC4-6F175D3DCCD1}">
+              <a14:hiddenFill xmlns:a14="http://schemas.microsoft.com/office/drawing/2010/main">
+                <a:solidFill>
+                  <a:srgbClr val="FFFFFF"/>
+                </a:solidFill>
+              </a14:hiddenFill>
+            </a:ext>
+          </a:extLst>
+        </p:spPr>
+      </p:pic>
+      <p:sp>
+        <p:nvSpPr>
+          <p:cNvPr id="4" name="Retângulo 3"/>
+          <p:cNvSpPr/>
+          <p:nvPr/>
+        </p:nvSpPr>
+        <p:spPr bwMode="auto">
+          <a:xfrm>
+            <a:off x="-32930" y="0"/>
+            <a:ext cx="500474" cy="6858000"/>
+          </a:xfrm>
+          <a:prstGeom prst="rect">
+            <a:avLst/>
+          </a:prstGeom>
+          <a:solidFill>
+            <a:schemeClr val="bg1"/>
+          </a:solidFill>
+          <a:ln w="9525" cap="flat" cmpd="sng" algn="ctr">
+            <a:solidFill>
+              <a:schemeClr val="bg1"/>
+            </a:solidFill>
+            <a:prstDash val="solid"/>
+            <a:round/>
+            <a:headEnd type="none" w="med" len="med"/>
+            <a:tailEnd type="none" w="med" len="med"/>
+          </a:ln>
+          <a:effectLst/>
+          <a:extLst/>
+        </p:spPr>
+        <p:txBody>
+          <a:bodyPr vert="horz" wrap="square" lIns="91440" tIns="45720" rIns="91440" bIns="45720" numCol="1" rtlCol="0" anchor="t" anchorCtr="0" compatLnSpc="1">
+            <a:prstTxWarp prst="textNoShape">
+              <a:avLst/>
+            </a:prstTxWarp>
+          </a:bodyPr>
+          <a:lstStyle/>
+          <a:p>
+            <a:pPr marL="0" marR="0" indent="0" algn="l" defTabSz="914400" rtl="0" eaLnBrk="0" fontAlgn="base" latinLnBrk="0" hangingPunct="0">
+              <a:lnSpc>
+                <a:spcPct val="100000"/>
+              </a:lnSpc>
+              <a:spcBef>
+                <a:spcPct val="0"/>
+              </a:spcBef>
+              <a:spcAft>
+                <a:spcPct val="0"/>
+              </a:spcAft>
+              <a:buClrTx/>
+              <a:buSzTx/>
+              <a:buFontTx/>
+              <a:buNone/>
+              <a:tabLst/>
+            </a:pPr>
+            <a:endParaRPr kumimoji="0" lang="pt-BR" sz="1800" b="0" i="0" u="none" strike="noStrike" cap="none" normalizeH="0" baseline="0">
+              <a:ln>
+                <a:noFill/>
+              </a:ln>
+              <a:solidFill>
+                <a:schemeClr val="tx1"/>
+              </a:solidFill>
+              <a:effectLst/>
+              <a:latin typeface="Arial" charset="0"/>
+            </a:endParaRPr>
+          </a:p>
+        </p:txBody>
+      </p:sp>
+      <p:pic>
+        <p:nvPicPr>
+          <p:cNvPr id="2" name="Imagem 1"/>
+          <p:cNvPicPr>
+            <a:picLocks noChangeAspect="1"/>
+          </p:cNvPicPr>
+          <p:nvPr/>
+        </p:nvPicPr>
+        <p:blipFill rotWithShape="1">
+          <a:blip r:embed="rId3"/>
+          <a:srcRect b="7160"/>
+          <a:stretch/>
+        </p:blipFill>
+        <p:spPr>
+          <a:xfrm>
+            <a:off x="-32930" y="0"/>
+            <a:ext cx="9176930" cy="4792391"/>
+          </a:xfrm>
+          <a:prstGeom prst="rect">
+            <a:avLst/>
+          </a:prstGeom>
+        </p:spPr>
+      </p:pic>
+    </p:spTree>
+    <p:extLst>
+      <p:ext uri="{BB962C8B-B14F-4D97-AF65-F5344CB8AC3E}">
+        <p14:creationId xmlns:p14="http://schemas.microsoft.com/office/powerpoint/2010/main" val="932243358"/>
+      </p:ext>
+    </p:extLst>
+  </p:cSld>
+  <p:clrMapOvr>
+    <a:masterClrMapping/>
+  </p:clrMapOvr>
+  <p:transition spd="med">
+    <p:fade/>
+  </p:transition>
+</p:sld>
+</file>
+
+<file path=ppt/slides/slide2.xml><?xml version="1.0" encoding="utf-8"?>
+<p:sld xmlns:a="http://schemas.openxmlformats.org/drawingml/2006/main" xmlns:r="http://schemas.openxmlformats.org/officeDocument/2006/relationships" xmlns:p="http://schemas.openxmlformats.org/presentationml/2006/main">
+  <p:cSld>
+    <p:spTree>
+      <p:nvGrpSpPr>
+        <p:cNvPr id="1" name=""/>
+        <p:cNvGrpSpPr/>
+        <p:nvPr/>
+      </p:nvGrpSpPr>
+      <p:grpSpPr>
+        <a:xfrm>
+          <a:off x="0" y="0"/>
+          <a:ext cx="0" cy="0"/>
+          <a:chOff x="0" y="0"/>
+          <a:chExt cx="0" cy="0"/>
+        </a:xfrm>
+      </p:grpSpPr>
+      <p:sp>
+        <p:nvSpPr>
+          <p:cNvPr id="18434" name="Rectangle 2"/>
+          <p:cNvSpPr>
+            <a:spLocks noGrp="1" noChangeArrowheads="1"/>
+          </p:cNvSpPr>
+          <p:nvPr>
+            <p:ph type="title"/>
+          </p:nvPr>
+        </p:nvSpPr>
+        <p:spPr/>
+        <p:txBody>
+          <a:bodyPr/>
+          <a:lstStyle/>
+          <a:p>
+            <a:r>
+              <a:rPr lang="pt-BR" dirty="0"/>
+              <a:t>SOBRE O PROJETO</a:t>
+            </a:r>
+          </a:p>
+        </p:txBody>
+      </p:sp>
+      <p:sp>
+        <p:nvSpPr>
+          <p:cNvPr id="18435" name="Rectangle 3"/>
+          <p:cNvSpPr>
+            <a:spLocks noGrp="1" noChangeArrowheads="1"/>
+          </p:cNvSpPr>
+          <p:nvPr>
+            <p:ph type="body" idx="1"/>
+          </p:nvPr>
+        </p:nvSpPr>
+        <p:spPr/>
+        <p:txBody>
+          <a:bodyPr/>
+          <a:lstStyle/>
+          <a:p>
+            <a:pPr marL="0" indent="0">
+              <a:buNone/>
+            </a:pPr>
+            <a:r>
+              <a:rPr lang="pt-BR" b="1" dirty="0"/>
+              <a:t>OBJETIVO</a:t>
+            </a:r>
+          </a:p>
+          <a:p>
+            <a:endParaRPr lang="pt-BR" dirty="0"/>
+          </a:p>
+          <a:p>
+            <a:r>
+              <a:rPr lang="pt-BR" dirty="0"/>
+              <a:t>FACILITAR E SISTEMATIZAR AS VENDAS DO BAZAR</a:t>
+            </a:r>
+          </a:p>
+          <a:p>
+            <a:endParaRPr lang="pt-BR" dirty="0"/>
+          </a:p>
+          <a:p>
+            <a:r>
+              <a:rPr lang="pt-BR" dirty="0"/>
+              <a:t>CONTABILIZAR RENDIMENTOS E ENTRADA DE DOAÇÕES</a:t>
+            </a:r>
+          </a:p>
+          <a:p>
+            <a:endParaRPr lang="pt-BR" dirty="0"/>
+          </a:p>
+          <a:p>
+            <a:r>
+              <a:rPr lang="pt-BR" dirty="0"/>
+              <a:t>INFORMAR O QUE FOI MAIS VENDIDO</a:t>
+            </a:r>
+          </a:p>
+          <a:p>
+            <a:endParaRPr lang="pt-BR" dirty="0"/>
+          </a:p>
+        </p:txBody>
+      </p:sp>
+      <p:pic>
+        <p:nvPicPr>
+          <p:cNvPr id="4" name="Picture 2" descr="Resultado de imagem para SENAC LOGO PNG">
+            <a:extLst>
+              <a:ext uri="{FF2B5EF4-FFF2-40B4-BE49-F238E27FC236}">
+                <a16:creationId xmlns:a16="http://schemas.microsoft.com/office/drawing/2014/main" id="{BE9FCA3B-9D43-4489-BB1F-1C6D1AFAAD2E}"/>
+              </a:ext>
+            </a:extLst>
+          </p:cNvPr>
+          <p:cNvPicPr>
+            <a:picLocks noChangeAspect="1" noChangeArrowheads="1"/>
+          </p:cNvPicPr>
+          <p:nvPr/>
+        </p:nvPicPr>
+        <p:blipFill>
+          <a:blip r:embed="rId2" cstate="print">
+            <a:extLst>
+              <a:ext uri="{28A0092B-C50C-407E-A947-70E740481C1C}">
+                <a14:useLocalDpi xmlns:a14="http://schemas.microsoft.com/office/drawing/2010/main" val="0"/>
+              </a:ext>
+            </a:extLst>
+          </a:blip>
+          <a:srcRect/>
+          <a:stretch>
+            <a:fillRect/>
+          </a:stretch>
+        </p:blipFill>
+        <p:spPr bwMode="auto">
+          <a:xfrm>
+            <a:off x="8100392" y="6237312"/>
+            <a:ext cx="928216" cy="544038"/>
+          </a:xfrm>
+          <a:prstGeom prst="rect">
+            <a:avLst/>
+          </a:prstGeom>
+          <a:noFill/>
+          <a:extLst>
+            <a:ext uri="{909E8E84-426E-40DD-AFC4-6F175D3DCCD1}">
+              <a14:hiddenFill xmlns:a14="http://schemas.microsoft.com/office/drawing/2010/main">
+                <a:solidFill>
+                  <a:srgbClr val="FFFFFF"/>
+                </a:solidFill>
+              </a14:hiddenFill>
+            </a:ext>
+          </a:extLst>
+        </p:spPr>
+      </p:pic>
+    </p:spTree>
+  </p:cSld>
+  <p:clrMapOvr>
+    <a:masterClrMapping/>
+  </p:clrMapOvr>
+  <p:transition spd="med">
+    <p:fade/>
+  </p:transition>
+  <p:timing>
+    <p:tnLst>
+      <p:par>
+        <p:cTn id="1" dur="indefinite" restart="never" nodeType="tmRoot"/>
+      </p:par>
+    </p:tnLst>
+  </p:timing>
+</p:sld>
+</file>
+
+<file path=ppt/slides/slide20.xml><?xml version="1.0" encoding="utf-8"?>
+<p:sld xmlns:a="http://schemas.openxmlformats.org/drawingml/2006/main" xmlns:r="http://schemas.openxmlformats.org/officeDocument/2006/relationships" xmlns:p="http://schemas.openxmlformats.org/presentationml/2006/main">
+  <p:cSld>
+    <p:spTree>
+      <p:nvGrpSpPr>
+        <p:cNvPr id="1" name=""/>
+        <p:cNvGrpSpPr/>
+        <p:nvPr/>
+      </p:nvGrpSpPr>
+      <p:grpSpPr>
+        <a:xfrm>
+          <a:off x="0" y="0"/>
+          <a:ext cx="0" cy="0"/>
+          <a:chOff x="0" y="0"/>
+          <a:chExt cx="0" cy="0"/>
+        </a:xfrm>
+      </p:grpSpPr>
+      <p:sp>
+        <p:nvSpPr>
+          <p:cNvPr id="2050" name="Rectangle 2"/>
+          <p:cNvSpPr>
+            <a:spLocks noGrp="1" noChangeArrowheads="1"/>
+          </p:cNvSpPr>
+          <p:nvPr>
+            <p:ph type="ctrTitle"/>
+          </p:nvPr>
+        </p:nvSpPr>
+        <p:spPr/>
+        <p:txBody>
+          <a:bodyPr/>
+          <a:lstStyle/>
+          <a:p>
+            <a:r>
+              <a:rPr lang="pt-BR" dirty="0"/>
+              <a:t>PROJETO INTEGRADOR</a:t>
+            </a:r>
+          </a:p>
+        </p:txBody>
+      </p:sp>
+      <p:sp>
+        <p:nvSpPr>
+          <p:cNvPr id="2051" name="Rectangle 3"/>
+          <p:cNvSpPr>
+            <a:spLocks noGrp="1" noChangeArrowheads="1"/>
+          </p:cNvSpPr>
+          <p:nvPr>
+            <p:ph type="subTitle" idx="1"/>
+          </p:nvPr>
+        </p:nvSpPr>
+        <p:spPr/>
+        <p:txBody>
+          <a:bodyPr/>
+          <a:lstStyle/>
+          <a:p>
+            <a:r>
+              <a:rPr lang="pt-BR" b="1" dirty="0"/>
+              <a:t>ALUNOS</a:t>
+            </a:r>
+          </a:p>
+          <a:p>
+            <a:r>
+              <a:rPr lang="pt-BR" sz="2800" b="1" dirty="0"/>
+              <a:t>ALICE, ANDRÉ, NATÁLIA E YAN</a:t>
+            </a:r>
+          </a:p>
+          <a:p>
+            <a:endParaRPr lang="pt-BR" sz="2800" b="1" dirty="0"/>
+          </a:p>
+          <a:p>
+            <a:r>
+              <a:rPr lang="pt-BR" b="1" dirty="0"/>
+              <a:t>PROFESSORES</a:t>
+            </a:r>
+          </a:p>
+          <a:p>
+            <a:r>
+              <a:rPr lang="pt-BR" sz="2800" b="1" dirty="0"/>
+              <a:t>ELDES, RODRIGO E SALMO</a:t>
+            </a:r>
+            <a:endParaRPr lang="pt-BR" sz="2800" dirty="0"/>
+          </a:p>
+        </p:txBody>
+      </p:sp>
+      <p:pic>
+        <p:nvPicPr>
+          <p:cNvPr id="1026" name="Picture 2" descr="Resultado de imagem para SENAC LOGO PNG">
+            <a:extLst>
+              <a:ext uri="{FF2B5EF4-FFF2-40B4-BE49-F238E27FC236}">
+                <a16:creationId xmlns:a16="http://schemas.microsoft.com/office/drawing/2014/main" id="{8C6E2A77-5B82-4F7F-8C0E-AD4D699CB5FF}"/>
+              </a:ext>
+            </a:extLst>
+          </p:cNvPr>
+          <p:cNvPicPr>
+            <a:picLocks noChangeAspect="1" noChangeArrowheads="1"/>
+          </p:cNvPicPr>
+          <p:nvPr/>
+        </p:nvPicPr>
+        <p:blipFill>
+          <a:blip r:embed="rId3" cstate="print">
+            <a:extLst>
+              <a:ext uri="{28A0092B-C50C-407E-A947-70E740481C1C}">
+                <a14:useLocalDpi xmlns:a14="http://schemas.microsoft.com/office/drawing/2010/main" val="0"/>
+              </a:ext>
+            </a:extLst>
+          </a:blip>
+          <a:srcRect/>
+          <a:stretch>
+            <a:fillRect/>
+          </a:stretch>
+        </p:blipFill>
+        <p:spPr bwMode="auto">
+          <a:xfrm>
+            <a:off x="7596336" y="5923571"/>
+            <a:ext cx="1365080" cy="800090"/>
+          </a:xfrm>
+          <a:prstGeom prst="rect">
+            <a:avLst/>
+          </a:prstGeom>
+          <a:noFill/>
+          <a:extLst>
+            <a:ext uri="{909E8E84-426E-40DD-AFC4-6F175D3DCCD1}">
+              <a14:hiddenFill xmlns:a14="http://schemas.microsoft.com/office/drawing/2010/main">
+                <a:solidFill>
+                  <a:srgbClr val="FFFFFF"/>
+                </a:solidFill>
+              </a14:hiddenFill>
+            </a:ext>
+          </a:extLst>
+        </p:spPr>
+      </p:pic>
+      <p:pic>
+        <p:nvPicPr>
+          <p:cNvPr id="3" name="Imagem 2">
+            <a:extLst>
+              <a:ext uri="{FF2B5EF4-FFF2-40B4-BE49-F238E27FC236}">
+                <a16:creationId xmlns:a16="http://schemas.microsoft.com/office/drawing/2014/main" id="{86B752F1-33E6-4FCC-9A1D-E4282A41C685}"/>
+              </a:ext>
+            </a:extLst>
+          </p:cNvPr>
+          <p:cNvPicPr>
+            <a:picLocks noChangeAspect="1"/>
+          </p:cNvPicPr>
+          <p:nvPr/>
+        </p:nvPicPr>
+        <p:blipFill>
+          <a:blip r:embed="rId4">
+            <a:extLst>
+              <a:ext uri="{28A0092B-C50C-407E-A947-70E740481C1C}">
+                <a14:useLocalDpi xmlns:a14="http://schemas.microsoft.com/office/drawing/2010/main" val="0"/>
+              </a:ext>
+            </a:extLst>
+          </a:blip>
+          <a:stretch>
+            <a:fillRect/>
+          </a:stretch>
+        </p:blipFill>
+        <p:spPr>
+          <a:xfrm>
+            <a:off x="183023" y="5923571"/>
+            <a:ext cx="2228106" cy="794892"/>
+          </a:xfrm>
+          <a:prstGeom prst="rect">
+            <a:avLst/>
+          </a:prstGeom>
+        </p:spPr>
+      </p:pic>
+    </p:spTree>
+    <p:extLst>
+      <p:ext uri="{BB962C8B-B14F-4D97-AF65-F5344CB8AC3E}">
+        <p14:creationId xmlns:p14="http://schemas.microsoft.com/office/powerpoint/2010/main" val="747050"/>
+      </p:ext>
+    </p:extLst>
+  </p:cSld>
+  <p:clrMapOvr>
+    <a:masterClrMapping/>
+  </p:clrMapOvr>
+  <p:transition spd="med">
+    <p:fade/>
+  </p:transition>
+</p:sld>
+</file>
+
+<file path=ppt/slides/slide3.xml><?xml version="1.0" encoding="utf-8"?>
+<p:sld xmlns:a="http://schemas.openxmlformats.org/drawingml/2006/main" xmlns:r="http://schemas.openxmlformats.org/officeDocument/2006/relationships" xmlns:p="http://schemas.openxmlformats.org/presentationml/2006/main">
+  <p:cSld>
+    <p:spTree>
+      <p:nvGrpSpPr>
+        <p:cNvPr id="1" name=""/>
+        <p:cNvGrpSpPr/>
+        <p:nvPr/>
+      </p:nvGrpSpPr>
+      <p:grpSpPr>
+        <a:xfrm>
+          <a:off x="0" y="0"/>
+          <a:ext cx="0" cy="0"/>
+          <a:chOff x="0" y="0"/>
+          <a:chExt cx="0" cy="0"/>
+        </a:xfrm>
+      </p:grpSpPr>
+      <p:sp>
+        <p:nvSpPr>
+          <p:cNvPr id="2050" name="Rectangle 2"/>
+          <p:cNvSpPr>
+            <a:spLocks noGrp="1" noChangeArrowheads="1"/>
+          </p:cNvSpPr>
+          <p:nvPr>
+            <p:ph type="ctrTitle"/>
+          </p:nvPr>
+        </p:nvSpPr>
+        <p:spPr/>
+        <p:txBody>
+          <a:bodyPr/>
+          <a:lstStyle/>
+          <a:p>
+            <a:r>
+              <a:rPr lang="pt-BR" dirty="0"/>
+              <a:t>TELAS DO USUÁRIO</a:t>
+            </a:r>
+          </a:p>
+        </p:txBody>
+      </p:sp>
+      <p:pic>
+        <p:nvPicPr>
+          <p:cNvPr id="6" name="Picture 2" descr="Resultado de imagem para SENAC LOGO PNG">
+            <a:extLst>
+              <a:ext uri="{FF2B5EF4-FFF2-40B4-BE49-F238E27FC236}">
+                <a16:creationId xmlns:a16="http://schemas.microsoft.com/office/drawing/2014/main" id="{8E0CD0C8-2CB4-4691-AD9B-732C161DBED7}"/>
+              </a:ext>
+            </a:extLst>
+          </p:cNvPr>
+          <p:cNvPicPr>
+            <a:picLocks noChangeAspect="1" noChangeArrowheads="1"/>
+          </p:cNvPicPr>
+          <p:nvPr/>
+        </p:nvPicPr>
+        <p:blipFill>
+          <a:blip r:embed="rId3" cstate="print">
+            <a:extLst>
+              <a:ext uri="{28A0092B-C50C-407E-A947-70E740481C1C}">
+                <a14:useLocalDpi xmlns:a14="http://schemas.microsoft.com/office/drawing/2010/main" val="0"/>
+              </a:ext>
+            </a:extLst>
+          </a:blip>
+          <a:srcRect/>
+          <a:stretch>
+            <a:fillRect/>
+          </a:stretch>
+        </p:blipFill>
+        <p:spPr bwMode="auto">
+          <a:xfrm>
+            <a:off x="8100392" y="6237312"/>
+            <a:ext cx="928216" cy="544038"/>
+          </a:xfrm>
+          <a:prstGeom prst="rect">
+            <a:avLst/>
+          </a:prstGeom>
+          <a:noFill/>
+          <a:extLst>
+            <a:ext uri="{909E8E84-426E-40DD-AFC4-6F175D3DCCD1}">
+              <a14:hiddenFill xmlns:a14="http://schemas.microsoft.com/office/drawing/2010/main">
+                <a:solidFill>
+                  <a:srgbClr val="FFFFFF"/>
+                </a:solidFill>
+              </a14:hiddenFill>
+            </a:ext>
+          </a:extLst>
+        </p:spPr>
+      </p:pic>
+    </p:spTree>
+    <p:extLst>
+      <p:ext uri="{BB962C8B-B14F-4D97-AF65-F5344CB8AC3E}">
+        <p14:creationId xmlns:p14="http://schemas.microsoft.com/office/powerpoint/2010/main" val="2998186356"/>
+      </p:ext>
+    </p:extLst>
+  </p:cSld>
+  <p:clrMapOvr>
+    <a:masterClrMapping/>
+  </p:clrMapOvr>
+  <p:transition spd="med">
+    <p:fade/>
+  </p:transition>
+  <p:timing>
+    <p:tnLst>
+      <p:par>
+        <p:cTn id="1" dur="indefinite" restart="never" nodeType="tmRoot"/>
+      </p:par>
+    </p:tnLst>
+  </p:timing>
+</p:sld>
+</file>
+
+<file path=ppt/slides/slide4.xml><?xml version="1.0" encoding="utf-8"?>
+<p:sld xmlns:a="http://schemas.openxmlformats.org/drawingml/2006/main" xmlns:r="http://schemas.openxmlformats.org/officeDocument/2006/relationships" xmlns:p="http://schemas.openxmlformats.org/presentationml/2006/main">
+  <p:cSld>
+    <p:spTree>
+      <p:nvGrpSpPr>
+        <p:cNvPr id="1" name=""/>
+        <p:cNvGrpSpPr/>
+        <p:nvPr/>
+      </p:nvGrpSpPr>
+      <p:grpSpPr>
+        <a:xfrm>
+          <a:off x="0" y="0"/>
+          <a:ext cx="0" cy="0"/>
+          <a:chOff x="0" y="0"/>
+          <a:chExt cx="0" cy="0"/>
+        </a:xfrm>
+      </p:grpSpPr>
+      <p:sp>
+        <p:nvSpPr>
+          <p:cNvPr id="3" name="Retângulo 2"/>
+          <p:cNvSpPr/>
+          <p:nvPr/>
+        </p:nvSpPr>
+        <p:spPr bwMode="auto">
+          <a:xfrm>
+            <a:off x="0" y="0"/>
+            <a:ext cx="251520" cy="6885384"/>
+          </a:xfrm>
+          <a:prstGeom prst="rect">
+            <a:avLst/>
+          </a:prstGeom>
+          <a:solidFill>
+            <a:schemeClr val="bg1"/>
+          </a:solidFill>
+          <a:ln w="9525" cap="flat" cmpd="sng" algn="ctr">
+            <a:solidFill>
+              <a:schemeClr val="bg1"/>
+            </a:solidFill>
+            <a:prstDash val="solid"/>
+            <a:round/>
+            <a:headEnd type="none" w="med" len="med"/>
+            <a:tailEnd type="none" w="med" len="med"/>
+          </a:ln>
+          <a:effectLst/>
+          <a:extLst/>
+        </p:spPr>
+        <p:txBody>
+          <a:bodyPr vert="horz" wrap="square" lIns="91440" tIns="45720" rIns="91440" bIns="45720" numCol="1" rtlCol="0" anchor="t" anchorCtr="0" compatLnSpc="1">
+            <a:prstTxWarp prst="textNoShape">
+              <a:avLst/>
+            </a:prstTxWarp>
+          </a:bodyPr>
+          <a:lstStyle/>
+          <a:p>
+            <a:pPr marL="0" marR="0" indent="0" algn="l" defTabSz="914400" rtl="0" eaLnBrk="0" fontAlgn="base" latinLnBrk="0" hangingPunct="0">
+              <a:lnSpc>
+                <a:spcPct val="100000"/>
+              </a:lnSpc>
+              <a:spcBef>
+                <a:spcPct val="0"/>
+              </a:spcBef>
+              <a:spcAft>
+                <a:spcPct val="0"/>
+              </a:spcAft>
+              <a:buClrTx/>
+              <a:buSzTx/>
+              <a:buFontTx/>
+              <a:buNone/>
+              <a:tabLst/>
+            </a:pPr>
+            <a:endParaRPr kumimoji="0" lang="pt-BR" sz="1800" b="0" i="0" u="none" strike="noStrike" cap="none" normalizeH="0" baseline="0">
+              <a:ln>
+                <a:noFill/>
+              </a:ln>
+              <a:solidFill>
+                <a:schemeClr val="tx1"/>
+              </a:solidFill>
+              <a:effectLst/>
+              <a:latin typeface="Arial" charset="0"/>
+            </a:endParaRPr>
+          </a:p>
+        </p:txBody>
+      </p:sp>
+      <p:pic>
+        <p:nvPicPr>
+          <p:cNvPr id="2" name="Imagem 1"/>
+          <p:cNvPicPr>
+            <a:picLocks noChangeAspect="1"/>
+          </p:cNvPicPr>
+          <p:nvPr/>
+        </p:nvPicPr>
+        <p:blipFill rotWithShape="1">
+          <a:blip r:embed="rId2"/>
+          <a:srcRect t="9240" b="5081"/>
+          <a:stretch/>
+        </p:blipFill>
+        <p:spPr>
+          <a:xfrm>
+            <a:off x="-3323184" y="-27384"/>
+            <a:ext cx="15240000" cy="7344816"/>
+          </a:xfrm>
+          <a:prstGeom prst="rect">
+            <a:avLst/>
+          </a:prstGeom>
+        </p:spPr>
+      </p:pic>
+    </p:spTree>
+    <p:extLst>
+      <p:ext uri="{BB962C8B-B14F-4D97-AF65-F5344CB8AC3E}">
+        <p14:creationId xmlns:p14="http://schemas.microsoft.com/office/powerpoint/2010/main" val="391730549"/>
+      </p:ext>
+    </p:extLst>
+  </p:cSld>
+  <p:clrMapOvr>
+    <a:masterClrMapping/>
+  </p:clrMapOvr>
+  <p:timing>
+    <p:tnLst>
+      <p:par>
+        <p:cTn id="1" dur="indefinite" restart="never" nodeType="tmRoot"/>
+      </p:par>
+    </p:tnLst>
+  </p:timing>
+</p:sld>
+</file>
+
+<file path=ppt/slides/slide5.xml><?xml version="1.0" encoding="utf-8"?>
+<p:sld xmlns:a="http://schemas.openxmlformats.org/drawingml/2006/main" xmlns:r="http://schemas.openxmlformats.org/officeDocument/2006/relationships" xmlns:p="http://schemas.openxmlformats.org/presentationml/2006/main">
+  <p:cSld>
+    <p:spTree>
+      <p:nvGrpSpPr>
+        <p:cNvPr id="1" name=""/>
+        <p:cNvGrpSpPr/>
+        <p:nvPr/>
+      </p:nvGrpSpPr>
+      <p:grpSpPr>
+        <a:xfrm>
+          <a:off x="0" y="0"/>
+          <a:ext cx="0" cy="0"/>
+          <a:chOff x="0" y="0"/>
+          <a:chExt cx="0" cy="0"/>
+        </a:xfrm>
+      </p:grpSpPr>
+      <p:sp>
+        <p:nvSpPr>
+          <p:cNvPr id="3" name="Retângulo 2"/>
+          <p:cNvSpPr/>
+          <p:nvPr/>
+        </p:nvSpPr>
+        <p:spPr bwMode="auto">
+          <a:xfrm>
+            <a:off x="0" y="0"/>
+            <a:ext cx="251520" cy="6885384"/>
+          </a:xfrm>
+          <a:prstGeom prst="rect">
+            <a:avLst/>
+          </a:prstGeom>
+          <a:solidFill>
+            <a:schemeClr val="bg1"/>
+          </a:solidFill>
+          <a:ln w="9525" cap="flat" cmpd="sng" algn="ctr">
+            <a:solidFill>
+              <a:schemeClr val="bg1"/>
+            </a:solidFill>
+            <a:prstDash val="solid"/>
+            <a:round/>
+            <a:headEnd type="none" w="med" len="med"/>
+            <a:tailEnd type="none" w="med" len="med"/>
+          </a:ln>
+          <a:effectLst/>
+          <a:extLst/>
+        </p:spPr>
+        <p:txBody>
+          <a:bodyPr vert="horz" wrap="square" lIns="91440" tIns="45720" rIns="91440" bIns="45720" numCol="1" rtlCol="0" anchor="t" anchorCtr="0" compatLnSpc="1">
+            <a:prstTxWarp prst="textNoShape">
+              <a:avLst/>
+            </a:prstTxWarp>
+          </a:bodyPr>
+          <a:lstStyle/>
+          <a:p>
+            <a:pPr marL="0" marR="0" indent="0" algn="l" defTabSz="914400" rtl="0" eaLnBrk="0" fontAlgn="base" latinLnBrk="0" hangingPunct="0">
+              <a:lnSpc>
+                <a:spcPct val="100000"/>
+              </a:lnSpc>
+              <a:spcBef>
+                <a:spcPct val="0"/>
+              </a:spcBef>
+              <a:spcAft>
+                <a:spcPct val="0"/>
+              </a:spcAft>
+              <a:buClrTx/>
+              <a:buSzTx/>
+              <a:buFontTx/>
+              <a:buNone/>
+              <a:tabLst/>
+            </a:pPr>
+            <a:endParaRPr kumimoji="0" lang="pt-BR" sz="1800" b="0" i="0" u="none" strike="noStrike" cap="none" normalizeH="0" baseline="0">
+              <a:ln>
+                <a:noFill/>
+              </a:ln>
+              <a:solidFill>
+                <a:schemeClr val="tx1"/>
+              </a:solidFill>
+              <a:effectLst/>
+              <a:latin typeface="Arial" charset="0"/>
+            </a:endParaRPr>
+          </a:p>
+        </p:txBody>
+      </p:sp>
+      <p:pic>
+        <p:nvPicPr>
+          <p:cNvPr id="2" name="Imagem 1"/>
+          <p:cNvPicPr>
+            <a:picLocks noChangeAspect="1"/>
+          </p:cNvPicPr>
+          <p:nvPr/>
+        </p:nvPicPr>
+        <p:blipFill rotWithShape="1">
+          <a:blip r:embed="rId2"/>
+          <a:srcRect b="4640"/>
+          <a:stretch/>
+        </p:blipFill>
+        <p:spPr>
+          <a:xfrm>
+            <a:off x="0" y="0"/>
+            <a:ext cx="9144000" cy="4904809"/>
+          </a:xfrm>
+          <a:prstGeom prst="rect">
+            <a:avLst/>
+          </a:prstGeom>
+        </p:spPr>
+      </p:pic>
+      <p:pic>
+        <p:nvPicPr>
+          <p:cNvPr id="4" name="Picture 2" descr="Resultado de imagem para SENAC LOGO PNG">
+            <a:extLst>
+              <a:ext uri="{FF2B5EF4-FFF2-40B4-BE49-F238E27FC236}">
+                <a16:creationId xmlns:a16="http://schemas.microsoft.com/office/drawing/2014/main" id="{52AB468E-34B9-4C9F-9286-D7E741189D85}"/>
+              </a:ext>
+            </a:extLst>
+          </p:cNvPr>
+          <p:cNvPicPr>
+            <a:picLocks noChangeAspect="1" noChangeArrowheads="1"/>
+          </p:cNvPicPr>
+          <p:nvPr/>
+        </p:nvPicPr>
+        <p:blipFill>
+          <a:blip r:embed="rId3" cstate="print">
+            <a:extLst>
+              <a:ext uri="{28A0092B-C50C-407E-A947-70E740481C1C}">
+                <a14:useLocalDpi xmlns:a14="http://schemas.microsoft.com/office/drawing/2010/main" val="0"/>
+              </a:ext>
+            </a:extLst>
+          </a:blip>
+          <a:srcRect/>
+          <a:stretch>
+            <a:fillRect/>
+          </a:stretch>
+        </p:blipFill>
+        <p:spPr bwMode="auto">
+          <a:xfrm>
+            <a:off x="8100392" y="6237312"/>
+            <a:ext cx="928216" cy="544038"/>
+          </a:xfrm>
+          <a:prstGeom prst="rect">
+            <a:avLst/>
+          </a:prstGeom>
+          <a:noFill/>
+          <a:extLst>
+            <a:ext uri="{909E8E84-426E-40DD-AFC4-6F175D3DCCD1}">
+              <a14:hiddenFill xmlns:a14="http://schemas.microsoft.com/office/drawing/2010/main">
+                <a:solidFill>
+                  <a:srgbClr val="FFFFFF"/>
+                </a:solidFill>
+              </a14:hiddenFill>
+            </a:ext>
+          </a:extLst>
+        </p:spPr>
+      </p:pic>
+    </p:spTree>
+    <p:extLst>
+      <p:ext uri="{BB962C8B-B14F-4D97-AF65-F5344CB8AC3E}">
+        <p14:creationId xmlns:p14="http://schemas.microsoft.com/office/powerpoint/2010/main" val="1103876547"/>
+      </p:ext>
+    </p:extLst>
+  </p:cSld>
+  <p:clrMapOvr>
+    <a:masterClrMapping/>
+  </p:clrMapOvr>
+  <p:timing>
+    <p:tnLst>
+      <p:par>
+        <p:cTn id="1" dur="indefinite" restart="never" nodeType="tmRoot"/>
+      </p:par>
+    </p:tnLst>
+  </p:timing>
+</p:sld>
+</file>
+
+<file path=ppt/slides/slide6.xml><?xml version="1.0" encoding="utf-8"?>
+<p:sld xmlns:a="http://schemas.openxmlformats.org/drawingml/2006/main" xmlns:r="http://schemas.openxmlformats.org/officeDocument/2006/relationships" xmlns:p="http://schemas.openxmlformats.org/presentationml/2006/main">
+  <p:cSld>
+    <p:spTree>
+      <p:nvGrpSpPr>
+        <p:cNvPr id="1" name=""/>
+        <p:cNvGrpSpPr/>
+        <p:nvPr/>
+      </p:nvGrpSpPr>
+      <p:grpSpPr>
+        <a:xfrm>
+          <a:off x="0" y="0"/>
+          <a:ext cx="0" cy="0"/>
+          <a:chOff x="0" y="0"/>
+          <a:chExt cx="0" cy="0"/>
+        </a:xfrm>
+      </p:grpSpPr>
+      <p:sp>
+        <p:nvSpPr>
+          <p:cNvPr id="3" name="Retângulo 2"/>
+          <p:cNvSpPr/>
+          <p:nvPr/>
+        </p:nvSpPr>
+        <p:spPr bwMode="auto">
+          <a:xfrm>
+            <a:off x="0" y="0"/>
+            <a:ext cx="251520" cy="6885384"/>
+          </a:xfrm>
+          <a:prstGeom prst="rect">
+            <a:avLst/>
+          </a:prstGeom>
+          <a:solidFill>
+            <a:schemeClr val="bg1"/>
+          </a:solidFill>
+          <a:ln w="9525" cap="flat" cmpd="sng" algn="ctr">
+            <a:solidFill>
+              <a:schemeClr val="bg1"/>
+            </a:solidFill>
+            <a:prstDash val="solid"/>
+            <a:round/>
+            <a:headEnd type="none" w="med" len="med"/>
+            <a:tailEnd type="none" w="med" len="med"/>
+          </a:ln>
+          <a:effectLst/>
+          <a:extLst/>
+        </p:spPr>
+        <p:txBody>
+          <a:bodyPr vert="horz" wrap="square" lIns="91440" tIns="45720" rIns="91440" bIns="45720" numCol="1" rtlCol="0" anchor="t" anchorCtr="0" compatLnSpc="1">
+            <a:prstTxWarp prst="textNoShape">
+              <a:avLst/>
+            </a:prstTxWarp>
+          </a:bodyPr>
+          <a:lstStyle/>
+          <a:p>
+            <a:pPr marL="0" marR="0" indent="0" algn="l" defTabSz="914400" rtl="0" eaLnBrk="0" fontAlgn="base" latinLnBrk="0" hangingPunct="0">
+              <a:lnSpc>
+                <a:spcPct val="100000"/>
+              </a:lnSpc>
+              <a:spcBef>
+                <a:spcPct val="0"/>
+              </a:spcBef>
+              <a:spcAft>
+                <a:spcPct val="0"/>
+              </a:spcAft>
+              <a:buClrTx/>
+              <a:buSzTx/>
+              <a:buFontTx/>
+              <a:buNone/>
+              <a:tabLst/>
+            </a:pPr>
+            <a:endParaRPr kumimoji="0" lang="pt-BR" sz="1800" b="0" i="0" u="none" strike="noStrike" cap="none" normalizeH="0" baseline="0">
+              <a:ln>
+                <a:noFill/>
+              </a:ln>
+              <a:solidFill>
+                <a:schemeClr val="tx1"/>
+              </a:solidFill>
+              <a:effectLst/>
+              <a:latin typeface="Arial" charset="0"/>
+            </a:endParaRPr>
+          </a:p>
+        </p:txBody>
+      </p:sp>
+      <p:pic>
+        <p:nvPicPr>
+          <p:cNvPr id="2" name="Imagem 1"/>
+          <p:cNvPicPr>
+            <a:picLocks noChangeAspect="1"/>
+          </p:cNvPicPr>
+          <p:nvPr/>
+        </p:nvPicPr>
+        <p:blipFill rotWithShape="1">
+          <a:blip r:embed="rId2"/>
+          <a:srcRect b="4640"/>
+          <a:stretch/>
+        </p:blipFill>
+        <p:spPr>
+          <a:xfrm>
+            <a:off x="0" y="-27384"/>
+            <a:ext cx="9144000" cy="4904809"/>
+          </a:xfrm>
+          <a:prstGeom prst="rect">
+            <a:avLst/>
+          </a:prstGeom>
+        </p:spPr>
+      </p:pic>
+      <p:pic>
+        <p:nvPicPr>
+          <p:cNvPr id="4" name="Picture 2" descr="Resultado de imagem para SENAC LOGO PNG">
+            <a:extLst>
+              <a:ext uri="{FF2B5EF4-FFF2-40B4-BE49-F238E27FC236}">
+                <a16:creationId xmlns:a16="http://schemas.microsoft.com/office/drawing/2014/main" id="{52AB468E-34B9-4C9F-9286-D7E741189D85}"/>
+              </a:ext>
+            </a:extLst>
+          </p:cNvPr>
+          <p:cNvPicPr>
+            <a:picLocks noChangeAspect="1" noChangeArrowheads="1"/>
+          </p:cNvPicPr>
+          <p:nvPr/>
+        </p:nvPicPr>
+        <p:blipFill>
+          <a:blip r:embed="rId3" cstate="print">
+            <a:extLst>
+              <a:ext uri="{28A0092B-C50C-407E-A947-70E740481C1C}">
+                <a14:useLocalDpi xmlns:a14="http://schemas.microsoft.com/office/drawing/2010/main" val="0"/>
+              </a:ext>
+            </a:extLst>
+          </a:blip>
+          <a:srcRect/>
+          <a:stretch>
+            <a:fillRect/>
+          </a:stretch>
+        </p:blipFill>
+        <p:spPr bwMode="auto">
+          <a:xfrm>
+            <a:off x="8100392" y="6237312"/>
+            <a:ext cx="928216" cy="544038"/>
+          </a:xfrm>
+          <a:prstGeom prst="rect">
+            <a:avLst/>
+          </a:prstGeom>
+          <a:noFill/>
+          <a:extLst>
+            <a:ext uri="{909E8E84-426E-40DD-AFC4-6F175D3DCCD1}">
+              <a14:hiddenFill xmlns:a14="http://schemas.microsoft.com/office/drawing/2010/main">
+                <a:solidFill>
+                  <a:srgbClr val="FFFFFF"/>
+                </a:solidFill>
+              </a14:hiddenFill>
+            </a:ext>
+          </a:extLst>
+        </p:spPr>
+      </p:pic>
+    </p:spTree>
+    <p:extLst>
+      <p:ext uri="{BB962C8B-B14F-4D97-AF65-F5344CB8AC3E}">
+        <p14:creationId xmlns:p14="http://schemas.microsoft.com/office/powerpoint/2010/main" val="2061939166"/>
+      </p:ext>
+    </p:extLst>
+  </p:cSld>
+  <p:clrMapOvr>
+    <a:masterClrMapping/>
+  </p:clrMapOvr>
+</p:sld>
+</file>
+
+<file path=ppt/slides/slide7.xml><?xml version="1.0" encoding="utf-8"?>
+<p:sld xmlns:a="http://schemas.openxmlformats.org/drawingml/2006/main" xmlns:r="http://schemas.openxmlformats.org/officeDocument/2006/relationships" xmlns:p="http://schemas.openxmlformats.org/presentationml/2006/main">
+  <p:cSld>
+    <p:spTree>
+      <p:nvGrpSpPr>
+        <p:cNvPr id="1" name=""/>
+        <p:cNvGrpSpPr/>
+        <p:nvPr/>
+      </p:nvGrpSpPr>
+      <p:grpSpPr>
+        <a:xfrm>
+          <a:off x="0" y="0"/>
+          <a:ext cx="0" cy="0"/>
+          <a:chOff x="0" y="0"/>
+          <a:chExt cx="0" cy="0"/>
+        </a:xfrm>
+      </p:grpSpPr>
+      <p:sp>
+        <p:nvSpPr>
+          <p:cNvPr id="3" name="Retângulo 2"/>
+          <p:cNvSpPr/>
+          <p:nvPr/>
+        </p:nvSpPr>
+        <p:spPr bwMode="auto">
+          <a:xfrm>
+            <a:off x="0" y="0"/>
+            <a:ext cx="251520" cy="6885384"/>
+          </a:xfrm>
+          <a:prstGeom prst="rect">
+            <a:avLst/>
+          </a:prstGeom>
+          <a:solidFill>
+            <a:schemeClr val="bg1"/>
+          </a:solidFill>
+          <a:ln w="9525" cap="flat" cmpd="sng" algn="ctr">
+            <a:solidFill>
+              <a:schemeClr val="bg1"/>
+            </a:solidFill>
+            <a:prstDash val="solid"/>
+            <a:round/>
+            <a:headEnd type="none" w="med" len="med"/>
+            <a:tailEnd type="none" w="med" len="med"/>
+          </a:ln>
+          <a:effectLst/>
+          <a:extLst/>
+        </p:spPr>
+        <p:txBody>
+          <a:bodyPr vert="horz" wrap="square" lIns="91440" tIns="45720" rIns="91440" bIns="45720" numCol="1" rtlCol="0" anchor="t" anchorCtr="0" compatLnSpc="1">
+            <a:prstTxWarp prst="textNoShape">
+              <a:avLst/>
+            </a:prstTxWarp>
+          </a:bodyPr>
+          <a:lstStyle/>
+          <a:p>
+            <a:pPr marL="0" marR="0" indent="0" algn="l" defTabSz="914400" rtl="0" eaLnBrk="0" fontAlgn="base" latinLnBrk="0" hangingPunct="0">
+              <a:lnSpc>
+                <a:spcPct val="100000"/>
+              </a:lnSpc>
+              <a:spcBef>
+                <a:spcPct val="0"/>
+              </a:spcBef>
+              <a:spcAft>
+                <a:spcPct val="0"/>
+              </a:spcAft>
+              <a:buClrTx/>
+              <a:buSzTx/>
+              <a:buFontTx/>
+              <a:buNone/>
+              <a:tabLst/>
+            </a:pPr>
+            <a:endParaRPr kumimoji="0" lang="pt-BR" sz="1800" b="0" i="0" u="none" strike="noStrike" cap="none" normalizeH="0" baseline="0">
+              <a:ln>
+                <a:noFill/>
+              </a:ln>
+              <a:solidFill>
+                <a:schemeClr val="tx1"/>
+              </a:solidFill>
+              <a:effectLst/>
+              <a:latin typeface="Arial" charset="0"/>
+            </a:endParaRPr>
+          </a:p>
+        </p:txBody>
+      </p:sp>
+      <p:pic>
+        <p:nvPicPr>
+          <p:cNvPr id="2" name="Imagem 1"/>
+          <p:cNvPicPr>
+            <a:picLocks noChangeAspect="1"/>
+          </p:cNvPicPr>
+          <p:nvPr/>
+        </p:nvPicPr>
+        <p:blipFill rotWithShape="1">
+          <a:blip r:embed="rId2"/>
+          <a:srcRect b="4640"/>
+          <a:stretch/>
+        </p:blipFill>
+        <p:spPr>
+          <a:xfrm>
+            <a:off x="0" y="0"/>
+            <a:ext cx="9144000" cy="4904810"/>
+          </a:xfrm>
+          <a:prstGeom prst="rect">
+            <a:avLst/>
+          </a:prstGeom>
+        </p:spPr>
+      </p:pic>
+      <p:pic>
+        <p:nvPicPr>
+          <p:cNvPr id="4" name="Picture 2" descr="Resultado de imagem para SENAC LOGO PNG">
+            <a:extLst>
+              <a:ext uri="{FF2B5EF4-FFF2-40B4-BE49-F238E27FC236}">
+                <a16:creationId xmlns:a16="http://schemas.microsoft.com/office/drawing/2014/main" id="{52AB468E-34B9-4C9F-9286-D7E741189D85}"/>
+              </a:ext>
+            </a:extLst>
+          </p:cNvPr>
+          <p:cNvPicPr>
+            <a:picLocks noChangeAspect="1" noChangeArrowheads="1"/>
+          </p:cNvPicPr>
+          <p:nvPr/>
+        </p:nvPicPr>
+        <p:blipFill>
+          <a:blip r:embed="rId3" cstate="print">
+            <a:extLst>
+              <a:ext uri="{28A0092B-C50C-407E-A947-70E740481C1C}">
+                <a14:useLocalDpi xmlns:a14="http://schemas.microsoft.com/office/drawing/2010/main" val="0"/>
+              </a:ext>
+            </a:extLst>
+          </a:blip>
+          <a:srcRect/>
+          <a:stretch>
+            <a:fillRect/>
+          </a:stretch>
+        </p:blipFill>
+        <p:spPr bwMode="auto">
+          <a:xfrm>
+            <a:off x="8100392" y="6237312"/>
+            <a:ext cx="928216" cy="544038"/>
+          </a:xfrm>
+          <a:prstGeom prst="rect">
+            <a:avLst/>
+          </a:prstGeom>
+          <a:noFill/>
+          <a:extLst>
+            <a:ext uri="{909E8E84-426E-40DD-AFC4-6F175D3DCCD1}">
+              <a14:hiddenFill xmlns:a14="http://schemas.microsoft.com/office/drawing/2010/main">
+                <a:solidFill>
+                  <a:srgbClr val="FFFFFF"/>
+                </a:solidFill>
+              </a14:hiddenFill>
+            </a:ext>
+          </a:extLst>
+        </p:spPr>
+      </p:pic>
+    </p:spTree>
+    <p:extLst>
+      <p:ext uri="{BB962C8B-B14F-4D97-AF65-F5344CB8AC3E}">
+        <p14:creationId xmlns:p14="http://schemas.microsoft.com/office/powerpoint/2010/main" val="3071098688"/>
+      </p:ext>
+    </p:extLst>
+  </p:cSld>
+  <p:clrMapOvr>
+    <a:masterClrMapping/>
+  </p:clrMapOvr>
+</p:sld>
+</file>
+
+<file path=ppt/slides/slide8.xml><?xml version="1.0" encoding="utf-8"?>
+<p:sld xmlns:a="http://schemas.openxmlformats.org/drawingml/2006/main" xmlns:r="http://schemas.openxmlformats.org/officeDocument/2006/relationships" xmlns:p="http://schemas.openxmlformats.org/presentationml/2006/main">
+  <p:cSld>
+    <p:spTree>
+      <p:nvGrpSpPr>
+        <p:cNvPr id="1" name=""/>
+        <p:cNvGrpSpPr/>
+        <p:nvPr/>
+      </p:nvGrpSpPr>
+      <p:grpSpPr>
+        <a:xfrm>
+          <a:off x="0" y="0"/>
+          <a:ext cx="0" cy="0"/>
+          <a:chOff x="0" y="0"/>
+          <a:chExt cx="0" cy="0"/>
+        </a:xfrm>
+      </p:grpSpPr>
+      <p:sp>
+        <p:nvSpPr>
+          <p:cNvPr id="4" name="Retângulo 3"/>
+          <p:cNvSpPr/>
+          <p:nvPr/>
+        </p:nvSpPr>
+        <p:spPr bwMode="auto">
+          <a:xfrm>
+            <a:off x="-36512" y="-2312"/>
+            <a:ext cx="432048" cy="6858000"/>
+          </a:xfrm>
+          <a:prstGeom prst="rect">
+            <a:avLst/>
+          </a:prstGeom>
+          <a:solidFill>
+            <a:schemeClr val="bg1"/>
+          </a:solidFill>
+          <a:ln w="9525" cap="flat" cmpd="sng" algn="ctr">
+            <a:solidFill>
+              <a:schemeClr val="bg1"/>
+            </a:solidFill>
+            <a:prstDash val="solid"/>
+            <a:round/>
+            <a:headEnd type="none" w="med" len="med"/>
+            <a:tailEnd type="none" w="med" len="med"/>
+          </a:ln>
+          <a:effectLst/>
+          <a:extLst/>
+        </p:spPr>
+        <p:txBody>
+          <a:bodyPr vert="horz" wrap="square" lIns="91440" tIns="45720" rIns="91440" bIns="45720" numCol="1" rtlCol="0" anchor="t" anchorCtr="0" compatLnSpc="1">
+            <a:prstTxWarp prst="textNoShape">
+              <a:avLst/>
+            </a:prstTxWarp>
+          </a:bodyPr>
+          <a:lstStyle/>
+          <a:p>
+            <a:pPr marL="0" marR="0" indent="0" algn="l" defTabSz="914400" rtl="0" eaLnBrk="0" fontAlgn="base" latinLnBrk="0" hangingPunct="0">
+              <a:lnSpc>
+                <a:spcPct val="100000"/>
+              </a:lnSpc>
+              <a:spcBef>
+                <a:spcPct val="0"/>
+              </a:spcBef>
+              <a:spcAft>
+                <a:spcPct val="0"/>
+              </a:spcAft>
+              <a:buClrTx/>
+              <a:buSzTx/>
+              <a:buFontTx/>
+              <a:buNone/>
+              <a:tabLst/>
+            </a:pPr>
+            <a:endParaRPr kumimoji="0" lang="pt-BR" sz="1800" b="0" i="0" u="none" strike="noStrike" cap="none" normalizeH="0" baseline="0">
+              <a:ln>
+                <a:noFill/>
+              </a:ln>
+              <a:solidFill>
+                <a:schemeClr val="tx1"/>
+              </a:solidFill>
+              <a:effectLst/>
+              <a:latin typeface="Arial" charset="0"/>
+            </a:endParaRPr>
+          </a:p>
+        </p:txBody>
+      </p:sp>
+      <p:pic>
+        <p:nvPicPr>
+          <p:cNvPr id="2" name="Imagem 1"/>
+          <p:cNvPicPr>
+            <a:picLocks noChangeAspect="1"/>
+          </p:cNvPicPr>
+          <p:nvPr/>
+        </p:nvPicPr>
+        <p:blipFill rotWithShape="1">
+          <a:blip r:embed="rId2"/>
+          <a:srcRect b="5480"/>
+          <a:stretch/>
+        </p:blipFill>
+        <p:spPr>
+          <a:xfrm>
+            <a:off x="-36512" y="0"/>
+            <a:ext cx="9158213" cy="4869160"/>
+          </a:xfrm>
+          <a:prstGeom prst="rect">
+            <a:avLst/>
+          </a:prstGeom>
+        </p:spPr>
+      </p:pic>
+      <p:pic>
+        <p:nvPicPr>
+          <p:cNvPr id="3" name="Picture 2" descr="Resultado de imagem para SENAC LOGO PNG">
+            <a:extLst>
+              <a:ext uri="{FF2B5EF4-FFF2-40B4-BE49-F238E27FC236}">
+                <a16:creationId xmlns:a16="http://schemas.microsoft.com/office/drawing/2014/main" id="{52AB468E-34B9-4C9F-9286-D7E741189D85}"/>
+              </a:ext>
+            </a:extLst>
+          </p:cNvPr>
+          <p:cNvPicPr>
+            <a:picLocks noChangeAspect="1" noChangeArrowheads="1"/>
+          </p:cNvPicPr>
+          <p:nvPr/>
+        </p:nvPicPr>
+        <p:blipFill>
+          <a:blip r:embed="rId3" cstate="print">
+            <a:extLst>
+              <a:ext uri="{28A0092B-C50C-407E-A947-70E740481C1C}">
+                <a14:useLocalDpi xmlns:a14="http://schemas.microsoft.com/office/drawing/2010/main" val="0"/>
+              </a:ext>
+            </a:extLst>
+          </a:blip>
+          <a:srcRect/>
+          <a:stretch>
+            <a:fillRect/>
+          </a:stretch>
+        </p:blipFill>
+        <p:spPr bwMode="auto">
+          <a:xfrm>
+            <a:off x="8100392" y="6237312"/>
+            <a:ext cx="928216" cy="544038"/>
+          </a:xfrm>
+          <a:prstGeom prst="rect">
+            <a:avLst/>
+          </a:prstGeom>
+          <a:noFill/>
+          <a:extLst>
+            <a:ext uri="{909E8E84-426E-40DD-AFC4-6F175D3DCCD1}">
+              <a14:hiddenFill xmlns:a14="http://schemas.microsoft.com/office/drawing/2010/main">
+                <a:solidFill>
+                  <a:srgbClr val="FFFFFF"/>
+                </a:solidFill>
+              </a14:hiddenFill>
+            </a:ext>
+          </a:extLst>
+        </p:spPr>
+      </p:pic>
+    </p:spTree>
+    <p:extLst>
+      <p:ext uri="{BB962C8B-B14F-4D97-AF65-F5344CB8AC3E}">
+        <p14:creationId xmlns:p14="http://schemas.microsoft.com/office/powerpoint/2010/main" val="772518610"/>
+      </p:ext>
+    </p:extLst>
+  </p:cSld>
+  <p:clrMapOvr>
+    <a:masterClrMapping/>
+  </p:clrMapOvr>
+</p:sld>
+</file>
+
+<file path=ppt/slides/slide9.xml><?xml version="1.0" encoding="utf-8"?>
 <p:sld xmlns:a="http://schemas.openxmlformats.org/drawingml/2006/main" xmlns:r="http://schemas.openxmlformats.org/officeDocument/2006/relationships" xmlns:p="http://schemas.openxmlformats.org/presentationml/2006/main">
   <p:cSld>
     <p:spTree>
@@ -5681,2839 +8537,6 @@
     <p:extLst>
       <p:ext uri="{BB962C8B-B14F-4D97-AF65-F5344CB8AC3E}">
         <p14:creationId xmlns:p14="http://schemas.microsoft.com/office/powerpoint/2010/main" val="3898269667"/>
-      </p:ext>
-    </p:extLst>
-  </p:cSld>
-  <p:clrMapOvr>
-    <a:masterClrMapping/>
-  </p:clrMapOvr>
-</p:sld>
-</file>
-
-<file path=ppt/slides/slide11.xml><?xml version="1.0" encoding="utf-8"?>
-<p:sld xmlns:a="http://schemas.openxmlformats.org/drawingml/2006/main" xmlns:r="http://schemas.openxmlformats.org/officeDocument/2006/relationships" xmlns:p="http://schemas.openxmlformats.org/presentationml/2006/main">
-  <p:cSld>
-    <p:spTree>
-      <p:nvGrpSpPr>
-        <p:cNvPr id="1" name=""/>
-        <p:cNvGrpSpPr/>
-        <p:nvPr/>
-      </p:nvGrpSpPr>
-      <p:grpSpPr>
-        <a:xfrm>
-          <a:off x="0" y="0"/>
-          <a:ext cx="0" cy="0"/>
-          <a:chOff x="0" y="0"/>
-          <a:chExt cx="0" cy="0"/>
-        </a:xfrm>
-      </p:grpSpPr>
-      <p:sp>
-        <p:nvSpPr>
-          <p:cNvPr id="3" name="Retângulo 2"/>
-          <p:cNvSpPr/>
-          <p:nvPr/>
-        </p:nvSpPr>
-        <p:spPr bwMode="auto">
-          <a:xfrm>
-            <a:off x="0" y="0"/>
-            <a:ext cx="251520" cy="6885384"/>
-          </a:xfrm>
-          <a:prstGeom prst="rect">
-            <a:avLst/>
-          </a:prstGeom>
-          <a:solidFill>
-            <a:schemeClr val="bg1"/>
-          </a:solidFill>
-          <a:ln w="9525" cap="flat" cmpd="sng" algn="ctr">
-            <a:solidFill>
-              <a:schemeClr val="bg1"/>
-            </a:solidFill>
-            <a:prstDash val="solid"/>
-            <a:round/>
-            <a:headEnd type="none" w="med" len="med"/>
-            <a:tailEnd type="none" w="med" len="med"/>
-          </a:ln>
-          <a:effectLst/>
-          <a:extLst/>
-        </p:spPr>
-        <p:txBody>
-          <a:bodyPr vert="horz" wrap="square" lIns="91440" tIns="45720" rIns="91440" bIns="45720" numCol="1" rtlCol="0" anchor="t" anchorCtr="0" compatLnSpc="1">
-            <a:prstTxWarp prst="textNoShape">
-              <a:avLst/>
-            </a:prstTxWarp>
-          </a:bodyPr>
-          <a:lstStyle/>
-          <a:p>
-            <a:pPr marL="0" marR="0" indent="0" algn="l" defTabSz="914400" rtl="0" eaLnBrk="0" fontAlgn="base" latinLnBrk="0" hangingPunct="0">
-              <a:lnSpc>
-                <a:spcPct val="100000"/>
-              </a:lnSpc>
-              <a:spcBef>
-                <a:spcPct val="0"/>
-              </a:spcBef>
-              <a:spcAft>
-                <a:spcPct val="0"/>
-              </a:spcAft>
-              <a:buClrTx/>
-              <a:buSzTx/>
-              <a:buFontTx/>
-              <a:buNone/>
-              <a:tabLst/>
-            </a:pPr>
-            <a:endParaRPr kumimoji="0" lang="pt-BR" sz="1800" b="0" i="0" u="none" strike="noStrike" cap="none" normalizeH="0" baseline="0">
-              <a:ln>
-                <a:noFill/>
-              </a:ln>
-              <a:solidFill>
-                <a:schemeClr val="tx1"/>
-              </a:solidFill>
-              <a:effectLst/>
-              <a:latin typeface="Arial" charset="0"/>
-            </a:endParaRPr>
-          </a:p>
-        </p:txBody>
-      </p:sp>
-      <p:pic>
-        <p:nvPicPr>
-          <p:cNvPr id="2" name="Imagem 1"/>
-          <p:cNvPicPr>
-            <a:picLocks noChangeAspect="1"/>
-          </p:cNvPicPr>
-          <p:nvPr/>
-        </p:nvPicPr>
-        <p:blipFill rotWithShape="1">
-          <a:blip r:embed="rId2"/>
-          <a:srcRect b="4640"/>
-          <a:stretch/>
-        </p:blipFill>
-        <p:spPr>
-          <a:xfrm>
-            <a:off x="0" y="0"/>
-            <a:ext cx="9144000" cy="4904810"/>
-          </a:xfrm>
-          <a:prstGeom prst="rect">
-            <a:avLst/>
-          </a:prstGeom>
-        </p:spPr>
-      </p:pic>
-      <p:pic>
-        <p:nvPicPr>
-          <p:cNvPr id="4" name="Picture 2" descr="Resultado de imagem para SENAC LOGO PNG">
-            <a:extLst>
-              <a:ext uri="{FF2B5EF4-FFF2-40B4-BE49-F238E27FC236}">
-                <a16:creationId xmlns:a16="http://schemas.microsoft.com/office/drawing/2014/main" id="{52AB468E-34B9-4C9F-9286-D7E741189D85}"/>
-              </a:ext>
-            </a:extLst>
-          </p:cNvPr>
-          <p:cNvPicPr>
-            <a:picLocks noChangeAspect="1" noChangeArrowheads="1"/>
-          </p:cNvPicPr>
-          <p:nvPr/>
-        </p:nvPicPr>
-        <p:blipFill>
-          <a:blip r:embed="rId3" cstate="print">
-            <a:extLst>
-              <a:ext uri="{28A0092B-C50C-407E-A947-70E740481C1C}">
-                <a14:useLocalDpi xmlns:a14="http://schemas.microsoft.com/office/drawing/2010/main" val="0"/>
-              </a:ext>
-            </a:extLst>
-          </a:blip>
-          <a:srcRect/>
-          <a:stretch>
-            <a:fillRect/>
-          </a:stretch>
-        </p:blipFill>
-        <p:spPr bwMode="auto">
-          <a:xfrm>
-            <a:off x="8100392" y="6237312"/>
-            <a:ext cx="928216" cy="544038"/>
-          </a:xfrm>
-          <a:prstGeom prst="rect">
-            <a:avLst/>
-          </a:prstGeom>
-          <a:noFill/>
-          <a:extLst>
-            <a:ext uri="{909E8E84-426E-40DD-AFC4-6F175D3DCCD1}">
-              <a14:hiddenFill xmlns:a14="http://schemas.microsoft.com/office/drawing/2010/main">
-                <a:solidFill>
-                  <a:srgbClr val="FFFFFF"/>
-                </a:solidFill>
-              </a14:hiddenFill>
-            </a:ext>
-          </a:extLst>
-        </p:spPr>
-      </p:pic>
-    </p:spTree>
-    <p:extLst>
-      <p:ext uri="{BB962C8B-B14F-4D97-AF65-F5344CB8AC3E}">
-        <p14:creationId xmlns:p14="http://schemas.microsoft.com/office/powerpoint/2010/main" val="3352477637"/>
-      </p:ext>
-    </p:extLst>
-  </p:cSld>
-  <p:clrMapOvr>
-    <a:masterClrMapping/>
-  </p:clrMapOvr>
-</p:sld>
-</file>
-
-<file path=ppt/slides/slide12.xml><?xml version="1.0" encoding="utf-8"?>
-<p:sld xmlns:a="http://schemas.openxmlformats.org/drawingml/2006/main" xmlns:r="http://schemas.openxmlformats.org/officeDocument/2006/relationships" xmlns:p="http://schemas.openxmlformats.org/presentationml/2006/main">
-  <p:cSld>
-    <p:spTree>
-      <p:nvGrpSpPr>
-        <p:cNvPr id="1" name=""/>
-        <p:cNvGrpSpPr/>
-        <p:nvPr/>
-      </p:nvGrpSpPr>
-      <p:grpSpPr>
-        <a:xfrm>
-          <a:off x="0" y="0"/>
-          <a:ext cx="0" cy="0"/>
-          <a:chOff x="0" y="0"/>
-          <a:chExt cx="0" cy="0"/>
-        </a:xfrm>
-      </p:grpSpPr>
-      <p:sp>
-        <p:nvSpPr>
-          <p:cNvPr id="3" name="Retângulo 2"/>
-          <p:cNvSpPr/>
-          <p:nvPr/>
-        </p:nvSpPr>
-        <p:spPr bwMode="auto">
-          <a:xfrm>
-            <a:off x="0" y="0"/>
-            <a:ext cx="251520" cy="6885384"/>
-          </a:xfrm>
-          <a:prstGeom prst="rect">
-            <a:avLst/>
-          </a:prstGeom>
-          <a:solidFill>
-            <a:schemeClr val="bg1"/>
-          </a:solidFill>
-          <a:ln w="9525" cap="flat" cmpd="sng" algn="ctr">
-            <a:solidFill>
-              <a:schemeClr val="bg1"/>
-            </a:solidFill>
-            <a:prstDash val="solid"/>
-            <a:round/>
-            <a:headEnd type="none" w="med" len="med"/>
-            <a:tailEnd type="none" w="med" len="med"/>
-          </a:ln>
-          <a:effectLst/>
-          <a:extLst/>
-        </p:spPr>
-        <p:txBody>
-          <a:bodyPr vert="horz" wrap="square" lIns="91440" tIns="45720" rIns="91440" bIns="45720" numCol="1" rtlCol="0" anchor="t" anchorCtr="0" compatLnSpc="1">
-            <a:prstTxWarp prst="textNoShape">
-              <a:avLst/>
-            </a:prstTxWarp>
-          </a:bodyPr>
-          <a:lstStyle/>
-          <a:p>
-            <a:pPr marL="0" marR="0" indent="0" algn="l" defTabSz="914400" rtl="0" eaLnBrk="0" fontAlgn="base" latinLnBrk="0" hangingPunct="0">
-              <a:lnSpc>
-                <a:spcPct val="100000"/>
-              </a:lnSpc>
-              <a:spcBef>
-                <a:spcPct val="0"/>
-              </a:spcBef>
-              <a:spcAft>
-                <a:spcPct val="0"/>
-              </a:spcAft>
-              <a:buClrTx/>
-              <a:buSzTx/>
-              <a:buFontTx/>
-              <a:buNone/>
-              <a:tabLst/>
-            </a:pPr>
-            <a:endParaRPr kumimoji="0" lang="pt-BR" sz="1800" b="0" i="0" u="none" strike="noStrike" cap="none" normalizeH="0" baseline="0">
-              <a:ln>
-                <a:noFill/>
-              </a:ln>
-              <a:solidFill>
-                <a:schemeClr val="tx1"/>
-              </a:solidFill>
-              <a:effectLst/>
-              <a:latin typeface="Arial" charset="0"/>
-            </a:endParaRPr>
-          </a:p>
-        </p:txBody>
-      </p:sp>
-      <p:pic>
-        <p:nvPicPr>
-          <p:cNvPr id="2" name="Imagem 1"/>
-          <p:cNvPicPr>
-            <a:picLocks noChangeAspect="1"/>
-          </p:cNvPicPr>
-          <p:nvPr/>
-        </p:nvPicPr>
-        <p:blipFill rotWithShape="1">
-          <a:blip r:embed="rId2"/>
-          <a:srcRect b="4640"/>
-          <a:stretch/>
-        </p:blipFill>
-        <p:spPr>
-          <a:xfrm>
-            <a:off x="0" y="0"/>
-            <a:ext cx="9144000" cy="4904807"/>
-          </a:xfrm>
-          <a:prstGeom prst="rect">
-            <a:avLst/>
-          </a:prstGeom>
-        </p:spPr>
-      </p:pic>
-      <p:pic>
-        <p:nvPicPr>
-          <p:cNvPr id="4" name="Picture 2" descr="Resultado de imagem para SENAC LOGO PNG">
-            <a:extLst>
-              <a:ext uri="{FF2B5EF4-FFF2-40B4-BE49-F238E27FC236}">
-                <a16:creationId xmlns:a16="http://schemas.microsoft.com/office/drawing/2014/main" id="{52AB468E-34B9-4C9F-9286-D7E741189D85}"/>
-              </a:ext>
-            </a:extLst>
-          </p:cNvPr>
-          <p:cNvPicPr>
-            <a:picLocks noChangeAspect="1" noChangeArrowheads="1"/>
-          </p:cNvPicPr>
-          <p:nvPr/>
-        </p:nvPicPr>
-        <p:blipFill>
-          <a:blip r:embed="rId3" cstate="print">
-            <a:extLst>
-              <a:ext uri="{28A0092B-C50C-407E-A947-70E740481C1C}">
-                <a14:useLocalDpi xmlns:a14="http://schemas.microsoft.com/office/drawing/2010/main" val="0"/>
-              </a:ext>
-            </a:extLst>
-          </a:blip>
-          <a:srcRect/>
-          <a:stretch>
-            <a:fillRect/>
-          </a:stretch>
-        </p:blipFill>
-        <p:spPr bwMode="auto">
-          <a:xfrm>
-            <a:off x="8100392" y="6237312"/>
-            <a:ext cx="928216" cy="544038"/>
-          </a:xfrm>
-          <a:prstGeom prst="rect">
-            <a:avLst/>
-          </a:prstGeom>
-          <a:noFill/>
-          <a:extLst>
-            <a:ext uri="{909E8E84-426E-40DD-AFC4-6F175D3DCCD1}">
-              <a14:hiddenFill xmlns:a14="http://schemas.microsoft.com/office/drawing/2010/main">
-                <a:solidFill>
-                  <a:srgbClr val="FFFFFF"/>
-                </a:solidFill>
-              </a14:hiddenFill>
-            </a:ext>
-          </a:extLst>
-        </p:spPr>
-      </p:pic>
-    </p:spTree>
-    <p:extLst>
-      <p:ext uri="{BB962C8B-B14F-4D97-AF65-F5344CB8AC3E}">
-        <p14:creationId xmlns:p14="http://schemas.microsoft.com/office/powerpoint/2010/main" val="3452483612"/>
-      </p:ext>
-    </p:extLst>
-  </p:cSld>
-  <p:clrMapOvr>
-    <a:masterClrMapping/>
-  </p:clrMapOvr>
-</p:sld>
-</file>
-
-<file path=ppt/slides/slide13.xml><?xml version="1.0" encoding="utf-8"?>
-<p:sld xmlns:a="http://schemas.openxmlformats.org/drawingml/2006/main" xmlns:r="http://schemas.openxmlformats.org/officeDocument/2006/relationships" xmlns:p="http://schemas.openxmlformats.org/presentationml/2006/main">
-  <p:cSld>
-    <p:spTree>
-      <p:nvGrpSpPr>
-        <p:cNvPr id="1" name=""/>
-        <p:cNvGrpSpPr/>
-        <p:nvPr/>
-      </p:nvGrpSpPr>
-      <p:grpSpPr>
-        <a:xfrm>
-          <a:off x="0" y="0"/>
-          <a:ext cx="0" cy="0"/>
-          <a:chOff x="0" y="0"/>
-          <a:chExt cx="0" cy="0"/>
-        </a:xfrm>
-      </p:grpSpPr>
-      <p:sp>
-        <p:nvSpPr>
-          <p:cNvPr id="2050" name="Rectangle 2"/>
-          <p:cNvSpPr>
-            <a:spLocks noGrp="1" noChangeArrowheads="1"/>
-          </p:cNvSpPr>
-          <p:nvPr>
-            <p:ph type="ctrTitle"/>
-          </p:nvPr>
-        </p:nvSpPr>
-        <p:spPr/>
-        <p:txBody>
-          <a:bodyPr/>
-          <a:lstStyle/>
-          <a:p>
-            <a:r>
-              <a:rPr lang="pt-BR" dirty="0"/>
-              <a:t>TELAS DO ADMINISTRADOR</a:t>
-            </a:r>
-          </a:p>
-        </p:txBody>
-      </p:sp>
-      <p:pic>
-        <p:nvPicPr>
-          <p:cNvPr id="6" name="Picture 2" descr="Resultado de imagem para SENAC LOGO PNG">
-            <a:extLst>
-              <a:ext uri="{FF2B5EF4-FFF2-40B4-BE49-F238E27FC236}">
-                <a16:creationId xmlns:a16="http://schemas.microsoft.com/office/drawing/2014/main" id="{8E0CD0C8-2CB4-4691-AD9B-732C161DBED7}"/>
-              </a:ext>
-            </a:extLst>
-          </p:cNvPr>
-          <p:cNvPicPr>
-            <a:picLocks noChangeAspect="1" noChangeArrowheads="1"/>
-          </p:cNvPicPr>
-          <p:nvPr/>
-        </p:nvPicPr>
-        <p:blipFill>
-          <a:blip r:embed="rId3" cstate="print">
-            <a:extLst>
-              <a:ext uri="{28A0092B-C50C-407E-A947-70E740481C1C}">
-                <a14:useLocalDpi xmlns:a14="http://schemas.microsoft.com/office/drawing/2010/main" val="0"/>
-              </a:ext>
-            </a:extLst>
-          </a:blip>
-          <a:srcRect/>
-          <a:stretch>
-            <a:fillRect/>
-          </a:stretch>
-        </p:blipFill>
-        <p:spPr bwMode="auto">
-          <a:xfrm>
-            <a:off x="8100392" y="6237312"/>
-            <a:ext cx="928216" cy="544038"/>
-          </a:xfrm>
-          <a:prstGeom prst="rect">
-            <a:avLst/>
-          </a:prstGeom>
-          <a:noFill/>
-          <a:extLst>
-            <a:ext uri="{909E8E84-426E-40DD-AFC4-6F175D3DCCD1}">
-              <a14:hiddenFill xmlns:a14="http://schemas.microsoft.com/office/drawing/2010/main">
-                <a:solidFill>
-                  <a:srgbClr val="FFFFFF"/>
-                </a:solidFill>
-              </a14:hiddenFill>
-            </a:ext>
-          </a:extLst>
-        </p:spPr>
-      </p:pic>
-    </p:spTree>
-    <p:extLst>
-      <p:ext uri="{BB962C8B-B14F-4D97-AF65-F5344CB8AC3E}">
-        <p14:creationId xmlns:p14="http://schemas.microsoft.com/office/powerpoint/2010/main" val="1785072489"/>
-      </p:ext>
-    </p:extLst>
-  </p:cSld>
-  <p:clrMapOvr>
-    <a:masterClrMapping/>
-  </p:clrMapOvr>
-  <p:transition spd="med">
-    <p:fade/>
-  </p:transition>
-</p:sld>
-</file>
-
-<file path=ppt/slides/slide14.xml><?xml version="1.0" encoding="utf-8"?>
-<p:sld xmlns:a="http://schemas.openxmlformats.org/drawingml/2006/main" xmlns:r="http://schemas.openxmlformats.org/officeDocument/2006/relationships" xmlns:p="http://schemas.openxmlformats.org/presentationml/2006/main">
-  <p:cSld>
-    <p:spTree>
-      <p:nvGrpSpPr>
-        <p:cNvPr id="1" name=""/>
-        <p:cNvGrpSpPr/>
-        <p:nvPr/>
-      </p:nvGrpSpPr>
-      <p:grpSpPr>
-        <a:xfrm>
-          <a:off x="0" y="0"/>
-          <a:ext cx="0" cy="0"/>
-          <a:chOff x="0" y="0"/>
-          <a:chExt cx="0" cy="0"/>
-        </a:xfrm>
-      </p:grpSpPr>
-      <p:pic>
-        <p:nvPicPr>
-          <p:cNvPr id="4" name="Picture 2" descr="Resultado de imagem para SENAC LOGO PNG">
-            <a:extLst>
-              <a:ext uri="{FF2B5EF4-FFF2-40B4-BE49-F238E27FC236}">
-                <a16:creationId xmlns:a16="http://schemas.microsoft.com/office/drawing/2014/main" id="{52AB468E-34B9-4C9F-9286-D7E741189D85}"/>
-              </a:ext>
-            </a:extLst>
-          </p:cNvPr>
-          <p:cNvPicPr>
-            <a:picLocks noChangeAspect="1" noChangeArrowheads="1"/>
-          </p:cNvPicPr>
-          <p:nvPr/>
-        </p:nvPicPr>
-        <p:blipFill>
-          <a:blip r:embed="rId2" cstate="print">
-            <a:extLst>
-              <a:ext uri="{28A0092B-C50C-407E-A947-70E740481C1C}">
-                <a14:useLocalDpi xmlns:a14="http://schemas.microsoft.com/office/drawing/2010/main" val="0"/>
-              </a:ext>
-            </a:extLst>
-          </a:blip>
-          <a:srcRect/>
-          <a:stretch>
-            <a:fillRect/>
-          </a:stretch>
-        </p:blipFill>
-        <p:spPr bwMode="auto">
-          <a:xfrm>
-            <a:off x="8100392" y="6237312"/>
-            <a:ext cx="928216" cy="544038"/>
-          </a:xfrm>
-          <a:prstGeom prst="rect">
-            <a:avLst/>
-          </a:prstGeom>
-          <a:noFill/>
-          <a:extLst>
-            <a:ext uri="{909E8E84-426E-40DD-AFC4-6F175D3DCCD1}">
-              <a14:hiddenFill xmlns:a14="http://schemas.microsoft.com/office/drawing/2010/main">
-                <a:solidFill>
-                  <a:srgbClr val="FFFFFF"/>
-                </a:solidFill>
-              </a14:hiddenFill>
-            </a:ext>
-          </a:extLst>
-        </p:spPr>
-      </p:pic>
-      <p:sp>
-        <p:nvSpPr>
-          <p:cNvPr id="5" name="Retângulo 4"/>
-          <p:cNvSpPr/>
-          <p:nvPr/>
-        </p:nvSpPr>
-        <p:spPr bwMode="auto">
-          <a:xfrm>
-            <a:off x="0" y="0"/>
-            <a:ext cx="251520" cy="6885384"/>
-          </a:xfrm>
-          <a:prstGeom prst="rect">
-            <a:avLst/>
-          </a:prstGeom>
-          <a:solidFill>
-            <a:schemeClr val="bg1"/>
-          </a:solidFill>
-          <a:ln w="9525" cap="flat" cmpd="sng" algn="ctr">
-            <a:solidFill>
-              <a:schemeClr val="bg1"/>
-            </a:solidFill>
-            <a:prstDash val="solid"/>
-            <a:round/>
-            <a:headEnd type="none" w="med" len="med"/>
-            <a:tailEnd type="none" w="med" len="med"/>
-          </a:ln>
-          <a:effectLst/>
-          <a:extLst/>
-        </p:spPr>
-        <p:txBody>
-          <a:bodyPr vert="horz" wrap="square" lIns="91440" tIns="45720" rIns="91440" bIns="45720" numCol="1" rtlCol="0" anchor="t" anchorCtr="0" compatLnSpc="1">
-            <a:prstTxWarp prst="textNoShape">
-              <a:avLst/>
-            </a:prstTxWarp>
-          </a:bodyPr>
-          <a:lstStyle/>
-          <a:p>
-            <a:pPr marL="0" marR="0" indent="0" algn="l" defTabSz="914400" rtl="0" eaLnBrk="0" fontAlgn="base" latinLnBrk="0" hangingPunct="0">
-              <a:lnSpc>
-                <a:spcPct val="100000"/>
-              </a:lnSpc>
-              <a:spcBef>
-                <a:spcPct val="0"/>
-              </a:spcBef>
-              <a:spcAft>
-                <a:spcPct val="0"/>
-              </a:spcAft>
-              <a:buClrTx/>
-              <a:buSzTx/>
-              <a:buFontTx/>
-              <a:buNone/>
-              <a:tabLst/>
-            </a:pPr>
-            <a:endParaRPr kumimoji="0" lang="pt-BR" sz="1800" b="0" i="0" u="none" strike="noStrike" cap="none" normalizeH="0" baseline="0">
-              <a:ln>
-                <a:noFill/>
-              </a:ln>
-              <a:solidFill>
-                <a:schemeClr val="tx1"/>
-              </a:solidFill>
-              <a:effectLst/>
-              <a:latin typeface="Arial" charset="0"/>
-            </a:endParaRPr>
-          </a:p>
-        </p:txBody>
-      </p:sp>
-      <p:pic>
-        <p:nvPicPr>
-          <p:cNvPr id="2" name="Imagem 1"/>
-          <p:cNvPicPr>
-            <a:picLocks noChangeAspect="1"/>
-          </p:cNvPicPr>
-          <p:nvPr/>
-        </p:nvPicPr>
-        <p:blipFill rotWithShape="1">
-          <a:blip r:embed="rId3"/>
-          <a:srcRect b="5480"/>
-          <a:stretch/>
-        </p:blipFill>
-        <p:spPr>
-          <a:xfrm>
-            <a:off x="0" y="0"/>
-            <a:ext cx="9144000" cy="4861604"/>
-          </a:xfrm>
-          <a:prstGeom prst="rect">
-            <a:avLst/>
-          </a:prstGeom>
-        </p:spPr>
-      </p:pic>
-    </p:spTree>
-  </p:cSld>
-  <p:clrMapOvr>
-    <a:masterClrMapping/>
-  </p:clrMapOvr>
-  <p:transition spd="med">
-    <p:fade/>
-  </p:transition>
-</p:sld>
-</file>
-
-<file path=ppt/slides/slide15.xml><?xml version="1.0" encoding="utf-8"?>
-<p:sld xmlns:a="http://schemas.openxmlformats.org/drawingml/2006/main" xmlns:r="http://schemas.openxmlformats.org/officeDocument/2006/relationships" xmlns:p="http://schemas.openxmlformats.org/presentationml/2006/main">
-  <p:cSld>
-    <p:spTree>
-      <p:nvGrpSpPr>
-        <p:cNvPr id="1" name=""/>
-        <p:cNvGrpSpPr/>
-        <p:nvPr/>
-      </p:nvGrpSpPr>
-      <p:grpSpPr>
-        <a:xfrm>
-          <a:off x="0" y="0"/>
-          <a:ext cx="0" cy="0"/>
-          <a:chOff x="0" y="0"/>
-          <a:chExt cx="0" cy="0"/>
-        </a:xfrm>
-      </p:grpSpPr>
-      <p:pic>
-        <p:nvPicPr>
-          <p:cNvPr id="6" name="Picture 2" descr="Resultado de imagem para SENAC LOGO PNG">
-            <a:extLst>
-              <a:ext uri="{FF2B5EF4-FFF2-40B4-BE49-F238E27FC236}">
-                <a16:creationId xmlns:a16="http://schemas.microsoft.com/office/drawing/2014/main" id="{573A77EF-7C08-4C7A-AC97-F0E695E67BFB}"/>
-              </a:ext>
-            </a:extLst>
-          </p:cNvPr>
-          <p:cNvPicPr>
-            <a:picLocks noChangeAspect="1" noChangeArrowheads="1"/>
-          </p:cNvPicPr>
-          <p:nvPr/>
-        </p:nvPicPr>
-        <p:blipFill>
-          <a:blip r:embed="rId2" cstate="print">
-            <a:extLst>
-              <a:ext uri="{28A0092B-C50C-407E-A947-70E740481C1C}">
-                <a14:useLocalDpi xmlns:a14="http://schemas.microsoft.com/office/drawing/2010/main" val="0"/>
-              </a:ext>
-            </a:extLst>
-          </a:blip>
-          <a:srcRect/>
-          <a:stretch>
-            <a:fillRect/>
-          </a:stretch>
-        </p:blipFill>
-        <p:spPr bwMode="auto">
-          <a:xfrm>
-            <a:off x="8100392" y="6237312"/>
-            <a:ext cx="928216" cy="544038"/>
-          </a:xfrm>
-          <a:prstGeom prst="rect">
-            <a:avLst/>
-          </a:prstGeom>
-          <a:noFill/>
-          <a:extLst>
-            <a:ext uri="{909E8E84-426E-40DD-AFC4-6F175D3DCCD1}">
-              <a14:hiddenFill xmlns:a14="http://schemas.microsoft.com/office/drawing/2010/main">
-                <a:solidFill>
-                  <a:srgbClr val="FFFFFF"/>
-                </a:solidFill>
-              </a14:hiddenFill>
-            </a:ext>
-          </a:extLst>
-        </p:spPr>
-      </p:pic>
-      <p:sp>
-        <p:nvSpPr>
-          <p:cNvPr id="9" name="Retângulo 8"/>
-          <p:cNvSpPr/>
-          <p:nvPr/>
-        </p:nvSpPr>
-        <p:spPr bwMode="auto">
-          <a:xfrm>
-            <a:off x="0" y="0"/>
-            <a:ext cx="251520" cy="6885384"/>
-          </a:xfrm>
-          <a:prstGeom prst="rect">
-            <a:avLst/>
-          </a:prstGeom>
-          <a:solidFill>
-            <a:schemeClr val="bg1"/>
-          </a:solidFill>
-          <a:ln w="9525" cap="flat" cmpd="sng" algn="ctr">
-            <a:solidFill>
-              <a:schemeClr val="bg1"/>
-            </a:solidFill>
-            <a:prstDash val="solid"/>
-            <a:round/>
-            <a:headEnd type="none" w="med" len="med"/>
-            <a:tailEnd type="none" w="med" len="med"/>
-          </a:ln>
-          <a:effectLst/>
-          <a:extLst/>
-        </p:spPr>
-        <p:txBody>
-          <a:bodyPr vert="horz" wrap="square" lIns="91440" tIns="45720" rIns="91440" bIns="45720" numCol="1" rtlCol="0" anchor="t" anchorCtr="0" compatLnSpc="1">
-            <a:prstTxWarp prst="textNoShape">
-              <a:avLst/>
-            </a:prstTxWarp>
-          </a:bodyPr>
-          <a:lstStyle/>
-          <a:p>
-            <a:pPr marL="0" marR="0" indent="0" algn="l" defTabSz="914400" rtl="0" eaLnBrk="0" fontAlgn="base" latinLnBrk="0" hangingPunct="0">
-              <a:lnSpc>
-                <a:spcPct val="100000"/>
-              </a:lnSpc>
-              <a:spcBef>
-                <a:spcPct val="0"/>
-              </a:spcBef>
-              <a:spcAft>
-                <a:spcPct val="0"/>
-              </a:spcAft>
-              <a:buClrTx/>
-              <a:buSzTx/>
-              <a:buFontTx/>
-              <a:buNone/>
-              <a:tabLst/>
-            </a:pPr>
-            <a:endParaRPr kumimoji="0" lang="pt-BR" sz="1800" b="0" i="0" u="none" strike="noStrike" cap="none" normalizeH="0" baseline="0">
-              <a:ln>
-                <a:noFill/>
-              </a:ln>
-              <a:solidFill>
-                <a:schemeClr val="tx1"/>
-              </a:solidFill>
-              <a:effectLst/>
-              <a:latin typeface="Arial" charset="0"/>
-            </a:endParaRPr>
-          </a:p>
-        </p:txBody>
-      </p:sp>
-      <p:pic>
-        <p:nvPicPr>
-          <p:cNvPr id="2" name="Imagem 1"/>
-          <p:cNvPicPr>
-            <a:picLocks noChangeAspect="1"/>
-          </p:cNvPicPr>
-          <p:nvPr/>
-        </p:nvPicPr>
-        <p:blipFill rotWithShape="1">
-          <a:blip r:embed="rId3"/>
-          <a:srcRect b="6321"/>
-          <a:stretch/>
-        </p:blipFill>
-        <p:spPr>
-          <a:xfrm>
-            <a:off x="0" y="0"/>
-            <a:ext cx="9144000" cy="4818398"/>
-          </a:xfrm>
-          <a:prstGeom prst="rect">
-            <a:avLst/>
-          </a:prstGeom>
-        </p:spPr>
-      </p:pic>
-    </p:spTree>
-  </p:cSld>
-  <p:clrMapOvr>
-    <a:masterClrMapping/>
-  </p:clrMapOvr>
-  <p:transition spd="med">
-    <p:fade/>
-  </p:transition>
-</p:sld>
-</file>
-
-<file path=ppt/slides/slide16.xml><?xml version="1.0" encoding="utf-8"?>
-<p:sld xmlns:a="http://schemas.openxmlformats.org/drawingml/2006/main" xmlns:r="http://schemas.openxmlformats.org/officeDocument/2006/relationships" xmlns:p="http://schemas.openxmlformats.org/presentationml/2006/main">
-  <p:cSld>
-    <p:spTree>
-      <p:nvGrpSpPr>
-        <p:cNvPr id="1" name=""/>
-        <p:cNvGrpSpPr/>
-        <p:nvPr/>
-      </p:nvGrpSpPr>
-      <p:grpSpPr>
-        <a:xfrm>
-          <a:off x="0" y="0"/>
-          <a:ext cx="0" cy="0"/>
-          <a:chOff x="0" y="0"/>
-          <a:chExt cx="0" cy="0"/>
-        </a:xfrm>
-      </p:grpSpPr>
-      <p:pic>
-        <p:nvPicPr>
-          <p:cNvPr id="5" name="Picture 2" descr="Resultado de imagem para SENAC LOGO PNG">
-            <a:extLst>
-              <a:ext uri="{FF2B5EF4-FFF2-40B4-BE49-F238E27FC236}">
-                <a16:creationId xmlns:a16="http://schemas.microsoft.com/office/drawing/2014/main" id="{7C31DA61-2BE8-4C07-ACCF-C1925FAC9E65}"/>
-              </a:ext>
-            </a:extLst>
-          </p:cNvPr>
-          <p:cNvPicPr>
-            <a:picLocks noChangeAspect="1" noChangeArrowheads="1"/>
-          </p:cNvPicPr>
-          <p:nvPr/>
-        </p:nvPicPr>
-        <p:blipFill>
-          <a:blip r:embed="rId2" cstate="print">
-            <a:extLst>
-              <a:ext uri="{28A0092B-C50C-407E-A947-70E740481C1C}">
-                <a14:useLocalDpi xmlns:a14="http://schemas.microsoft.com/office/drawing/2010/main" val="0"/>
-              </a:ext>
-            </a:extLst>
-          </a:blip>
-          <a:srcRect/>
-          <a:stretch>
-            <a:fillRect/>
-          </a:stretch>
-        </p:blipFill>
-        <p:spPr bwMode="auto">
-          <a:xfrm>
-            <a:off x="8100392" y="6237312"/>
-            <a:ext cx="928216" cy="544038"/>
-          </a:xfrm>
-          <a:prstGeom prst="rect">
-            <a:avLst/>
-          </a:prstGeom>
-          <a:noFill/>
-          <a:extLst>
-            <a:ext uri="{909E8E84-426E-40DD-AFC4-6F175D3DCCD1}">
-              <a14:hiddenFill xmlns:a14="http://schemas.microsoft.com/office/drawing/2010/main">
-                <a:solidFill>
-                  <a:srgbClr val="FFFFFF"/>
-                </a:solidFill>
-              </a14:hiddenFill>
-            </a:ext>
-          </a:extLst>
-        </p:spPr>
-      </p:pic>
-      <p:sp>
-        <p:nvSpPr>
-          <p:cNvPr id="7" name="Retângulo 6"/>
-          <p:cNvSpPr/>
-          <p:nvPr/>
-        </p:nvSpPr>
-        <p:spPr bwMode="auto">
-          <a:xfrm>
-            <a:off x="0" y="0"/>
-            <a:ext cx="251520" cy="6885384"/>
-          </a:xfrm>
-          <a:prstGeom prst="rect">
-            <a:avLst/>
-          </a:prstGeom>
-          <a:solidFill>
-            <a:schemeClr val="bg1"/>
-          </a:solidFill>
-          <a:ln w="9525" cap="flat" cmpd="sng" algn="ctr">
-            <a:solidFill>
-              <a:schemeClr val="bg1"/>
-            </a:solidFill>
-            <a:prstDash val="solid"/>
-            <a:round/>
-            <a:headEnd type="none" w="med" len="med"/>
-            <a:tailEnd type="none" w="med" len="med"/>
-          </a:ln>
-          <a:effectLst/>
-          <a:extLst/>
-        </p:spPr>
-        <p:txBody>
-          <a:bodyPr vert="horz" wrap="square" lIns="91440" tIns="45720" rIns="91440" bIns="45720" numCol="1" rtlCol="0" anchor="t" anchorCtr="0" compatLnSpc="1">
-            <a:prstTxWarp prst="textNoShape">
-              <a:avLst/>
-            </a:prstTxWarp>
-          </a:bodyPr>
-          <a:lstStyle/>
-          <a:p>
-            <a:pPr marL="0" marR="0" indent="0" algn="l" defTabSz="914400" rtl="0" eaLnBrk="0" fontAlgn="base" latinLnBrk="0" hangingPunct="0">
-              <a:lnSpc>
-                <a:spcPct val="100000"/>
-              </a:lnSpc>
-              <a:spcBef>
-                <a:spcPct val="0"/>
-              </a:spcBef>
-              <a:spcAft>
-                <a:spcPct val="0"/>
-              </a:spcAft>
-              <a:buClrTx/>
-              <a:buSzTx/>
-              <a:buFontTx/>
-              <a:buNone/>
-              <a:tabLst/>
-            </a:pPr>
-            <a:endParaRPr kumimoji="0" lang="pt-BR" sz="1800" b="0" i="0" u="none" strike="noStrike" cap="none" normalizeH="0" baseline="0">
-              <a:ln>
-                <a:noFill/>
-              </a:ln>
-              <a:solidFill>
-                <a:schemeClr val="tx1"/>
-              </a:solidFill>
-              <a:effectLst/>
-              <a:latin typeface="Arial" charset="0"/>
-            </a:endParaRPr>
-          </a:p>
-        </p:txBody>
-      </p:sp>
-      <p:pic>
-        <p:nvPicPr>
-          <p:cNvPr id="2" name="Imagem 1"/>
-          <p:cNvPicPr>
-            <a:picLocks noChangeAspect="1"/>
-          </p:cNvPicPr>
-          <p:nvPr/>
-        </p:nvPicPr>
-        <p:blipFill rotWithShape="1">
-          <a:blip r:embed="rId3"/>
-          <a:srcRect b="7160"/>
-          <a:stretch/>
-        </p:blipFill>
-        <p:spPr>
-          <a:xfrm>
-            <a:off x="-1" y="0"/>
-            <a:ext cx="9186043" cy="4797152"/>
-          </a:xfrm>
-          <a:prstGeom prst="rect">
-            <a:avLst/>
-          </a:prstGeom>
-        </p:spPr>
-      </p:pic>
-    </p:spTree>
-  </p:cSld>
-  <p:clrMapOvr>
-    <a:masterClrMapping/>
-  </p:clrMapOvr>
-  <p:transition spd="med">
-    <p:fade/>
-  </p:transition>
-</p:sld>
-</file>
-
-<file path=ppt/slides/slide17.xml><?xml version="1.0" encoding="utf-8"?>
-<p:sld xmlns:a="http://schemas.openxmlformats.org/drawingml/2006/main" xmlns:r="http://schemas.openxmlformats.org/officeDocument/2006/relationships" xmlns:p="http://schemas.openxmlformats.org/presentationml/2006/main">
-  <p:cSld>
-    <p:spTree>
-      <p:nvGrpSpPr>
-        <p:cNvPr id="1" name=""/>
-        <p:cNvGrpSpPr/>
-        <p:nvPr/>
-      </p:nvGrpSpPr>
-      <p:grpSpPr>
-        <a:xfrm>
-          <a:off x="0" y="0"/>
-          <a:ext cx="0" cy="0"/>
-          <a:chOff x="0" y="0"/>
-          <a:chExt cx="0" cy="0"/>
-        </a:xfrm>
-      </p:grpSpPr>
-      <p:pic>
-        <p:nvPicPr>
-          <p:cNvPr id="5" name="Picture 2" descr="Resultado de imagem para SENAC LOGO PNG">
-            <a:extLst>
-              <a:ext uri="{FF2B5EF4-FFF2-40B4-BE49-F238E27FC236}">
-                <a16:creationId xmlns:a16="http://schemas.microsoft.com/office/drawing/2014/main" id="{7C31DA61-2BE8-4C07-ACCF-C1925FAC9E65}"/>
-              </a:ext>
-            </a:extLst>
-          </p:cNvPr>
-          <p:cNvPicPr>
-            <a:picLocks noChangeAspect="1" noChangeArrowheads="1"/>
-          </p:cNvPicPr>
-          <p:nvPr/>
-        </p:nvPicPr>
-        <p:blipFill>
-          <a:blip r:embed="rId2" cstate="print">
-            <a:extLst>
-              <a:ext uri="{28A0092B-C50C-407E-A947-70E740481C1C}">
-                <a14:useLocalDpi xmlns:a14="http://schemas.microsoft.com/office/drawing/2010/main" val="0"/>
-              </a:ext>
-            </a:extLst>
-          </a:blip>
-          <a:srcRect/>
-          <a:stretch>
-            <a:fillRect/>
-          </a:stretch>
-        </p:blipFill>
-        <p:spPr bwMode="auto">
-          <a:xfrm>
-            <a:off x="8100392" y="6237312"/>
-            <a:ext cx="928216" cy="544038"/>
-          </a:xfrm>
-          <a:prstGeom prst="rect">
-            <a:avLst/>
-          </a:prstGeom>
-          <a:noFill/>
-          <a:extLst>
-            <a:ext uri="{909E8E84-426E-40DD-AFC4-6F175D3DCCD1}">
-              <a14:hiddenFill xmlns:a14="http://schemas.microsoft.com/office/drawing/2010/main">
-                <a:solidFill>
-                  <a:srgbClr val="FFFFFF"/>
-                </a:solidFill>
-              </a14:hiddenFill>
-            </a:ext>
-          </a:extLst>
-        </p:spPr>
-      </p:pic>
-      <p:sp>
-        <p:nvSpPr>
-          <p:cNvPr id="7" name="Retângulo 6"/>
-          <p:cNvSpPr/>
-          <p:nvPr/>
-        </p:nvSpPr>
-        <p:spPr bwMode="auto">
-          <a:xfrm>
-            <a:off x="0" y="0"/>
-            <a:ext cx="251520" cy="6885384"/>
-          </a:xfrm>
-          <a:prstGeom prst="rect">
-            <a:avLst/>
-          </a:prstGeom>
-          <a:solidFill>
-            <a:schemeClr val="bg1"/>
-          </a:solidFill>
-          <a:ln w="9525" cap="flat" cmpd="sng" algn="ctr">
-            <a:solidFill>
-              <a:schemeClr val="bg1"/>
-            </a:solidFill>
-            <a:prstDash val="solid"/>
-            <a:round/>
-            <a:headEnd type="none" w="med" len="med"/>
-            <a:tailEnd type="none" w="med" len="med"/>
-          </a:ln>
-          <a:effectLst/>
-          <a:extLst/>
-        </p:spPr>
-        <p:txBody>
-          <a:bodyPr vert="horz" wrap="square" lIns="91440" tIns="45720" rIns="91440" bIns="45720" numCol="1" rtlCol="0" anchor="t" anchorCtr="0" compatLnSpc="1">
-            <a:prstTxWarp prst="textNoShape">
-              <a:avLst/>
-            </a:prstTxWarp>
-          </a:bodyPr>
-          <a:lstStyle/>
-          <a:p>
-            <a:pPr marL="0" marR="0" indent="0" algn="l" defTabSz="914400" rtl="0" eaLnBrk="0" fontAlgn="base" latinLnBrk="0" hangingPunct="0">
-              <a:lnSpc>
-                <a:spcPct val="100000"/>
-              </a:lnSpc>
-              <a:spcBef>
-                <a:spcPct val="0"/>
-              </a:spcBef>
-              <a:spcAft>
-                <a:spcPct val="0"/>
-              </a:spcAft>
-              <a:buClrTx/>
-              <a:buSzTx/>
-              <a:buFontTx/>
-              <a:buNone/>
-              <a:tabLst/>
-            </a:pPr>
-            <a:endParaRPr kumimoji="0" lang="pt-BR" sz="1800" b="0" i="0" u="none" strike="noStrike" cap="none" normalizeH="0" baseline="0">
-              <a:ln>
-                <a:noFill/>
-              </a:ln>
-              <a:solidFill>
-                <a:schemeClr val="tx1"/>
-              </a:solidFill>
-              <a:effectLst/>
-              <a:latin typeface="Arial" charset="0"/>
-            </a:endParaRPr>
-          </a:p>
-        </p:txBody>
-      </p:sp>
-      <p:pic>
-        <p:nvPicPr>
-          <p:cNvPr id="2" name="Imagem 1"/>
-          <p:cNvPicPr>
-            <a:picLocks noChangeAspect="1"/>
-          </p:cNvPicPr>
-          <p:nvPr/>
-        </p:nvPicPr>
-        <p:blipFill rotWithShape="1">
-          <a:blip r:embed="rId3"/>
-          <a:srcRect b="7160"/>
-          <a:stretch/>
-        </p:blipFill>
-        <p:spPr>
-          <a:xfrm>
-            <a:off x="-1" y="0"/>
-            <a:ext cx="9186043" cy="4797152"/>
-          </a:xfrm>
-          <a:prstGeom prst="rect">
-            <a:avLst/>
-          </a:prstGeom>
-        </p:spPr>
-      </p:pic>
-    </p:spTree>
-    <p:extLst>
-      <p:ext uri="{BB962C8B-B14F-4D97-AF65-F5344CB8AC3E}">
-        <p14:creationId xmlns:p14="http://schemas.microsoft.com/office/powerpoint/2010/main" val="3066578396"/>
-      </p:ext>
-    </p:extLst>
-  </p:cSld>
-  <p:clrMapOvr>
-    <a:masterClrMapping/>
-  </p:clrMapOvr>
-  <p:transition spd="med">
-    <p:fade/>
-  </p:transition>
-</p:sld>
-</file>
-
-<file path=ppt/slides/slide18.xml><?xml version="1.0" encoding="utf-8"?>
-<p:sld xmlns:a="http://schemas.openxmlformats.org/drawingml/2006/main" xmlns:r="http://schemas.openxmlformats.org/officeDocument/2006/relationships" xmlns:p="http://schemas.openxmlformats.org/presentationml/2006/main">
-  <p:cSld>
-    <p:spTree>
-      <p:nvGrpSpPr>
-        <p:cNvPr id="1" name=""/>
-        <p:cNvGrpSpPr/>
-        <p:nvPr/>
-      </p:nvGrpSpPr>
-      <p:grpSpPr>
-        <a:xfrm>
-          <a:off x="0" y="0"/>
-          <a:ext cx="0" cy="0"/>
-          <a:chOff x="0" y="0"/>
-          <a:chExt cx="0" cy="0"/>
-        </a:xfrm>
-      </p:grpSpPr>
-      <p:pic>
-        <p:nvPicPr>
-          <p:cNvPr id="5" name="Picture 2" descr="Resultado de imagem para SENAC LOGO PNG">
-            <a:extLst>
-              <a:ext uri="{FF2B5EF4-FFF2-40B4-BE49-F238E27FC236}">
-                <a16:creationId xmlns:a16="http://schemas.microsoft.com/office/drawing/2014/main" id="{7C31DA61-2BE8-4C07-ACCF-C1925FAC9E65}"/>
-              </a:ext>
-            </a:extLst>
-          </p:cNvPr>
-          <p:cNvPicPr>
-            <a:picLocks noChangeAspect="1" noChangeArrowheads="1"/>
-          </p:cNvPicPr>
-          <p:nvPr/>
-        </p:nvPicPr>
-        <p:blipFill>
-          <a:blip r:embed="rId2" cstate="print">
-            <a:extLst>
-              <a:ext uri="{28A0092B-C50C-407E-A947-70E740481C1C}">
-                <a14:useLocalDpi xmlns:a14="http://schemas.microsoft.com/office/drawing/2010/main" val="0"/>
-              </a:ext>
-            </a:extLst>
-          </a:blip>
-          <a:srcRect/>
-          <a:stretch>
-            <a:fillRect/>
-          </a:stretch>
-        </p:blipFill>
-        <p:spPr bwMode="auto">
-          <a:xfrm>
-            <a:off x="8100392" y="6237312"/>
-            <a:ext cx="928216" cy="544038"/>
-          </a:xfrm>
-          <a:prstGeom prst="rect">
-            <a:avLst/>
-          </a:prstGeom>
-          <a:noFill/>
-          <a:extLst>
-            <a:ext uri="{909E8E84-426E-40DD-AFC4-6F175D3DCCD1}">
-              <a14:hiddenFill xmlns:a14="http://schemas.microsoft.com/office/drawing/2010/main">
-                <a:solidFill>
-                  <a:srgbClr val="FFFFFF"/>
-                </a:solidFill>
-              </a14:hiddenFill>
-            </a:ext>
-          </a:extLst>
-        </p:spPr>
-      </p:pic>
-      <p:sp>
-        <p:nvSpPr>
-          <p:cNvPr id="6" name="Retângulo 5"/>
-          <p:cNvSpPr/>
-          <p:nvPr/>
-        </p:nvSpPr>
-        <p:spPr bwMode="auto">
-          <a:xfrm>
-            <a:off x="0" y="0"/>
-            <a:ext cx="251520" cy="6885384"/>
-          </a:xfrm>
-          <a:prstGeom prst="rect">
-            <a:avLst/>
-          </a:prstGeom>
-          <a:solidFill>
-            <a:schemeClr val="bg1"/>
-          </a:solidFill>
-          <a:ln w="9525" cap="flat" cmpd="sng" algn="ctr">
-            <a:solidFill>
-              <a:schemeClr val="bg1"/>
-            </a:solidFill>
-            <a:prstDash val="solid"/>
-            <a:round/>
-            <a:headEnd type="none" w="med" len="med"/>
-            <a:tailEnd type="none" w="med" len="med"/>
-          </a:ln>
-          <a:effectLst/>
-          <a:extLst/>
-        </p:spPr>
-        <p:txBody>
-          <a:bodyPr vert="horz" wrap="square" lIns="91440" tIns="45720" rIns="91440" bIns="45720" numCol="1" rtlCol="0" anchor="t" anchorCtr="0" compatLnSpc="1">
-            <a:prstTxWarp prst="textNoShape">
-              <a:avLst/>
-            </a:prstTxWarp>
-          </a:bodyPr>
-          <a:lstStyle/>
-          <a:p>
-            <a:pPr marL="0" marR="0" indent="0" algn="l" defTabSz="914400" rtl="0" eaLnBrk="0" fontAlgn="base" latinLnBrk="0" hangingPunct="0">
-              <a:lnSpc>
-                <a:spcPct val="100000"/>
-              </a:lnSpc>
-              <a:spcBef>
-                <a:spcPct val="0"/>
-              </a:spcBef>
-              <a:spcAft>
-                <a:spcPct val="0"/>
-              </a:spcAft>
-              <a:buClrTx/>
-              <a:buSzTx/>
-              <a:buFontTx/>
-              <a:buNone/>
-              <a:tabLst/>
-            </a:pPr>
-            <a:endParaRPr kumimoji="0" lang="pt-BR" sz="1800" b="0" i="0" u="none" strike="noStrike" cap="none" normalizeH="0" baseline="0">
-              <a:ln>
-                <a:noFill/>
-              </a:ln>
-              <a:solidFill>
-                <a:schemeClr val="tx1"/>
-              </a:solidFill>
-              <a:effectLst/>
-              <a:latin typeface="Arial" charset="0"/>
-            </a:endParaRPr>
-          </a:p>
-        </p:txBody>
-      </p:sp>
-      <p:pic>
-        <p:nvPicPr>
-          <p:cNvPr id="2" name="Imagem 1"/>
-          <p:cNvPicPr>
-            <a:picLocks noChangeAspect="1"/>
-          </p:cNvPicPr>
-          <p:nvPr/>
-        </p:nvPicPr>
-        <p:blipFill rotWithShape="1">
-          <a:blip r:embed="rId3"/>
-          <a:srcRect b="6321"/>
-          <a:stretch/>
-        </p:blipFill>
-        <p:spPr>
-          <a:xfrm>
-            <a:off x="0" y="4477"/>
-            <a:ext cx="9153729" cy="4823527"/>
-          </a:xfrm>
-          <a:prstGeom prst="rect">
-            <a:avLst/>
-          </a:prstGeom>
-        </p:spPr>
-      </p:pic>
-    </p:spTree>
-    <p:extLst>
-      <p:ext uri="{BB962C8B-B14F-4D97-AF65-F5344CB8AC3E}">
-        <p14:creationId xmlns:p14="http://schemas.microsoft.com/office/powerpoint/2010/main" val="3120090733"/>
-      </p:ext>
-    </p:extLst>
-  </p:cSld>
-  <p:clrMapOvr>
-    <a:masterClrMapping/>
-  </p:clrMapOvr>
-  <p:transition spd="med">
-    <p:fade/>
-  </p:transition>
-</p:sld>
-</file>
-
-<file path=ppt/slides/slide19.xml><?xml version="1.0" encoding="utf-8"?>
-<p:sld xmlns:a="http://schemas.openxmlformats.org/drawingml/2006/main" xmlns:r="http://schemas.openxmlformats.org/officeDocument/2006/relationships" xmlns:p="http://schemas.openxmlformats.org/presentationml/2006/main">
-  <p:cSld>
-    <p:spTree>
-      <p:nvGrpSpPr>
-        <p:cNvPr id="1" name=""/>
-        <p:cNvGrpSpPr/>
-        <p:nvPr/>
-      </p:nvGrpSpPr>
-      <p:grpSpPr>
-        <a:xfrm>
-          <a:off x="0" y="0"/>
-          <a:ext cx="0" cy="0"/>
-          <a:chOff x="0" y="0"/>
-          <a:chExt cx="0" cy="0"/>
-        </a:xfrm>
-      </p:grpSpPr>
-      <p:pic>
-        <p:nvPicPr>
-          <p:cNvPr id="5" name="Picture 2" descr="Resultado de imagem para SENAC LOGO PNG">
-            <a:extLst>
-              <a:ext uri="{FF2B5EF4-FFF2-40B4-BE49-F238E27FC236}">
-                <a16:creationId xmlns:a16="http://schemas.microsoft.com/office/drawing/2014/main" id="{7C31DA61-2BE8-4C07-ACCF-C1925FAC9E65}"/>
-              </a:ext>
-            </a:extLst>
-          </p:cNvPr>
-          <p:cNvPicPr>
-            <a:picLocks noChangeAspect="1" noChangeArrowheads="1"/>
-          </p:cNvPicPr>
-          <p:nvPr/>
-        </p:nvPicPr>
-        <p:blipFill>
-          <a:blip r:embed="rId2" cstate="print">
-            <a:extLst>
-              <a:ext uri="{28A0092B-C50C-407E-A947-70E740481C1C}">
-                <a14:useLocalDpi xmlns:a14="http://schemas.microsoft.com/office/drawing/2010/main" val="0"/>
-              </a:ext>
-            </a:extLst>
-          </a:blip>
-          <a:srcRect/>
-          <a:stretch>
-            <a:fillRect/>
-          </a:stretch>
-        </p:blipFill>
-        <p:spPr bwMode="auto">
-          <a:xfrm>
-            <a:off x="8100392" y="6237312"/>
-            <a:ext cx="928216" cy="544038"/>
-          </a:xfrm>
-          <a:prstGeom prst="rect">
-            <a:avLst/>
-          </a:prstGeom>
-          <a:noFill/>
-          <a:extLst>
-            <a:ext uri="{909E8E84-426E-40DD-AFC4-6F175D3DCCD1}">
-              <a14:hiddenFill xmlns:a14="http://schemas.microsoft.com/office/drawing/2010/main">
-                <a:solidFill>
-                  <a:srgbClr val="FFFFFF"/>
-                </a:solidFill>
-              </a14:hiddenFill>
-            </a:ext>
-          </a:extLst>
-        </p:spPr>
-      </p:pic>
-      <p:sp>
-        <p:nvSpPr>
-          <p:cNvPr id="4" name="Retângulo 3"/>
-          <p:cNvSpPr/>
-          <p:nvPr/>
-        </p:nvSpPr>
-        <p:spPr bwMode="auto">
-          <a:xfrm>
-            <a:off x="0" y="0"/>
-            <a:ext cx="251520" cy="6885384"/>
-          </a:xfrm>
-          <a:prstGeom prst="rect">
-            <a:avLst/>
-          </a:prstGeom>
-          <a:solidFill>
-            <a:schemeClr val="bg1"/>
-          </a:solidFill>
-          <a:ln w="9525" cap="flat" cmpd="sng" algn="ctr">
-            <a:solidFill>
-              <a:schemeClr val="bg1"/>
-            </a:solidFill>
-            <a:prstDash val="solid"/>
-            <a:round/>
-            <a:headEnd type="none" w="med" len="med"/>
-            <a:tailEnd type="none" w="med" len="med"/>
-          </a:ln>
-          <a:effectLst/>
-          <a:extLst/>
-        </p:spPr>
-        <p:txBody>
-          <a:bodyPr vert="horz" wrap="square" lIns="91440" tIns="45720" rIns="91440" bIns="45720" numCol="1" rtlCol="0" anchor="t" anchorCtr="0" compatLnSpc="1">
-            <a:prstTxWarp prst="textNoShape">
-              <a:avLst/>
-            </a:prstTxWarp>
-          </a:bodyPr>
-          <a:lstStyle/>
-          <a:p>
-            <a:pPr marL="0" marR="0" indent="0" algn="l" defTabSz="914400" rtl="0" eaLnBrk="0" fontAlgn="base" latinLnBrk="0" hangingPunct="0">
-              <a:lnSpc>
-                <a:spcPct val="100000"/>
-              </a:lnSpc>
-              <a:spcBef>
-                <a:spcPct val="0"/>
-              </a:spcBef>
-              <a:spcAft>
-                <a:spcPct val="0"/>
-              </a:spcAft>
-              <a:buClrTx/>
-              <a:buSzTx/>
-              <a:buFontTx/>
-              <a:buNone/>
-              <a:tabLst/>
-            </a:pPr>
-            <a:endParaRPr kumimoji="0" lang="pt-BR" sz="1800" b="0" i="0" u="none" strike="noStrike" cap="none" normalizeH="0" baseline="0">
-              <a:ln>
-                <a:noFill/>
-              </a:ln>
-              <a:solidFill>
-                <a:schemeClr val="tx1"/>
-              </a:solidFill>
-              <a:effectLst/>
-              <a:latin typeface="Arial" charset="0"/>
-            </a:endParaRPr>
-          </a:p>
-        </p:txBody>
-      </p:sp>
-      <p:pic>
-        <p:nvPicPr>
-          <p:cNvPr id="2" name="Imagem 1"/>
-          <p:cNvPicPr>
-            <a:picLocks noChangeAspect="1"/>
-          </p:cNvPicPr>
-          <p:nvPr/>
-        </p:nvPicPr>
-        <p:blipFill rotWithShape="1">
-          <a:blip r:embed="rId3"/>
-          <a:srcRect b="6321"/>
-          <a:stretch/>
-        </p:blipFill>
-        <p:spPr>
-          <a:xfrm>
-            <a:off x="1" y="-1"/>
-            <a:ext cx="9180512" cy="4837640"/>
-          </a:xfrm>
-          <a:prstGeom prst="rect">
-            <a:avLst/>
-          </a:prstGeom>
-        </p:spPr>
-      </p:pic>
-    </p:spTree>
-    <p:extLst>
-      <p:ext uri="{BB962C8B-B14F-4D97-AF65-F5344CB8AC3E}">
-        <p14:creationId xmlns:p14="http://schemas.microsoft.com/office/powerpoint/2010/main" val="3268836551"/>
-      </p:ext>
-    </p:extLst>
-  </p:cSld>
-  <p:clrMapOvr>
-    <a:masterClrMapping/>
-  </p:clrMapOvr>
-  <p:transition spd="med">
-    <p:fade/>
-  </p:transition>
-</p:sld>
-</file>
-
-<file path=ppt/slides/slide2.xml><?xml version="1.0" encoding="utf-8"?>
-<p:sld xmlns:a="http://schemas.openxmlformats.org/drawingml/2006/main" xmlns:r="http://schemas.openxmlformats.org/officeDocument/2006/relationships" xmlns:p="http://schemas.openxmlformats.org/presentationml/2006/main">
-  <p:cSld>
-    <p:spTree>
-      <p:nvGrpSpPr>
-        <p:cNvPr id="1" name=""/>
-        <p:cNvGrpSpPr/>
-        <p:nvPr/>
-      </p:nvGrpSpPr>
-      <p:grpSpPr>
-        <a:xfrm>
-          <a:off x="0" y="0"/>
-          <a:ext cx="0" cy="0"/>
-          <a:chOff x="0" y="0"/>
-          <a:chExt cx="0" cy="0"/>
-        </a:xfrm>
-      </p:grpSpPr>
-      <p:sp>
-        <p:nvSpPr>
-          <p:cNvPr id="18434" name="Rectangle 2"/>
-          <p:cNvSpPr>
-            <a:spLocks noGrp="1" noChangeArrowheads="1"/>
-          </p:cNvSpPr>
-          <p:nvPr>
-            <p:ph type="title"/>
-          </p:nvPr>
-        </p:nvSpPr>
-        <p:spPr/>
-        <p:txBody>
-          <a:bodyPr/>
-          <a:lstStyle/>
-          <a:p>
-            <a:r>
-              <a:rPr lang="pt-BR" dirty="0"/>
-              <a:t>SOBRE O PROJETO</a:t>
-            </a:r>
-          </a:p>
-        </p:txBody>
-      </p:sp>
-      <p:sp>
-        <p:nvSpPr>
-          <p:cNvPr id="18435" name="Rectangle 3"/>
-          <p:cNvSpPr>
-            <a:spLocks noGrp="1" noChangeArrowheads="1"/>
-          </p:cNvSpPr>
-          <p:nvPr>
-            <p:ph type="body" idx="1"/>
-          </p:nvPr>
-        </p:nvSpPr>
-        <p:spPr/>
-        <p:txBody>
-          <a:bodyPr/>
-          <a:lstStyle/>
-          <a:p>
-            <a:pPr marL="0" indent="0">
-              <a:buNone/>
-            </a:pPr>
-            <a:r>
-              <a:rPr lang="pt-BR" b="1" dirty="0"/>
-              <a:t>OBJETIVO</a:t>
-            </a:r>
-          </a:p>
-          <a:p>
-            <a:endParaRPr lang="pt-BR" dirty="0"/>
-          </a:p>
-          <a:p>
-            <a:r>
-              <a:rPr lang="pt-BR" dirty="0"/>
-              <a:t>FACILITAR E SISTEMATIZAR AS VENDAS DO BAZAR</a:t>
-            </a:r>
-          </a:p>
-          <a:p>
-            <a:endParaRPr lang="pt-BR" dirty="0"/>
-          </a:p>
-          <a:p>
-            <a:r>
-              <a:rPr lang="pt-BR" dirty="0"/>
-              <a:t>CONTABILIZAR RENDIMENTOS E ENTRADA DE DOAÇÕES</a:t>
-            </a:r>
-          </a:p>
-          <a:p>
-            <a:endParaRPr lang="pt-BR" dirty="0"/>
-          </a:p>
-          <a:p>
-            <a:r>
-              <a:rPr lang="pt-BR" dirty="0"/>
-              <a:t>INFORMAR O QUE FOI MAIS VENDIDO</a:t>
-            </a:r>
-          </a:p>
-          <a:p>
-            <a:endParaRPr lang="pt-BR" dirty="0"/>
-          </a:p>
-        </p:txBody>
-      </p:sp>
-      <p:pic>
-        <p:nvPicPr>
-          <p:cNvPr id="4" name="Picture 2" descr="Resultado de imagem para SENAC LOGO PNG">
-            <a:extLst>
-              <a:ext uri="{FF2B5EF4-FFF2-40B4-BE49-F238E27FC236}">
-                <a16:creationId xmlns:a16="http://schemas.microsoft.com/office/drawing/2014/main" id="{BE9FCA3B-9D43-4489-BB1F-1C6D1AFAAD2E}"/>
-              </a:ext>
-            </a:extLst>
-          </p:cNvPr>
-          <p:cNvPicPr>
-            <a:picLocks noChangeAspect="1" noChangeArrowheads="1"/>
-          </p:cNvPicPr>
-          <p:nvPr/>
-        </p:nvPicPr>
-        <p:blipFill>
-          <a:blip r:embed="rId2" cstate="print">
-            <a:extLst>
-              <a:ext uri="{28A0092B-C50C-407E-A947-70E740481C1C}">
-                <a14:useLocalDpi xmlns:a14="http://schemas.microsoft.com/office/drawing/2010/main" val="0"/>
-              </a:ext>
-            </a:extLst>
-          </a:blip>
-          <a:srcRect/>
-          <a:stretch>
-            <a:fillRect/>
-          </a:stretch>
-        </p:blipFill>
-        <p:spPr bwMode="auto">
-          <a:xfrm>
-            <a:off x="8100392" y="6237312"/>
-            <a:ext cx="928216" cy="544038"/>
-          </a:xfrm>
-          <a:prstGeom prst="rect">
-            <a:avLst/>
-          </a:prstGeom>
-          <a:noFill/>
-          <a:extLst>
-            <a:ext uri="{909E8E84-426E-40DD-AFC4-6F175D3DCCD1}">
-              <a14:hiddenFill xmlns:a14="http://schemas.microsoft.com/office/drawing/2010/main">
-                <a:solidFill>
-                  <a:srgbClr val="FFFFFF"/>
-                </a:solidFill>
-              </a14:hiddenFill>
-            </a:ext>
-          </a:extLst>
-        </p:spPr>
-      </p:pic>
-    </p:spTree>
-  </p:cSld>
-  <p:clrMapOvr>
-    <a:masterClrMapping/>
-  </p:clrMapOvr>
-  <p:transition spd="med">
-    <p:fade/>
-  </p:transition>
-</p:sld>
-</file>
-
-<file path=ppt/slides/slide20.xml><?xml version="1.0" encoding="utf-8"?>
-<p:sld xmlns:a="http://schemas.openxmlformats.org/drawingml/2006/main" xmlns:r="http://schemas.openxmlformats.org/officeDocument/2006/relationships" xmlns:p="http://schemas.openxmlformats.org/presentationml/2006/main">
-  <p:cSld>
-    <p:spTree>
-      <p:nvGrpSpPr>
-        <p:cNvPr id="1" name=""/>
-        <p:cNvGrpSpPr/>
-        <p:nvPr/>
-      </p:nvGrpSpPr>
-      <p:grpSpPr>
-        <a:xfrm>
-          <a:off x="0" y="0"/>
-          <a:ext cx="0" cy="0"/>
-          <a:chOff x="0" y="0"/>
-          <a:chExt cx="0" cy="0"/>
-        </a:xfrm>
-      </p:grpSpPr>
-      <p:pic>
-        <p:nvPicPr>
-          <p:cNvPr id="5" name="Picture 2" descr="Resultado de imagem para SENAC LOGO PNG">
-            <a:extLst>
-              <a:ext uri="{FF2B5EF4-FFF2-40B4-BE49-F238E27FC236}">
-                <a16:creationId xmlns:a16="http://schemas.microsoft.com/office/drawing/2014/main" id="{7C31DA61-2BE8-4C07-ACCF-C1925FAC9E65}"/>
-              </a:ext>
-            </a:extLst>
-          </p:cNvPr>
-          <p:cNvPicPr>
-            <a:picLocks noChangeAspect="1" noChangeArrowheads="1"/>
-          </p:cNvPicPr>
-          <p:nvPr/>
-        </p:nvPicPr>
-        <p:blipFill>
-          <a:blip r:embed="rId2" cstate="print">
-            <a:extLst>
-              <a:ext uri="{28A0092B-C50C-407E-A947-70E740481C1C}">
-                <a14:useLocalDpi xmlns:a14="http://schemas.microsoft.com/office/drawing/2010/main" val="0"/>
-              </a:ext>
-            </a:extLst>
-          </a:blip>
-          <a:srcRect/>
-          <a:stretch>
-            <a:fillRect/>
-          </a:stretch>
-        </p:blipFill>
-        <p:spPr bwMode="auto">
-          <a:xfrm>
-            <a:off x="8100392" y="6237312"/>
-            <a:ext cx="928216" cy="544038"/>
-          </a:xfrm>
-          <a:prstGeom prst="rect">
-            <a:avLst/>
-          </a:prstGeom>
-          <a:noFill/>
-          <a:extLst>
-            <a:ext uri="{909E8E84-426E-40DD-AFC4-6F175D3DCCD1}">
-              <a14:hiddenFill xmlns:a14="http://schemas.microsoft.com/office/drawing/2010/main">
-                <a:solidFill>
-                  <a:srgbClr val="FFFFFF"/>
-                </a:solidFill>
-              </a14:hiddenFill>
-            </a:ext>
-          </a:extLst>
-        </p:spPr>
-      </p:pic>
-      <p:sp>
-        <p:nvSpPr>
-          <p:cNvPr id="4" name="Retângulo 3"/>
-          <p:cNvSpPr/>
-          <p:nvPr/>
-        </p:nvSpPr>
-        <p:spPr bwMode="auto">
-          <a:xfrm>
-            <a:off x="-32930" y="0"/>
-            <a:ext cx="500474" cy="6858000"/>
-          </a:xfrm>
-          <a:prstGeom prst="rect">
-            <a:avLst/>
-          </a:prstGeom>
-          <a:solidFill>
-            <a:schemeClr val="bg1"/>
-          </a:solidFill>
-          <a:ln w="9525" cap="flat" cmpd="sng" algn="ctr">
-            <a:solidFill>
-              <a:schemeClr val="bg1"/>
-            </a:solidFill>
-            <a:prstDash val="solid"/>
-            <a:round/>
-            <a:headEnd type="none" w="med" len="med"/>
-            <a:tailEnd type="none" w="med" len="med"/>
-          </a:ln>
-          <a:effectLst/>
-          <a:extLst/>
-        </p:spPr>
-        <p:txBody>
-          <a:bodyPr vert="horz" wrap="square" lIns="91440" tIns="45720" rIns="91440" bIns="45720" numCol="1" rtlCol="0" anchor="t" anchorCtr="0" compatLnSpc="1">
-            <a:prstTxWarp prst="textNoShape">
-              <a:avLst/>
-            </a:prstTxWarp>
-          </a:bodyPr>
-          <a:lstStyle/>
-          <a:p>
-            <a:pPr marL="0" marR="0" indent="0" algn="l" defTabSz="914400" rtl="0" eaLnBrk="0" fontAlgn="base" latinLnBrk="0" hangingPunct="0">
-              <a:lnSpc>
-                <a:spcPct val="100000"/>
-              </a:lnSpc>
-              <a:spcBef>
-                <a:spcPct val="0"/>
-              </a:spcBef>
-              <a:spcAft>
-                <a:spcPct val="0"/>
-              </a:spcAft>
-              <a:buClrTx/>
-              <a:buSzTx/>
-              <a:buFontTx/>
-              <a:buNone/>
-              <a:tabLst/>
-            </a:pPr>
-            <a:endParaRPr kumimoji="0" lang="pt-BR" sz="1800" b="0" i="0" u="none" strike="noStrike" cap="none" normalizeH="0" baseline="0">
-              <a:ln>
-                <a:noFill/>
-              </a:ln>
-              <a:solidFill>
-                <a:schemeClr val="tx1"/>
-              </a:solidFill>
-              <a:effectLst/>
-              <a:latin typeface="Arial" charset="0"/>
-            </a:endParaRPr>
-          </a:p>
-        </p:txBody>
-      </p:sp>
-      <p:pic>
-        <p:nvPicPr>
-          <p:cNvPr id="2" name="Imagem 1"/>
-          <p:cNvPicPr>
-            <a:picLocks noChangeAspect="1"/>
-          </p:cNvPicPr>
-          <p:nvPr/>
-        </p:nvPicPr>
-        <p:blipFill rotWithShape="1">
-          <a:blip r:embed="rId3"/>
-          <a:srcRect b="7160"/>
-          <a:stretch/>
-        </p:blipFill>
-        <p:spPr>
-          <a:xfrm>
-            <a:off x="-32930" y="0"/>
-            <a:ext cx="9176930" cy="4792391"/>
-          </a:xfrm>
-          <a:prstGeom prst="rect">
-            <a:avLst/>
-          </a:prstGeom>
-        </p:spPr>
-      </p:pic>
-    </p:spTree>
-    <p:extLst>
-      <p:ext uri="{BB962C8B-B14F-4D97-AF65-F5344CB8AC3E}">
-        <p14:creationId xmlns:p14="http://schemas.microsoft.com/office/powerpoint/2010/main" val="932243358"/>
-      </p:ext>
-    </p:extLst>
-  </p:cSld>
-  <p:clrMapOvr>
-    <a:masterClrMapping/>
-  </p:clrMapOvr>
-  <p:transition spd="med">
-    <p:fade/>
-  </p:transition>
-</p:sld>
-</file>
-
-<file path=ppt/slides/slide3.xml><?xml version="1.0" encoding="utf-8"?>
-<p:sld xmlns:a="http://schemas.openxmlformats.org/drawingml/2006/main" xmlns:r="http://schemas.openxmlformats.org/officeDocument/2006/relationships" xmlns:p="http://schemas.openxmlformats.org/presentationml/2006/main">
-  <p:cSld>
-    <p:spTree>
-      <p:nvGrpSpPr>
-        <p:cNvPr id="1" name=""/>
-        <p:cNvGrpSpPr/>
-        <p:nvPr/>
-      </p:nvGrpSpPr>
-      <p:grpSpPr>
-        <a:xfrm>
-          <a:off x="0" y="0"/>
-          <a:ext cx="0" cy="0"/>
-          <a:chOff x="0" y="0"/>
-          <a:chExt cx="0" cy="0"/>
-        </a:xfrm>
-      </p:grpSpPr>
-      <p:sp>
-        <p:nvSpPr>
-          <p:cNvPr id="2050" name="Rectangle 2"/>
-          <p:cNvSpPr>
-            <a:spLocks noGrp="1" noChangeArrowheads="1"/>
-          </p:cNvSpPr>
-          <p:nvPr>
-            <p:ph type="ctrTitle"/>
-          </p:nvPr>
-        </p:nvSpPr>
-        <p:spPr/>
-        <p:txBody>
-          <a:bodyPr/>
-          <a:lstStyle/>
-          <a:p>
-            <a:r>
-              <a:rPr lang="pt-BR" dirty="0"/>
-              <a:t>PROJETO INTEGRADOR</a:t>
-            </a:r>
-          </a:p>
-        </p:txBody>
-      </p:sp>
-      <p:sp>
-        <p:nvSpPr>
-          <p:cNvPr id="2051" name="Rectangle 3"/>
-          <p:cNvSpPr>
-            <a:spLocks noGrp="1" noChangeArrowheads="1"/>
-          </p:cNvSpPr>
-          <p:nvPr>
-            <p:ph type="subTitle" idx="1"/>
-          </p:nvPr>
-        </p:nvSpPr>
-        <p:spPr/>
-        <p:txBody>
-          <a:bodyPr/>
-          <a:lstStyle/>
-          <a:p>
-            <a:r>
-              <a:rPr lang="pt-BR" b="1" dirty="0"/>
-              <a:t>ALUNOS</a:t>
-            </a:r>
-          </a:p>
-          <a:p>
-            <a:r>
-              <a:rPr lang="pt-BR" sz="2800" b="1" dirty="0"/>
-              <a:t>ALICE, ANDRÉ, NATÁLIA E YAN</a:t>
-            </a:r>
-          </a:p>
-          <a:p>
-            <a:endParaRPr lang="pt-BR" sz="2800" b="1" dirty="0"/>
-          </a:p>
-          <a:p>
-            <a:r>
-              <a:rPr lang="pt-BR" b="1" dirty="0"/>
-              <a:t>PROFESSORES</a:t>
-            </a:r>
-          </a:p>
-          <a:p>
-            <a:r>
-              <a:rPr lang="pt-BR" sz="2800" b="1" dirty="0"/>
-              <a:t>ELDES, RODRIGO E SALMO</a:t>
-            </a:r>
-            <a:endParaRPr lang="pt-BR" sz="2800" dirty="0"/>
-          </a:p>
-        </p:txBody>
-      </p:sp>
-      <p:pic>
-        <p:nvPicPr>
-          <p:cNvPr id="1026" name="Picture 2" descr="Resultado de imagem para SENAC LOGO PNG">
-            <a:extLst>
-              <a:ext uri="{FF2B5EF4-FFF2-40B4-BE49-F238E27FC236}">
-                <a16:creationId xmlns:a16="http://schemas.microsoft.com/office/drawing/2014/main" id="{8C6E2A77-5B82-4F7F-8C0E-AD4D699CB5FF}"/>
-              </a:ext>
-            </a:extLst>
-          </p:cNvPr>
-          <p:cNvPicPr>
-            <a:picLocks noChangeAspect="1" noChangeArrowheads="1"/>
-          </p:cNvPicPr>
-          <p:nvPr/>
-        </p:nvPicPr>
-        <p:blipFill>
-          <a:blip r:embed="rId3" cstate="print">
-            <a:extLst>
-              <a:ext uri="{28A0092B-C50C-407E-A947-70E740481C1C}">
-                <a14:useLocalDpi xmlns:a14="http://schemas.microsoft.com/office/drawing/2010/main" val="0"/>
-              </a:ext>
-            </a:extLst>
-          </a:blip>
-          <a:srcRect/>
-          <a:stretch>
-            <a:fillRect/>
-          </a:stretch>
-        </p:blipFill>
-        <p:spPr bwMode="auto">
-          <a:xfrm>
-            <a:off x="7596336" y="5923571"/>
-            <a:ext cx="1365080" cy="800090"/>
-          </a:xfrm>
-          <a:prstGeom prst="rect">
-            <a:avLst/>
-          </a:prstGeom>
-          <a:noFill/>
-          <a:extLst>
-            <a:ext uri="{909E8E84-426E-40DD-AFC4-6F175D3DCCD1}">
-              <a14:hiddenFill xmlns:a14="http://schemas.microsoft.com/office/drawing/2010/main">
-                <a:solidFill>
-                  <a:srgbClr val="FFFFFF"/>
-                </a:solidFill>
-              </a14:hiddenFill>
-            </a:ext>
-          </a:extLst>
-        </p:spPr>
-      </p:pic>
-      <p:pic>
-        <p:nvPicPr>
-          <p:cNvPr id="3" name="Imagem 2">
-            <a:extLst>
-              <a:ext uri="{FF2B5EF4-FFF2-40B4-BE49-F238E27FC236}">
-                <a16:creationId xmlns:a16="http://schemas.microsoft.com/office/drawing/2014/main" id="{86B752F1-33E6-4FCC-9A1D-E4282A41C685}"/>
-              </a:ext>
-            </a:extLst>
-          </p:cNvPr>
-          <p:cNvPicPr>
-            <a:picLocks noChangeAspect="1"/>
-          </p:cNvPicPr>
-          <p:nvPr/>
-        </p:nvPicPr>
-        <p:blipFill>
-          <a:blip r:embed="rId4">
-            <a:extLst>
-              <a:ext uri="{28A0092B-C50C-407E-A947-70E740481C1C}">
-                <a14:useLocalDpi xmlns:a14="http://schemas.microsoft.com/office/drawing/2010/main" val="0"/>
-              </a:ext>
-            </a:extLst>
-          </a:blip>
-          <a:stretch>
-            <a:fillRect/>
-          </a:stretch>
-        </p:blipFill>
-        <p:spPr>
-          <a:xfrm>
-            <a:off x="183023" y="5923571"/>
-            <a:ext cx="2228106" cy="794892"/>
-          </a:xfrm>
-          <a:prstGeom prst="rect">
-            <a:avLst/>
-          </a:prstGeom>
-        </p:spPr>
-      </p:pic>
-    </p:spTree>
-    <p:extLst>
-      <p:ext uri="{BB962C8B-B14F-4D97-AF65-F5344CB8AC3E}">
-        <p14:creationId xmlns:p14="http://schemas.microsoft.com/office/powerpoint/2010/main" val="747050"/>
-      </p:ext>
-    </p:extLst>
-  </p:cSld>
-  <p:clrMapOvr>
-    <a:masterClrMapping/>
-  </p:clrMapOvr>
-  <p:transition spd="med">
-    <p:fade/>
-  </p:transition>
-</p:sld>
-</file>
-
-<file path=ppt/slides/slide4.xml><?xml version="1.0" encoding="utf-8"?>
-<p:sld xmlns:a="http://schemas.openxmlformats.org/drawingml/2006/main" xmlns:r="http://schemas.openxmlformats.org/officeDocument/2006/relationships" xmlns:p="http://schemas.openxmlformats.org/presentationml/2006/main">
-  <p:cSld>
-    <p:spTree>
-      <p:nvGrpSpPr>
-        <p:cNvPr id="1" name=""/>
-        <p:cNvGrpSpPr/>
-        <p:nvPr/>
-      </p:nvGrpSpPr>
-      <p:grpSpPr>
-        <a:xfrm>
-          <a:off x="0" y="0"/>
-          <a:ext cx="0" cy="0"/>
-          <a:chOff x="0" y="0"/>
-          <a:chExt cx="0" cy="0"/>
-        </a:xfrm>
-      </p:grpSpPr>
-      <p:sp>
-        <p:nvSpPr>
-          <p:cNvPr id="2050" name="Rectangle 2"/>
-          <p:cNvSpPr>
-            <a:spLocks noGrp="1" noChangeArrowheads="1"/>
-          </p:cNvSpPr>
-          <p:nvPr>
-            <p:ph type="ctrTitle"/>
-          </p:nvPr>
-        </p:nvSpPr>
-        <p:spPr/>
-        <p:txBody>
-          <a:bodyPr/>
-          <a:lstStyle/>
-          <a:p>
-            <a:r>
-              <a:rPr lang="pt-BR" dirty="0"/>
-              <a:t>TELAS DO USUÁRIO</a:t>
-            </a:r>
-          </a:p>
-        </p:txBody>
-      </p:sp>
-      <p:pic>
-        <p:nvPicPr>
-          <p:cNvPr id="6" name="Picture 2" descr="Resultado de imagem para SENAC LOGO PNG">
-            <a:extLst>
-              <a:ext uri="{FF2B5EF4-FFF2-40B4-BE49-F238E27FC236}">
-                <a16:creationId xmlns:a16="http://schemas.microsoft.com/office/drawing/2014/main" id="{8E0CD0C8-2CB4-4691-AD9B-732C161DBED7}"/>
-              </a:ext>
-            </a:extLst>
-          </p:cNvPr>
-          <p:cNvPicPr>
-            <a:picLocks noChangeAspect="1" noChangeArrowheads="1"/>
-          </p:cNvPicPr>
-          <p:nvPr/>
-        </p:nvPicPr>
-        <p:blipFill>
-          <a:blip r:embed="rId3" cstate="print">
-            <a:extLst>
-              <a:ext uri="{28A0092B-C50C-407E-A947-70E740481C1C}">
-                <a14:useLocalDpi xmlns:a14="http://schemas.microsoft.com/office/drawing/2010/main" val="0"/>
-              </a:ext>
-            </a:extLst>
-          </a:blip>
-          <a:srcRect/>
-          <a:stretch>
-            <a:fillRect/>
-          </a:stretch>
-        </p:blipFill>
-        <p:spPr bwMode="auto">
-          <a:xfrm>
-            <a:off x="8100392" y="6237312"/>
-            <a:ext cx="928216" cy="544038"/>
-          </a:xfrm>
-          <a:prstGeom prst="rect">
-            <a:avLst/>
-          </a:prstGeom>
-          <a:noFill/>
-          <a:extLst>
-            <a:ext uri="{909E8E84-426E-40DD-AFC4-6F175D3DCCD1}">
-              <a14:hiddenFill xmlns:a14="http://schemas.microsoft.com/office/drawing/2010/main">
-                <a:solidFill>
-                  <a:srgbClr val="FFFFFF"/>
-                </a:solidFill>
-              </a14:hiddenFill>
-            </a:ext>
-          </a:extLst>
-        </p:spPr>
-      </p:pic>
-    </p:spTree>
-    <p:extLst>
-      <p:ext uri="{BB962C8B-B14F-4D97-AF65-F5344CB8AC3E}">
-        <p14:creationId xmlns:p14="http://schemas.microsoft.com/office/powerpoint/2010/main" val="2998186356"/>
-      </p:ext>
-    </p:extLst>
-  </p:cSld>
-  <p:clrMapOvr>
-    <a:masterClrMapping/>
-  </p:clrMapOvr>
-  <p:transition spd="med">
-    <p:fade/>
-  </p:transition>
-</p:sld>
-</file>
-
-<file path=ppt/slides/slide5.xml><?xml version="1.0" encoding="utf-8"?>
-<p:sld xmlns:a="http://schemas.openxmlformats.org/drawingml/2006/main" xmlns:r="http://schemas.openxmlformats.org/officeDocument/2006/relationships" xmlns:p="http://schemas.openxmlformats.org/presentationml/2006/main">
-  <p:cSld>
-    <p:spTree>
-      <p:nvGrpSpPr>
-        <p:cNvPr id="1" name=""/>
-        <p:cNvGrpSpPr/>
-        <p:nvPr/>
-      </p:nvGrpSpPr>
-      <p:grpSpPr>
-        <a:xfrm>
-          <a:off x="0" y="0"/>
-          <a:ext cx="0" cy="0"/>
-          <a:chOff x="0" y="0"/>
-          <a:chExt cx="0" cy="0"/>
-        </a:xfrm>
-      </p:grpSpPr>
-      <p:sp>
-        <p:nvSpPr>
-          <p:cNvPr id="3" name="Retângulo 2"/>
-          <p:cNvSpPr/>
-          <p:nvPr/>
-        </p:nvSpPr>
-        <p:spPr bwMode="auto">
-          <a:xfrm>
-            <a:off x="0" y="0"/>
-            <a:ext cx="251520" cy="6885384"/>
-          </a:xfrm>
-          <a:prstGeom prst="rect">
-            <a:avLst/>
-          </a:prstGeom>
-          <a:solidFill>
-            <a:schemeClr val="bg1"/>
-          </a:solidFill>
-          <a:ln w="9525" cap="flat" cmpd="sng" algn="ctr">
-            <a:solidFill>
-              <a:schemeClr val="bg1"/>
-            </a:solidFill>
-            <a:prstDash val="solid"/>
-            <a:round/>
-            <a:headEnd type="none" w="med" len="med"/>
-            <a:tailEnd type="none" w="med" len="med"/>
-          </a:ln>
-          <a:effectLst/>
-          <a:extLst/>
-        </p:spPr>
-        <p:txBody>
-          <a:bodyPr vert="horz" wrap="square" lIns="91440" tIns="45720" rIns="91440" bIns="45720" numCol="1" rtlCol="0" anchor="t" anchorCtr="0" compatLnSpc="1">
-            <a:prstTxWarp prst="textNoShape">
-              <a:avLst/>
-            </a:prstTxWarp>
-          </a:bodyPr>
-          <a:lstStyle/>
-          <a:p>
-            <a:pPr marL="0" marR="0" indent="0" algn="l" defTabSz="914400" rtl="0" eaLnBrk="0" fontAlgn="base" latinLnBrk="0" hangingPunct="0">
-              <a:lnSpc>
-                <a:spcPct val="100000"/>
-              </a:lnSpc>
-              <a:spcBef>
-                <a:spcPct val="0"/>
-              </a:spcBef>
-              <a:spcAft>
-                <a:spcPct val="0"/>
-              </a:spcAft>
-              <a:buClrTx/>
-              <a:buSzTx/>
-              <a:buFontTx/>
-              <a:buNone/>
-              <a:tabLst/>
-            </a:pPr>
-            <a:endParaRPr kumimoji="0" lang="pt-BR" sz="1800" b="0" i="0" u="none" strike="noStrike" cap="none" normalizeH="0" baseline="0">
-              <a:ln>
-                <a:noFill/>
-              </a:ln>
-              <a:solidFill>
-                <a:schemeClr val="tx1"/>
-              </a:solidFill>
-              <a:effectLst/>
-              <a:latin typeface="Arial" charset="0"/>
-            </a:endParaRPr>
-          </a:p>
-        </p:txBody>
-      </p:sp>
-      <p:pic>
-        <p:nvPicPr>
-          <p:cNvPr id="9" name="Imagem 8">
-            <a:extLst>
-              <a:ext uri="{FF2B5EF4-FFF2-40B4-BE49-F238E27FC236}">
-                <a16:creationId xmlns:a16="http://schemas.microsoft.com/office/drawing/2014/main" id="{D8B093B2-F7B6-42EA-99D9-5213008E8554}"/>
-              </a:ext>
-            </a:extLst>
-          </p:cNvPr>
-          <p:cNvPicPr>
-            <a:picLocks noChangeAspect="1"/>
-          </p:cNvPicPr>
-          <p:nvPr/>
-        </p:nvPicPr>
-        <p:blipFill rotWithShape="1">
-          <a:blip r:embed="rId2">
-            <a:extLst>
-              <a:ext uri="{28A0092B-C50C-407E-A947-70E740481C1C}">
-                <a14:useLocalDpi xmlns:a14="http://schemas.microsoft.com/office/drawing/2010/main" val="0"/>
-              </a:ext>
-            </a:extLst>
-          </a:blip>
-          <a:srcRect t="1400"/>
-          <a:stretch/>
-        </p:blipFill>
-        <p:spPr>
-          <a:xfrm>
-            <a:off x="-2437538" y="0"/>
-            <a:ext cx="14107450" cy="6885384"/>
-          </a:xfrm>
-          <a:prstGeom prst="rect">
-            <a:avLst/>
-          </a:prstGeom>
-        </p:spPr>
-      </p:pic>
-    </p:spTree>
-    <p:extLst>
-      <p:ext uri="{BB962C8B-B14F-4D97-AF65-F5344CB8AC3E}">
-        <p14:creationId xmlns:p14="http://schemas.microsoft.com/office/powerpoint/2010/main" val="391730549"/>
-      </p:ext>
-    </p:extLst>
-  </p:cSld>
-  <p:clrMapOvr>
-    <a:masterClrMapping/>
-  </p:clrMapOvr>
-</p:sld>
-</file>
-
-<file path=ppt/slides/slide6.xml><?xml version="1.0" encoding="utf-8"?>
-<p:sld xmlns:a="http://schemas.openxmlformats.org/drawingml/2006/main" xmlns:r="http://schemas.openxmlformats.org/officeDocument/2006/relationships" xmlns:p="http://schemas.openxmlformats.org/presentationml/2006/main">
-  <p:cSld>
-    <p:spTree>
-      <p:nvGrpSpPr>
-        <p:cNvPr id="1" name=""/>
-        <p:cNvGrpSpPr/>
-        <p:nvPr/>
-      </p:nvGrpSpPr>
-      <p:grpSpPr>
-        <a:xfrm>
-          <a:off x="0" y="0"/>
-          <a:ext cx="0" cy="0"/>
-          <a:chOff x="0" y="0"/>
-          <a:chExt cx="0" cy="0"/>
-        </a:xfrm>
-      </p:grpSpPr>
-      <p:sp>
-        <p:nvSpPr>
-          <p:cNvPr id="3" name="Retângulo 2"/>
-          <p:cNvSpPr/>
-          <p:nvPr/>
-        </p:nvSpPr>
-        <p:spPr bwMode="auto">
-          <a:xfrm>
-            <a:off x="0" y="0"/>
-            <a:ext cx="251520" cy="6885384"/>
-          </a:xfrm>
-          <a:prstGeom prst="rect">
-            <a:avLst/>
-          </a:prstGeom>
-          <a:solidFill>
-            <a:schemeClr val="bg1"/>
-          </a:solidFill>
-          <a:ln w="9525" cap="flat" cmpd="sng" algn="ctr">
-            <a:solidFill>
-              <a:schemeClr val="bg1"/>
-            </a:solidFill>
-            <a:prstDash val="solid"/>
-            <a:round/>
-            <a:headEnd type="none" w="med" len="med"/>
-            <a:tailEnd type="none" w="med" len="med"/>
-          </a:ln>
-          <a:effectLst/>
-          <a:extLst/>
-        </p:spPr>
-        <p:txBody>
-          <a:bodyPr vert="horz" wrap="square" lIns="91440" tIns="45720" rIns="91440" bIns="45720" numCol="1" rtlCol="0" anchor="t" anchorCtr="0" compatLnSpc="1">
-            <a:prstTxWarp prst="textNoShape">
-              <a:avLst/>
-            </a:prstTxWarp>
-          </a:bodyPr>
-          <a:lstStyle/>
-          <a:p>
-            <a:pPr marL="0" marR="0" indent="0" algn="l" defTabSz="914400" rtl="0" eaLnBrk="0" fontAlgn="base" latinLnBrk="0" hangingPunct="0">
-              <a:lnSpc>
-                <a:spcPct val="100000"/>
-              </a:lnSpc>
-              <a:spcBef>
-                <a:spcPct val="0"/>
-              </a:spcBef>
-              <a:spcAft>
-                <a:spcPct val="0"/>
-              </a:spcAft>
-              <a:buClrTx/>
-              <a:buSzTx/>
-              <a:buFontTx/>
-              <a:buNone/>
-              <a:tabLst/>
-            </a:pPr>
-            <a:endParaRPr kumimoji="0" lang="pt-BR" sz="1800" b="0" i="0" u="none" strike="noStrike" cap="none" normalizeH="0" baseline="0">
-              <a:ln>
-                <a:noFill/>
-              </a:ln>
-              <a:solidFill>
-                <a:schemeClr val="tx1"/>
-              </a:solidFill>
-              <a:effectLst/>
-              <a:latin typeface="Arial" charset="0"/>
-            </a:endParaRPr>
-          </a:p>
-        </p:txBody>
-      </p:sp>
-      <p:pic>
-        <p:nvPicPr>
-          <p:cNvPr id="2" name="Imagem 1"/>
-          <p:cNvPicPr>
-            <a:picLocks noChangeAspect="1"/>
-          </p:cNvPicPr>
-          <p:nvPr/>
-        </p:nvPicPr>
-        <p:blipFill rotWithShape="1">
-          <a:blip r:embed="rId2"/>
-          <a:srcRect b="4640"/>
-          <a:stretch/>
-        </p:blipFill>
-        <p:spPr>
-          <a:xfrm>
-            <a:off x="0" y="0"/>
-            <a:ext cx="9144000" cy="4904809"/>
-          </a:xfrm>
-          <a:prstGeom prst="rect">
-            <a:avLst/>
-          </a:prstGeom>
-        </p:spPr>
-      </p:pic>
-      <p:pic>
-        <p:nvPicPr>
-          <p:cNvPr id="4" name="Picture 2" descr="Resultado de imagem para SENAC LOGO PNG">
-            <a:extLst>
-              <a:ext uri="{FF2B5EF4-FFF2-40B4-BE49-F238E27FC236}">
-                <a16:creationId xmlns:a16="http://schemas.microsoft.com/office/drawing/2014/main" id="{52AB468E-34B9-4C9F-9286-D7E741189D85}"/>
-              </a:ext>
-            </a:extLst>
-          </p:cNvPr>
-          <p:cNvPicPr>
-            <a:picLocks noChangeAspect="1" noChangeArrowheads="1"/>
-          </p:cNvPicPr>
-          <p:nvPr/>
-        </p:nvPicPr>
-        <p:blipFill>
-          <a:blip r:embed="rId3" cstate="print">
-            <a:extLst>
-              <a:ext uri="{28A0092B-C50C-407E-A947-70E740481C1C}">
-                <a14:useLocalDpi xmlns:a14="http://schemas.microsoft.com/office/drawing/2010/main" val="0"/>
-              </a:ext>
-            </a:extLst>
-          </a:blip>
-          <a:srcRect/>
-          <a:stretch>
-            <a:fillRect/>
-          </a:stretch>
-        </p:blipFill>
-        <p:spPr bwMode="auto">
-          <a:xfrm>
-            <a:off x="8100392" y="6237312"/>
-            <a:ext cx="928216" cy="544038"/>
-          </a:xfrm>
-          <a:prstGeom prst="rect">
-            <a:avLst/>
-          </a:prstGeom>
-          <a:noFill/>
-          <a:extLst>
-            <a:ext uri="{909E8E84-426E-40DD-AFC4-6F175D3DCCD1}">
-              <a14:hiddenFill xmlns:a14="http://schemas.microsoft.com/office/drawing/2010/main">
-                <a:solidFill>
-                  <a:srgbClr val="FFFFFF"/>
-                </a:solidFill>
-              </a14:hiddenFill>
-            </a:ext>
-          </a:extLst>
-        </p:spPr>
-      </p:pic>
-    </p:spTree>
-    <p:extLst>
-      <p:ext uri="{BB962C8B-B14F-4D97-AF65-F5344CB8AC3E}">
-        <p14:creationId xmlns:p14="http://schemas.microsoft.com/office/powerpoint/2010/main" val="1103876547"/>
-      </p:ext>
-    </p:extLst>
-  </p:cSld>
-  <p:clrMapOvr>
-    <a:masterClrMapping/>
-  </p:clrMapOvr>
-</p:sld>
-</file>
-
-<file path=ppt/slides/slide7.xml><?xml version="1.0" encoding="utf-8"?>
-<p:sld xmlns:a="http://schemas.openxmlformats.org/drawingml/2006/main" xmlns:r="http://schemas.openxmlformats.org/officeDocument/2006/relationships" xmlns:p="http://schemas.openxmlformats.org/presentationml/2006/main">
-  <p:cSld>
-    <p:spTree>
-      <p:nvGrpSpPr>
-        <p:cNvPr id="1" name=""/>
-        <p:cNvGrpSpPr/>
-        <p:nvPr/>
-      </p:nvGrpSpPr>
-      <p:grpSpPr>
-        <a:xfrm>
-          <a:off x="0" y="0"/>
-          <a:ext cx="0" cy="0"/>
-          <a:chOff x="0" y="0"/>
-          <a:chExt cx="0" cy="0"/>
-        </a:xfrm>
-      </p:grpSpPr>
-      <p:sp>
-        <p:nvSpPr>
-          <p:cNvPr id="3" name="Retângulo 2"/>
-          <p:cNvSpPr/>
-          <p:nvPr/>
-        </p:nvSpPr>
-        <p:spPr bwMode="auto">
-          <a:xfrm>
-            <a:off x="0" y="0"/>
-            <a:ext cx="251520" cy="6885384"/>
-          </a:xfrm>
-          <a:prstGeom prst="rect">
-            <a:avLst/>
-          </a:prstGeom>
-          <a:solidFill>
-            <a:schemeClr val="bg1"/>
-          </a:solidFill>
-          <a:ln w="9525" cap="flat" cmpd="sng" algn="ctr">
-            <a:solidFill>
-              <a:schemeClr val="bg1"/>
-            </a:solidFill>
-            <a:prstDash val="solid"/>
-            <a:round/>
-            <a:headEnd type="none" w="med" len="med"/>
-            <a:tailEnd type="none" w="med" len="med"/>
-          </a:ln>
-          <a:effectLst/>
-          <a:extLst/>
-        </p:spPr>
-        <p:txBody>
-          <a:bodyPr vert="horz" wrap="square" lIns="91440" tIns="45720" rIns="91440" bIns="45720" numCol="1" rtlCol="0" anchor="t" anchorCtr="0" compatLnSpc="1">
-            <a:prstTxWarp prst="textNoShape">
-              <a:avLst/>
-            </a:prstTxWarp>
-          </a:bodyPr>
-          <a:lstStyle/>
-          <a:p>
-            <a:pPr marL="0" marR="0" indent="0" algn="l" defTabSz="914400" rtl="0" eaLnBrk="0" fontAlgn="base" latinLnBrk="0" hangingPunct="0">
-              <a:lnSpc>
-                <a:spcPct val="100000"/>
-              </a:lnSpc>
-              <a:spcBef>
-                <a:spcPct val="0"/>
-              </a:spcBef>
-              <a:spcAft>
-                <a:spcPct val="0"/>
-              </a:spcAft>
-              <a:buClrTx/>
-              <a:buSzTx/>
-              <a:buFontTx/>
-              <a:buNone/>
-              <a:tabLst/>
-            </a:pPr>
-            <a:endParaRPr kumimoji="0" lang="pt-BR" sz="1800" b="0" i="0" u="none" strike="noStrike" cap="none" normalizeH="0" baseline="0">
-              <a:ln>
-                <a:noFill/>
-              </a:ln>
-              <a:solidFill>
-                <a:schemeClr val="tx1"/>
-              </a:solidFill>
-              <a:effectLst/>
-              <a:latin typeface="Arial" charset="0"/>
-            </a:endParaRPr>
-          </a:p>
-        </p:txBody>
-      </p:sp>
-      <p:pic>
-        <p:nvPicPr>
-          <p:cNvPr id="2" name="Imagem 1"/>
-          <p:cNvPicPr>
-            <a:picLocks noChangeAspect="1"/>
-          </p:cNvPicPr>
-          <p:nvPr/>
-        </p:nvPicPr>
-        <p:blipFill rotWithShape="1">
-          <a:blip r:embed="rId2"/>
-          <a:srcRect b="4640"/>
-          <a:stretch/>
-        </p:blipFill>
-        <p:spPr>
-          <a:xfrm>
-            <a:off x="0" y="-27384"/>
-            <a:ext cx="9144000" cy="4904809"/>
-          </a:xfrm>
-          <a:prstGeom prst="rect">
-            <a:avLst/>
-          </a:prstGeom>
-        </p:spPr>
-      </p:pic>
-      <p:pic>
-        <p:nvPicPr>
-          <p:cNvPr id="4" name="Picture 2" descr="Resultado de imagem para SENAC LOGO PNG">
-            <a:extLst>
-              <a:ext uri="{FF2B5EF4-FFF2-40B4-BE49-F238E27FC236}">
-                <a16:creationId xmlns:a16="http://schemas.microsoft.com/office/drawing/2014/main" id="{52AB468E-34B9-4C9F-9286-D7E741189D85}"/>
-              </a:ext>
-            </a:extLst>
-          </p:cNvPr>
-          <p:cNvPicPr>
-            <a:picLocks noChangeAspect="1" noChangeArrowheads="1"/>
-          </p:cNvPicPr>
-          <p:nvPr/>
-        </p:nvPicPr>
-        <p:blipFill>
-          <a:blip r:embed="rId3" cstate="print">
-            <a:extLst>
-              <a:ext uri="{28A0092B-C50C-407E-A947-70E740481C1C}">
-                <a14:useLocalDpi xmlns:a14="http://schemas.microsoft.com/office/drawing/2010/main" val="0"/>
-              </a:ext>
-            </a:extLst>
-          </a:blip>
-          <a:srcRect/>
-          <a:stretch>
-            <a:fillRect/>
-          </a:stretch>
-        </p:blipFill>
-        <p:spPr bwMode="auto">
-          <a:xfrm>
-            <a:off x="8100392" y="6237312"/>
-            <a:ext cx="928216" cy="544038"/>
-          </a:xfrm>
-          <a:prstGeom prst="rect">
-            <a:avLst/>
-          </a:prstGeom>
-          <a:noFill/>
-          <a:extLst>
-            <a:ext uri="{909E8E84-426E-40DD-AFC4-6F175D3DCCD1}">
-              <a14:hiddenFill xmlns:a14="http://schemas.microsoft.com/office/drawing/2010/main">
-                <a:solidFill>
-                  <a:srgbClr val="FFFFFF"/>
-                </a:solidFill>
-              </a14:hiddenFill>
-            </a:ext>
-          </a:extLst>
-        </p:spPr>
-      </p:pic>
-    </p:spTree>
-    <p:extLst>
-      <p:ext uri="{BB962C8B-B14F-4D97-AF65-F5344CB8AC3E}">
-        <p14:creationId xmlns:p14="http://schemas.microsoft.com/office/powerpoint/2010/main" val="2061939166"/>
-      </p:ext>
-    </p:extLst>
-  </p:cSld>
-  <p:clrMapOvr>
-    <a:masterClrMapping/>
-  </p:clrMapOvr>
-</p:sld>
-</file>
-
-<file path=ppt/slides/slide8.xml><?xml version="1.0" encoding="utf-8"?>
-<p:sld xmlns:a="http://schemas.openxmlformats.org/drawingml/2006/main" xmlns:r="http://schemas.openxmlformats.org/officeDocument/2006/relationships" xmlns:p="http://schemas.openxmlformats.org/presentationml/2006/main">
-  <p:cSld>
-    <p:spTree>
-      <p:nvGrpSpPr>
-        <p:cNvPr id="1" name=""/>
-        <p:cNvGrpSpPr/>
-        <p:nvPr/>
-      </p:nvGrpSpPr>
-      <p:grpSpPr>
-        <a:xfrm>
-          <a:off x="0" y="0"/>
-          <a:ext cx="0" cy="0"/>
-          <a:chOff x="0" y="0"/>
-          <a:chExt cx="0" cy="0"/>
-        </a:xfrm>
-      </p:grpSpPr>
-      <p:sp>
-        <p:nvSpPr>
-          <p:cNvPr id="3" name="Retângulo 2"/>
-          <p:cNvSpPr/>
-          <p:nvPr/>
-        </p:nvSpPr>
-        <p:spPr bwMode="auto">
-          <a:xfrm>
-            <a:off x="0" y="0"/>
-            <a:ext cx="251520" cy="6885384"/>
-          </a:xfrm>
-          <a:prstGeom prst="rect">
-            <a:avLst/>
-          </a:prstGeom>
-          <a:solidFill>
-            <a:schemeClr val="bg1"/>
-          </a:solidFill>
-          <a:ln w="9525" cap="flat" cmpd="sng" algn="ctr">
-            <a:solidFill>
-              <a:schemeClr val="bg1"/>
-            </a:solidFill>
-            <a:prstDash val="solid"/>
-            <a:round/>
-            <a:headEnd type="none" w="med" len="med"/>
-            <a:tailEnd type="none" w="med" len="med"/>
-          </a:ln>
-          <a:effectLst/>
-          <a:extLst/>
-        </p:spPr>
-        <p:txBody>
-          <a:bodyPr vert="horz" wrap="square" lIns="91440" tIns="45720" rIns="91440" bIns="45720" numCol="1" rtlCol="0" anchor="t" anchorCtr="0" compatLnSpc="1">
-            <a:prstTxWarp prst="textNoShape">
-              <a:avLst/>
-            </a:prstTxWarp>
-          </a:bodyPr>
-          <a:lstStyle/>
-          <a:p>
-            <a:pPr marL="0" marR="0" indent="0" algn="l" defTabSz="914400" rtl="0" eaLnBrk="0" fontAlgn="base" latinLnBrk="0" hangingPunct="0">
-              <a:lnSpc>
-                <a:spcPct val="100000"/>
-              </a:lnSpc>
-              <a:spcBef>
-                <a:spcPct val="0"/>
-              </a:spcBef>
-              <a:spcAft>
-                <a:spcPct val="0"/>
-              </a:spcAft>
-              <a:buClrTx/>
-              <a:buSzTx/>
-              <a:buFontTx/>
-              <a:buNone/>
-              <a:tabLst/>
-            </a:pPr>
-            <a:endParaRPr kumimoji="0" lang="pt-BR" sz="1800" b="0" i="0" u="none" strike="noStrike" cap="none" normalizeH="0" baseline="0">
-              <a:ln>
-                <a:noFill/>
-              </a:ln>
-              <a:solidFill>
-                <a:schemeClr val="tx1"/>
-              </a:solidFill>
-              <a:effectLst/>
-              <a:latin typeface="Arial" charset="0"/>
-            </a:endParaRPr>
-          </a:p>
-        </p:txBody>
-      </p:sp>
-      <p:pic>
-        <p:nvPicPr>
-          <p:cNvPr id="2" name="Imagem 1"/>
-          <p:cNvPicPr>
-            <a:picLocks noChangeAspect="1"/>
-          </p:cNvPicPr>
-          <p:nvPr/>
-        </p:nvPicPr>
-        <p:blipFill rotWithShape="1">
-          <a:blip r:embed="rId2"/>
-          <a:srcRect b="4640"/>
-          <a:stretch/>
-        </p:blipFill>
-        <p:spPr>
-          <a:xfrm>
-            <a:off x="0" y="0"/>
-            <a:ext cx="9144000" cy="4904810"/>
-          </a:xfrm>
-          <a:prstGeom prst="rect">
-            <a:avLst/>
-          </a:prstGeom>
-        </p:spPr>
-      </p:pic>
-      <p:pic>
-        <p:nvPicPr>
-          <p:cNvPr id="4" name="Picture 2" descr="Resultado de imagem para SENAC LOGO PNG">
-            <a:extLst>
-              <a:ext uri="{FF2B5EF4-FFF2-40B4-BE49-F238E27FC236}">
-                <a16:creationId xmlns:a16="http://schemas.microsoft.com/office/drawing/2014/main" id="{52AB468E-34B9-4C9F-9286-D7E741189D85}"/>
-              </a:ext>
-            </a:extLst>
-          </p:cNvPr>
-          <p:cNvPicPr>
-            <a:picLocks noChangeAspect="1" noChangeArrowheads="1"/>
-          </p:cNvPicPr>
-          <p:nvPr/>
-        </p:nvPicPr>
-        <p:blipFill>
-          <a:blip r:embed="rId3" cstate="print">
-            <a:extLst>
-              <a:ext uri="{28A0092B-C50C-407E-A947-70E740481C1C}">
-                <a14:useLocalDpi xmlns:a14="http://schemas.microsoft.com/office/drawing/2010/main" val="0"/>
-              </a:ext>
-            </a:extLst>
-          </a:blip>
-          <a:srcRect/>
-          <a:stretch>
-            <a:fillRect/>
-          </a:stretch>
-        </p:blipFill>
-        <p:spPr bwMode="auto">
-          <a:xfrm>
-            <a:off x="8100392" y="6237312"/>
-            <a:ext cx="928216" cy="544038"/>
-          </a:xfrm>
-          <a:prstGeom prst="rect">
-            <a:avLst/>
-          </a:prstGeom>
-          <a:noFill/>
-          <a:extLst>
-            <a:ext uri="{909E8E84-426E-40DD-AFC4-6F175D3DCCD1}">
-              <a14:hiddenFill xmlns:a14="http://schemas.microsoft.com/office/drawing/2010/main">
-                <a:solidFill>
-                  <a:srgbClr val="FFFFFF"/>
-                </a:solidFill>
-              </a14:hiddenFill>
-            </a:ext>
-          </a:extLst>
-        </p:spPr>
-      </p:pic>
-    </p:spTree>
-    <p:extLst>
-      <p:ext uri="{BB962C8B-B14F-4D97-AF65-F5344CB8AC3E}">
-        <p14:creationId xmlns:p14="http://schemas.microsoft.com/office/powerpoint/2010/main" val="3071098688"/>
-      </p:ext>
-    </p:extLst>
-  </p:cSld>
-  <p:clrMapOvr>
-    <a:masterClrMapping/>
-  </p:clrMapOvr>
-</p:sld>
-</file>
-
-<file path=ppt/slides/slide9.xml><?xml version="1.0" encoding="utf-8"?>
-<p:sld xmlns:a="http://schemas.openxmlformats.org/drawingml/2006/main" xmlns:r="http://schemas.openxmlformats.org/officeDocument/2006/relationships" xmlns:p="http://schemas.openxmlformats.org/presentationml/2006/main">
-  <p:cSld>
-    <p:spTree>
-      <p:nvGrpSpPr>
-        <p:cNvPr id="1" name=""/>
-        <p:cNvGrpSpPr/>
-        <p:nvPr/>
-      </p:nvGrpSpPr>
-      <p:grpSpPr>
-        <a:xfrm>
-          <a:off x="0" y="0"/>
-          <a:ext cx="0" cy="0"/>
-          <a:chOff x="0" y="0"/>
-          <a:chExt cx="0" cy="0"/>
-        </a:xfrm>
-      </p:grpSpPr>
-      <p:sp>
-        <p:nvSpPr>
-          <p:cNvPr id="4" name="Retângulo 3"/>
-          <p:cNvSpPr/>
-          <p:nvPr/>
-        </p:nvSpPr>
-        <p:spPr bwMode="auto">
-          <a:xfrm>
-            <a:off x="-36512" y="-2312"/>
-            <a:ext cx="432048" cy="6858000"/>
-          </a:xfrm>
-          <a:prstGeom prst="rect">
-            <a:avLst/>
-          </a:prstGeom>
-          <a:solidFill>
-            <a:schemeClr val="bg1"/>
-          </a:solidFill>
-          <a:ln w="9525" cap="flat" cmpd="sng" algn="ctr">
-            <a:solidFill>
-              <a:schemeClr val="bg1"/>
-            </a:solidFill>
-            <a:prstDash val="solid"/>
-            <a:round/>
-            <a:headEnd type="none" w="med" len="med"/>
-            <a:tailEnd type="none" w="med" len="med"/>
-          </a:ln>
-          <a:effectLst/>
-          <a:extLst/>
-        </p:spPr>
-        <p:txBody>
-          <a:bodyPr vert="horz" wrap="square" lIns="91440" tIns="45720" rIns="91440" bIns="45720" numCol="1" rtlCol="0" anchor="t" anchorCtr="0" compatLnSpc="1">
-            <a:prstTxWarp prst="textNoShape">
-              <a:avLst/>
-            </a:prstTxWarp>
-          </a:bodyPr>
-          <a:lstStyle/>
-          <a:p>
-            <a:pPr marL="0" marR="0" indent="0" algn="l" defTabSz="914400" rtl="0" eaLnBrk="0" fontAlgn="base" latinLnBrk="0" hangingPunct="0">
-              <a:lnSpc>
-                <a:spcPct val="100000"/>
-              </a:lnSpc>
-              <a:spcBef>
-                <a:spcPct val="0"/>
-              </a:spcBef>
-              <a:spcAft>
-                <a:spcPct val="0"/>
-              </a:spcAft>
-              <a:buClrTx/>
-              <a:buSzTx/>
-              <a:buFontTx/>
-              <a:buNone/>
-              <a:tabLst/>
-            </a:pPr>
-            <a:endParaRPr kumimoji="0" lang="pt-BR" sz="1800" b="0" i="0" u="none" strike="noStrike" cap="none" normalizeH="0" baseline="0">
-              <a:ln>
-                <a:noFill/>
-              </a:ln>
-              <a:solidFill>
-                <a:schemeClr val="tx1"/>
-              </a:solidFill>
-              <a:effectLst/>
-              <a:latin typeface="Arial" charset="0"/>
-            </a:endParaRPr>
-          </a:p>
-        </p:txBody>
-      </p:sp>
-      <p:pic>
-        <p:nvPicPr>
-          <p:cNvPr id="2" name="Imagem 1"/>
-          <p:cNvPicPr>
-            <a:picLocks noChangeAspect="1"/>
-          </p:cNvPicPr>
-          <p:nvPr/>
-        </p:nvPicPr>
-        <p:blipFill rotWithShape="1">
-          <a:blip r:embed="rId2"/>
-          <a:srcRect b="5480"/>
-          <a:stretch/>
-        </p:blipFill>
-        <p:spPr>
-          <a:xfrm>
-            <a:off x="-36512" y="0"/>
-            <a:ext cx="9158213" cy="4869160"/>
-          </a:xfrm>
-          <a:prstGeom prst="rect">
-            <a:avLst/>
-          </a:prstGeom>
-        </p:spPr>
-      </p:pic>
-      <p:pic>
-        <p:nvPicPr>
-          <p:cNvPr id="3" name="Picture 2" descr="Resultado de imagem para SENAC LOGO PNG">
-            <a:extLst>
-              <a:ext uri="{FF2B5EF4-FFF2-40B4-BE49-F238E27FC236}">
-                <a16:creationId xmlns:a16="http://schemas.microsoft.com/office/drawing/2014/main" id="{52AB468E-34B9-4C9F-9286-D7E741189D85}"/>
-              </a:ext>
-            </a:extLst>
-          </p:cNvPr>
-          <p:cNvPicPr>
-            <a:picLocks noChangeAspect="1" noChangeArrowheads="1"/>
-          </p:cNvPicPr>
-          <p:nvPr/>
-        </p:nvPicPr>
-        <p:blipFill>
-          <a:blip r:embed="rId3" cstate="print">
-            <a:extLst>
-              <a:ext uri="{28A0092B-C50C-407E-A947-70E740481C1C}">
-                <a14:useLocalDpi xmlns:a14="http://schemas.microsoft.com/office/drawing/2010/main" val="0"/>
-              </a:ext>
-            </a:extLst>
-          </a:blip>
-          <a:srcRect/>
-          <a:stretch>
-            <a:fillRect/>
-          </a:stretch>
-        </p:blipFill>
-        <p:spPr bwMode="auto">
-          <a:xfrm>
-            <a:off x="8100392" y="6237312"/>
-            <a:ext cx="928216" cy="544038"/>
-          </a:xfrm>
-          <a:prstGeom prst="rect">
-            <a:avLst/>
-          </a:prstGeom>
-          <a:noFill/>
-          <a:extLst>
-            <a:ext uri="{909E8E84-426E-40DD-AFC4-6F175D3DCCD1}">
-              <a14:hiddenFill xmlns:a14="http://schemas.microsoft.com/office/drawing/2010/main">
-                <a:solidFill>
-                  <a:srgbClr val="FFFFFF"/>
-                </a:solidFill>
-              </a14:hiddenFill>
-            </a:ext>
-          </a:extLst>
-        </p:spPr>
-      </p:pic>
-    </p:spTree>
-    <p:extLst>
-      <p:ext uri="{BB962C8B-B14F-4D97-AF65-F5344CB8AC3E}">
-        <p14:creationId xmlns:p14="http://schemas.microsoft.com/office/powerpoint/2010/main" val="772518610"/>
       </p:ext>
     </p:extLst>
   </p:cSld>
